--- a/Presentation/Proect3_Group3.pptx
+++ b/Presentation/Proect3_Group3.pptx
@@ -3406,8 +3406,8 @@
         </p:nvSpPr>
         <p:spPr>
           <a:xfrm>
-            <a:off x="0" y="1033272"/>
-            <a:ext cx="12192000" cy="369332"/>
+            <a:off x="0" y="964585"/>
+            <a:ext cx="12192000" cy="307777"/>
           </a:xfrm>
           <a:prstGeom prst="rect">
             <a:avLst/>
@@ -3422,9 +3422,79 @@
           <a:p>
             <a:pPr algn="ctr"/>
             <a:r>
-              <a:rPr lang="en-US" dirty="0"/>
+              <a:rPr lang="en-US" sz="1400" dirty="0"/>
               <a:t>Jim piper, Lee Julia, Lu Ann, Walgama Jay</a:t>
             </a:r>
+          </a:p>
+        </p:txBody>
+      </p:sp>
+      <p:sp>
+        <p:nvSpPr>
+          <p:cNvPr id="5" name="TextBox 4">
+            <a:extLst>
+              <a:ext uri="{FF2B5EF4-FFF2-40B4-BE49-F238E27FC236}">
+                <a16:creationId xmlns:a16="http://schemas.microsoft.com/office/drawing/2014/main" id="{FD28AF83-D9E7-1048-AE8B-28A0B0876A75}"/>
+              </a:ext>
+            </a:extLst>
+          </p:cNvPr>
+          <p:cNvSpPr txBox="1"/>
+          <p:nvPr/>
+        </p:nvSpPr>
+        <p:spPr>
+          <a:xfrm>
+            <a:off x="0" y="2967335"/>
+            <a:ext cx="12192000" cy="923330"/>
+          </a:xfrm>
+          <a:prstGeom prst="rect">
+            <a:avLst/>
+          </a:prstGeom>
+          <a:noFill/>
+        </p:spPr>
+        <p:txBody>
+          <a:bodyPr wrap="square" rtlCol="0">
+            <a:spAutoFit/>
+          </a:bodyPr>
+          <a:lstStyle/>
+          <a:p>
+            <a:pPr algn="ctr"/>
+            <a:endParaRPr lang="en-US" b="0" dirty="0">
+              <a:solidFill>
+                <a:srgbClr val="D4D4D4"/>
+              </a:solidFill>
+              <a:effectLst/>
+              <a:highlight>
+                <a:srgbClr val="1E1E1E"/>
+              </a:highlight>
+              <a:latin typeface="Arial Rounded MT Bold" panose="020F0704030504030204" pitchFamily="34" charset="0"/>
+            </a:endParaRPr>
+          </a:p>
+          <a:p>
+            <a:pPr algn="ctr"/>
+            <a:r>
+              <a:rPr lang="en-US" b="1" dirty="0">
+                <a:solidFill>
+                  <a:srgbClr val="444444"/>
+                </a:solidFill>
+                <a:highlight>
+                  <a:srgbClr val="FFFFFF"/>
+                </a:highlight>
+                <a:latin typeface="Arial Rounded MT Bold" panose="020F0704030504030204" pitchFamily="34" charset="0"/>
+              </a:rPr>
+              <a:t>MLB Players from 1876-2015 Birthplaces </a:t>
+            </a:r>
+          </a:p>
+          <a:p>
+            <a:pPr algn="ctr"/>
+            <a:endParaRPr lang="en-US" b="0" i="0" dirty="0">
+              <a:solidFill>
+                <a:srgbClr val="444444"/>
+              </a:solidFill>
+              <a:effectLst/>
+              <a:highlight>
+                <a:srgbClr val="FFFFFF"/>
+              </a:highlight>
+              <a:latin typeface="Arial Rounded MT Bold" panose="020F0704030504030204" pitchFamily="34" charset="0"/>
+            </a:endParaRPr>
           </a:p>
         </p:txBody>
       </p:sp>

--- a/Presentation/Proect3_Group3.pptx
+++ b/Presentation/Proect3_Group3.pptx
@@ -7,6 +7,9 @@
   <p:sldIdLst>
     <p:sldId id="257" r:id="rId2"/>
     <p:sldId id="256" r:id="rId3"/>
+    <p:sldId id="259" r:id="rId4"/>
+    <p:sldId id="258" r:id="rId5"/>
+    <p:sldId id="260" r:id="rId6"/>
   </p:sldIdLst>
   <p:sldSz cx="12192000" cy="6858000"/>
   <p:notesSz cx="6858000" cy="9144000"/>
@@ -111,6 +114,168 @@
     </p:ext>
   </p:extLst>
 </p:presentation>
+</file>
+
+<file path=ppt/revisionInfo.xml><?xml version="1.0" encoding="utf-8"?>
+<p1510:revInfo xmlns:a="http://schemas.openxmlformats.org/drawingml/2006/main" xmlns:r="http://schemas.openxmlformats.org/officeDocument/2006/relationships" xmlns:p1510="http://schemas.microsoft.com/office/powerpoint/2015/10/main">
+  <p1510:revLst>
+    <p1510:client id="{C9DAFF7B-E82D-426E-BEF2-3502DB69F227}" v="15" dt="2024-07-23T01:05:46.393"/>
+  </p1510:revLst>
+</p1510:revInfo>
+</file>
+
+<file path=ppt/changesInfos/changesInfo1.xml><?xml version="1.0" encoding="utf-8"?>
+<pc:chgInfo xmlns:a="http://schemas.openxmlformats.org/drawingml/2006/main" xmlns:r="http://schemas.openxmlformats.org/officeDocument/2006/relationships" xmlns:ac="http://schemas.microsoft.com/office/drawing/2013/main/command" xmlns:pc="http://schemas.microsoft.com/office/powerpoint/2013/main/command">
+  <pc:docChgLst>
+    <pc:chgData name="Julia Lee" userId="717c3f08ebd32c59" providerId="LiveId" clId="{C9DAFF7B-E82D-426E-BEF2-3502DB69F227}"/>
+    <pc:docChg chg="undo custSel addSld modSld">
+      <pc:chgData name="Julia Lee" userId="717c3f08ebd32c59" providerId="LiveId" clId="{C9DAFF7B-E82D-426E-BEF2-3502DB69F227}" dt="2024-07-23T01:35:14.960" v="1425" actId="20577"/>
+      <pc:docMkLst>
+        <pc:docMk/>
+      </pc:docMkLst>
+      <pc:sldChg chg="modSp mod">
+        <pc:chgData name="Julia Lee" userId="717c3f08ebd32c59" providerId="LiveId" clId="{C9DAFF7B-E82D-426E-BEF2-3502DB69F227}" dt="2024-07-23T00:49:11.891" v="254" actId="20577"/>
+        <pc:sldMkLst>
+          <pc:docMk/>
+          <pc:sldMk cId="1528074873" sldId="257"/>
+        </pc:sldMkLst>
+        <pc:spChg chg="mod">
+          <ac:chgData name="Julia Lee" userId="717c3f08ebd32c59" providerId="LiveId" clId="{C9DAFF7B-E82D-426E-BEF2-3502DB69F227}" dt="2024-07-23T00:49:11.891" v="254" actId="20577"/>
+          <ac:spMkLst>
+            <pc:docMk/>
+            <pc:sldMk cId="1528074873" sldId="257"/>
+            <ac:spMk id="5" creationId="{FD28AF83-D9E7-1048-AE8B-28A0B0876A75}"/>
+          </ac:spMkLst>
+        </pc:spChg>
+      </pc:sldChg>
+      <pc:sldChg chg="addSp modSp new mod">
+        <pc:chgData name="Julia Lee" userId="717c3f08ebd32c59" providerId="LiveId" clId="{C9DAFF7B-E82D-426E-BEF2-3502DB69F227}" dt="2024-07-23T00:38:51.137" v="83" actId="1076"/>
+        <pc:sldMkLst>
+          <pc:docMk/>
+          <pc:sldMk cId="1764377541" sldId="258"/>
+        </pc:sldMkLst>
+        <pc:spChg chg="add mod">
+          <ac:chgData name="Julia Lee" userId="717c3f08ebd32c59" providerId="LiveId" clId="{C9DAFF7B-E82D-426E-BEF2-3502DB69F227}" dt="2024-07-23T00:38:51.137" v="83" actId="1076"/>
+          <ac:spMkLst>
+            <pc:docMk/>
+            <pc:sldMk cId="1764377541" sldId="258"/>
+            <ac:spMk id="2" creationId="{2B5C7060-12C1-81F6-15ED-38862A7083C0}"/>
+          </ac:spMkLst>
+        </pc:spChg>
+      </pc:sldChg>
+      <pc:sldChg chg="addSp delSp modSp new mod">
+        <pc:chgData name="Julia Lee" userId="717c3f08ebd32c59" providerId="LiveId" clId="{C9DAFF7B-E82D-426E-BEF2-3502DB69F227}" dt="2024-07-23T01:09:49.999" v="561" actId="1076"/>
+        <pc:sldMkLst>
+          <pc:docMk/>
+          <pc:sldMk cId="2678295895" sldId="259"/>
+        </pc:sldMkLst>
+        <pc:spChg chg="mod">
+          <ac:chgData name="Julia Lee" userId="717c3f08ebd32c59" providerId="LiveId" clId="{C9DAFF7B-E82D-426E-BEF2-3502DB69F227}" dt="2024-07-23T01:09:07.380" v="556" actId="122"/>
+          <ac:spMkLst>
+            <pc:docMk/>
+            <pc:sldMk cId="2678295895" sldId="259"/>
+            <ac:spMk id="2" creationId="{94480CDE-0596-3908-ABFD-5C1496ADEC9F}"/>
+          </ac:spMkLst>
+        </pc:spChg>
+        <pc:spChg chg="mod">
+          <ac:chgData name="Julia Lee" userId="717c3f08ebd32c59" providerId="LiveId" clId="{C9DAFF7B-E82D-426E-BEF2-3502DB69F227}" dt="2024-07-23T01:05:04.954" v="546" actId="14100"/>
+          <ac:spMkLst>
+            <pc:docMk/>
+            <pc:sldMk cId="2678295895" sldId="259"/>
+            <ac:spMk id="3" creationId="{914DB7D4-97B2-A3F8-A16B-935904CD3FC7}"/>
+          </ac:spMkLst>
+        </pc:spChg>
+        <pc:spChg chg="del mod">
+          <ac:chgData name="Julia Lee" userId="717c3f08ebd32c59" providerId="LiveId" clId="{C9DAFF7B-E82D-426E-BEF2-3502DB69F227}" dt="2024-07-23T00:58:36.326" v="492"/>
+          <ac:spMkLst>
+            <pc:docMk/>
+            <pc:sldMk cId="2678295895" sldId="259"/>
+            <ac:spMk id="4" creationId="{8EE40EAC-D79B-2778-1363-AB0D9A855DD4}"/>
+          </ac:spMkLst>
+        </pc:spChg>
+        <pc:spChg chg="mod">
+          <ac:chgData name="Julia Lee" userId="717c3f08ebd32c59" providerId="LiveId" clId="{C9DAFF7B-E82D-426E-BEF2-3502DB69F227}" dt="2024-07-23T01:05:36.343" v="547" actId="14100"/>
+          <ac:spMkLst>
+            <pc:docMk/>
+            <pc:sldMk cId="2678295895" sldId="259"/>
+            <ac:spMk id="5" creationId="{BC33F81F-9E24-6EF9-3C0F-F7A770801425}"/>
+          </ac:spMkLst>
+        </pc:spChg>
+        <pc:spChg chg="mod">
+          <ac:chgData name="Julia Lee" userId="717c3f08ebd32c59" providerId="LiveId" clId="{C9DAFF7B-E82D-426E-BEF2-3502DB69F227}" dt="2024-07-23T01:07:03.862" v="549" actId="13926"/>
+          <ac:spMkLst>
+            <pc:docMk/>
+            <pc:sldMk cId="2678295895" sldId="259"/>
+            <ac:spMk id="6" creationId="{27176CFA-8933-52DC-3EB7-7B2DA8BA6A28}"/>
+          </ac:spMkLst>
+        </pc:spChg>
+        <pc:spChg chg="add mod">
+          <ac:chgData name="Julia Lee" userId="717c3f08ebd32c59" providerId="LiveId" clId="{C9DAFF7B-E82D-426E-BEF2-3502DB69F227}" dt="2024-07-23T01:08:05.752" v="555" actId="12"/>
+          <ac:spMkLst>
+            <pc:docMk/>
+            <pc:sldMk cId="2678295895" sldId="259"/>
+            <ac:spMk id="7" creationId="{B61C15AC-85F8-04C4-C52B-83D59D8E797E}"/>
+          </ac:spMkLst>
+        </pc:spChg>
+        <pc:spChg chg="add mod">
+          <ac:chgData name="Julia Lee" userId="717c3f08ebd32c59" providerId="LiveId" clId="{C9DAFF7B-E82D-426E-BEF2-3502DB69F227}" dt="2024-07-23T01:09:49.999" v="561" actId="1076"/>
+          <ac:spMkLst>
+            <pc:docMk/>
+            <pc:sldMk cId="2678295895" sldId="259"/>
+            <ac:spMk id="8" creationId="{7D88B952-CCCB-99BB-D9DD-65DFD3E82F4A}"/>
+          </ac:spMkLst>
+        </pc:spChg>
+        <pc:spChg chg="add">
+          <ac:chgData name="Julia Lee" userId="717c3f08ebd32c59" providerId="LiveId" clId="{C9DAFF7B-E82D-426E-BEF2-3502DB69F227}" dt="2024-07-23T01:01:48.119" v="534"/>
+          <ac:spMkLst>
+            <pc:docMk/>
+            <pc:sldMk cId="2678295895" sldId="259"/>
+            <ac:spMk id="9" creationId="{0FB69D43-6FF9-D1BE-F742-308C9CB79762}"/>
+          </ac:spMkLst>
+        </pc:spChg>
+        <pc:spChg chg="add">
+          <ac:chgData name="Julia Lee" userId="717c3f08ebd32c59" providerId="LiveId" clId="{C9DAFF7B-E82D-426E-BEF2-3502DB69F227}" dt="2024-07-23T01:01:54.593" v="535"/>
+          <ac:spMkLst>
+            <pc:docMk/>
+            <pc:sldMk cId="2678295895" sldId="259"/>
+            <ac:spMk id="10" creationId="{331AEDDC-5531-5F55-EE4B-86C0A15099F5}"/>
+          </ac:spMkLst>
+        </pc:spChg>
+        <pc:spChg chg="add">
+          <ac:chgData name="Julia Lee" userId="717c3f08ebd32c59" providerId="LiveId" clId="{C9DAFF7B-E82D-426E-BEF2-3502DB69F227}" dt="2024-07-23T01:02:51.981" v="539"/>
+          <ac:spMkLst>
+            <pc:docMk/>
+            <pc:sldMk cId="2678295895" sldId="259"/>
+            <ac:spMk id="11" creationId="{A0E2B94B-D4CE-4922-4003-14800EACC7C4}"/>
+          </ac:spMkLst>
+        </pc:spChg>
+      </pc:sldChg>
+      <pc:sldChg chg="modSp new mod">
+        <pc:chgData name="Julia Lee" userId="717c3f08ebd32c59" providerId="LiveId" clId="{C9DAFF7B-E82D-426E-BEF2-3502DB69F227}" dt="2024-07-23T01:35:14.960" v="1425" actId="20577"/>
+        <pc:sldMkLst>
+          <pc:docMk/>
+          <pc:sldMk cId="3650296232" sldId="260"/>
+        </pc:sldMkLst>
+        <pc:spChg chg="mod">
+          <ac:chgData name="Julia Lee" userId="717c3f08ebd32c59" providerId="LiveId" clId="{C9DAFF7B-E82D-426E-BEF2-3502DB69F227}" dt="2024-07-23T01:21:07.022" v="572" actId="20577"/>
+          <ac:spMkLst>
+            <pc:docMk/>
+            <pc:sldMk cId="3650296232" sldId="260"/>
+            <ac:spMk id="2" creationId="{792CF614-8A26-89E2-AE07-1602A5BBCEFA}"/>
+          </ac:spMkLst>
+        </pc:spChg>
+        <pc:spChg chg="mod">
+          <ac:chgData name="Julia Lee" userId="717c3f08ebd32c59" providerId="LiveId" clId="{C9DAFF7B-E82D-426E-BEF2-3502DB69F227}" dt="2024-07-23T01:35:14.960" v="1425" actId="20577"/>
+          <ac:spMkLst>
+            <pc:docMk/>
+            <pc:sldMk cId="3650296232" sldId="260"/>
+            <ac:spMk id="3" creationId="{45C7E082-7169-14B0-95F1-3B5E75C605D4}"/>
+          </ac:spMkLst>
+        </pc:spChg>
+      </pc:sldChg>
+    </pc:docChg>
+  </pc:docChgLst>
+</pc:chgInfo>
 </file>
 
 <file path=ppt/slideLayouts/slideLayout1.xml><?xml version="1.0" encoding="utf-8"?>
@@ -3480,7 +3645,7 @@
                 </a:highlight>
                 <a:latin typeface="Arial Rounded MT Bold" panose="020F0704030504030204" pitchFamily="34" charset="0"/>
               </a:rPr>
-              <a:t>MLB Players from 1876-2015 Birthplaces </a:t>
+              <a:t>MLB Players from 1876-2015 Birthplaces and Birth Year</a:t>
             </a:r>
           </a:p>
           <a:p>
@@ -3662,6 +3827,627 @@
     <p:extLst>
       <p:ext uri="{BB962C8B-B14F-4D97-AF65-F5344CB8AC3E}">
         <p14:creationId xmlns:p14="http://schemas.microsoft.com/office/powerpoint/2010/main" val="2359710830"/>
+      </p:ext>
+    </p:extLst>
+  </p:cSld>
+  <p:clrMapOvr>
+    <a:masterClrMapping/>
+  </p:clrMapOvr>
+</p:sld>
+</file>
+
+<file path=ppt/slides/slide3.xml><?xml version="1.0" encoding="utf-8"?>
+<p:sld xmlns:a="http://schemas.openxmlformats.org/drawingml/2006/main" xmlns:r="http://schemas.openxmlformats.org/officeDocument/2006/relationships" xmlns:p="http://schemas.openxmlformats.org/presentationml/2006/main">
+  <p:cSld>
+    <p:spTree>
+      <p:nvGrpSpPr>
+        <p:cNvPr id="1" name=""/>
+        <p:cNvGrpSpPr/>
+        <p:nvPr/>
+      </p:nvGrpSpPr>
+      <p:grpSpPr>
+        <a:xfrm>
+          <a:off x="0" y="0"/>
+          <a:ext cx="0" cy="0"/>
+          <a:chOff x="0" y="0"/>
+          <a:chExt cx="0" cy="0"/>
+        </a:xfrm>
+      </p:grpSpPr>
+      <p:sp>
+        <p:nvSpPr>
+          <p:cNvPr id="2" name="Title 1">
+            <a:extLst>
+              <a:ext uri="{FF2B5EF4-FFF2-40B4-BE49-F238E27FC236}">
+                <a16:creationId xmlns:a16="http://schemas.microsoft.com/office/drawing/2014/main" id="{94480CDE-0596-3908-ABFD-5C1496ADEC9F}"/>
+              </a:ext>
+            </a:extLst>
+          </p:cNvPr>
+          <p:cNvSpPr>
+            <a:spLocks noGrp="1"/>
+          </p:cNvSpPr>
+          <p:nvPr>
+            <p:ph type="title"/>
+          </p:nvPr>
+        </p:nvSpPr>
+        <p:spPr>
+          <a:xfrm>
+            <a:off x="839788" y="951345"/>
+            <a:ext cx="10515600" cy="739343"/>
+          </a:xfrm>
+        </p:spPr>
+        <p:txBody>
+          <a:bodyPr>
+            <a:normAutofit/>
+          </a:bodyPr>
+          <a:lstStyle/>
+          <a:p>
+            <a:pPr algn="ctr"/>
+            <a:r>
+              <a:rPr lang="en-US" sz="3200" dirty="0"/>
+              <a:t>The difference between Hall of fame and All-Star</a:t>
+            </a:r>
+          </a:p>
+        </p:txBody>
+      </p:sp>
+      <p:sp>
+        <p:nvSpPr>
+          <p:cNvPr id="3" name="Text Placeholder 2">
+            <a:extLst>
+              <a:ext uri="{FF2B5EF4-FFF2-40B4-BE49-F238E27FC236}">
+                <a16:creationId xmlns:a16="http://schemas.microsoft.com/office/drawing/2014/main" id="{914DB7D4-97B2-A3F8-A16B-935904CD3FC7}"/>
+              </a:ext>
+            </a:extLst>
+          </p:cNvPr>
+          <p:cNvSpPr>
+            <a:spLocks noGrp="1"/>
+          </p:cNvSpPr>
+          <p:nvPr>
+            <p:ph type="body" idx="1"/>
+          </p:nvPr>
+        </p:nvSpPr>
+        <p:spPr>
+          <a:xfrm>
+            <a:off x="839788" y="1681163"/>
+            <a:ext cx="2485303" cy="480146"/>
+          </a:xfrm>
+        </p:spPr>
+        <p:txBody>
+          <a:bodyPr/>
+          <a:lstStyle/>
+          <a:p>
+            <a:r>
+              <a:rPr lang="en-US" dirty="0"/>
+              <a:t>Hall of Fame</a:t>
+            </a:r>
+          </a:p>
+        </p:txBody>
+      </p:sp>
+      <p:sp>
+        <p:nvSpPr>
+          <p:cNvPr id="5" name="Text Placeholder 4">
+            <a:extLst>
+              <a:ext uri="{FF2B5EF4-FFF2-40B4-BE49-F238E27FC236}">
+                <a16:creationId xmlns:a16="http://schemas.microsoft.com/office/drawing/2014/main" id="{BC33F81F-9E24-6EF9-3C0F-F7A770801425}"/>
+              </a:ext>
+            </a:extLst>
+          </p:cNvPr>
+          <p:cNvSpPr>
+            <a:spLocks noGrp="1"/>
+          </p:cNvSpPr>
+          <p:nvPr>
+            <p:ph type="body" sz="quarter" idx="3"/>
+          </p:nvPr>
+        </p:nvSpPr>
+        <p:spPr>
+          <a:xfrm>
+            <a:off x="6194427" y="1690688"/>
+            <a:ext cx="3180482" cy="572220"/>
+          </a:xfrm>
+        </p:spPr>
+        <p:txBody>
+          <a:bodyPr/>
+          <a:lstStyle/>
+          <a:p>
+            <a:r>
+              <a:rPr lang="en-US" dirty="0"/>
+              <a:t>All-Star</a:t>
+            </a:r>
+          </a:p>
+        </p:txBody>
+      </p:sp>
+      <p:sp>
+        <p:nvSpPr>
+          <p:cNvPr id="6" name="Content Placeholder 5">
+            <a:extLst>
+              <a:ext uri="{FF2B5EF4-FFF2-40B4-BE49-F238E27FC236}">
+                <a16:creationId xmlns:a16="http://schemas.microsoft.com/office/drawing/2014/main" id="{27176CFA-8933-52DC-3EB7-7B2DA8BA6A28}"/>
+              </a:ext>
+            </a:extLst>
+          </p:cNvPr>
+          <p:cNvSpPr>
+            <a:spLocks noGrp="1"/>
+          </p:cNvSpPr>
+          <p:nvPr>
+            <p:ph sz="quarter" idx="4"/>
+          </p:nvPr>
+        </p:nvSpPr>
+        <p:spPr>
+          <a:xfrm>
+            <a:off x="6169024" y="2516909"/>
+            <a:ext cx="5183188" cy="3684588"/>
+          </a:xfrm>
+        </p:spPr>
+        <p:txBody>
+          <a:bodyPr>
+            <a:normAutofit/>
+          </a:bodyPr>
+          <a:lstStyle/>
+          <a:p>
+            <a:r>
+              <a:rPr lang="en-US" sz="1600" dirty="0"/>
+              <a:t>The MLB All-Star Game is an annual exhibition game that showcases the league's top players from the American League (AL) and the National League (NL).</a:t>
+            </a:r>
+          </a:p>
+          <a:p>
+            <a:r>
+              <a:rPr lang="en-US" sz="1600" dirty="0"/>
+              <a:t>All-Star players are selected based on their performance during the first half of the MLB season. Fans, players, and managers vote for the players they believe are most deserving of an All-Star spot.</a:t>
+            </a:r>
+          </a:p>
+          <a:p>
+            <a:r>
+              <a:rPr lang="en-US" sz="1600" dirty="0"/>
+              <a:t>Being selected as an All-Star is a recognition of a player's outstanding performance in a particular season.</a:t>
+            </a:r>
+          </a:p>
+          <a:p>
+            <a:r>
+              <a:rPr lang="en-US" sz="1600" dirty="0">
+                <a:highlight>
+                  <a:srgbClr val="00FF00"/>
+                </a:highlight>
+              </a:rPr>
+              <a:t>Unlike the Hall of Fame, which honors a player's entire career, an All-Star selection is specific to one season and does not have the same historical significance as a Hall of Fame induction.</a:t>
+            </a:r>
+          </a:p>
+        </p:txBody>
+      </p:sp>
+      <p:sp>
+        <p:nvSpPr>
+          <p:cNvPr id="7" name="Rectangle 1">
+            <a:extLst>
+              <a:ext uri="{FF2B5EF4-FFF2-40B4-BE49-F238E27FC236}">
+                <a16:creationId xmlns:a16="http://schemas.microsoft.com/office/drawing/2014/main" id="{B61C15AC-85F8-04C4-C52B-83D59D8E797E}"/>
+              </a:ext>
+            </a:extLst>
+          </p:cNvPr>
+          <p:cNvSpPr>
+            <a:spLocks noGrp="1" noChangeArrowheads="1"/>
+          </p:cNvSpPr>
+          <p:nvPr>
+            <p:ph sz="half" idx="2"/>
+          </p:nvPr>
+        </p:nvSpPr>
+        <p:spPr bwMode="auto">
+          <a:xfrm>
+            <a:off x="571934" y="2708707"/>
+            <a:ext cx="5718030" cy="3046988"/>
+          </a:xfrm>
+          <a:prstGeom prst="rect">
+            <a:avLst/>
+          </a:prstGeom>
+          <a:noFill/>
+          <a:ln>
+            <a:noFill/>
+          </a:ln>
+          <a:effectLst/>
+          <a:extLst>
+            <a:ext uri="{909E8E84-426E-40DD-AFC4-6F175D3DCCD1}">
+              <a14:hiddenFill xmlns:a14="http://schemas.microsoft.com/office/drawing/2010/main">
+                <a:solidFill>
+                  <a:schemeClr val="accent1"/>
+                </a:solidFill>
+              </a14:hiddenFill>
+            </a:ext>
+            <a:ext uri="{91240B29-F687-4F45-9708-019B960494DF}">
+              <a14:hiddenLine xmlns:a14="http://schemas.microsoft.com/office/drawing/2010/main" w="9525">
+                <a:solidFill>
+                  <a:schemeClr val="tx1"/>
+                </a:solidFill>
+                <a:miter lim="800000"/>
+                <a:headEnd/>
+                <a:tailEnd/>
+              </a14:hiddenLine>
+            </a:ext>
+            <a:ext uri="{AF507438-7753-43E0-B8FC-AC1667EBCBE1}">
+              <a14:hiddenEffects xmlns:a14="http://schemas.microsoft.com/office/drawing/2010/main">
+                <a:effectLst>
+                  <a:outerShdw dist="35921" dir="2700000" algn="ctr" rotWithShape="0">
+                    <a:schemeClr val="bg2"/>
+                  </a:outerShdw>
+                </a:effectLst>
+              </a14:hiddenEffects>
+            </a:ext>
+          </a:extLst>
+        </p:spPr>
+        <p:txBody>
+          <a:bodyPr vert="horz" wrap="square" lIns="91440" tIns="45720" rIns="91440" bIns="45720" numCol="1" anchor="ctr" anchorCtr="0" compatLnSpc="1">
+            <a:prstTxWarp prst="textNoShape">
+              <a:avLst/>
+            </a:prstTxWarp>
+            <a:spAutoFit/>
+          </a:bodyPr>
+          <a:lstStyle/>
+          <a:p>
+            <a:pPr eaLnBrk="0" fontAlgn="base" hangingPunct="0">
+              <a:lnSpc>
+                <a:spcPct val="100000"/>
+              </a:lnSpc>
+              <a:spcBef>
+                <a:spcPct val="0"/>
+              </a:spcBef>
+              <a:spcAft>
+                <a:spcPct val="0"/>
+              </a:spcAft>
+            </a:pPr>
+            <a:r>
+              <a:rPr kumimoji="0" lang="en-US" altLang="en-US" sz="1600" b="0" i="0" u="none" strike="noStrike" cap="none" normalizeH="0" baseline="0" dirty="0">
+                <a:ln>
+                  <a:noFill/>
+                </a:ln>
+                <a:solidFill>
+                  <a:schemeClr val="tx1"/>
+                </a:solidFill>
+                <a:effectLst/>
+                <a:latin typeface="Aptos" panose="020B0004020202020204" pitchFamily="34" charset="0"/>
+              </a:rPr>
+              <a:t>The Baseball Hall of Fame, located in Cooperstown, New York, honors players, managers, umpires, and executives who have made significant contributions to the sport.</a:t>
+            </a:r>
+          </a:p>
+          <a:p>
+            <a:pPr marL="0" marR="0" lvl="0" indent="0" defTabSz="914400" rtl="0" eaLnBrk="0" fontAlgn="base" latinLnBrk="0" hangingPunct="0">
+              <a:lnSpc>
+                <a:spcPct val="100000"/>
+              </a:lnSpc>
+              <a:spcBef>
+                <a:spcPct val="0"/>
+              </a:spcBef>
+              <a:spcAft>
+                <a:spcPct val="0"/>
+              </a:spcAft>
+              <a:buClrTx/>
+              <a:buSzTx/>
+              <a:buNone/>
+              <a:tabLst/>
+            </a:pPr>
+            <a:endParaRPr kumimoji="0" lang="en-US" altLang="en-US" sz="1600" b="0" i="0" u="none" strike="noStrike" cap="none" normalizeH="0" baseline="0" dirty="0">
+              <a:ln>
+                <a:noFill/>
+              </a:ln>
+              <a:solidFill>
+                <a:schemeClr val="tx1"/>
+              </a:solidFill>
+              <a:effectLst/>
+              <a:latin typeface="Aptos" panose="020B0004020202020204" pitchFamily="34" charset="0"/>
+            </a:endParaRPr>
+          </a:p>
+          <a:p>
+            <a:pPr marL="0" marR="0" lvl="0" indent="0" defTabSz="914400" rtl="0" eaLnBrk="0" fontAlgn="base" latinLnBrk="0" hangingPunct="0">
+              <a:lnSpc>
+                <a:spcPct val="100000"/>
+              </a:lnSpc>
+              <a:spcBef>
+                <a:spcPct val="0"/>
+              </a:spcBef>
+              <a:spcAft>
+                <a:spcPct val="0"/>
+              </a:spcAft>
+              <a:buClrTx/>
+              <a:buSzTx/>
+              <a:buFontTx/>
+              <a:buChar char="•"/>
+              <a:tabLst/>
+            </a:pPr>
+            <a:r>
+              <a:rPr kumimoji="0" lang="en-US" altLang="en-US" sz="1600" b="0" i="0" u="none" strike="noStrike" cap="none" normalizeH="0" baseline="0" dirty="0">
+                <a:ln>
+                  <a:noFill/>
+                </a:ln>
+                <a:solidFill>
+                  <a:schemeClr val="tx1"/>
+                </a:solidFill>
+                <a:effectLst/>
+                <a:highlight>
+                  <a:srgbClr val="00FF00"/>
+                </a:highlight>
+                <a:latin typeface="Aptos" panose="020B0004020202020204" pitchFamily="34" charset="0"/>
+              </a:rPr>
+              <a:t>Induction into the Hall of Fame is based on a player's overall career performance, including factors such as skill, sportsmanship, character, and contributions to the game.</a:t>
+            </a:r>
+          </a:p>
+          <a:p>
+            <a:pPr marL="0" marR="0" lvl="0" indent="0" defTabSz="914400" rtl="0" eaLnBrk="0" fontAlgn="base" latinLnBrk="0" hangingPunct="0">
+              <a:lnSpc>
+                <a:spcPct val="100000"/>
+              </a:lnSpc>
+              <a:spcBef>
+                <a:spcPct val="0"/>
+              </a:spcBef>
+              <a:spcAft>
+                <a:spcPct val="0"/>
+              </a:spcAft>
+              <a:buClrTx/>
+              <a:buSzTx/>
+              <a:buNone/>
+              <a:tabLst/>
+            </a:pPr>
+            <a:endParaRPr kumimoji="0" lang="en-US" altLang="en-US" sz="1600" b="0" i="0" u="none" strike="noStrike" cap="none" normalizeH="0" baseline="0" dirty="0">
+              <a:ln>
+                <a:noFill/>
+              </a:ln>
+              <a:solidFill>
+                <a:schemeClr val="tx1"/>
+              </a:solidFill>
+              <a:effectLst/>
+              <a:latin typeface="Aptos" panose="020B0004020202020204" pitchFamily="34" charset="0"/>
+            </a:endParaRPr>
+          </a:p>
+          <a:p>
+            <a:pPr marL="0" marR="0" lvl="0" indent="0" defTabSz="914400" rtl="0" eaLnBrk="0" fontAlgn="base" latinLnBrk="0" hangingPunct="0">
+              <a:lnSpc>
+                <a:spcPct val="100000"/>
+              </a:lnSpc>
+              <a:spcBef>
+                <a:spcPct val="0"/>
+              </a:spcBef>
+              <a:spcAft>
+                <a:spcPct val="0"/>
+              </a:spcAft>
+              <a:buClrTx/>
+              <a:buSzTx/>
+              <a:buFontTx/>
+              <a:buChar char="•"/>
+              <a:tabLst/>
+            </a:pPr>
+            <a:r>
+              <a:rPr kumimoji="0" lang="en-US" altLang="en-US" sz="1600" b="0" i="0" u="none" strike="noStrike" cap="none" normalizeH="0" baseline="0" dirty="0">
+                <a:ln>
+                  <a:noFill/>
+                </a:ln>
+                <a:solidFill>
+                  <a:schemeClr val="tx1"/>
+                </a:solidFill>
+                <a:effectLst/>
+                <a:latin typeface="Aptos" panose="020B0004020202020204" pitchFamily="34" charset="0"/>
+              </a:rPr>
+              <a:t>Players become eligible for Hall of Fame consideration after they have been retired from Major League Baseball (MLB) for at least five years. A selection committee then votes on eligible candidates.</a:t>
+            </a:r>
+          </a:p>
+        </p:txBody>
+      </p:sp>
+      <p:sp>
+        <p:nvSpPr>
+          <p:cNvPr id="8" name="TextBox 7">
+            <a:extLst>
+              <a:ext uri="{FF2B5EF4-FFF2-40B4-BE49-F238E27FC236}">
+                <a16:creationId xmlns:a16="http://schemas.microsoft.com/office/drawing/2014/main" id="{7D88B952-CCCB-99BB-D9DD-65DFD3E82F4A}"/>
+              </a:ext>
+            </a:extLst>
+          </p:cNvPr>
+          <p:cNvSpPr txBox="1"/>
+          <p:nvPr/>
+        </p:nvSpPr>
+        <p:spPr>
+          <a:xfrm>
+            <a:off x="1602509" y="333337"/>
+            <a:ext cx="8986982" cy="646331"/>
+          </a:xfrm>
+          <a:prstGeom prst="rect">
+            <a:avLst/>
+          </a:prstGeom>
+          <a:noFill/>
+        </p:spPr>
+        <p:txBody>
+          <a:bodyPr wrap="square" rtlCol="0">
+            <a:spAutoFit/>
+          </a:bodyPr>
+          <a:lstStyle/>
+          <a:p>
+            <a:pPr algn="ctr"/>
+            <a:r>
+              <a:rPr lang="en-US" sz="3600" dirty="0"/>
+              <a:t>Baseball </a:t>
+            </a:r>
+          </a:p>
+        </p:txBody>
+      </p:sp>
+    </p:spTree>
+    <p:extLst>
+      <p:ext uri="{BB962C8B-B14F-4D97-AF65-F5344CB8AC3E}">
+        <p14:creationId xmlns:p14="http://schemas.microsoft.com/office/powerpoint/2010/main" val="2678295895"/>
+      </p:ext>
+    </p:extLst>
+  </p:cSld>
+  <p:clrMapOvr>
+    <a:masterClrMapping/>
+  </p:clrMapOvr>
+</p:sld>
+</file>
+
+<file path=ppt/slides/slide4.xml><?xml version="1.0" encoding="utf-8"?>
+<p:sld xmlns:a="http://schemas.openxmlformats.org/drawingml/2006/main" xmlns:r="http://schemas.openxmlformats.org/officeDocument/2006/relationships" xmlns:p="http://schemas.openxmlformats.org/presentationml/2006/main">
+  <p:cSld>
+    <p:spTree>
+      <p:nvGrpSpPr>
+        <p:cNvPr id="1" name=""/>
+        <p:cNvGrpSpPr/>
+        <p:nvPr/>
+      </p:nvGrpSpPr>
+      <p:grpSpPr>
+        <a:xfrm>
+          <a:off x="0" y="0"/>
+          <a:ext cx="0" cy="0"/>
+          <a:chOff x="0" y="0"/>
+          <a:chExt cx="0" cy="0"/>
+        </a:xfrm>
+      </p:grpSpPr>
+      <p:sp>
+        <p:nvSpPr>
+          <p:cNvPr id="2" name="TextBox 1">
+            <a:extLst>
+              <a:ext uri="{FF2B5EF4-FFF2-40B4-BE49-F238E27FC236}">
+                <a16:creationId xmlns:a16="http://schemas.microsoft.com/office/drawing/2014/main" id="{2B5C7060-12C1-81F6-15ED-38862A7083C0}"/>
+              </a:ext>
+            </a:extLst>
+          </p:cNvPr>
+          <p:cNvSpPr txBox="1"/>
+          <p:nvPr/>
+        </p:nvSpPr>
+        <p:spPr>
+          <a:xfrm>
+            <a:off x="461818" y="424873"/>
+            <a:ext cx="5163128" cy="369332"/>
+          </a:xfrm>
+          <a:prstGeom prst="rect">
+            <a:avLst/>
+          </a:prstGeom>
+          <a:noFill/>
+        </p:spPr>
+        <p:txBody>
+          <a:bodyPr wrap="square" rtlCol="0">
+            <a:spAutoFit/>
+          </a:bodyPr>
+          <a:lstStyle/>
+          <a:p>
+            <a:r>
+              <a:rPr lang="en-US" dirty="0"/>
+              <a:t>Challenges  we face and techniques we used</a:t>
+            </a:r>
+          </a:p>
+        </p:txBody>
+      </p:sp>
+    </p:spTree>
+    <p:extLst>
+      <p:ext uri="{BB962C8B-B14F-4D97-AF65-F5344CB8AC3E}">
+        <p14:creationId xmlns:p14="http://schemas.microsoft.com/office/powerpoint/2010/main" val="1764377541"/>
+      </p:ext>
+    </p:extLst>
+  </p:cSld>
+  <p:clrMapOvr>
+    <a:masterClrMapping/>
+  </p:clrMapOvr>
+</p:sld>
+</file>
+
+<file path=ppt/slides/slide5.xml><?xml version="1.0" encoding="utf-8"?>
+<p:sld xmlns:a="http://schemas.openxmlformats.org/drawingml/2006/main" xmlns:r="http://schemas.openxmlformats.org/officeDocument/2006/relationships" xmlns:p="http://schemas.openxmlformats.org/presentationml/2006/main">
+  <p:cSld>
+    <p:spTree>
+      <p:nvGrpSpPr>
+        <p:cNvPr id="1" name=""/>
+        <p:cNvGrpSpPr/>
+        <p:nvPr/>
+      </p:nvGrpSpPr>
+      <p:grpSpPr>
+        <a:xfrm>
+          <a:off x="0" y="0"/>
+          <a:ext cx="0" cy="0"/>
+          <a:chOff x="0" y="0"/>
+          <a:chExt cx="0" cy="0"/>
+        </a:xfrm>
+      </p:grpSpPr>
+      <p:sp>
+        <p:nvSpPr>
+          <p:cNvPr id="2" name="Title 1">
+            <a:extLst>
+              <a:ext uri="{FF2B5EF4-FFF2-40B4-BE49-F238E27FC236}">
+                <a16:creationId xmlns:a16="http://schemas.microsoft.com/office/drawing/2014/main" id="{792CF614-8A26-89E2-AE07-1602A5BBCEFA}"/>
+              </a:ext>
+            </a:extLst>
+          </p:cNvPr>
+          <p:cNvSpPr>
+            <a:spLocks noGrp="1"/>
+          </p:cNvSpPr>
+          <p:nvPr>
+            <p:ph type="title"/>
+          </p:nvPr>
+        </p:nvSpPr>
+        <p:spPr/>
+        <p:txBody>
+          <a:bodyPr/>
+          <a:lstStyle/>
+          <a:p>
+            <a:r>
+              <a:rPr lang="en-US" dirty="0"/>
+              <a:t>Conclusion</a:t>
+            </a:r>
+          </a:p>
+        </p:txBody>
+      </p:sp>
+      <p:sp>
+        <p:nvSpPr>
+          <p:cNvPr id="3" name="Content Placeholder 2">
+            <a:extLst>
+              <a:ext uri="{FF2B5EF4-FFF2-40B4-BE49-F238E27FC236}">
+                <a16:creationId xmlns:a16="http://schemas.microsoft.com/office/drawing/2014/main" id="{45C7E082-7169-14B0-95F1-3B5E75C605D4}"/>
+              </a:ext>
+            </a:extLst>
+          </p:cNvPr>
+          <p:cNvSpPr>
+            <a:spLocks noGrp="1"/>
+          </p:cNvSpPr>
+          <p:nvPr>
+            <p:ph idx="1"/>
+          </p:nvPr>
+        </p:nvSpPr>
+        <p:spPr/>
+        <p:txBody>
+          <a:bodyPr>
+            <a:normAutofit/>
+          </a:bodyPr>
+          <a:lstStyle/>
+          <a:p>
+            <a:pPr marL="0" indent="0">
+              <a:buNone/>
+            </a:pPr>
+            <a:r>
+              <a:rPr lang="en-US" sz="1800" dirty="0"/>
+              <a:t>Summarize the visuals</a:t>
+            </a:r>
+          </a:p>
+          <a:p>
+            <a:r>
+              <a:rPr lang="en-US" sz="1800" dirty="0"/>
+              <a:t>World Density– not many players internationally join the American MLB.</a:t>
+            </a:r>
+          </a:p>
+          <a:p>
+            <a:r>
+              <a:rPr lang="en-US" sz="1800" dirty="0"/>
+              <a:t>States Density – Base on the visual we can tell that California has produce the most MLB players. </a:t>
+            </a:r>
+          </a:p>
+          <a:p>
+            <a:r>
+              <a:rPr lang="en-US" sz="1800" dirty="0"/>
+              <a:t>MLB players birth years – Most players born from 1960’s into late 1980’s contributed to the MLB.</a:t>
+            </a:r>
+          </a:p>
+          <a:p>
+            <a:endParaRPr lang="en-US" sz="1800" dirty="0"/>
+          </a:p>
+          <a:p>
+            <a:endParaRPr lang="en-US" sz="1800"/>
+          </a:p>
+          <a:p>
+            <a:endParaRPr lang="en-US" sz="1800" dirty="0"/>
+          </a:p>
+        </p:txBody>
+      </p:sp>
+    </p:spTree>
+    <p:extLst>
+      <p:ext uri="{BB962C8B-B14F-4D97-AF65-F5344CB8AC3E}">
+        <p14:creationId xmlns:p14="http://schemas.microsoft.com/office/powerpoint/2010/main" val="3650296232"/>
       </p:ext>
     </p:extLst>
   </p:cSld>

--- a/Presentation/Proect3_Group3.pptx
+++ b/Presentation/Proect3_Group3.pptx
@@ -119,6 +119,7 @@
 <file path=ppt/revisionInfo.xml><?xml version="1.0" encoding="utf-8"?>
 <p1510:revInfo xmlns:a="http://schemas.openxmlformats.org/drawingml/2006/main" xmlns:r="http://schemas.openxmlformats.org/officeDocument/2006/relationships" xmlns:p1510="http://schemas.microsoft.com/office/powerpoint/2015/10/main">
   <p1510:revLst>
+    <p1510:client id="{C39F6B6F-DF65-45AA-B91E-27C5D666BD64}" v="4" dt="2024-07-23T02:09:43.693"/>
     <p1510:client id="{C9DAFF7B-E82D-426E-BEF2-3502DB69F227}" v="15" dt="2024-07-23T01:05:46.393"/>
   </p1510:revLst>
 </p1510:revInfo>
@@ -272,6 +273,84 @@
             <ac:spMk id="3" creationId="{45C7E082-7169-14B0-95F1-3B5E75C605D4}"/>
           </ac:spMkLst>
         </pc:spChg>
+      </pc:sldChg>
+    </pc:docChg>
+  </pc:docChgLst>
+  <pc:docChgLst>
+    <pc:chgData name="Jim Pieper" userId="70ec17d751b5d6ef" providerId="LiveId" clId="{C39F6B6F-DF65-45AA-B91E-27C5D666BD64}"/>
+    <pc:docChg chg="modSld">
+      <pc:chgData name="Jim Pieper" userId="70ec17d751b5d6ef" providerId="LiveId" clId="{C39F6B6F-DF65-45AA-B91E-27C5D666BD64}" dt="2024-07-23T02:10:33.465" v="33" actId="20577"/>
+      <pc:docMkLst>
+        <pc:docMk/>
+      </pc:docMkLst>
+      <pc:sldChg chg="addSp modSp mod">
+        <pc:chgData name="Jim Pieper" userId="70ec17d751b5d6ef" providerId="LiveId" clId="{C39F6B6F-DF65-45AA-B91E-27C5D666BD64}" dt="2024-07-23T02:10:33.465" v="33" actId="20577"/>
+        <pc:sldMkLst>
+          <pc:docMk/>
+          <pc:sldMk cId="1528074873" sldId="257"/>
+        </pc:sldMkLst>
+        <pc:spChg chg="mod">
+          <ac:chgData name="Jim Pieper" userId="70ec17d751b5d6ef" providerId="LiveId" clId="{C39F6B6F-DF65-45AA-B91E-27C5D666BD64}" dt="2024-07-23T02:10:33.465" v="33" actId="20577"/>
+          <ac:spMkLst>
+            <pc:docMk/>
+            <pc:sldMk cId="1528074873" sldId="257"/>
+            <ac:spMk id="3" creationId="{C604EF24-9696-F68D-65A3-5E01DE11245F}"/>
+          </ac:spMkLst>
+        </pc:spChg>
+        <pc:spChg chg="mod">
+          <ac:chgData name="Jim Pieper" userId="70ec17d751b5d6ef" providerId="LiveId" clId="{C39F6B6F-DF65-45AA-B91E-27C5D666BD64}" dt="2024-07-23T02:06:25.431" v="5" actId="1076"/>
+          <ac:spMkLst>
+            <pc:docMk/>
+            <pc:sldMk cId="1528074873" sldId="257"/>
+            <ac:spMk id="5" creationId="{FD28AF83-D9E7-1048-AE8B-28A0B0876A75}"/>
+          </ac:spMkLst>
+        </pc:spChg>
+        <pc:picChg chg="add mod">
+          <ac:chgData name="Jim Pieper" userId="70ec17d751b5d6ef" providerId="LiveId" clId="{C39F6B6F-DF65-45AA-B91E-27C5D666BD64}" dt="2024-07-23T02:06:31.552" v="7" actId="1076"/>
+          <ac:picMkLst>
+            <pc:docMk/>
+            <pc:sldMk cId="1528074873" sldId="257"/>
+            <ac:picMk id="6" creationId="{9C52897D-B685-6DCC-5113-6DB2721238BF}"/>
+          </ac:picMkLst>
+        </pc:picChg>
+      </pc:sldChg>
+      <pc:sldChg chg="addSp modSp mod">
+        <pc:chgData name="Jim Pieper" userId="70ec17d751b5d6ef" providerId="LiveId" clId="{C39F6B6F-DF65-45AA-B91E-27C5D666BD64}" dt="2024-07-23T02:07:37.816" v="22" actId="1076"/>
+        <pc:sldMkLst>
+          <pc:docMk/>
+          <pc:sldMk cId="2678295895" sldId="259"/>
+        </pc:sldMkLst>
+        <pc:picChg chg="add mod">
+          <ac:chgData name="Jim Pieper" userId="70ec17d751b5d6ef" providerId="LiveId" clId="{C39F6B6F-DF65-45AA-B91E-27C5D666BD64}" dt="2024-07-23T02:07:07.543" v="13" actId="1076"/>
+          <ac:picMkLst>
+            <pc:docMk/>
+            <pc:sldMk cId="2678295895" sldId="259"/>
+            <ac:picMk id="9" creationId="{A7A76F33-0B10-F6D9-CA7D-76126C88BF40}"/>
+          </ac:picMkLst>
+        </pc:picChg>
+        <pc:picChg chg="add mod">
+          <ac:chgData name="Jim Pieper" userId="70ec17d751b5d6ef" providerId="LiveId" clId="{C39F6B6F-DF65-45AA-B91E-27C5D666BD64}" dt="2024-07-23T02:07:37.816" v="22" actId="1076"/>
+          <ac:picMkLst>
+            <pc:docMk/>
+            <pc:sldMk cId="2678295895" sldId="259"/>
+            <ac:picMk id="11" creationId="{CDC7E4A5-3252-7697-A384-35B0D1C04FAC}"/>
+          </ac:picMkLst>
+        </pc:picChg>
+      </pc:sldChg>
+      <pc:sldChg chg="addSp modSp mod">
+        <pc:chgData name="Jim Pieper" userId="70ec17d751b5d6ef" providerId="LiveId" clId="{C39F6B6F-DF65-45AA-B91E-27C5D666BD64}" dt="2024-07-23T02:09:53.863" v="28" actId="1076"/>
+        <pc:sldMkLst>
+          <pc:docMk/>
+          <pc:sldMk cId="3650296232" sldId="260"/>
+        </pc:sldMkLst>
+        <pc:picChg chg="add mod">
+          <ac:chgData name="Jim Pieper" userId="70ec17d751b5d6ef" providerId="LiveId" clId="{C39F6B6F-DF65-45AA-B91E-27C5D666BD64}" dt="2024-07-23T02:09:53.863" v="28" actId="1076"/>
+          <ac:picMkLst>
+            <pc:docMk/>
+            <pc:sldMk cId="3650296232" sldId="260"/>
+            <ac:picMk id="5" creationId="{170D67A4-2436-81AE-9002-6E7534C3383F}"/>
+          </ac:picMkLst>
+        </pc:picChg>
       </pc:sldChg>
     </pc:docChg>
   </pc:docChgLst>
@@ -3588,7 +3667,7 @@
             <a:pPr algn="ctr"/>
             <a:r>
               <a:rPr lang="en-US" sz="1400" dirty="0"/>
-              <a:t>Jim piper, Lee Julia, Lu Ann, Walgama Jay</a:t>
+              <a:t>Jim Pieper, Lee Julia, Lu Ann, Walgama Jay</a:t>
             </a:r>
           </a:p>
         </p:txBody>
@@ -3607,7 +3686,7 @@
         </p:nvSpPr>
         <p:spPr>
           <a:xfrm>
-            <a:off x="0" y="2967335"/>
+            <a:off x="0" y="4462130"/>
             <a:ext cx="12192000" cy="923330"/>
           </a:xfrm>
           <a:prstGeom prst="rect">
@@ -3663,6 +3742,42 @@
           </a:p>
         </p:txBody>
       </p:sp>
+      <p:pic>
+        <p:nvPicPr>
+          <p:cNvPr id="6" name="Picture 5" descr="A baseball player in a helmet&#10;&#10;Description automatically generated">
+            <a:extLst>
+              <a:ext uri="{FF2B5EF4-FFF2-40B4-BE49-F238E27FC236}">
+                <a16:creationId xmlns:a16="http://schemas.microsoft.com/office/drawing/2014/main" id="{9C52897D-B685-6DCC-5113-6DB2721238BF}"/>
+              </a:ext>
+            </a:extLst>
+          </p:cNvPr>
+          <p:cNvPicPr>
+            <a:picLocks noChangeAspect="1"/>
+          </p:cNvPicPr>
+          <p:nvPr/>
+        </p:nvPicPr>
+        <p:blipFill>
+          <a:blip r:embed="rId2">
+            <a:extLst>
+              <a:ext uri="{28A0092B-C50C-407E-A947-70E740481C1C}">
+                <a14:useLocalDpi xmlns:a14="http://schemas.microsoft.com/office/drawing/2010/main" val="0"/>
+              </a:ext>
+            </a:extLst>
+          </a:blip>
+          <a:stretch>
+            <a:fillRect/>
+          </a:stretch>
+        </p:blipFill>
+        <p:spPr>
+          <a:xfrm>
+            <a:off x="3700338" y="1610916"/>
+            <a:ext cx="4441783" cy="2684442"/>
+          </a:xfrm>
+          <a:prstGeom prst="rect">
+            <a:avLst/>
+          </a:prstGeom>
+        </p:spPr>
+      </p:pic>
     </p:spTree>
     <p:extLst>
       <p:ext uri="{BB962C8B-B14F-4D97-AF65-F5344CB8AC3E}">
@@ -4261,6 +4376,78 @@
           </a:p>
         </p:txBody>
       </p:sp>
+      <p:pic>
+        <p:nvPicPr>
+          <p:cNvPr id="9" name="Picture 8" descr="A baseball logo with a ball and stars&#10;&#10;Description automatically generated">
+            <a:extLst>
+              <a:ext uri="{FF2B5EF4-FFF2-40B4-BE49-F238E27FC236}">
+                <a16:creationId xmlns:a16="http://schemas.microsoft.com/office/drawing/2014/main" id="{A7A76F33-0B10-F6D9-CA7D-76126C88BF40}"/>
+              </a:ext>
+            </a:extLst>
+          </p:cNvPr>
+          <p:cNvPicPr>
+            <a:picLocks noChangeAspect="1"/>
+          </p:cNvPicPr>
+          <p:nvPr/>
+        </p:nvPicPr>
+        <p:blipFill>
+          <a:blip r:embed="rId2">
+            <a:extLst>
+              <a:ext uri="{28A0092B-C50C-407E-A947-70E740481C1C}">
+                <a14:useLocalDpi xmlns:a14="http://schemas.microsoft.com/office/drawing/2010/main" val="0"/>
+              </a:ext>
+            </a:extLst>
+          </a:blip>
+          <a:stretch>
+            <a:fillRect/>
+          </a:stretch>
+        </p:blipFill>
+        <p:spPr>
+          <a:xfrm>
+            <a:off x="3248179" y="1457010"/>
+            <a:ext cx="2134304" cy="1251697"/>
+          </a:xfrm>
+          <a:prstGeom prst="rect">
+            <a:avLst/>
+          </a:prstGeom>
+        </p:spPr>
+      </p:pic>
+      <p:pic>
+        <p:nvPicPr>
+          <p:cNvPr id="11" name="Picture 10" descr="A logo of a baseball team&#10;&#10;Description automatically generated">
+            <a:extLst>
+              <a:ext uri="{FF2B5EF4-FFF2-40B4-BE49-F238E27FC236}">
+                <a16:creationId xmlns:a16="http://schemas.microsoft.com/office/drawing/2014/main" id="{CDC7E4A5-3252-7697-A384-35B0D1C04FAC}"/>
+              </a:ext>
+            </a:extLst>
+          </p:cNvPr>
+          <p:cNvPicPr>
+            <a:picLocks noChangeAspect="1"/>
+          </p:cNvPicPr>
+          <p:nvPr/>
+        </p:nvPicPr>
+        <p:blipFill>
+          <a:blip r:embed="rId3">
+            <a:extLst>
+              <a:ext uri="{28A0092B-C50C-407E-A947-70E740481C1C}">
+                <a14:useLocalDpi xmlns:a14="http://schemas.microsoft.com/office/drawing/2010/main" val="0"/>
+              </a:ext>
+            </a:extLst>
+          </a:blip>
+          <a:stretch>
+            <a:fillRect/>
+          </a:stretch>
+        </p:blipFill>
+        <p:spPr>
+          <a:xfrm>
+            <a:off x="9286386" y="1487826"/>
+            <a:ext cx="1045159" cy="1072663"/>
+          </a:xfrm>
+          <a:prstGeom prst="rect">
+            <a:avLst/>
+          </a:prstGeom>
+        </p:spPr>
+      </p:pic>
     </p:spTree>
     <p:extLst>
       <p:ext uri="{BB962C8B-B14F-4D97-AF65-F5344CB8AC3E}">
@@ -4444,6 +4631,42 @@
           </a:p>
         </p:txBody>
       </p:sp>
+      <p:pic>
+        <p:nvPicPr>
+          <p:cNvPr id="5" name="Picture 4" descr="A baseball bat and glove on a dirt field&#10;&#10;Description automatically generated">
+            <a:extLst>
+              <a:ext uri="{FF2B5EF4-FFF2-40B4-BE49-F238E27FC236}">
+                <a16:creationId xmlns:a16="http://schemas.microsoft.com/office/drawing/2014/main" id="{170D67A4-2436-81AE-9002-6E7534C3383F}"/>
+              </a:ext>
+            </a:extLst>
+          </p:cNvPr>
+          <p:cNvPicPr>
+            <a:picLocks noChangeAspect="1"/>
+          </p:cNvPicPr>
+          <p:nvPr/>
+        </p:nvPicPr>
+        <p:blipFill>
+          <a:blip r:embed="rId2">
+            <a:extLst>
+              <a:ext uri="{28A0092B-C50C-407E-A947-70E740481C1C}">
+                <a14:useLocalDpi xmlns:a14="http://schemas.microsoft.com/office/drawing/2010/main" val="0"/>
+              </a:ext>
+            </a:extLst>
+          </a:blip>
+          <a:stretch>
+            <a:fillRect/>
+          </a:stretch>
+        </p:blipFill>
+        <p:spPr>
+          <a:xfrm>
+            <a:off x="3473996" y="3653103"/>
+            <a:ext cx="4259658" cy="2839772"/>
+          </a:xfrm>
+          <a:prstGeom prst="rect">
+            <a:avLst/>
+          </a:prstGeom>
+        </p:spPr>
+      </p:pic>
     </p:spTree>
     <p:extLst>
       <p:ext uri="{BB962C8B-B14F-4D97-AF65-F5344CB8AC3E}">

--- a/Presentation/Proect3_Group3.pptx
+++ b/Presentation/Proect3_Group3.pptx
@@ -9,7 +9,11 @@
     <p:sldId id="256" r:id="rId3"/>
     <p:sldId id="259" r:id="rId4"/>
     <p:sldId id="258" r:id="rId5"/>
-    <p:sldId id="260" r:id="rId6"/>
+    <p:sldId id="261" r:id="rId6"/>
+    <p:sldId id="262" r:id="rId7"/>
+    <p:sldId id="263" r:id="rId8"/>
+    <p:sldId id="260" r:id="rId9"/>
+    <p:sldId id="264" r:id="rId10"/>
   </p:sldIdLst>
   <p:sldSz cx="12192000" cy="6858000"/>
   <p:notesSz cx="6858000" cy="9144000"/>
@@ -127,6 +131,84 @@
 
 <file path=ppt/changesInfos/changesInfo1.xml><?xml version="1.0" encoding="utf-8"?>
 <pc:chgInfo xmlns:a="http://schemas.openxmlformats.org/drawingml/2006/main" xmlns:r="http://schemas.openxmlformats.org/officeDocument/2006/relationships" xmlns:ac="http://schemas.microsoft.com/office/drawing/2013/main/command" xmlns:pc="http://schemas.microsoft.com/office/powerpoint/2013/main/command">
+  <pc:docChgLst>
+    <pc:chgData name="Jim Pieper" userId="70ec17d751b5d6ef" providerId="LiveId" clId="{C39F6B6F-DF65-45AA-B91E-27C5D666BD64}"/>
+    <pc:docChg chg="modSld">
+      <pc:chgData name="Jim Pieper" userId="70ec17d751b5d6ef" providerId="LiveId" clId="{C39F6B6F-DF65-45AA-B91E-27C5D666BD64}" dt="2024-07-23T02:10:33.465" v="33" actId="20577"/>
+      <pc:docMkLst>
+        <pc:docMk/>
+      </pc:docMkLst>
+      <pc:sldChg chg="addSp modSp mod">
+        <pc:chgData name="Jim Pieper" userId="70ec17d751b5d6ef" providerId="LiveId" clId="{C39F6B6F-DF65-45AA-B91E-27C5D666BD64}" dt="2024-07-23T02:10:33.465" v="33" actId="20577"/>
+        <pc:sldMkLst>
+          <pc:docMk/>
+          <pc:sldMk cId="1528074873" sldId="257"/>
+        </pc:sldMkLst>
+        <pc:spChg chg="mod">
+          <ac:chgData name="Jim Pieper" userId="70ec17d751b5d6ef" providerId="LiveId" clId="{C39F6B6F-DF65-45AA-B91E-27C5D666BD64}" dt="2024-07-23T02:10:33.465" v="33" actId="20577"/>
+          <ac:spMkLst>
+            <pc:docMk/>
+            <pc:sldMk cId="1528074873" sldId="257"/>
+            <ac:spMk id="3" creationId="{C604EF24-9696-F68D-65A3-5E01DE11245F}"/>
+          </ac:spMkLst>
+        </pc:spChg>
+        <pc:spChg chg="mod">
+          <ac:chgData name="Jim Pieper" userId="70ec17d751b5d6ef" providerId="LiveId" clId="{C39F6B6F-DF65-45AA-B91E-27C5D666BD64}" dt="2024-07-23T02:06:25.431" v="5" actId="1076"/>
+          <ac:spMkLst>
+            <pc:docMk/>
+            <pc:sldMk cId="1528074873" sldId="257"/>
+            <ac:spMk id="5" creationId="{FD28AF83-D9E7-1048-AE8B-28A0B0876A75}"/>
+          </ac:spMkLst>
+        </pc:spChg>
+        <pc:picChg chg="add mod">
+          <ac:chgData name="Jim Pieper" userId="70ec17d751b5d6ef" providerId="LiveId" clId="{C39F6B6F-DF65-45AA-B91E-27C5D666BD64}" dt="2024-07-23T02:06:31.552" v="7" actId="1076"/>
+          <ac:picMkLst>
+            <pc:docMk/>
+            <pc:sldMk cId="1528074873" sldId="257"/>
+            <ac:picMk id="6" creationId="{9C52897D-B685-6DCC-5113-6DB2721238BF}"/>
+          </ac:picMkLst>
+        </pc:picChg>
+      </pc:sldChg>
+      <pc:sldChg chg="addSp modSp mod">
+        <pc:chgData name="Jim Pieper" userId="70ec17d751b5d6ef" providerId="LiveId" clId="{C39F6B6F-DF65-45AA-B91E-27C5D666BD64}" dt="2024-07-23T02:07:37.816" v="22" actId="1076"/>
+        <pc:sldMkLst>
+          <pc:docMk/>
+          <pc:sldMk cId="2678295895" sldId="259"/>
+        </pc:sldMkLst>
+        <pc:picChg chg="add mod">
+          <ac:chgData name="Jim Pieper" userId="70ec17d751b5d6ef" providerId="LiveId" clId="{C39F6B6F-DF65-45AA-B91E-27C5D666BD64}" dt="2024-07-23T02:07:07.543" v="13" actId="1076"/>
+          <ac:picMkLst>
+            <pc:docMk/>
+            <pc:sldMk cId="2678295895" sldId="259"/>
+            <ac:picMk id="9" creationId="{A7A76F33-0B10-F6D9-CA7D-76126C88BF40}"/>
+          </ac:picMkLst>
+        </pc:picChg>
+        <pc:picChg chg="add mod">
+          <ac:chgData name="Jim Pieper" userId="70ec17d751b5d6ef" providerId="LiveId" clId="{C39F6B6F-DF65-45AA-B91E-27C5D666BD64}" dt="2024-07-23T02:07:37.816" v="22" actId="1076"/>
+          <ac:picMkLst>
+            <pc:docMk/>
+            <pc:sldMk cId="2678295895" sldId="259"/>
+            <ac:picMk id="11" creationId="{CDC7E4A5-3252-7697-A384-35B0D1C04FAC}"/>
+          </ac:picMkLst>
+        </pc:picChg>
+      </pc:sldChg>
+      <pc:sldChg chg="addSp modSp mod">
+        <pc:chgData name="Jim Pieper" userId="70ec17d751b5d6ef" providerId="LiveId" clId="{C39F6B6F-DF65-45AA-B91E-27C5D666BD64}" dt="2024-07-23T02:09:53.863" v="28" actId="1076"/>
+        <pc:sldMkLst>
+          <pc:docMk/>
+          <pc:sldMk cId="3650296232" sldId="260"/>
+        </pc:sldMkLst>
+        <pc:picChg chg="add mod">
+          <ac:chgData name="Jim Pieper" userId="70ec17d751b5d6ef" providerId="LiveId" clId="{C39F6B6F-DF65-45AA-B91E-27C5D666BD64}" dt="2024-07-23T02:09:53.863" v="28" actId="1076"/>
+          <ac:picMkLst>
+            <pc:docMk/>
+            <pc:sldMk cId="3650296232" sldId="260"/>
+            <ac:picMk id="5" creationId="{170D67A4-2436-81AE-9002-6E7534C3383F}"/>
+          </ac:picMkLst>
+        </pc:picChg>
+      </pc:sldChg>
+    </pc:docChg>
+  </pc:docChgLst>
   <pc:docChgLst>
     <pc:chgData name="Julia Lee" userId="717c3f08ebd32c59" providerId="LiveId" clId="{C9DAFF7B-E82D-426E-BEF2-3502DB69F227}"/>
     <pc:docChg chg="undo custSel addSld modSld">
@@ -276,84 +358,6 @@
       </pc:sldChg>
     </pc:docChg>
   </pc:docChgLst>
-  <pc:docChgLst>
-    <pc:chgData name="Jim Pieper" userId="70ec17d751b5d6ef" providerId="LiveId" clId="{C39F6B6F-DF65-45AA-B91E-27C5D666BD64}"/>
-    <pc:docChg chg="modSld">
-      <pc:chgData name="Jim Pieper" userId="70ec17d751b5d6ef" providerId="LiveId" clId="{C39F6B6F-DF65-45AA-B91E-27C5D666BD64}" dt="2024-07-23T02:10:33.465" v="33" actId="20577"/>
-      <pc:docMkLst>
-        <pc:docMk/>
-      </pc:docMkLst>
-      <pc:sldChg chg="addSp modSp mod">
-        <pc:chgData name="Jim Pieper" userId="70ec17d751b5d6ef" providerId="LiveId" clId="{C39F6B6F-DF65-45AA-B91E-27C5D666BD64}" dt="2024-07-23T02:10:33.465" v="33" actId="20577"/>
-        <pc:sldMkLst>
-          <pc:docMk/>
-          <pc:sldMk cId="1528074873" sldId="257"/>
-        </pc:sldMkLst>
-        <pc:spChg chg="mod">
-          <ac:chgData name="Jim Pieper" userId="70ec17d751b5d6ef" providerId="LiveId" clId="{C39F6B6F-DF65-45AA-B91E-27C5D666BD64}" dt="2024-07-23T02:10:33.465" v="33" actId="20577"/>
-          <ac:spMkLst>
-            <pc:docMk/>
-            <pc:sldMk cId="1528074873" sldId="257"/>
-            <ac:spMk id="3" creationId="{C604EF24-9696-F68D-65A3-5E01DE11245F}"/>
-          </ac:spMkLst>
-        </pc:spChg>
-        <pc:spChg chg="mod">
-          <ac:chgData name="Jim Pieper" userId="70ec17d751b5d6ef" providerId="LiveId" clId="{C39F6B6F-DF65-45AA-B91E-27C5D666BD64}" dt="2024-07-23T02:06:25.431" v="5" actId="1076"/>
-          <ac:spMkLst>
-            <pc:docMk/>
-            <pc:sldMk cId="1528074873" sldId="257"/>
-            <ac:spMk id="5" creationId="{FD28AF83-D9E7-1048-AE8B-28A0B0876A75}"/>
-          </ac:spMkLst>
-        </pc:spChg>
-        <pc:picChg chg="add mod">
-          <ac:chgData name="Jim Pieper" userId="70ec17d751b5d6ef" providerId="LiveId" clId="{C39F6B6F-DF65-45AA-B91E-27C5D666BD64}" dt="2024-07-23T02:06:31.552" v="7" actId="1076"/>
-          <ac:picMkLst>
-            <pc:docMk/>
-            <pc:sldMk cId="1528074873" sldId="257"/>
-            <ac:picMk id="6" creationId="{9C52897D-B685-6DCC-5113-6DB2721238BF}"/>
-          </ac:picMkLst>
-        </pc:picChg>
-      </pc:sldChg>
-      <pc:sldChg chg="addSp modSp mod">
-        <pc:chgData name="Jim Pieper" userId="70ec17d751b5d6ef" providerId="LiveId" clId="{C39F6B6F-DF65-45AA-B91E-27C5D666BD64}" dt="2024-07-23T02:07:37.816" v="22" actId="1076"/>
-        <pc:sldMkLst>
-          <pc:docMk/>
-          <pc:sldMk cId="2678295895" sldId="259"/>
-        </pc:sldMkLst>
-        <pc:picChg chg="add mod">
-          <ac:chgData name="Jim Pieper" userId="70ec17d751b5d6ef" providerId="LiveId" clId="{C39F6B6F-DF65-45AA-B91E-27C5D666BD64}" dt="2024-07-23T02:07:07.543" v="13" actId="1076"/>
-          <ac:picMkLst>
-            <pc:docMk/>
-            <pc:sldMk cId="2678295895" sldId="259"/>
-            <ac:picMk id="9" creationId="{A7A76F33-0B10-F6D9-CA7D-76126C88BF40}"/>
-          </ac:picMkLst>
-        </pc:picChg>
-        <pc:picChg chg="add mod">
-          <ac:chgData name="Jim Pieper" userId="70ec17d751b5d6ef" providerId="LiveId" clId="{C39F6B6F-DF65-45AA-B91E-27C5D666BD64}" dt="2024-07-23T02:07:37.816" v="22" actId="1076"/>
-          <ac:picMkLst>
-            <pc:docMk/>
-            <pc:sldMk cId="2678295895" sldId="259"/>
-            <ac:picMk id="11" creationId="{CDC7E4A5-3252-7697-A384-35B0D1C04FAC}"/>
-          </ac:picMkLst>
-        </pc:picChg>
-      </pc:sldChg>
-      <pc:sldChg chg="addSp modSp mod">
-        <pc:chgData name="Jim Pieper" userId="70ec17d751b5d6ef" providerId="LiveId" clId="{C39F6B6F-DF65-45AA-B91E-27C5D666BD64}" dt="2024-07-23T02:09:53.863" v="28" actId="1076"/>
-        <pc:sldMkLst>
-          <pc:docMk/>
-          <pc:sldMk cId="3650296232" sldId="260"/>
-        </pc:sldMkLst>
-        <pc:picChg chg="add mod">
-          <ac:chgData name="Jim Pieper" userId="70ec17d751b5d6ef" providerId="LiveId" clId="{C39F6B6F-DF65-45AA-B91E-27C5D666BD64}" dt="2024-07-23T02:09:53.863" v="28" actId="1076"/>
-          <ac:picMkLst>
-            <pc:docMk/>
-            <pc:sldMk cId="3650296232" sldId="260"/>
-            <ac:picMk id="5" creationId="{170D67A4-2436-81AE-9002-6E7534C3383F}"/>
-          </ac:picMkLst>
-        </pc:picChg>
-      </pc:sldChg>
-    </pc:docChg>
-  </pc:docChgLst>
 </pc:chgInfo>
 </file>
 
@@ -504,7 +508,7 @@
           <a:p>
             <a:fld id="{A19DD7AC-7C8D-480B-B857-397721A82A82}" type="datetimeFigureOut">
               <a:rPr lang="en-US" smtClean="0"/>
-              <a:t>7/22/2024</a:t>
+              <a:t>7/23/2024</a:t>
             </a:fld>
             <a:endParaRPr lang="en-US"/>
           </a:p>
@@ -702,7 +706,7 @@
           <a:p>
             <a:fld id="{A19DD7AC-7C8D-480B-B857-397721A82A82}" type="datetimeFigureOut">
               <a:rPr lang="en-US" smtClean="0"/>
-              <a:t>7/22/2024</a:t>
+              <a:t>7/23/2024</a:t>
             </a:fld>
             <a:endParaRPr lang="en-US"/>
           </a:p>
@@ -910,7 +914,7 @@
           <a:p>
             <a:fld id="{A19DD7AC-7C8D-480B-B857-397721A82A82}" type="datetimeFigureOut">
               <a:rPr lang="en-US" smtClean="0"/>
-              <a:t>7/22/2024</a:t>
+              <a:t>7/23/2024</a:t>
             </a:fld>
             <a:endParaRPr lang="en-US"/>
           </a:p>
@@ -1108,7 +1112,7 @@
           <a:p>
             <a:fld id="{A19DD7AC-7C8D-480B-B857-397721A82A82}" type="datetimeFigureOut">
               <a:rPr lang="en-US" smtClean="0"/>
-              <a:t>7/22/2024</a:t>
+              <a:t>7/23/2024</a:t>
             </a:fld>
             <a:endParaRPr lang="en-US"/>
           </a:p>
@@ -1383,7 +1387,7 @@
           <a:p>
             <a:fld id="{A19DD7AC-7C8D-480B-B857-397721A82A82}" type="datetimeFigureOut">
               <a:rPr lang="en-US" smtClean="0"/>
-              <a:t>7/22/2024</a:t>
+              <a:t>7/23/2024</a:t>
             </a:fld>
             <a:endParaRPr lang="en-US"/>
           </a:p>
@@ -1648,7 +1652,7 @@
           <a:p>
             <a:fld id="{A19DD7AC-7C8D-480B-B857-397721A82A82}" type="datetimeFigureOut">
               <a:rPr lang="en-US" smtClean="0"/>
-              <a:t>7/22/2024</a:t>
+              <a:t>7/23/2024</a:t>
             </a:fld>
             <a:endParaRPr lang="en-US"/>
           </a:p>
@@ -2060,7 +2064,7 @@
           <a:p>
             <a:fld id="{A19DD7AC-7C8D-480B-B857-397721A82A82}" type="datetimeFigureOut">
               <a:rPr lang="en-US" smtClean="0"/>
-              <a:t>7/22/2024</a:t>
+              <a:t>7/23/2024</a:t>
             </a:fld>
             <a:endParaRPr lang="en-US"/>
           </a:p>
@@ -2201,7 +2205,7 @@
           <a:p>
             <a:fld id="{A19DD7AC-7C8D-480B-B857-397721A82A82}" type="datetimeFigureOut">
               <a:rPr lang="en-US" smtClean="0"/>
-              <a:t>7/22/2024</a:t>
+              <a:t>7/23/2024</a:t>
             </a:fld>
             <a:endParaRPr lang="en-US"/>
           </a:p>
@@ -2314,7 +2318,7 @@
           <a:p>
             <a:fld id="{A19DD7AC-7C8D-480B-B857-397721A82A82}" type="datetimeFigureOut">
               <a:rPr lang="en-US" smtClean="0"/>
-              <a:t>7/22/2024</a:t>
+              <a:t>7/23/2024</a:t>
             </a:fld>
             <a:endParaRPr lang="en-US"/>
           </a:p>
@@ -2625,7 +2629,7 @@
           <a:p>
             <a:fld id="{A19DD7AC-7C8D-480B-B857-397721A82A82}" type="datetimeFigureOut">
               <a:rPr lang="en-US" smtClean="0"/>
-              <a:t>7/22/2024</a:t>
+              <a:t>7/23/2024</a:t>
             </a:fld>
             <a:endParaRPr lang="en-US"/>
           </a:p>
@@ -2913,7 +2917,7 @@
           <a:p>
             <a:fld id="{A19DD7AC-7C8D-480B-B857-397721A82A82}" type="datetimeFigureOut">
               <a:rPr lang="en-US" smtClean="0"/>
-              <a:t>7/22/2024</a:t>
+              <a:t>7/23/2024</a:t>
             </a:fld>
             <a:endParaRPr lang="en-US"/>
           </a:p>
@@ -3154,7 +3158,7 @@
           <a:p>
             <a:fld id="{A19DD7AC-7C8D-480B-B857-397721A82A82}" type="datetimeFigureOut">
               <a:rPr lang="en-US" smtClean="0"/>
-              <a:t>7/22/2024</a:t>
+              <a:t>7/23/2024</a:t>
             </a:fld>
             <a:endParaRPr lang="en-US"/>
           </a:p>
@@ -4492,8 +4496,8 @@
         </p:nvSpPr>
         <p:spPr>
           <a:xfrm>
-            <a:off x="461818" y="424873"/>
-            <a:ext cx="5163128" cy="369332"/>
+            <a:off x="296441" y="424873"/>
+            <a:ext cx="11599118" cy="369332"/>
           </a:xfrm>
           <a:prstGeom prst="rect">
             <a:avLst/>
@@ -4506,13 +4510,302 @@
           </a:bodyPr>
           <a:lstStyle/>
           <a:p>
+            <a:pPr algn="ctr"/>
             <a:r>
               <a:rPr lang="en-US" dirty="0"/>
-              <a:t>Challenges  we face and techniques we used</a:t>
-            </a:r>
-          </a:p>
-        </p:txBody>
-      </p:sp>
+              <a:t>Tools</a:t>
+            </a:r>
+          </a:p>
+        </p:txBody>
+      </p:sp>
+      <p:sp>
+        <p:nvSpPr>
+          <p:cNvPr id="3" name="TextBox 2">
+            <a:extLst>
+              <a:ext uri="{FF2B5EF4-FFF2-40B4-BE49-F238E27FC236}">
+                <a16:creationId xmlns:a16="http://schemas.microsoft.com/office/drawing/2014/main" id="{120DF477-C2E9-B295-5ECC-41B8021A039E}"/>
+              </a:ext>
+            </a:extLst>
+          </p:cNvPr>
+          <p:cNvSpPr txBox="1"/>
+          <p:nvPr/>
+        </p:nvSpPr>
+        <p:spPr>
+          <a:xfrm>
+            <a:off x="502920" y="1133856"/>
+            <a:ext cx="4123944" cy="369332"/>
+          </a:xfrm>
+          <a:prstGeom prst="rect">
+            <a:avLst/>
+          </a:prstGeom>
+          <a:noFill/>
+          <a:ln w="12700" cap="rnd">
+            <a:solidFill>
+              <a:schemeClr val="accent1"/>
+            </a:solidFill>
+          </a:ln>
+        </p:spPr>
+        <p:txBody>
+          <a:bodyPr wrap="square" rtlCol="0">
+            <a:spAutoFit/>
+          </a:bodyPr>
+          <a:lstStyle/>
+          <a:p>
+            <a:r>
+              <a:rPr lang="en-US" dirty="0"/>
+              <a:t>Project Path </a:t>
+            </a:r>
+          </a:p>
+        </p:txBody>
+      </p:sp>
+      <p:sp>
+        <p:nvSpPr>
+          <p:cNvPr id="4" name="TextBox 3">
+            <a:extLst>
+              <a:ext uri="{FF2B5EF4-FFF2-40B4-BE49-F238E27FC236}">
+                <a16:creationId xmlns:a16="http://schemas.microsoft.com/office/drawing/2014/main" id="{8C35EFD2-02F8-58E8-06A9-1519469FDB3C}"/>
+              </a:ext>
+            </a:extLst>
+          </p:cNvPr>
+          <p:cNvSpPr txBox="1"/>
+          <p:nvPr/>
+        </p:nvSpPr>
+        <p:spPr>
+          <a:xfrm>
+            <a:off x="6215611" y="1136257"/>
+            <a:ext cx="4517044" cy="369332"/>
+          </a:xfrm>
+          <a:prstGeom prst="rect">
+            <a:avLst/>
+          </a:prstGeom>
+          <a:noFill/>
+          <a:ln w="12700" cap="rnd">
+            <a:solidFill>
+              <a:schemeClr val="accent1"/>
+            </a:solidFill>
+          </a:ln>
+        </p:spPr>
+        <p:txBody>
+          <a:bodyPr wrap="square" rtlCol="0">
+            <a:spAutoFit/>
+          </a:bodyPr>
+          <a:lstStyle>
+            <a:defPPr>
+              <a:defRPr lang="en-US"/>
+            </a:defPPr>
+            <a:lvl1pPr>
+              <a:defRPr/>
+            </a:lvl1pPr>
+          </a:lstStyle>
+          <a:p>
+            <a:r>
+              <a:rPr lang="en-US" dirty="0"/>
+              <a:t>Data Visualization Track</a:t>
+            </a:r>
+          </a:p>
+        </p:txBody>
+      </p:sp>
+      <p:cxnSp>
+        <p:nvCxnSpPr>
+          <p:cNvPr id="6" name="Straight Arrow Connector 5">
+            <a:extLst>
+              <a:ext uri="{FF2B5EF4-FFF2-40B4-BE49-F238E27FC236}">
+                <a16:creationId xmlns:a16="http://schemas.microsoft.com/office/drawing/2014/main" id="{D93F80F7-C782-2423-07BA-B394C2B6452A}"/>
+              </a:ext>
+            </a:extLst>
+          </p:cNvPr>
+          <p:cNvCxnSpPr>
+            <a:cxnSpLocks/>
+          </p:cNvCxnSpPr>
+          <p:nvPr/>
+        </p:nvCxnSpPr>
+        <p:spPr>
+          <a:xfrm>
+            <a:off x="5181600" y="1318522"/>
+            <a:ext cx="775855" cy="0"/>
+          </a:xfrm>
+          <a:prstGeom prst="straightConnector1">
+            <a:avLst/>
+          </a:prstGeom>
+          <a:ln w="57150">
+            <a:tailEnd type="triangle"/>
+          </a:ln>
+        </p:spPr>
+        <p:style>
+          <a:lnRef idx="2">
+            <a:schemeClr val="accent1"/>
+          </a:lnRef>
+          <a:fillRef idx="0">
+            <a:schemeClr val="accent1"/>
+          </a:fillRef>
+          <a:effectRef idx="1">
+            <a:schemeClr val="accent1"/>
+          </a:effectRef>
+          <a:fontRef idx="minor">
+            <a:schemeClr val="tx1"/>
+          </a:fontRef>
+        </p:style>
+      </p:cxnSp>
+      <p:sp>
+        <p:nvSpPr>
+          <p:cNvPr id="8" name="TextBox 7">
+            <a:extLst>
+              <a:ext uri="{FF2B5EF4-FFF2-40B4-BE49-F238E27FC236}">
+                <a16:creationId xmlns:a16="http://schemas.microsoft.com/office/drawing/2014/main" id="{5D896ABA-F770-F96B-AE8E-E3618E6AD5E8}"/>
+              </a:ext>
+            </a:extLst>
+          </p:cNvPr>
+          <p:cNvSpPr txBox="1"/>
+          <p:nvPr/>
+        </p:nvSpPr>
+        <p:spPr>
+          <a:xfrm>
+            <a:off x="502920" y="2692645"/>
+            <a:ext cx="4123944" cy="369332"/>
+          </a:xfrm>
+          <a:prstGeom prst="rect">
+            <a:avLst/>
+          </a:prstGeom>
+          <a:noFill/>
+          <a:ln w="12700" cap="rnd">
+            <a:solidFill>
+              <a:schemeClr val="accent1"/>
+            </a:solidFill>
+          </a:ln>
+        </p:spPr>
+        <p:txBody>
+          <a:bodyPr wrap="square" rtlCol="0">
+            <a:spAutoFit/>
+          </a:bodyPr>
+          <a:lstStyle/>
+          <a:p>
+            <a:r>
+              <a:rPr lang="en-US" dirty="0"/>
+              <a:t>Tools </a:t>
+            </a:r>
+          </a:p>
+        </p:txBody>
+      </p:sp>
+      <p:sp>
+        <p:nvSpPr>
+          <p:cNvPr id="9" name="TextBox 8">
+            <a:extLst>
+              <a:ext uri="{FF2B5EF4-FFF2-40B4-BE49-F238E27FC236}">
+                <a16:creationId xmlns:a16="http://schemas.microsoft.com/office/drawing/2014/main" id="{6657CB0B-F0F9-1BAB-EE34-499D641C8B4D}"/>
+              </a:ext>
+            </a:extLst>
+          </p:cNvPr>
+          <p:cNvSpPr txBox="1"/>
+          <p:nvPr/>
+        </p:nvSpPr>
+        <p:spPr>
+          <a:xfrm>
+            <a:off x="6215610" y="2593446"/>
+            <a:ext cx="4517045" cy="1477328"/>
+          </a:xfrm>
+          <a:prstGeom prst="rect">
+            <a:avLst/>
+          </a:prstGeom>
+          <a:noFill/>
+          <a:ln w="12700" cap="rnd">
+            <a:solidFill>
+              <a:schemeClr val="accent1"/>
+            </a:solidFill>
+          </a:ln>
+        </p:spPr>
+        <p:txBody>
+          <a:bodyPr wrap="square" rtlCol="0">
+            <a:spAutoFit/>
+          </a:bodyPr>
+          <a:lstStyle>
+            <a:defPPr>
+              <a:defRPr lang="en-US"/>
+            </a:defPPr>
+            <a:lvl1pPr>
+              <a:defRPr/>
+            </a:lvl1pPr>
+          </a:lstStyle>
+          <a:p>
+            <a:r>
+              <a:rPr lang="en-US" dirty="0"/>
+              <a:t>Code Development  : Microsoft VS Code</a:t>
+            </a:r>
+          </a:p>
+          <a:p>
+            <a:r>
+              <a:rPr lang="en-US" dirty="0"/>
+              <a:t>Data Cleaning             : </a:t>
+            </a:r>
+            <a:r>
+              <a:rPr lang="en-US" dirty="0" err="1"/>
+              <a:t>Jupyter</a:t>
+            </a:r>
+            <a:r>
+              <a:rPr lang="en-US" dirty="0"/>
+              <a:t> Notebook</a:t>
+            </a:r>
+          </a:p>
+          <a:p>
+            <a:r>
+              <a:rPr lang="en-US" dirty="0"/>
+              <a:t>Data Storage                : MongoDB, Excel , CSV  </a:t>
+            </a:r>
+          </a:p>
+          <a:p>
+            <a:r>
+              <a:rPr lang="en-US" dirty="0"/>
+              <a:t>Documentation           : Microsoft Word</a:t>
+            </a:r>
+          </a:p>
+          <a:p>
+            <a:r>
+              <a:rPr lang="en-US" dirty="0"/>
+              <a:t>Project Collaboration : Git and GitHub</a:t>
+            </a:r>
+          </a:p>
+        </p:txBody>
+      </p:sp>
+      <p:cxnSp>
+        <p:nvCxnSpPr>
+          <p:cNvPr id="10" name="Straight Arrow Connector 9">
+            <a:extLst>
+              <a:ext uri="{FF2B5EF4-FFF2-40B4-BE49-F238E27FC236}">
+                <a16:creationId xmlns:a16="http://schemas.microsoft.com/office/drawing/2014/main" id="{FC1C362B-89CC-EF49-C79B-629A378EBBB6}"/>
+              </a:ext>
+            </a:extLst>
+          </p:cNvPr>
+          <p:cNvCxnSpPr>
+            <a:cxnSpLocks/>
+          </p:cNvCxnSpPr>
+          <p:nvPr/>
+        </p:nvCxnSpPr>
+        <p:spPr>
+          <a:xfrm>
+            <a:off x="5172363" y="2893705"/>
+            <a:ext cx="775855" cy="0"/>
+          </a:xfrm>
+          <a:prstGeom prst="straightConnector1">
+            <a:avLst/>
+          </a:prstGeom>
+          <a:ln w="57150">
+            <a:tailEnd type="triangle"/>
+          </a:ln>
+        </p:spPr>
+        <p:style>
+          <a:lnRef idx="2">
+            <a:schemeClr val="accent1"/>
+          </a:lnRef>
+          <a:fillRef idx="0">
+            <a:schemeClr val="accent1"/>
+          </a:fillRef>
+          <a:effectRef idx="1">
+            <a:schemeClr val="accent1"/>
+          </a:effectRef>
+          <a:fontRef idx="minor">
+            <a:schemeClr val="tx1"/>
+          </a:fontRef>
+        </p:style>
+      </p:cxnSp>
     </p:spTree>
     <p:extLst>
       <p:ext uri="{BB962C8B-B14F-4D97-AF65-F5344CB8AC3E}">
@@ -4545,98 +4838,193 @@
       </p:grpSpPr>
       <p:sp>
         <p:nvSpPr>
-          <p:cNvPr id="2" name="Title 1">
-            <a:extLst>
-              <a:ext uri="{FF2B5EF4-FFF2-40B4-BE49-F238E27FC236}">
-                <a16:creationId xmlns:a16="http://schemas.microsoft.com/office/drawing/2014/main" id="{792CF614-8A26-89E2-AE07-1602A5BBCEFA}"/>
-              </a:ext>
-            </a:extLst>
-          </p:cNvPr>
-          <p:cNvSpPr>
-            <a:spLocks noGrp="1"/>
-          </p:cNvSpPr>
-          <p:nvPr>
-            <p:ph type="title"/>
-          </p:nvPr>
-        </p:nvSpPr>
-        <p:spPr/>
-        <p:txBody>
-          <a:bodyPr/>
-          <a:lstStyle/>
-          <a:p>
-            <a:r>
-              <a:rPr lang="en-US" dirty="0"/>
-              <a:t>Conclusion</a:t>
-            </a:r>
-          </a:p>
-        </p:txBody>
-      </p:sp>
-      <p:sp>
-        <p:nvSpPr>
-          <p:cNvPr id="3" name="Content Placeholder 2">
-            <a:extLst>
-              <a:ext uri="{FF2B5EF4-FFF2-40B4-BE49-F238E27FC236}">
-                <a16:creationId xmlns:a16="http://schemas.microsoft.com/office/drawing/2014/main" id="{45C7E082-7169-14B0-95F1-3B5E75C605D4}"/>
-              </a:ext>
-            </a:extLst>
-          </p:cNvPr>
-          <p:cNvSpPr>
-            <a:spLocks noGrp="1"/>
-          </p:cNvSpPr>
-          <p:nvPr>
-            <p:ph idx="1"/>
-          </p:nvPr>
-        </p:nvSpPr>
-        <p:spPr/>
-        <p:txBody>
-          <a:bodyPr>
-            <a:normAutofit/>
+          <p:cNvPr id="2" name="TextBox 1">
+            <a:extLst>
+              <a:ext uri="{FF2B5EF4-FFF2-40B4-BE49-F238E27FC236}">
+                <a16:creationId xmlns:a16="http://schemas.microsoft.com/office/drawing/2014/main" id="{A0C598AD-C50B-FD11-8A37-9EBC8E8CAE59}"/>
+              </a:ext>
+            </a:extLst>
+          </p:cNvPr>
+          <p:cNvSpPr txBox="1"/>
+          <p:nvPr/>
+        </p:nvSpPr>
+        <p:spPr>
+          <a:xfrm>
+            <a:off x="296441" y="424873"/>
+            <a:ext cx="11599118" cy="369332"/>
+          </a:xfrm>
+          <a:prstGeom prst="rect">
+            <a:avLst/>
+          </a:prstGeom>
+          <a:noFill/>
+        </p:spPr>
+        <p:txBody>
+          <a:bodyPr wrap="square" rtlCol="0">
+            <a:spAutoFit/>
           </a:bodyPr>
           <a:lstStyle/>
           <a:p>
-            <a:pPr marL="0" indent="0">
-              <a:buNone/>
-            </a:pPr>
-            <a:r>
-              <a:rPr lang="en-US" sz="1800" dirty="0"/>
-              <a:t>Summarize the visuals</a:t>
-            </a:r>
-          </a:p>
-          <a:p>
-            <a:r>
-              <a:rPr lang="en-US" sz="1800" dirty="0"/>
-              <a:t>World Density– not many players internationally join the American MLB.</a:t>
-            </a:r>
-          </a:p>
-          <a:p>
-            <a:r>
-              <a:rPr lang="en-US" sz="1800" dirty="0"/>
-              <a:t>States Density – Base on the visual we can tell that California has produce the most MLB players. </a:t>
-            </a:r>
-          </a:p>
-          <a:p>
-            <a:r>
-              <a:rPr lang="en-US" sz="1800" dirty="0"/>
-              <a:t>MLB players birth years – Most players born from 1960’s into late 1980’s contributed to the MLB.</a:t>
-            </a:r>
-          </a:p>
-          <a:p>
-            <a:endParaRPr lang="en-US" sz="1800" dirty="0"/>
-          </a:p>
-          <a:p>
-            <a:endParaRPr lang="en-US" sz="1800"/>
-          </a:p>
-          <a:p>
-            <a:endParaRPr lang="en-US" sz="1800" dirty="0"/>
-          </a:p>
-        </p:txBody>
-      </p:sp>
+            <a:pPr algn="ctr"/>
+            <a:r>
+              <a:rPr lang="en-US" dirty="0"/>
+              <a:t>Challenges </a:t>
+            </a:r>
+          </a:p>
+        </p:txBody>
+      </p:sp>
+      <p:sp>
+        <p:nvSpPr>
+          <p:cNvPr id="11" name="TextBox 10">
+            <a:extLst>
+              <a:ext uri="{FF2B5EF4-FFF2-40B4-BE49-F238E27FC236}">
+                <a16:creationId xmlns:a16="http://schemas.microsoft.com/office/drawing/2014/main" id="{ED95BD74-ED7D-123A-73FF-3E4902F6FAF2}"/>
+              </a:ext>
+            </a:extLst>
+          </p:cNvPr>
+          <p:cNvSpPr txBox="1"/>
+          <p:nvPr/>
+        </p:nvSpPr>
+        <p:spPr>
+          <a:xfrm>
+            <a:off x="632229" y="940861"/>
+            <a:ext cx="3135099" cy="369332"/>
+          </a:xfrm>
+          <a:prstGeom prst="rect">
+            <a:avLst/>
+          </a:prstGeom>
+          <a:noFill/>
+          <a:ln w="12700" cap="rnd">
+            <a:solidFill>
+              <a:schemeClr val="accent1"/>
+            </a:solidFill>
+          </a:ln>
+        </p:spPr>
+        <p:txBody>
+          <a:bodyPr wrap="square" rtlCol="0">
+            <a:spAutoFit/>
+          </a:bodyPr>
+          <a:lstStyle/>
+          <a:p>
+            <a:r>
+              <a:rPr lang="en-US" dirty="0"/>
+              <a:t>Finding a Data source </a:t>
+            </a:r>
+          </a:p>
+        </p:txBody>
+      </p:sp>
+      <p:sp>
+        <p:nvSpPr>
+          <p:cNvPr id="12" name="TextBox 11">
+            <a:extLst>
+              <a:ext uri="{FF2B5EF4-FFF2-40B4-BE49-F238E27FC236}">
+                <a16:creationId xmlns:a16="http://schemas.microsoft.com/office/drawing/2014/main" id="{9F35E88E-BAA8-BBA1-A048-3031F1397AA7}"/>
+              </a:ext>
+            </a:extLst>
+          </p:cNvPr>
+          <p:cNvSpPr txBox="1"/>
+          <p:nvPr/>
+        </p:nvSpPr>
+        <p:spPr>
+          <a:xfrm>
+            <a:off x="4974336" y="922987"/>
+            <a:ext cx="6510528" cy="1107996"/>
+          </a:xfrm>
+          <a:prstGeom prst="rect">
+            <a:avLst/>
+          </a:prstGeom>
+          <a:noFill/>
+          <a:ln w="12700" cap="rnd">
+            <a:solidFill>
+              <a:schemeClr val="accent1"/>
+            </a:solidFill>
+          </a:ln>
+        </p:spPr>
+        <p:txBody>
+          <a:bodyPr wrap="square" rtlCol="0">
+            <a:spAutoFit/>
+          </a:bodyPr>
+          <a:lstStyle>
+            <a:defPPr>
+              <a:defRPr lang="en-US"/>
+            </a:defPPr>
+            <a:lvl1pPr>
+              <a:defRPr/>
+            </a:lvl1pPr>
+          </a:lstStyle>
+          <a:p>
+            <a:r>
+              <a:rPr lang="en-US" dirty="0"/>
+              <a:t>Web scraping :  </a:t>
+            </a:r>
+            <a:r>
+              <a:rPr lang="en-US" sz="1200" dirty="0"/>
+              <a:t>https://www.baseball-almanac.com/players/birthplace.php </a:t>
+            </a:r>
+          </a:p>
+          <a:p>
+            <a:endParaRPr lang="en-US" sz="1200" dirty="0"/>
+          </a:p>
+          <a:p>
+            <a:endParaRPr lang="en-US" sz="1200" dirty="0"/>
+          </a:p>
+          <a:p>
+            <a:endParaRPr lang="en-US" sz="1200" dirty="0"/>
+          </a:p>
+          <a:p>
+            <a:r>
+              <a:rPr lang="en-US" sz="1200" dirty="0"/>
+              <a:t> </a:t>
+            </a:r>
+          </a:p>
+        </p:txBody>
+      </p:sp>
+      <p:cxnSp>
+        <p:nvCxnSpPr>
+          <p:cNvPr id="13" name="Straight Arrow Connector 12">
+            <a:extLst>
+              <a:ext uri="{FF2B5EF4-FFF2-40B4-BE49-F238E27FC236}">
+                <a16:creationId xmlns:a16="http://schemas.microsoft.com/office/drawing/2014/main" id="{42B99BCF-9641-63AA-676B-B9151DB5FBF6}"/>
+              </a:ext>
+            </a:extLst>
+          </p:cNvPr>
+          <p:cNvCxnSpPr>
+            <a:cxnSpLocks/>
+          </p:cNvCxnSpPr>
+          <p:nvPr/>
+        </p:nvCxnSpPr>
+        <p:spPr>
+          <a:xfrm>
+            <a:off x="4039800" y="1141921"/>
+            <a:ext cx="775855" cy="0"/>
+          </a:xfrm>
+          <a:prstGeom prst="straightConnector1">
+            <a:avLst/>
+          </a:prstGeom>
+          <a:ln w="57150">
+            <a:tailEnd type="triangle"/>
+          </a:ln>
+        </p:spPr>
+        <p:style>
+          <a:lnRef idx="2">
+            <a:schemeClr val="accent1"/>
+          </a:lnRef>
+          <a:fillRef idx="0">
+            <a:schemeClr val="accent1"/>
+          </a:fillRef>
+          <a:effectRef idx="1">
+            <a:schemeClr val="accent1"/>
+          </a:effectRef>
+          <a:fontRef idx="minor">
+            <a:schemeClr val="tx1"/>
+          </a:fontRef>
+        </p:style>
+      </p:cxnSp>
       <p:pic>
         <p:nvPicPr>
-          <p:cNvPr id="5" name="Picture 4" descr="A baseball bat and glove on a dirt field&#10;&#10;Description automatically generated">
-            <a:extLst>
-              <a:ext uri="{FF2B5EF4-FFF2-40B4-BE49-F238E27FC236}">
-                <a16:creationId xmlns:a16="http://schemas.microsoft.com/office/drawing/2014/main" id="{170D67A4-2436-81AE-9002-6E7534C3383F}"/>
+          <p:cNvPr id="5" name="Picture 4">
+            <a:extLst>
+              <a:ext uri="{FF2B5EF4-FFF2-40B4-BE49-F238E27FC236}">
+                <a16:creationId xmlns:a16="http://schemas.microsoft.com/office/drawing/2014/main" id="{08B1A52B-C857-2D60-D1EC-967FE5C64252}"/>
               </a:ext>
             </a:extLst>
           </p:cNvPr>
@@ -4646,21 +5034,616 @@
           <p:nvPr/>
         </p:nvPicPr>
         <p:blipFill>
-          <a:blip r:embed="rId2">
-            <a:extLst>
-              <a:ext uri="{28A0092B-C50C-407E-A947-70E740481C1C}">
-                <a14:useLocalDpi xmlns:a14="http://schemas.microsoft.com/office/drawing/2010/main" val="0"/>
-              </a:ext>
-            </a:extLst>
-          </a:blip>
+          <a:blip r:embed="rId2"/>
           <a:stretch>
             <a:fillRect/>
           </a:stretch>
         </p:blipFill>
         <p:spPr>
           <a:xfrm>
-            <a:off x="3473996" y="3653103"/>
-            <a:ext cx="4259658" cy="2839772"/>
+            <a:off x="4974336" y="2159765"/>
+            <a:ext cx="6510528" cy="3399787"/>
+          </a:xfrm>
+          <a:prstGeom prst="rect">
+            <a:avLst/>
+          </a:prstGeom>
+        </p:spPr>
+      </p:pic>
+      <p:pic>
+        <p:nvPicPr>
+          <p:cNvPr id="7" name="Picture 6">
+            <a:extLst>
+              <a:ext uri="{FF2B5EF4-FFF2-40B4-BE49-F238E27FC236}">
+                <a16:creationId xmlns:a16="http://schemas.microsoft.com/office/drawing/2014/main" id="{B0F3C398-8F99-B7C6-01EC-48FF35B2211A}"/>
+              </a:ext>
+            </a:extLst>
+          </p:cNvPr>
+          <p:cNvPicPr>
+            <a:picLocks noChangeAspect="1"/>
+          </p:cNvPicPr>
+          <p:nvPr/>
+        </p:nvPicPr>
+        <p:blipFill>
+          <a:blip r:embed="rId3"/>
+          <a:stretch>
+            <a:fillRect/>
+          </a:stretch>
+        </p:blipFill>
+        <p:spPr>
+          <a:xfrm>
+            <a:off x="411479" y="2159764"/>
+            <a:ext cx="4168767" cy="3399786"/>
+          </a:xfrm>
+          <a:prstGeom prst="rect">
+            <a:avLst/>
+          </a:prstGeom>
+        </p:spPr>
+      </p:pic>
+      <p:sp>
+        <p:nvSpPr>
+          <p:cNvPr id="8" name="TextBox 7">
+            <a:extLst>
+              <a:ext uri="{FF2B5EF4-FFF2-40B4-BE49-F238E27FC236}">
+                <a16:creationId xmlns:a16="http://schemas.microsoft.com/office/drawing/2014/main" id="{A302C97E-8D62-7990-662E-39EEE1DBDFE8}"/>
+              </a:ext>
+            </a:extLst>
+          </p:cNvPr>
+          <p:cNvSpPr txBox="1"/>
+          <p:nvPr/>
+        </p:nvSpPr>
+        <p:spPr>
+          <a:xfrm>
+            <a:off x="748053" y="6348083"/>
+            <a:ext cx="3135099" cy="369332"/>
+          </a:xfrm>
+          <a:prstGeom prst="rect">
+            <a:avLst/>
+          </a:prstGeom>
+          <a:noFill/>
+          <a:ln w="12700" cap="rnd">
+            <a:solidFill>
+              <a:schemeClr val="accent1"/>
+            </a:solidFill>
+          </a:ln>
+        </p:spPr>
+        <p:txBody>
+          <a:bodyPr wrap="square" rtlCol="0">
+            <a:spAutoFit/>
+          </a:bodyPr>
+          <a:lstStyle/>
+          <a:p>
+            <a:r>
+              <a:rPr lang="en-US" dirty="0"/>
+              <a:t>Solution </a:t>
+            </a:r>
+          </a:p>
+        </p:txBody>
+      </p:sp>
+      <p:cxnSp>
+        <p:nvCxnSpPr>
+          <p:cNvPr id="9" name="Straight Arrow Connector 8">
+            <a:extLst>
+              <a:ext uri="{FF2B5EF4-FFF2-40B4-BE49-F238E27FC236}">
+                <a16:creationId xmlns:a16="http://schemas.microsoft.com/office/drawing/2014/main" id="{67C32159-C201-07C0-B992-D3868EB905F9}"/>
+              </a:ext>
+            </a:extLst>
+          </p:cNvPr>
+          <p:cNvCxnSpPr>
+            <a:cxnSpLocks/>
+          </p:cNvCxnSpPr>
+          <p:nvPr/>
+        </p:nvCxnSpPr>
+        <p:spPr>
+          <a:xfrm>
+            <a:off x="4057190" y="6506401"/>
+            <a:ext cx="775855" cy="0"/>
+          </a:xfrm>
+          <a:prstGeom prst="straightConnector1">
+            <a:avLst/>
+          </a:prstGeom>
+          <a:ln w="57150">
+            <a:tailEnd type="triangle"/>
+          </a:ln>
+        </p:spPr>
+        <p:style>
+          <a:lnRef idx="2">
+            <a:schemeClr val="accent1"/>
+          </a:lnRef>
+          <a:fillRef idx="0">
+            <a:schemeClr val="accent1"/>
+          </a:fillRef>
+          <a:effectRef idx="1">
+            <a:schemeClr val="accent1"/>
+          </a:effectRef>
+          <a:fontRef idx="minor">
+            <a:schemeClr val="tx1"/>
+          </a:fontRef>
+        </p:style>
+      </p:cxnSp>
+      <p:sp>
+        <p:nvSpPr>
+          <p:cNvPr id="10" name="TextBox 9">
+            <a:extLst>
+              <a:ext uri="{FF2B5EF4-FFF2-40B4-BE49-F238E27FC236}">
+                <a16:creationId xmlns:a16="http://schemas.microsoft.com/office/drawing/2014/main" id="{77441A59-FDEA-C7F8-B1D9-AD96E1D87DAC}"/>
+              </a:ext>
+            </a:extLst>
+          </p:cNvPr>
+          <p:cNvSpPr txBox="1"/>
+          <p:nvPr/>
+        </p:nvSpPr>
+        <p:spPr>
+          <a:xfrm>
+            <a:off x="765443" y="11712563"/>
+            <a:ext cx="3135099" cy="369332"/>
+          </a:xfrm>
+          <a:prstGeom prst="rect">
+            <a:avLst/>
+          </a:prstGeom>
+          <a:noFill/>
+          <a:ln w="12700" cap="rnd">
+            <a:solidFill>
+              <a:schemeClr val="accent1"/>
+            </a:solidFill>
+          </a:ln>
+        </p:spPr>
+        <p:txBody>
+          <a:bodyPr wrap="square" rtlCol="0">
+            <a:spAutoFit/>
+          </a:bodyPr>
+          <a:lstStyle/>
+          <a:p>
+            <a:r>
+              <a:rPr lang="en-US" dirty="0"/>
+              <a:t>Solution </a:t>
+            </a:r>
+          </a:p>
+        </p:txBody>
+      </p:sp>
+      <p:sp>
+        <p:nvSpPr>
+          <p:cNvPr id="14" name="TextBox 13">
+            <a:extLst>
+              <a:ext uri="{FF2B5EF4-FFF2-40B4-BE49-F238E27FC236}">
+                <a16:creationId xmlns:a16="http://schemas.microsoft.com/office/drawing/2014/main" id="{3798C23D-9DCA-7A54-5795-8C5D0686A6DE}"/>
+              </a:ext>
+            </a:extLst>
+          </p:cNvPr>
+          <p:cNvSpPr txBox="1"/>
+          <p:nvPr/>
+        </p:nvSpPr>
+        <p:spPr>
+          <a:xfrm>
+            <a:off x="5007083" y="6316524"/>
+            <a:ext cx="6753394" cy="276999"/>
+          </a:xfrm>
+          <a:prstGeom prst="rect">
+            <a:avLst/>
+          </a:prstGeom>
+          <a:noFill/>
+          <a:ln w="12700" cap="rnd">
+            <a:solidFill>
+              <a:schemeClr val="accent1"/>
+            </a:solidFill>
+          </a:ln>
+        </p:spPr>
+        <p:txBody>
+          <a:bodyPr wrap="square" rtlCol="0">
+            <a:spAutoFit/>
+          </a:bodyPr>
+          <a:lstStyle/>
+          <a:p>
+            <a:r>
+              <a:rPr lang="en-US" sz="1200" dirty="0"/>
+              <a:t> </a:t>
+            </a:r>
+            <a:r>
+              <a:rPr lang="en-US" sz="1200" dirty="0">
+                <a:hlinkClick r:id="rId4">
+                  <a:extLst>
+                    <a:ext uri="{A12FA001-AC4F-418D-AE19-62706E023703}">
+                      <ahyp:hlinkClr xmlns:ahyp="http://schemas.microsoft.com/office/drawing/2018/hyperlinkcolor" val="tx"/>
+                    </a:ext>
+                  </a:extLst>
+                </a:hlinkClick>
+              </a:rPr>
+              <a:t>https://www.kaggle.com/datasets/open-source-sports/baseball-databank</a:t>
+            </a:r>
+            <a:endParaRPr lang="en-US" sz="1200" dirty="0"/>
+          </a:p>
+        </p:txBody>
+      </p:sp>
+      <p:sp>
+        <p:nvSpPr>
+          <p:cNvPr id="15" name="TextBox 14">
+            <a:extLst>
+              <a:ext uri="{FF2B5EF4-FFF2-40B4-BE49-F238E27FC236}">
+                <a16:creationId xmlns:a16="http://schemas.microsoft.com/office/drawing/2014/main" id="{D3693E0E-463E-D1B6-A2FC-EAFCCA002D46}"/>
+              </a:ext>
+            </a:extLst>
+          </p:cNvPr>
+          <p:cNvSpPr txBox="1"/>
+          <p:nvPr/>
+        </p:nvSpPr>
+        <p:spPr>
+          <a:xfrm>
+            <a:off x="765443" y="5789352"/>
+            <a:ext cx="3135099" cy="369332"/>
+          </a:xfrm>
+          <a:prstGeom prst="rect">
+            <a:avLst/>
+          </a:prstGeom>
+          <a:noFill/>
+          <a:ln w="12700" cap="rnd">
+            <a:solidFill>
+              <a:schemeClr val="accent1"/>
+            </a:solidFill>
+          </a:ln>
+        </p:spPr>
+        <p:txBody>
+          <a:bodyPr wrap="square" rtlCol="0">
+            <a:spAutoFit/>
+          </a:bodyPr>
+          <a:lstStyle/>
+          <a:p>
+            <a:r>
+              <a:rPr lang="en-US" dirty="0"/>
+              <a:t>Problem Faced	 </a:t>
+            </a:r>
+          </a:p>
+        </p:txBody>
+      </p:sp>
+      <p:cxnSp>
+        <p:nvCxnSpPr>
+          <p:cNvPr id="16" name="Straight Arrow Connector 15">
+            <a:extLst>
+              <a:ext uri="{FF2B5EF4-FFF2-40B4-BE49-F238E27FC236}">
+                <a16:creationId xmlns:a16="http://schemas.microsoft.com/office/drawing/2014/main" id="{8A9EAAAE-6292-A7D3-030D-E2191B73C178}"/>
+              </a:ext>
+            </a:extLst>
+          </p:cNvPr>
+          <p:cNvCxnSpPr>
+            <a:cxnSpLocks/>
+          </p:cNvCxnSpPr>
+          <p:nvPr/>
+        </p:nvCxnSpPr>
+        <p:spPr>
+          <a:xfrm>
+            <a:off x="4074580" y="5947670"/>
+            <a:ext cx="775855" cy="0"/>
+          </a:xfrm>
+          <a:prstGeom prst="straightConnector1">
+            <a:avLst/>
+          </a:prstGeom>
+          <a:ln w="57150">
+            <a:tailEnd type="triangle"/>
+          </a:ln>
+        </p:spPr>
+        <p:style>
+          <a:lnRef idx="2">
+            <a:schemeClr val="accent1"/>
+          </a:lnRef>
+          <a:fillRef idx="0">
+            <a:schemeClr val="accent1"/>
+          </a:fillRef>
+          <a:effectRef idx="1">
+            <a:schemeClr val="accent1"/>
+          </a:effectRef>
+          <a:fontRef idx="minor">
+            <a:schemeClr val="tx1"/>
+          </a:fontRef>
+        </p:style>
+      </p:cxnSp>
+      <p:sp>
+        <p:nvSpPr>
+          <p:cNvPr id="17" name="TextBox 16">
+            <a:extLst>
+              <a:ext uri="{FF2B5EF4-FFF2-40B4-BE49-F238E27FC236}">
+                <a16:creationId xmlns:a16="http://schemas.microsoft.com/office/drawing/2014/main" id="{AD279E19-0473-AE74-3A39-424449676C34}"/>
+              </a:ext>
+            </a:extLst>
+          </p:cNvPr>
+          <p:cNvSpPr txBox="1"/>
+          <p:nvPr/>
+        </p:nvSpPr>
+        <p:spPr>
+          <a:xfrm>
+            <a:off x="5024473" y="5757793"/>
+            <a:ext cx="6753394" cy="276999"/>
+          </a:xfrm>
+          <a:prstGeom prst="rect">
+            <a:avLst/>
+          </a:prstGeom>
+          <a:noFill/>
+          <a:ln w="12700" cap="rnd">
+            <a:solidFill>
+              <a:schemeClr val="accent1"/>
+            </a:solidFill>
+          </a:ln>
+        </p:spPr>
+        <p:txBody>
+          <a:bodyPr wrap="square" rtlCol="0">
+            <a:spAutoFit/>
+          </a:bodyPr>
+          <a:lstStyle/>
+          <a:p>
+            <a:r>
+              <a:rPr lang="en-US" sz="1200" dirty="0"/>
+              <a:t>Web scraping is a time consume process and not suitable for  scraping a large data set. </a:t>
+            </a:r>
+          </a:p>
+        </p:txBody>
+      </p:sp>
+    </p:spTree>
+    <p:extLst>
+      <p:ext uri="{BB962C8B-B14F-4D97-AF65-F5344CB8AC3E}">
+        <p14:creationId xmlns:p14="http://schemas.microsoft.com/office/powerpoint/2010/main" val="3284061155"/>
+      </p:ext>
+    </p:extLst>
+  </p:cSld>
+  <p:clrMapOvr>
+    <a:masterClrMapping/>
+  </p:clrMapOvr>
+</p:sld>
+</file>
+
+<file path=ppt/slides/slide6.xml><?xml version="1.0" encoding="utf-8"?>
+<p:sld xmlns:a="http://schemas.openxmlformats.org/drawingml/2006/main" xmlns:r="http://schemas.openxmlformats.org/officeDocument/2006/relationships" xmlns:p="http://schemas.openxmlformats.org/presentationml/2006/main">
+  <p:cSld>
+    <p:spTree>
+      <p:nvGrpSpPr>
+        <p:cNvPr id="1" name=""/>
+        <p:cNvGrpSpPr/>
+        <p:nvPr/>
+      </p:nvGrpSpPr>
+      <p:grpSpPr>
+        <a:xfrm>
+          <a:off x="0" y="0"/>
+          <a:ext cx="0" cy="0"/>
+          <a:chOff x="0" y="0"/>
+          <a:chExt cx="0" cy="0"/>
+        </a:xfrm>
+      </p:grpSpPr>
+      <p:sp>
+        <p:nvSpPr>
+          <p:cNvPr id="2" name="TextBox 1">
+            <a:extLst>
+              <a:ext uri="{FF2B5EF4-FFF2-40B4-BE49-F238E27FC236}">
+                <a16:creationId xmlns:a16="http://schemas.microsoft.com/office/drawing/2014/main" id="{9C29D741-7B5A-EB24-563C-8D8256EF7BAB}"/>
+              </a:ext>
+            </a:extLst>
+          </p:cNvPr>
+          <p:cNvSpPr txBox="1"/>
+          <p:nvPr/>
+        </p:nvSpPr>
+        <p:spPr>
+          <a:xfrm>
+            <a:off x="296441" y="424873"/>
+            <a:ext cx="11599118" cy="369332"/>
+          </a:xfrm>
+          <a:prstGeom prst="rect">
+            <a:avLst/>
+          </a:prstGeom>
+          <a:noFill/>
+        </p:spPr>
+        <p:txBody>
+          <a:bodyPr wrap="square" rtlCol="0">
+            <a:spAutoFit/>
+          </a:bodyPr>
+          <a:lstStyle/>
+          <a:p>
+            <a:pPr algn="ctr"/>
+            <a:r>
+              <a:rPr lang="en-US" dirty="0"/>
+              <a:t>Data Cleaning Process</a:t>
+            </a:r>
+          </a:p>
+        </p:txBody>
+      </p:sp>
+      <p:pic>
+        <p:nvPicPr>
+          <p:cNvPr id="6" name="Picture 5">
+            <a:extLst>
+              <a:ext uri="{FF2B5EF4-FFF2-40B4-BE49-F238E27FC236}">
+                <a16:creationId xmlns:a16="http://schemas.microsoft.com/office/drawing/2014/main" id="{3D391283-3294-F11B-F5E5-765B6D24B80D}"/>
+              </a:ext>
+            </a:extLst>
+          </p:cNvPr>
+          <p:cNvPicPr>
+            <a:picLocks noChangeAspect="1"/>
+          </p:cNvPicPr>
+          <p:nvPr/>
+        </p:nvPicPr>
+        <p:blipFill>
+          <a:blip r:embed="rId2"/>
+          <a:stretch>
+            <a:fillRect/>
+          </a:stretch>
+        </p:blipFill>
+        <p:spPr>
+          <a:xfrm>
+            <a:off x="296441" y="861431"/>
+            <a:ext cx="3953427" cy="2867425"/>
+          </a:xfrm>
+          <a:prstGeom prst="rect">
+            <a:avLst/>
+          </a:prstGeom>
+        </p:spPr>
+      </p:pic>
+      <p:pic>
+        <p:nvPicPr>
+          <p:cNvPr id="8" name="Picture 7">
+            <a:extLst>
+              <a:ext uri="{FF2B5EF4-FFF2-40B4-BE49-F238E27FC236}">
+                <a16:creationId xmlns:a16="http://schemas.microsoft.com/office/drawing/2014/main" id="{6921A932-D631-C2FA-0049-D44603FF8F6E}"/>
+              </a:ext>
+            </a:extLst>
+          </p:cNvPr>
+          <p:cNvPicPr>
+            <a:picLocks noChangeAspect="1"/>
+          </p:cNvPicPr>
+          <p:nvPr/>
+        </p:nvPicPr>
+        <p:blipFill>
+          <a:blip r:embed="rId3"/>
+          <a:stretch>
+            <a:fillRect/>
+          </a:stretch>
+        </p:blipFill>
+        <p:spPr>
+          <a:xfrm>
+            <a:off x="4546309" y="873298"/>
+            <a:ext cx="7645691" cy="952633"/>
+          </a:xfrm>
+          <a:prstGeom prst="rect">
+            <a:avLst/>
+          </a:prstGeom>
+        </p:spPr>
+      </p:pic>
+      <p:pic>
+        <p:nvPicPr>
+          <p:cNvPr id="10" name="Picture 9">
+            <a:extLst>
+              <a:ext uri="{FF2B5EF4-FFF2-40B4-BE49-F238E27FC236}">
+                <a16:creationId xmlns:a16="http://schemas.microsoft.com/office/drawing/2014/main" id="{AF9505C7-A4F5-0ED9-2B2B-3907D040A9CA}"/>
+              </a:ext>
+            </a:extLst>
+          </p:cNvPr>
+          <p:cNvPicPr>
+            <a:picLocks noChangeAspect="1"/>
+          </p:cNvPicPr>
+          <p:nvPr/>
+        </p:nvPicPr>
+        <p:blipFill>
+          <a:blip r:embed="rId4"/>
+          <a:stretch>
+            <a:fillRect/>
+          </a:stretch>
+        </p:blipFill>
+        <p:spPr>
+          <a:xfrm>
+            <a:off x="4546309" y="2091443"/>
+            <a:ext cx="7645691" cy="809738"/>
+          </a:xfrm>
+          <a:prstGeom prst="rect">
+            <a:avLst/>
+          </a:prstGeom>
+        </p:spPr>
+      </p:pic>
+      <p:pic>
+        <p:nvPicPr>
+          <p:cNvPr id="14" name="Picture 13">
+            <a:extLst>
+              <a:ext uri="{FF2B5EF4-FFF2-40B4-BE49-F238E27FC236}">
+                <a16:creationId xmlns:a16="http://schemas.microsoft.com/office/drawing/2014/main" id="{E707A372-68DF-8C4E-5E3D-CF8E02E939FF}"/>
+              </a:ext>
+            </a:extLst>
+          </p:cNvPr>
+          <p:cNvPicPr>
+            <a:picLocks noChangeAspect="1"/>
+          </p:cNvPicPr>
+          <p:nvPr/>
+        </p:nvPicPr>
+        <p:blipFill>
+          <a:blip r:embed="rId5"/>
+          <a:stretch>
+            <a:fillRect/>
+          </a:stretch>
+        </p:blipFill>
+        <p:spPr>
+          <a:xfrm>
+            <a:off x="4612126" y="3015927"/>
+            <a:ext cx="7579873" cy="495369"/>
+          </a:xfrm>
+          <a:prstGeom prst="rect">
+            <a:avLst/>
+          </a:prstGeom>
+        </p:spPr>
+      </p:pic>
+      <p:pic>
+        <p:nvPicPr>
+          <p:cNvPr id="16" name="Picture 15">
+            <a:extLst>
+              <a:ext uri="{FF2B5EF4-FFF2-40B4-BE49-F238E27FC236}">
+                <a16:creationId xmlns:a16="http://schemas.microsoft.com/office/drawing/2014/main" id="{AF882C93-5E37-2863-CF27-AED69E1B8B25}"/>
+              </a:ext>
+            </a:extLst>
+          </p:cNvPr>
+          <p:cNvPicPr>
+            <a:picLocks noChangeAspect="1"/>
+          </p:cNvPicPr>
+          <p:nvPr/>
+        </p:nvPicPr>
+        <p:blipFill>
+          <a:blip r:embed="rId6"/>
+          <a:stretch>
+            <a:fillRect/>
+          </a:stretch>
+        </p:blipFill>
+        <p:spPr>
+          <a:xfrm>
+            <a:off x="4546309" y="3626042"/>
+            <a:ext cx="7645691" cy="914528"/>
+          </a:xfrm>
+          <a:prstGeom prst="rect">
+            <a:avLst/>
+          </a:prstGeom>
+        </p:spPr>
+      </p:pic>
+      <p:pic>
+        <p:nvPicPr>
+          <p:cNvPr id="18" name="Picture 17">
+            <a:extLst>
+              <a:ext uri="{FF2B5EF4-FFF2-40B4-BE49-F238E27FC236}">
+                <a16:creationId xmlns:a16="http://schemas.microsoft.com/office/drawing/2014/main" id="{2C1E6E08-3CC6-1663-D4C8-863DA8D1D945}"/>
+              </a:ext>
+            </a:extLst>
+          </p:cNvPr>
+          <p:cNvPicPr>
+            <a:picLocks noChangeAspect="1"/>
+          </p:cNvPicPr>
+          <p:nvPr/>
+        </p:nvPicPr>
+        <p:blipFill>
+          <a:blip r:embed="rId7"/>
+          <a:stretch>
+            <a:fillRect/>
+          </a:stretch>
+        </p:blipFill>
+        <p:spPr>
+          <a:xfrm>
+            <a:off x="4612127" y="4655316"/>
+            <a:ext cx="7579873" cy="1345671"/>
+          </a:xfrm>
+          <a:prstGeom prst="rect">
+            <a:avLst/>
+          </a:prstGeom>
+        </p:spPr>
+      </p:pic>
+      <p:pic>
+        <p:nvPicPr>
+          <p:cNvPr id="20" name="Picture 19">
+            <a:extLst>
+              <a:ext uri="{FF2B5EF4-FFF2-40B4-BE49-F238E27FC236}">
+                <a16:creationId xmlns:a16="http://schemas.microsoft.com/office/drawing/2014/main" id="{EA282769-AE40-9D8A-037F-B5063CE2B4A3}"/>
+              </a:ext>
+            </a:extLst>
+          </p:cNvPr>
+          <p:cNvPicPr>
+            <a:picLocks noChangeAspect="1"/>
+          </p:cNvPicPr>
+          <p:nvPr/>
+        </p:nvPicPr>
+        <p:blipFill>
+          <a:blip r:embed="rId8"/>
+          <a:stretch>
+            <a:fillRect/>
+          </a:stretch>
+        </p:blipFill>
+        <p:spPr>
+          <a:xfrm>
+            <a:off x="190063" y="4540570"/>
+            <a:ext cx="4208026" cy="1567686"/>
           </a:xfrm>
           <a:prstGeom prst="rect">
             <a:avLst/>
@@ -4670,7 +5653,2247 @@
     </p:spTree>
     <p:extLst>
       <p:ext uri="{BB962C8B-B14F-4D97-AF65-F5344CB8AC3E}">
+        <p14:creationId xmlns:p14="http://schemas.microsoft.com/office/powerpoint/2010/main" val="3252920775"/>
+      </p:ext>
+    </p:extLst>
+  </p:cSld>
+  <p:clrMapOvr>
+    <a:masterClrMapping/>
+  </p:clrMapOvr>
+</p:sld>
+</file>
+
+<file path=ppt/slides/slide7.xml><?xml version="1.0" encoding="utf-8"?>
+<p:sld xmlns:a="http://schemas.openxmlformats.org/drawingml/2006/main" xmlns:r="http://schemas.openxmlformats.org/officeDocument/2006/relationships" xmlns:p="http://schemas.openxmlformats.org/presentationml/2006/main">
+  <p:cSld>
+    <p:spTree>
+      <p:nvGrpSpPr>
+        <p:cNvPr id="1" name=""/>
+        <p:cNvGrpSpPr/>
+        <p:nvPr/>
+      </p:nvGrpSpPr>
+      <p:grpSpPr>
+        <a:xfrm>
+          <a:off x="0" y="0"/>
+          <a:ext cx="0" cy="0"/>
+          <a:chOff x="0" y="0"/>
+          <a:chExt cx="0" cy="0"/>
+        </a:xfrm>
+      </p:grpSpPr>
+      <p:sp>
+        <p:nvSpPr>
+          <p:cNvPr id="2" name="TextBox 1">
+            <a:extLst>
+              <a:ext uri="{FF2B5EF4-FFF2-40B4-BE49-F238E27FC236}">
+                <a16:creationId xmlns:a16="http://schemas.microsoft.com/office/drawing/2014/main" id="{D5288738-3F57-1F81-3512-14FAC729726F}"/>
+              </a:ext>
+            </a:extLst>
+          </p:cNvPr>
+          <p:cNvSpPr txBox="1"/>
+          <p:nvPr/>
+        </p:nvSpPr>
+        <p:spPr>
+          <a:xfrm>
+            <a:off x="296441" y="207004"/>
+            <a:ext cx="11599118" cy="369332"/>
+          </a:xfrm>
+          <a:prstGeom prst="rect">
+            <a:avLst/>
+          </a:prstGeom>
+          <a:noFill/>
+        </p:spPr>
+        <p:txBody>
+          <a:bodyPr wrap="square" rtlCol="0">
+            <a:spAutoFit/>
+          </a:bodyPr>
+          <a:lstStyle/>
+          <a:p>
+            <a:pPr algn="ctr"/>
+            <a:r>
+              <a:rPr lang="en-US" dirty="0"/>
+              <a:t>External Libraries Used </a:t>
+            </a:r>
+          </a:p>
+        </p:txBody>
+      </p:sp>
+      <p:sp>
+        <p:nvSpPr>
+          <p:cNvPr id="3" name="TextBox 2">
+            <a:extLst>
+              <a:ext uri="{FF2B5EF4-FFF2-40B4-BE49-F238E27FC236}">
+                <a16:creationId xmlns:a16="http://schemas.microsoft.com/office/drawing/2014/main" id="{DC2A662C-0492-2251-93FC-13531B64A0D4}"/>
+              </a:ext>
+            </a:extLst>
+          </p:cNvPr>
+          <p:cNvSpPr txBox="1"/>
+          <p:nvPr/>
+        </p:nvSpPr>
+        <p:spPr>
+          <a:xfrm>
+            <a:off x="595653" y="931052"/>
+            <a:ext cx="3135099" cy="369332"/>
+          </a:xfrm>
+          <a:prstGeom prst="rect">
+            <a:avLst/>
+          </a:prstGeom>
+          <a:noFill/>
+          <a:ln w="12700" cap="rnd">
+            <a:solidFill>
+              <a:schemeClr val="accent1"/>
+            </a:solidFill>
+          </a:ln>
+        </p:spPr>
+        <p:txBody>
+          <a:bodyPr wrap="square" rtlCol="0">
+            <a:spAutoFit/>
+          </a:bodyPr>
+          <a:lstStyle/>
+          <a:p>
+            <a:r>
+              <a:rPr lang="en-US" dirty="0"/>
+              <a:t>Data Binding</a:t>
+            </a:r>
+          </a:p>
+        </p:txBody>
+      </p:sp>
+      <p:sp>
+        <p:nvSpPr>
+          <p:cNvPr id="4" name="TextBox 3">
+            <a:extLst>
+              <a:ext uri="{FF2B5EF4-FFF2-40B4-BE49-F238E27FC236}">
+                <a16:creationId xmlns:a16="http://schemas.microsoft.com/office/drawing/2014/main" id="{88B52936-37EF-7C93-5DFC-344D8144A6A9}"/>
+              </a:ext>
+            </a:extLst>
+          </p:cNvPr>
+          <p:cNvSpPr txBox="1"/>
+          <p:nvPr/>
+        </p:nvSpPr>
+        <p:spPr>
+          <a:xfrm>
+            <a:off x="4919472" y="792552"/>
+            <a:ext cx="6510528" cy="1200329"/>
+          </a:xfrm>
+          <a:prstGeom prst="rect">
+            <a:avLst/>
+          </a:prstGeom>
+          <a:noFill/>
+          <a:ln w="12700" cap="rnd">
+            <a:solidFill>
+              <a:schemeClr val="accent1"/>
+            </a:solidFill>
+          </a:ln>
+        </p:spPr>
+        <p:txBody>
+          <a:bodyPr wrap="square" rtlCol="0">
+            <a:spAutoFit/>
+          </a:bodyPr>
+          <a:lstStyle>
+            <a:defPPr>
+              <a:defRPr lang="en-US"/>
+            </a:defPPr>
+            <a:lvl1pPr>
+              <a:defRPr/>
+            </a:lvl1pPr>
+          </a:lstStyle>
+          <a:p>
+            <a:r>
+              <a:rPr lang="en-US" sz="1200" b="0" dirty="0">
+                <a:solidFill>
+                  <a:srgbClr val="9CDCFE"/>
+                </a:solidFill>
+                <a:effectLst/>
+                <a:highlight>
+                  <a:srgbClr val="1E1E1E"/>
+                </a:highlight>
+                <a:latin typeface="Consolas" panose="020B0609020204030204" pitchFamily="49" charset="0"/>
+              </a:rPr>
+              <a:t>d3</a:t>
+            </a:r>
+            <a:r>
+              <a:rPr lang="en-US" sz="1200" b="0" dirty="0">
+                <a:solidFill>
+                  <a:srgbClr val="D4D4D4"/>
+                </a:solidFill>
+                <a:effectLst/>
+                <a:highlight>
+                  <a:srgbClr val="1E1E1E"/>
+                </a:highlight>
+                <a:latin typeface="Consolas" panose="020B0609020204030204" pitchFamily="49" charset="0"/>
+              </a:rPr>
+              <a:t>.</a:t>
+            </a:r>
+            <a:r>
+              <a:rPr lang="en-US" sz="1200" b="0" dirty="0">
+                <a:solidFill>
+                  <a:srgbClr val="DCDCAA"/>
+                </a:solidFill>
+                <a:effectLst/>
+                <a:highlight>
+                  <a:srgbClr val="1E1E1E"/>
+                </a:highlight>
+                <a:latin typeface="Consolas" panose="020B0609020204030204" pitchFamily="49" charset="0"/>
+              </a:rPr>
+              <a:t>csv</a:t>
+            </a:r>
+            <a:r>
+              <a:rPr lang="en-US" sz="1200" b="0" dirty="0">
+                <a:solidFill>
+                  <a:srgbClr val="D4D4D4"/>
+                </a:solidFill>
+                <a:effectLst/>
+                <a:highlight>
+                  <a:srgbClr val="1E1E1E"/>
+                </a:highlight>
+                <a:latin typeface="Consolas" panose="020B0609020204030204" pitchFamily="49" charset="0"/>
+              </a:rPr>
+              <a:t>(</a:t>
+            </a:r>
+            <a:r>
+              <a:rPr lang="en-US" sz="1200" b="0" dirty="0">
+                <a:solidFill>
+                  <a:srgbClr val="CE9178"/>
+                </a:solidFill>
+                <a:effectLst/>
+                <a:highlight>
+                  <a:srgbClr val="1E1E1E"/>
+                </a:highlight>
+                <a:latin typeface="Consolas" panose="020B0609020204030204" pitchFamily="49" charset="0"/>
+              </a:rPr>
+              <a:t>"./Resources/Summary.csv"</a:t>
+            </a:r>
+            <a:r>
+              <a:rPr lang="en-US" sz="1200" b="0" dirty="0">
+                <a:solidFill>
+                  <a:srgbClr val="D4D4D4"/>
+                </a:solidFill>
+                <a:effectLst/>
+                <a:highlight>
+                  <a:srgbClr val="1E1E1E"/>
+                </a:highlight>
+                <a:latin typeface="Consolas" panose="020B0609020204030204" pitchFamily="49" charset="0"/>
+              </a:rPr>
+              <a:t>).</a:t>
+            </a:r>
+            <a:r>
+              <a:rPr lang="en-US" sz="1200" b="0" dirty="0">
+                <a:solidFill>
+                  <a:srgbClr val="DCDCAA"/>
+                </a:solidFill>
+                <a:effectLst/>
+                <a:highlight>
+                  <a:srgbClr val="1E1E1E"/>
+                </a:highlight>
+                <a:latin typeface="Consolas" panose="020B0609020204030204" pitchFamily="49" charset="0"/>
+              </a:rPr>
+              <a:t>then</a:t>
+            </a:r>
+            <a:r>
+              <a:rPr lang="en-US" sz="1200" b="0" dirty="0">
+                <a:solidFill>
+                  <a:srgbClr val="D4D4D4"/>
+                </a:solidFill>
+                <a:effectLst/>
+                <a:highlight>
+                  <a:srgbClr val="1E1E1E"/>
+                </a:highlight>
+                <a:latin typeface="Consolas" panose="020B0609020204030204" pitchFamily="49" charset="0"/>
+              </a:rPr>
+              <a:t>(</a:t>
+            </a:r>
+            <a:r>
+              <a:rPr lang="en-US" sz="1200" b="0" dirty="0">
+                <a:solidFill>
+                  <a:srgbClr val="569CD6"/>
+                </a:solidFill>
+                <a:effectLst/>
+                <a:highlight>
+                  <a:srgbClr val="1E1E1E"/>
+                </a:highlight>
+                <a:latin typeface="Consolas" panose="020B0609020204030204" pitchFamily="49" charset="0"/>
+              </a:rPr>
+              <a:t>function</a:t>
+            </a:r>
+            <a:r>
+              <a:rPr lang="en-US" sz="1200" b="0" dirty="0">
+                <a:solidFill>
+                  <a:srgbClr val="D4D4D4"/>
+                </a:solidFill>
+                <a:effectLst/>
+                <a:highlight>
+                  <a:srgbClr val="1E1E1E"/>
+                </a:highlight>
+                <a:latin typeface="Consolas" panose="020B0609020204030204" pitchFamily="49" charset="0"/>
+              </a:rPr>
+              <a:t>(</a:t>
+            </a:r>
+            <a:r>
+              <a:rPr lang="en-US" sz="1200" b="0" dirty="0">
+                <a:solidFill>
+                  <a:srgbClr val="9CDCFE"/>
+                </a:solidFill>
+                <a:effectLst/>
+                <a:highlight>
+                  <a:srgbClr val="1E1E1E"/>
+                </a:highlight>
+                <a:latin typeface="Consolas" panose="020B0609020204030204" pitchFamily="49" charset="0"/>
+              </a:rPr>
+              <a:t>data</a:t>
+            </a:r>
+            <a:r>
+              <a:rPr lang="en-US" sz="1200" b="0" dirty="0">
+                <a:solidFill>
+                  <a:srgbClr val="D4D4D4"/>
+                </a:solidFill>
+                <a:effectLst/>
+                <a:highlight>
+                  <a:srgbClr val="1E1E1E"/>
+                </a:highlight>
+                <a:latin typeface="Consolas" panose="020B0609020204030204" pitchFamily="49" charset="0"/>
+              </a:rPr>
+              <a:t>) { </a:t>
+            </a:r>
+          </a:p>
+          <a:p>
+            <a:endParaRPr lang="en-US" sz="1200" dirty="0">
+              <a:solidFill>
+                <a:srgbClr val="D4D4D4"/>
+              </a:solidFill>
+              <a:highlight>
+                <a:srgbClr val="1E1E1E"/>
+              </a:highlight>
+              <a:latin typeface="Consolas" panose="020B0609020204030204" pitchFamily="49" charset="0"/>
+            </a:endParaRPr>
+          </a:p>
+          <a:p>
+            <a:r>
+              <a:rPr lang="en-US" sz="1200" b="0" dirty="0">
+                <a:solidFill>
+                  <a:srgbClr val="D4D4D4"/>
+                </a:solidFill>
+                <a:effectLst/>
+                <a:highlight>
+                  <a:srgbClr val="1E1E1E"/>
+                </a:highlight>
+                <a:latin typeface="Consolas" panose="020B0609020204030204" pitchFamily="49" charset="0"/>
+              </a:rPr>
+              <a:t> </a:t>
+            </a:r>
+            <a:r>
+              <a:rPr lang="en-US" sz="1200" b="0" dirty="0">
+                <a:solidFill>
+                  <a:srgbClr val="6A9955"/>
+                </a:solidFill>
+                <a:effectLst/>
+                <a:highlight>
+                  <a:srgbClr val="1E1E1E"/>
+                </a:highlight>
+                <a:latin typeface="Consolas" panose="020B0609020204030204" pitchFamily="49" charset="0"/>
+              </a:rPr>
+              <a:t>&lt;!-- D3 library --&gt;</a:t>
+            </a:r>
+            <a:endParaRPr lang="en-US" sz="1200" b="0" dirty="0">
+              <a:solidFill>
+                <a:srgbClr val="D4D4D4"/>
+              </a:solidFill>
+              <a:effectLst/>
+              <a:highlight>
+                <a:srgbClr val="1E1E1E"/>
+              </a:highlight>
+              <a:latin typeface="Consolas" panose="020B0609020204030204" pitchFamily="49" charset="0"/>
+            </a:endParaRPr>
+          </a:p>
+          <a:p>
+            <a:r>
+              <a:rPr lang="en-US" sz="1200" b="0" dirty="0">
+                <a:solidFill>
+                  <a:srgbClr val="D4D4D4"/>
+                </a:solidFill>
+                <a:effectLst/>
+                <a:highlight>
+                  <a:srgbClr val="1E1E1E"/>
+                </a:highlight>
+                <a:latin typeface="Consolas" panose="020B0609020204030204" pitchFamily="49" charset="0"/>
+              </a:rPr>
+              <a:t>  </a:t>
+            </a:r>
+            <a:r>
+              <a:rPr lang="en-US" sz="1200" b="0" dirty="0">
+                <a:solidFill>
+                  <a:srgbClr val="808080"/>
+                </a:solidFill>
+                <a:effectLst/>
+                <a:highlight>
+                  <a:srgbClr val="1E1E1E"/>
+                </a:highlight>
+                <a:latin typeface="Consolas" panose="020B0609020204030204" pitchFamily="49" charset="0"/>
+              </a:rPr>
+              <a:t>&lt;</a:t>
+            </a:r>
+            <a:r>
+              <a:rPr lang="en-US" sz="1200" b="0" dirty="0">
+                <a:solidFill>
+                  <a:srgbClr val="569CD6"/>
+                </a:solidFill>
+                <a:effectLst/>
+                <a:highlight>
+                  <a:srgbClr val="1E1E1E"/>
+                </a:highlight>
+                <a:latin typeface="Consolas" panose="020B0609020204030204" pitchFamily="49" charset="0"/>
+              </a:rPr>
+              <a:t>script</a:t>
+            </a:r>
+            <a:r>
+              <a:rPr lang="en-US" sz="1200" b="0" dirty="0">
+                <a:solidFill>
+                  <a:srgbClr val="D4D4D4"/>
+                </a:solidFill>
+                <a:effectLst/>
+                <a:highlight>
+                  <a:srgbClr val="1E1E1E"/>
+                </a:highlight>
+                <a:latin typeface="Consolas" panose="020B0609020204030204" pitchFamily="49" charset="0"/>
+              </a:rPr>
+              <a:t> </a:t>
+            </a:r>
+            <a:r>
+              <a:rPr lang="en-US" sz="1200" b="0" dirty="0" err="1">
+                <a:solidFill>
+                  <a:srgbClr val="9CDCFE"/>
+                </a:solidFill>
+                <a:effectLst/>
+                <a:highlight>
+                  <a:srgbClr val="1E1E1E"/>
+                </a:highlight>
+                <a:latin typeface="Consolas" panose="020B0609020204030204" pitchFamily="49" charset="0"/>
+              </a:rPr>
+              <a:t>src</a:t>
+            </a:r>
+            <a:r>
+              <a:rPr lang="en-US" sz="1200" b="0" dirty="0">
+                <a:solidFill>
+                  <a:srgbClr val="D4D4D4"/>
+                </a:solidFill>
+                <a:effectLst/>
+                <a:highlight>
+                  <a:srgbClr val="1E1E1E"/>
+                </a:highlight>
+                <a:latin typeface="Consolas" panose="020B0609020204030204" pitchFamily="49" charset="0"/>
+              </a:rPr>
+              <a:t>=</a:t>
+            </a:r>
+            <a:r>
+              <a:rPr lang="en-US" sz="1200" b="0" dirty="0">
+                <a:solidFill>
+                  <a:srgbClr val="CE9178"/>
+                </a:solidFill>
+                <a:effectLst/>
+                <a:highlight>
+                  <a:srgbClr val="1E1E1E"/>
+                </a:highlight>
+                <a:latin typeface="Consolas" panose="020B0609020204030204" pitchFamily="49" charset="0"/>
+              </a:rPr>
+              <a:t>"https://d3js.org/d3.v7.min.js"</a:t>
+            </a:r>
+            <a:r>
+              <a:rPr lang="en-US" sz="1200" b="0" dirty="0">
+                <a:solidFill>
+                  <a:srgbClr val="808080"/>
+                </a:solidFill>
+                <a:effectLst/>
+                <a:highlight>
+                  <a:srgbClr val="1E1E1E"/>
+                </a:highlight>
+                <a:latin typeface="Consolas" panose="020B0609020204030204" pitchFamily="49" charset="0"/>
+              </a:rPr>
+              <a:t>&gt;&lt;/</a:t>
+            </a:r>
+            <a:r>
+              <a:rPr lang="en-US" sz="1200" b="0" dirty="0">
+                <a:solidFill>
+                  <a:srgbClr val="569CD6"/>
+                </a:solidFill>
+                <a:effectLst/>
+                <a:highlight>
+                  <a:srgbClr val="1E1E1E"/>
+                </a:highlight>
+                <a:latin typeface="Consolas" panose="020B0609020204030204" pitchFamily="49" charset="0"/>
+              </a:rPr>
+              <a:t>script</a:t>
+            </a:r>
+            <a:r>
+              <a:rPr lang="en-US" sz="1200" b="0" dirty="0">
+                <a:solidFill>
+                  <a:srgbClr val="808080"/>
+                </a:solidFill>
+                <a:effectLst/>
+                <a:highlight>
+                  <a:srgbClr val="1E1E1E"/>
+                </a:highlight>
+                <a:latin typeface="Consolas" panose="020B0609020204030204" pitchFamily="49" charset="0"/>
+              </a:rPr>
+              <a:t>&gt;</a:t>
+            </a:r>
+            <a:endParaRPr lang="en-US" sz="1200" b="0" dirty="0">
+              <a:solidFill>
+                <a:srgbClr val="D4D4D4"/>
+              </a:solidFill>
+              <a:effectLst/>
+              <a:highlight>
+                <a:srgbClr val="1E1E1E"/>
+              </a:highlight>
+              <a:latin typeface="Consolas" panose="020B0609020204030204" pitchFamily="49" charset="0"/>
+            </a:endParaRPr>
+          </a:p>
+          <a:p>
+            <a:endParaRPr lang="en-US" sz="1200" b="0" dirty="0">
+              <a:solidFill>
+                <a:srgbClr val="D4D4D4"/>
+              </a:solidFill>
+              <a:effectLst/>
+              <a:highlight>
+                <a:srgbClr val="1E1E1E"/>
+              </a:highlight>
+              <a:latin typeface="Consolas" panose="020B0609020204030204" pitchFamily="49" charset="0"/>
+            </a:endParaRPr>
+          </a:p>
+          <a:p>
+            <a:endParaRPr lang="en-US" sz="1200" b="0" dirty="0">
+              <a:solidFill>
+                <a:srgbClr val="D4D4D4"/>
+              </a:solidFill>
+              <a:effectLst/>
+              <a:highlight>
+                <a:srgbClr val="1E1E1E"/>
+              </a:highlight>
+              <a:latin typeface="Consolas" panose="020B0609020204030204" pitchFamily="49" charset="0"/>
+            </a:endParaRPr>
+          </a:p>
+        </p:txBody>
+      </p:sp>
+      <p:cxnSp>
+        <p:nvCxnSpPr>
+          <p:cNvPr id="5" name="Straight Arrow Connector 4">
+            <a:extLst>
+              <a:ext uri="{FF2B5EF4-FFF2-40B4-BE49-F238E27FC236}">
+                <a16:creationId xmlns:a16="http://schemas.microsoft.com/office/drawing/2014/main" id="{98C532DE-7C1D-547A-A8EF-0B1FDD1B8CCE}"/>
+              </a:ext>
+            </a:extLst>
+          </p:cNvPr>
+          <p:cNvCxnSpPr>
+            <a:cxnSpLocks/>
+          </p:cNvCxnSpPr>
+          <p:nvPr/>
+        </p:nvCxnSpPr>
+        <p:spPr>
+          <a:xfrm>
+            <a:off x="4039800" y="1141921"/>
+            <a:ext cx="775855" cy="0"/>
+          </a:xfrm>
+          <a:prstGeom prst="straightConnector1">
+            <a:avLst/>
+          </a:prstGeom>
+          <a:ln w="57150">
+            <a:tailEnd type="triangle"/>
+          </a:ln>
+        </p:spPr>
+        <p:style>
+          <a:lnRef idx="2">
+            <a:schemeClr val="accent1"/>
+          </a:lnRef>
+          <a:fillRef idx="0">
+            <a:schemeClr val="accent1"/>
+          </a:fillRef>
+          <a:effectRef idx="1">
+            <a:schemeClr val="accent1"/>
+          </a:effectRef>
+          <a:fontRef idx="minor">
+            <a:schemeClr val="tx1"/>
+          </a:fontRef>
+        </p:style>
+      </p:cxnSp>
+      <p:sp>
+        <p:nvSpPr>
+          <p:cNvPr id="8" name="TextBox 7">
+            <a:extLst>
+              <a:ext uri="{FF2B5EF4-FFF2-40B4-BE49-F238E27FC236}">
+                <a16:creationId xmlns:a16="http://schemas.microsoft.com/office/drawing/2014/main" id="{7A5DC2D1-0E45-354A-957C-A95CE65F9F6B}"/>
+              </a:ext>
+            </a:extLst>
+          </p:cNvPr>
+          <p:cNvSpPr txBox="1"/>
+          <p:nvPr/>
+        </p:nvSpPr>
+        <p:spPr>
+          <a:xfrm>
+            <a:off x="595652" y="3244334"/>
+            <a:ext cx="3135099" cy="369332"/>
+          </a:xfrm>
+          <a:prstGeom prst="rect">
+            <a:avLst/>
+          </a:prstGeom>
+          <a:noFill/>
+          <a:ln w="12700" cap="rnd">
+            <a:solidFill>
+              <a:schemeClr val="accent1"/>
+            </a:solidFill>
+          </a:ln>
+        </p:spPr>
+        <p:txBody>
+          <a:bodyPr wrap="square" rtlCol="0">
+            <a:spAutoFit/>
+          </a:bodyPr>
+          <a:lstStyle/>
+          <a:p>
+            <a:r>
+              <a:rPr lang="en-US" dirty="0"/>
+              <a:t>Map Visuals </a:t>
+            </a:r>
+          </a:p>
+        </p:txBody>
+      </p:sp>
+      <p:sp>
+        <p:nvSpPr>
+          <p:cNvPr id="9" name="TextBox 8">
+            <a:extLst>
+              <a:ext uri="{FF2B5EF4-FFF2-40B4-BE49-F238E27FC236}">
+                <a16:creationId xmlns:a16="http://schemas.microsoft.com/office/drawing/2014/main" id="{40AD61F9-3B82-93B7-F6A4-848FFCD490F5}"/>
+              </a:ext>
+            </a:extLst>
+          </p:cNvPr>
+          <p:cNvSpPr txBox="1"/>
+          <p:nvPr/>
+        </p:nvSpPr>
+        <p:spPr>
+          <a:xfrm>
+            <a:off x="4919472" y="2129728"/>
+            <a:ext cx="6510528" cy="2677656"/>
+          </a:xfrm>
+          <a:prstGeom prst="rect">
+            <a:avLst/>
+          </a:prstGeom>
+          <a:noFill/>
+          <a:ln w="12700" cap="rnd">
+            <a:solidFill>
+              <a:schemeClr val="accent1"/>
+            </a:solidFill>
+          </a:ln>
+        </p:spPr>
+        <p:txBody>
+          <a:bodyPr wrap="square" rtlCol="0">
+            <a:spAutoFit/>
+          </a:bodyPr>
+          <a:lstStyle>
+            <a:defPPr>
+              <a:defRPr lang="en-US"/>
+            </a:defPPr>
+            <a:lvl1pPr>
+              <a:defRPr/>
+            </a:lvl1pPr>
+          </a:lstStyle>
+          <a:p>
+            <a:r>
+              <a:rPr lang="en-US" sz="1200" b="0" dirty="0">
+                <a:solidFill>
+                  <a:srgbClr val="6A9955"/>
+                </a:solidFill>
+                <a:effectLst/>
+                <a:highlight>
+                  <a:srgbClr val="1E1E1E"/>
+                </a:highlight>
+                <a:latin typeface="Consolas" panose="020B0609020204030204" pitchFamily="49" charset="0"/>
+              </a:rPr>
+              <a:t>&lt;!-- Leaflet CSS --&gt;</a:t>
+            </a:r>
+            <a:endParaRPr lang="en-US" sz="1200" b="0" dirty="0">
+              <a:solidFill>
+                <a:srgbClr val="D4D4D4"/>
+              </a:solidFill>
+              <a:effectLst/>
+              <a:highlight>
+                <a:srgbClr val="1E1E1E"/>
+              </a:highlight>
+              <a:latin typeface="Consolas" panose="020B0609020204030204" pitchFamily="49" charset="0"/>
+            </a:endParaRPr>
+          </a:p>
+          <a:p>
+            <a:r>
+              <a:rPr lang="en-US" sz="1200" b="0" dirty="0">
+                <a:solidFill>
+                  <a:srgbClr val="D4D4D4"/>
+                </a:solidFill>
+                <a:effectLst/>
+                <a:highlight>
+                  <a:srgbClr val="1E1E1E"/>
+                </a:highlight>
+                <a:latin typeface="Consolas" panose="020B0609020204030204" pitchFamily="49" charset="0"/>
+              </a:rPr>
+              <a:t>  </a:t>
+            </a:r>
+            <a:r>
+              <a:rPr lang="en-US" sz="1200" b="0" dirty="0">
+                <a:solidFill>
+                  <a:srgbClr val="808080"/>
+                </a:solidFill>
+                <a:effectLst/>
+                <a:highlight>
+                  <a:srgbClr val="1E1E1E"/>
+                </a:highlight>
+                <a:latin typeface="Consolas" panose="020B0609020204030204" pitchFamily="49" charset="0"/>
+              </a:rPr>
+              <a:t>&lt;</a:t>
+            </a:r>
+            <a:r>
+              <a:rPr lang="en-US" sz="1200" b="0" dirty="0">
+                <a:solidFill>
+                  <a:srgbClr val="569CD6"/>
+                </a:solidFill>
+                <a:effectLst/>
+                <a:highlight>
+                  <a:srgbClr val="1E1E1E"/>
+                </a:highlight>
+                <a:latin typeface="Consolas" panose="020B0609020204030204" pitchFamily="49" charset="0"/>
+              </a:rPr>
+              <a:t>link</a:t>
+            </a:r>
+            <a:r>
+              <a:rPr lang="en-US" sz="1200" b="0" dirty="0">
+                <a:solidFill>
+                  <a:srgbClr val="D4D4D4"/>
+                </a:solidFill>
+                <a:effectLst/>
+                <a:highlight>
+                  <a:srgbClr val="1E1E1E"/>
+                </a:highlight>
+                <a:latin typeface="Consolas" panose="020B0609020204030204" pitchFamily="49" charset="0"/>
+              </a:rPr>
+              <a:t> </a:t>
+            </a:r>
+            <a:r>
+              <a:rPr lang="en-US" sz="1200" b="0" dirty="0" err="1">
+                <a:solidFill>
+                  <a:srgbClr val="9CDCFE"/>
+                </a:solidFill>
+                <a:effectLst/>
+                <a:highlight>
+                  <a:srgbClr val="1E1E1E"/>
+                </a:highlight>
+                <a:latin typeface="Consolas" panose="020B0609020204030204" pitchFamily="49" charset="0"/>
+              </a:rPr>
+              <a:t>rel</a:t>
+            </a:r>
+            <a:r>
+              <a:rPr lang="en-US" sz="1200" b="0" dirty="0">
+                <a:solidFill>
+                  <a:srgbClr val="D4D4D4"/>
+                </a:solidFill>
+                <a:effectLst/>
+                <a:highlight>
+                  <a:srgbClr val="1E1E1E"/>
+                </a:highlight>
+                <a:latin typeface="Consolas" panose="020B0609020204030204" pitchFamily="49" charset="0"/>
+              </a:rPr>
+              <a:t>=</a:t>
+            </a:r>
+            <a:r>
+              <a:rPr lang="en-US" sz="1200" b="0" dirty="0">
+                <a:solidFill>
+                  <a:srgbClr val="CE9178"/>
+                </a:solidFill>
+                <a:effectLst/>
+                <a:highlight>
+                  <a:srgbClr val="1E1E1E"/>
+                </a:highlight>
+                <a:latin typeface="Consolas" panose="020B0609020204030204" pitchFamily="49" charset="0"/>
+              </a:rPr>
+              <a:t>"stylesheet"</a:t>
+            </a:r>
+            <a:r>
+              <a:rPr lang="en-US" sz="1200" b="0" dirty="0">
+                <a:solidFill>
+                  <a:srgbClr val="D4D4D4"/>
+                </a:solidFill>
+                <a:effectLst/>
+                <a:highlight>
+                  <a:srgbClr val="1E1E1E"/>
+                </a:highlight>
+                <a:latin typeface="Consolas" panose="020B0609020204030204" pitchFamily="49" charset="0"/>
+              </a:rPr>
+              <a:t>  </a:t>
+            </a:r>
+            <a:r>
+              <a:rPr lang="en-US" sz="1200" b="0" dirty="0" err="1">
+                <a:solidFill>
+                  <a:srgbClr val="9CDCFE"/>
+                </a:solidFill>
+                <a:effectLst/>
+                <a:highlight>
+                  <a:srgbClr val="1E1E1E"/>
+                </a:highlight>
+                <a:latin typeface="Consolas" panose="020B0609020204030204" pitchFamily="49" charset="0"/>
+              </a:rPr>
+              <a:t>href</a:t>
+            </a:r>
+            <a:r>
+              <a:rPr lang="en-US" sz="1200" b="0" dirty="0">
+                <a:solidFill>
+                  <a:srgbClr val="D4D4D4"/>
+                </a:solidFill>
+                <a:effectLst/>
+                <a:highlight>
+                  <a:srgbClr val="1E1E1E"/>
+                </a:highlight>
+                <a:latin typeface="Consolas" panose="020B0609020204030204" pitchFamily="49" charset="0"/>
+              </a:rPr>
+              <a:t>=</a:t>
+            </a:r>
+            <a:r>
+              <a:rPr lang="en-US" sz="1200" b="0" dirty="0">
+                <a:solidFill>
+                  <a:srgbClr val="CE9178"/>
+                </a:solidFill>
+                <a:effectLst/>
+                <a:highlight>
+                  <a:srgbClr val="1E1E1E"/>
+                </a:highlight>
+                <a:latin typeface="Consolas" panose="020B0609020204030204" pitchFamily="49" charset="0"/>
+              </a:rPr>
+              <a:t>"https://unpkg.com/leaflet@1.9.4/</a:t>
+            </a:r>
+            <a:r>
+              <a:rPr lang="en-US" sz="1200" b="0" dirty="0" err="1">
+                <a:solidFill>
+                  <a:srgbClr val="CE9178"/>
+                </a:solidFill>
+                <a:effectLst/>
+                <a:highlight>
+                  <a:srgbClr val="1E1E1E"/>
+                </a:highlight>
+                <a:latin typeface="Consolas" panose="020B0609020204030204" pitchFamily="49" charset="0"/>
+              </a:rPr>
+              <a:t>dist</a:t>
+            </a:r>
+            <a:r>
+              <a:rPr lang="en-US" sz="1200" b="0" dirty="0">
+                <a:solidFill>
+                  <a:srgbClr val="CE9178"/>
+                </a:solidFill>
+                <a:effectLst/>
+                <a:highlight>
+                  <a:srgbClr val="1E1E1E"/>
+                </a:highlight>
+                <a:latin typeface="Consolas" panose="020B0609020204030204" pitchFamily="49" charset="0"/>
+              </a:rPr>
+              <a:t>/leaflet.css"</a:t>
+            </a:r>
+            <a:endParaRPr lang="en-US" sz="1200" b="0" dirty="0">
+              <a:solidFill>
+                <a:srgbClr val="D4D4D4"/>
+              </a:solidFill>
+              <a:effectLst/>
+              <a:highlight>
+                <a:srgbClr val="1E1E1E"/>
+              </a:highlight>
+              <a:latin typeface="Consolas" panose="020B0609020204030204" pitchFamily="49" charset="0"/>
+            </a:endParaRPr>
+          </a:p>
+          <a:p>
+            <a:r>
+              <a:rPr lang="en-US" sz="1200" b="0" dirty="0">
+                <a:solidFill>
+                  <a:srgbClr val="D4D4D4"/>
+                </a:solidFill>
+                <a:effectLst/>
+                <a:highlight>
+                  <a:srgbClr val="1E1E1E"/>
+                </a:highlight>
+                <a:latin typeface="Consolas" panose="020B0609020204030204" pitchFamily="49" charset="0"/>
+              </a:rPr>
+              <a:t>    </a:t>
+            </a:r>
+            <a:r>
+              <a:rPr lang="en-US" sz="1200" b="0" dirty="0">
+                <a:solidFill>
+                  <a:srgbClr val="9CDCFE"/>
+                </a:solidFill>
+                <a:effectLst/>
+                <a:highlight>
+                  <a:srgbClr val="1E1E1E"/>
+                </a:highlight>
+                <a:latin typeface="Consolas" panose="020B0609020204030204" pitchFamily="49" charset="0"/>
+              </a:rPr>
+              <a:t>integrity</a:t>
+            </a:r>
+            <a:r>
+              <a:rPr lang="en-US" sz="1200" b="0" dirty="0">
+                <a:solidFill>
+                  <a:srgbClr val="D4D4D4"/>
+                </a:solidFill>
+                <a:effectLst/>
+                <a:highlight>
+                  <a:srgbClr val="1E1E1E"/>
+                </a:highlight>
+                <a:latin typeface="Consolas" panose="020B0609020204030204" pitchFamily="49" charset="0"/>
+              </a:rPr>
+              <a:t>=</a:t>
+            </a:r>
+            <a:r>
+              <a:rPr lang="en-US" sz="1200" b="0" dirty="0">
+                <a:solidFill>
+                  <a:srgbClr val="CE9178"/>
+                </a:solidFill>
+                <a:effectLst/>
+                <a:highlight>
+                  <a:srgbClr val="1E1E1E"/>
+                </a:highlight>
+                <a:latin typeface="Consolas" panose="020B0609020204030204" pitchFamily="49" charset="0"/>
+              </a:rPr>
+              <a:t>"sha256-p4NxAoJBhIIN+hmNHrzRCf9tD/miZyoHS5obTRR9BMY="</a:t>
+            </a:r>
+            <a:endParaRPr lang="en-US" sz="1200" b="0" dirty="0">
+              <a:solidFill>
+                <a:srgbClr val="D4D4D4"/>
+              </a:solidFill>
+              <a:effectLst/>
+              <a:highlight>
+                <a:srgbClr val="1E1E1E"/>
+              </a:highlight>
+              <a:latin typeface="Consolas" panose="020B0609020204030204" pitchFamily="49" charset="0"/>
+            </a:endParaRPr>
+          </a:p>
+          <a:p>
+            <a:r>
+              <a:rPr lang="en-US" sz="1200" b="0" dirty="0">
+                <a:solidFill>
+                  <a:srgbClr val="D4D4D4"/>
+                </a:solidFill>
+                <a:effectLst/>
+                <a:highlight>
+                  <a:srgbClr val="1E1E1E"/>
+                </a:highlight>
+                <a:latin typeface="Consolas" panose="020B0609020204030204" pitchFamily="49" charset="0"/>
+              </a:rPr>
+              <a:t>    </a:t>
+            </a:r>
+            <a:r>
+              <a:rPr lang="en-US" sz="1200" b="0" dirty="0" err="1">
+                <a:solidFill>
+                  <a:srgbClr val="9CDCFE"/>
+                </a:solidFill>
+                <a:effectLst/>
+                <a:highlight>
+                  <a:srgbClr val="1E1E1E"/>
+                </a:highlight>
+                <a:latin typeface="Consolas" panose="020B0609020204030204" pitchFamily="49" charset="0"/>
+              </a:rPr>
+              <a:t>crossorigin</a:t>
+            </a:r>
+            <a:r>
+              <a:rPr lang="en-US" sz="1200" b="0" dirty="0">
+                <a:solidFill>
+                  <a:srgbClr val="D4D4D4"/>
+                </a:solidFill>
+                <a:effectLst/>
+                <a:highlight>
+                  <a:srgbClr val="1E1E1E"/>
+                </a:highlight>
+                <a:latin typeface="Consolas" panose="020B0609020204030204" pitchFamily="49" charset="0"/>
+              </a:rPr>
+              <a:t>=</a:t>
+            </a:r>
+            <a:r>
+              <a:rPr lang="en-US" sz="1200" b="0" dirty="0">
+                <a:solidFill>
+                  <a:srgbClr val="CE9178"/>
+                </a:solidFill>
+                <a:effectLst/>
+                <a:highlight>
+                  <a:srgbClr val="1E1E1E"/>
+                </a:highlight>
+                <a:latin typeface="Consolas" panose="020B0609020204030204" pitchFamily="49" charset="0"/>
+              </a:rPr>
+              <a:t>""</a:t>
+            </a:r>
+            <a:r>
+              <a:rPr lang="en-US" sz="1200" b="0" dirty="0">
+                <a:solidFill>
+                  <a:srgbClr val="D4D4D4"/>
+                </a:solidFill>
+                <a:effectLst/>
+                <a:highlight>
+                  <a:srgbClr val="1E1E1E"/>
+                </a:highlight>
+                <a:latin typeface="Consolas" panose="020B0609020204030204" pitchFamily="49" charset="0"/>
+              </a:rPr>
+              <a:t> </a:t>
+            </a:r>
+            <a:r>
+              <a:rPr lang="en-US" sz="1200" b="0" dirty="0">
+                <a:solidFill>
+                  <a:srgbClr val="808080"/>
+                </a:solidFill>
+                <a:effectLst/>
+                <a:highlight>
+                  <a:srgbClr val="1E1E1E"/>
+                </a:highlight>
+                <a:latin typeface="Consolas" panose="020B0609020204030204" pitchFamily="49" charset="0"/>
+              </a:rPr>
+              <a:t>/&gt;</a:t>
+            </a:r>
+            <a:endParaRPr lang="en-US" sz="1200" b="0" dirty="0">
+              <a:solidFill>
+                <a:srgbClr val="D4D4D4"/>
+              </a:solidFill>
+              <a:effectLst/>
+              <a:highlight>
+                <a:srgbClr val="1E1E1E"/>
+              </a:highlight>
+              <a:latin typeface="Consolas" panose="020B0609020204030204" pitchFamily="49" charset="0"/>
+            </a:endParaRPr>
+          </a:p>
+          <a:p>
+            <a:r>
+              <a:rPr lang="en-US" sz="1200" b="0" dirty="0">
+                <a:solidFill>
+                  <a:srgbClr val="D4D4D4"/>
+                </a:solidFill>
+                <a:effectLst/>
+                <a:highlight>
+                  <a:srgbClr val="1E1E1E"/>
+                </a:highlight>
+                <a:latin typeface="Consolas" panose="020B0609020204030204" pitchFamily="49" charset="0"/>
+              </a:rPr>
+              <a:t>  </a:t>
+            </a:r>
+          </a:p>
+          <a:p>
+            <a:r>
+              <a:rPr lang="en-US" sz="1200" b="0" dirty="0">
+                <a:solidFill>
+                  <a:srgbClr val="D4D4D4"/>
+                </a:solidFill>
+                <a:effectLst/>
+                <a:highlight>
+                  <a:srgbClr val="1E1E1E"/>
+                </a:highlight>
+                <a:latin typeface="Consolas" panose="020B0609020204030204" pitchFamily="49" charset="0"/>
+              </a:rPr>
+              <a:t>  </a:t>
+            </a:r>
+            <a:r>
+              <a:rPr lang="en-US" sz="1200" b="0" dirty="0">
+                <a:solidFill>
+                  <a:srgbClr val="6A9955"/>
+                </a:solidFill>
+                <a:effectLst/>
+                <a:highlight>
+                  <a:srgbClr val="1E1E1E"/>
+                </a:highlight>
+                <a:latin typeface="Consolas" panose="020B0609020204030204" pitchFamily="49" charset="0"/>
+              </a:rPr>
+              <a:t>&lt;!-- Leaflet JavaScript code --&gt;</a:t>
+            </a:r>
+            <a:endParaRPr lang="en-US" sz="1200" b="0" dirty="0">
+              <a:solidFill>
+                <a:srgbClr val="D4D4D4"/>
+              </a:solidFill>
+              <a:effectLst/>
+              <a:highlight>
+                <a:srgbClr val="1E1E1E"/>
+              </a:highlight>
+              <a:latin typeface="Consolas" panose="020B0609020204030204" pitchFamily="49" charset="0"/>
+            </a:endParaRPr>
+          </a:p>
+          <a:p>
+            <a:r>
+              <a:rPr lang="en-US" sz="1200" b="0" dirty="0">
+                <a:solidFill>
+                  <a:srgbClr val="D4D4D4"/>
+                </a:solidFill>
+                <a:effectLst/>
+                <a:highlight>
+                  <a:srgbClr val="1E1E1E"/>
+                </a:highlight>
+                <a:latin typeface="Consolas" panose="020B0609020204030204" pitchFamily="49" charset="0"/>
+              </a:rPr>
+              <a:t>  </a:t>
+            </a:r>
+            <a:r>
+              <a:rPr lang="en-US" sz="1200" b="0" dirty="0">
+                <a:solidFill>
+                  <a:srgbClr val="808080"/>
+                </a:solidFill>
+                <a:effectLst/>
+                <a:highlight>
+                  <a:srgbClr val="1E1E1E"/>
+                </a:highlight>
+                <a:latin typeface="Consolas" panose="020B0609020204030204" pitchFamily="49" charset="0"/>
+              </a:rPr>
+              <a:t>&lt;</a:t>
+            </a:r>
+            <a:r>
+              <a:rPr lang="en-US" sz="1200" b="0" dirty="0">
+                <a:solidFill>
+                  <a:srgbClr val="569CD6"/>
+                </a:solidFill>
+                <a:effectLst/>
+                <a:highlight>
+                  <a:srgbClr val="1E1E1E"/>
+                </a:highlight>
+                <a:latin typeface="Consolas" panose="020B0609020204030204" pitchFamily="49" charset="0"/>
+              </a:rPr>
+              <a:t>script</a:t>
+            </a:r>
+            <a:r>
+              <a:rPr lang="en-US" sz="1200" b="0" dirty="0">
+                <a:solidFill>
+                  <a:srgbClr val="D4D4D4"/>
+                </a:solidFill>
+                <a:effectLst/>
+                <a:highlight>
+                  <a:srgbClr val="1E1E1E"/>
+                </a:highlight>
+                <a:latin typeface="Consolas" panose="020B0609020204030204" pitchFamily="49" charset="0"/>
+              </a:rPr>
+              <a:t> </a:t>
+            </a:r>
+            <a:r>
+              <a:rPr lang="en-US" sz="1200" b="0" dirty="0" err="1">
+                <a:solidFill>
+                  <a:srgbClr val="9CDCFE"/>
+                </a:solidFill>
+                <a:effectLst/>
+                <a:highlight>
+                  <a:srgbClr val="1E1E1E"/>
+                </a:highlight>
+                <a:latin typeface="Consolas" panose="020B0609020204030204" pitchFamily="49" charset="0"/>
+              </a:rPr>
+              <a:t>src</a:t>
+            </a:r>
+            <a:r>
+              <a:rPr lang="en-US" sz="1200" b="0" dirty="0">
+                <a:solidFill>
+                  <a:srgbClr val="D4D4D4"/>
+                </a:solidFill>
+                <a:effectLst/>
+                <a:highlight>
+                  <a:srgbClr val="1E1E1E"/>
+                </a:highlight>
+                <a:latin typeface="Consolas" panose="020B0609020204030204" pitchFamily="49" charset="0"/>
+              </a:rPr>
+              <a:t>=</a:t>
+            </a:r>
+            <a:r>
+              <a:rPr lang="en-US" sz="1200" b="0" dirty="0">
+                <a:solidFill>
+                  <a:srgbClr val="CE9178"/>
+                </a:solidFill>
+                <a:effectLst/>
+                <a:highlight>
+                  <a:srgbClr val="1E1E1E"/>
+                </a:highlight>
+                <a:latin typeface="Consolas" panose="020B0609020204030204" pitchFamily="49" charset="0"/>
+              </a:rPr>
+              <a:t>"https://unpkg.com/leaflet@1.9.4/</a:t>
+            </a:r>
+            <a:r>
+              <a:rPr lang="en-US" sz="1200" b="0" dirty="0" err="1">
+                <a:solidFill>
+                  <a:srgbClr val="CE9178"/>
+                </a:solidFill>
+                <a:effectLst/>
+                <a:highlight>
+                  <a:srgbClr val="1E1E1E"/>
+                </a:highlight>
+                <a:latin typeface="Consolas" panose="020B0609020204030204" pitchFamily="49" charset="0"/>
+              </a:rPr>
+              <a:t>dist</a:t>
+            </a:r>
+            <a:r>
+              <a:rPr lang="en-US" sz="1200" b="0" dirty="0">
+                <a:solidFill>
+                  <a:srgbClr val="CE9178"/>
+                </a:solidFill>
+                <a:effectLst/>
+                <a:highlight>
+                  <a:srgbClr val="1E1E1E"/>
+                </a:highlight>
+                <a:latin typeface="Consolas" panose="020B0609020204030204" pitchFamily="49" charset="0"/>
+              </a:rPr>
+              <a:t>/leaflet.js"</a:t>
+            </a:r>
+            <a:endParaRPr lang="en-US" sz="1200" b="0" dirty="0">
+              <a:solidFill>
+                <a:srgbClr val="D4D4D4"/>
+              </a:solidFill>
+              <a:effectLst/>
+              <a:highlight>
+                <a:srgbClr val="1E1E1E"/>
+              </a:highlight>
+              <a:latin typeface="Consolas" panose="020B0609020204030204" pitchFamily="49" charset="0"/>
+            </a:endParaRPr>
+          </a:p>
+          <a:p>
+            <a:r>
+              <a:rPr lang="en-US" sz="1200" b="0" dirty="0">
+                <a:solidFill>
+                  <a:srgbClr val="D4D4D4"/>
+                </a:solidFill>
+                <a:effectLst/>
+                <a:highlight>
+                  <a:srgbClr val="1E1E1E"/>
+                </a:highlight>
+                <a:latin typeface="Consolas" panose="020B0609020204030204" pitchFamily="49" charset="0"/>
+              </a:rPr>
+              <a:t>    </a:t>
+            </a:r>
+            <a:r>
+              <a:rPr lang="en-US" sz="1200" b="0" dirty="0">
+                <a:solidFill>
+                  <a:srgbClr val="9CDCFE"/>
+                </a:solidFill>
+                <a:effectLst/>
+                <a:highlight>
+                  <a:srgbClr val="1E1E1E"/>
+                </a:highlight>
+                <a:latin typeface="Consolas" panose="020B0609020204030204" pitchFamily="49" charset="0"/>
+              </a:rPr>
+              <a:t>integrity</a:t>
+            </a:r>
+            <a:r>
+              <a:rPr lang="en-US" sz="1200" b="0" dirty="0">
+                <a:solidFill>
+                  <a:srgbClr val="D4D4D4"/>
+                </a:solidFill>
+                <a:effectLst/>
+                <a:highlight>
+                  <a:srgbClr val="1E1E1E"/>
+                </a:highlight>
+                <a:latin typeface="Consolas" panose="020B0609020204030204" pitchFamily="49" charset="0"/>
+              </a:rPr>
+              <a:t>=</a:t>
+            </a:r>
+            <a:r>
+              <a:rPr lang="en-US" sz="1200" b="0" dirty="0">
+                <a:solidFill>
+                  <a:srgbClr val="CE9178"/>
+                </a:solidFill>
+                <a:effectLst/>
+                <a:highlight>
+                  <a:srgbClr val="1E1E1E"/>
+                </a:highlight>
+                <a:latin typeface="Consolas" panose="020B0609020204030204" pitchFamily="49" charset="0"/>
+              </a:rPr>
+              <a:t>"sha256-20nQCchB9co0qIjJZRGuk2/Z9VM+kNiyxNV1lvTlZBo="</a:t>
+            </a:r>
+            <a:endParaRPr lang="en-US" sz="1200" b="0" dirty="0">
+              <a:solidFill>
+                <a:srgbClr val="D4D4D4"/>
+              </a:solidFill>
+              <a:effectLst/>
+              <a:highlight>
+                <a:srgbClr val="1E1E1E"/>
+              </a:highlight>
+              <a:latin typeface="Consolas" panose="020B0609020204030204" pitchFamily="49" charset="0"/>
+            </a:endParaRPr>
+          </a:p>
+          <a:p>
+            <a:r>
+              <a:rPr lang="en-US" sz="1200" b="0" dirty="0">
+                <a:solidFill>
+                  <a:srgbClr val="D4D4D4"/>
+                </a:solidFill>
+                <a:effectLst/>
+                <a:highlight>
+                  <a:srgbClr val="1E1E1E"/>
+                </a:highlight>
+                <a:latin typeface="Consolas" panose="020B0609020204030204" pitchFamily="49" charset="0"/>
+              </a:rPr>
+              <a:t>    </a:t>
+            </a:r>
+            <a:r>
+              <a:rPr lang="en-US" sz="1200" b="0" dirty="0" err="1">
+                <a:solidFill>
+                  <a:srgbClr val="9CDCFE"/>
+                </a:solidFill>
+                <a:effectLst/>
+                <a:highlight>
+                  <a:srgbClr val="1E1E1E"/>
+                </a:highlight>
+                <a:latin typeface="Consolas" panose="020B0609020204030204" pitchFamily="49" charset="0"/>
+              </a:rPr>
+              <a:t>crossorigin</a:t>
+            </a:r>
+            <a:r>
+              <a:rPr lang="en-US" sz="1200" b="0" dirty="0">
+                <a:solidFill>
+                  <a:srgbClr val="D4D4D4"/>
+                </a:solidFill>
+                <a:effectLst/>
+                <a:highlight>
+                  <a:srgbClr val="1E1E1E"/>
+                </a:highlight>
+                <a:latin typeface="Consolas" panose="020B0609020204030204" pitchFamily="49" charset="0"/>
+              </a:rPr>
+              <a:t>=</a:t>
+            </a:r>
+            <a:r>
+              <a:rPr lang="en-US" sz="1200" b="0" dirty="0">
+                <a:solidFill>
+                  <a:srgbClr val="CE9178"/>
+                </a:solidFill>
+                <a:effectLst/>
+                <a:highlight>
+                  <a:srgbClr val="1E1E1E"/>
+                </a:highlight>
+                <a:latin typeface="Consolas" panose="020B0609020204030204" pitchFamily="49" charset="0"/>
+              </a:rPr>
+              <a:t>""</a:t>
+            </a:r>
+            <a:r>
+              <a:rPr lang="en-US" sz="1200" b="0" dirty="0">
+                <a:solidFill>
+                  <a:srgbClr val="808080"/>
+                </a:solidFill>
+                <a:effectLst/>
+                <a:highlight>
+                  <a:srgbClr val="1E1E1E"/>
+                </a:highlight>
+                <a:latin typeface="Consolas" panose="020B0609020204030204" pitchFamily="49" charset="0"/>
+              </a:rPr>
+              <a:t>&gt;&lt;/</a:t>
+            </a:r>
+            <a:r>
+              <a:rPr lang="en-US" sz="1200" b="0" dirty="0">
+                <a:solidFill>
+                  <a:srgbClr val="569CD6"/>
+                </a:solidFill>
+                <a:effectLst/>
+                <a:highlight>
+                  <a:srgbClr val="1E1E1E"/>
+                </a:highlight>
+                <a:latin typeface="Consolas" panose="020B0609020204030204" pitchFamily="49" charset="0"/>
+              </a:rPr>
+              <a:t>script</a:t>
+            </a:r>
+            <a:r>
+              <a:rPr lang="en-US" sz="1200" b="0" dirty="0">
+                <a:solidFill>
+                  <a:srgbClr val="808080"/>
+                </a:solidFill>
+                <a:effectLst/>
+                <a:highlight>
+                  <a:srgbClr val="1E1E1E"/>
+                </a:highlight>
+                <a:latin typeface="Consolas" panose="020B0609020204030204" pitchFamily="49" charset="0"/>
+              </a:rPr>
+              <a:t>&gt;</a:t>
+            </a:r>
+            <a:endParaRPr lang="en-US" sz="1200" b="0" dirty="0">
+              <a:solidFill>
+                <a:srgbClr val="D4D4D4"/>
+              </a:solidFill>
+              <a:effectLst/>
+              <a:highlight>
+                <a:srgbClr val="1E1E1E"/>
+              </a:highlight>
+              <a:latin typeface="Consolas" panose="020B0609020204030204" pitchFamily="49" charset="0"/>
+            </a:endParaRPr>
+          </a:p>
+          <a:p>
+            <a:br>
+              <a:rPr lang="en-US" sz="1200" b="0" dirty="0">
+                <a:solidFill>
+                  <a:srgbClr val="D4D4D4"/>
+                </a:solidFill>
+                <a:effectLst/>
+                <a:highlight>
+                  <a:srgbClr val="1E1E1E"/>
+                </a:highlight>
+                <a:latin typeface="Consolas" panose="020B0609020204030204" pitchFamily="49" charset="0"/>
+              </a:rPr>
+            </a:br>
+            <a:r>
+              <a:rPr lang="en-US" sz="1200" b="0" dirty="0">
+                <a:solidFill>
+                  <a:srgbClr val="D4D4D4"/>
+                </a:solidFill>
+                <a:effectLst/>
+                <a:highlight>
+                  <a:srgbClr val="1E1E1E"/>
+                </a:highlight>
+                <a:latin typeface="Consolas" panose="020B0609020204030204" pitchFamily="49" charset="0"/>
+              </a:rPr>
+              <a:t>    </a:t>
+            </a:r>
+            <a:r>
+              <a:rPr lang="en-US" sz="1200" b="0" dirty="0">
+                <a:solidFill>
+                  <a:srgbClr val="6A9955"/>
+                </a:solidFill>
+                <a:effectLst/>
+                <a:highlight>
+                  <a:srgbClr val="1E1E1E"/>
+                </a:highlight>
+                <a:latin typeface="Consolas" panose="020B0609020204030204" pitchFamily="49" charset="0"/>
+              </a:rPr>
+              <a:t>&lt;!-- leaflet-choropleth JavaScript --&gt;</a:t>
+            </a:r>
+            <a:endParaRPr lang="en-US" sz="1200" b="0" dirty="0">
+              <a:solidFill>
+                <a:srgbClr val="D4D4D4"/>
+              </a:solidFill>
+              <a:effectLst/>
+              <a:highlight>
+                <a:srgbClr val="1E1E1E"/>
+              </a:highlight>
+              <a:latin typeface="Consolas" panose="020B0609020204030204" pitchFamily="49" charset="0"/>
+            </a:endParaRPr>
+          </a:p>
+          <a:p>
+            <a:r>
+              <a:rPr lang="en-US" sz="1200" b="0" dirty="0">
+                <a:solidFill>
+                  <a:srgbClr val="D4D4D4"/>
+                </a:solidFill>
+                <a:effectLst/>
+                <a:highlight>
+                  <a:srgbClr val="1E1E1E"/>
+                </a:highlight>
+                <a:latin typeface="Consolas" panose="020B0609020204030204" pitchFamily="49" charset="0"/>
+              </a:rPr>
+              <a:t>    </a:t>
+            </a:r>
+            <a:r>
+              <a:rPr lang="en-US" sz="1200" b="0" dirty="0">
+                <a:solidFill>
+                  <a:srgbClr val="808080"/>
+                </a:solidFill>
+                <a:effectLst/>
+                <a:highlight>
+                  <a:srgbClr val="1E1E1E"/>
+                </a:highlight>
+                <a:latin typeface="Consolas" panose="020B0609020204030204" pitchFamily="49" charset="0"/>
+              </a:rPr>
+              <a:t>&lt;</a:t>
+            </a:r>
+            <a:r>
+              <a:rPr lang="en-US" sz="1200" b="0" dirty="0">
+                <a:solidFill>
+                  <a:srgbClr val="569CD6"/>
+                </a:solidFill>
+                <a:effectLst/>
+                <a:highlight>
+                  <a:srgbClr val="1E1E1E"/>
+                </a:highlight>
+                <a:latin typeface="Consolas" panose="020B0609020204030204" pitchFamily="49" charset="0"/>
+              </a:rPr>
+              <a:t>script</a:t>
+            </a:r>
+            <a:r>
+              <a:rPr lang="en-US" sz="1200" b="0" dirty="0">
+                <a:solidFill>
+                  <a:srgbClr val="D4D4D4"/>
+                </a:solidFill>
+                <a:effectLst/>
+                <a:highlight>
+                  <a:srgbClr val="1E1E1E"/>
+                </a:highlight>
+                <a:latin typeface="Consolas" panose="020B0609020204030204" pitchFamily="49" charset="0"/>
+              </a:rPr>
+              <a:t> </a:t>
+            </a:r>
+            <a:r>
+              <a:rPr lang="en-US" sz="1200" b="0" dirty="0">
+                <a:solidFill>
+                  <a:srgbClr val="9CDCFE"/>
+                </a:solidFill>
+                <a:effectLst/>
+                <a:highlight>
+                  <a:srgbClr val="1E1E1E"/>
+                </a:highlight>
+                <a:latin typeface="Consolas" panose="020B0609020204030204" pitchFamily="49" charset="0"/>
+              </a:rPr>
+              <a:t>type</a:t>
+            </a:r>
+            <a:r>
+              <a:rPr lang="en-US" sz="1200" b="0" dirty="0">
+                <a:solidFill>
+                  <a:srgbClr val="D4D4D4"/>
+                </a:solidFill>
+                <a:effectLst/>
+                <a:highlight>
+                  <a:srgbClr val="1E1E1E"/>
+                </a:highlight>
+                <a:latin typeface="Consolas" panose="020B0609020204030204" pitchFamily="49" charset="0"/>
+              </a:rPr>
+              <a:t>=</a:t>
+            </a:r>
+            <a:r>
+              <a:rPr lang="en-US" sz="1200" b="0" dirty="0">
+                <a:solidFill>
+                  <a:srgbClr val="CE9178"/>
+                </a:solidFill>
+                <a:effectLst/>
+                <a:highlight>
+                  <a:srgbClr val="1E1E1E"/>
+                </a:highlight>
+                <a:latin typeface="Consolas" panose="020B0609020204030204" pitchFamily="49" charset="0"/>
+              </a:rPr>
+              <a:t>"text/</a:t>
+            </a:r>
+            <a:r>
+              <a:rPr lang="en-US" sz="1200" b="0" dirty="0" err="1">
+                <a:solidFill>
+                  <a:srgbClr val="CE9178"/>
+                </a:solidFill>
+                <a:effectLst/>
+                <a:highlight>
+                  <a:srgbClr val="1E1E1E"/>
+                </a:highlight>
+                <a:latin typeface="Consolas" panose="020B0609020204030204" pitchFamily="49" charset="0"/>
+              </a:rPr>
+              <a:t>javascript</a:t>
+            </a:r>
+            <a:r>
+              <a:rPr lang="en-US" sz="1200" b="0" dirty="0">
+                <a:solidFill>
+                  <a:srgbClr val="CE9178"/>
+                </a:solidFill>
+                <a:effectLst/>
+                <a:highlight>
+                  <a:srgbClr val="1E1E1E"/>
+                </a:highlight>
+                <a:latin typeface="Consolas" panose="020B0609020204030204" pitchFamily="49" charset="0"/>
+              </a:rPr>
+              <a:t>"</a:t>
+            </a:r>
+            <a:r>
+              <a:rPr lang="en-US" sz="1200" b="0" dirty="0">
+                <a:solidFill>
+                  <a:srgbClr val="D4D4D4"/>
+                </a:solidFill>
+                <a:effectLst/>
+                <a:highlight>
+                  <a:srgbClr val="1E1E1E"/>
+                </a:highlight>
+                <a:latin typeface="Consolas" panose="020B0609020204030204" pitchFamily="49" charset="0"/>
+              </a:rPr>
+              <a:t> </a:t>
+            </a:r>
+            <a:r>
+              <a:rPr lang="en-US" sz="1200" b="0" dirty="0" err="1">
+                <a:solidFill>
+                  <a:srgbClr val="9CDCFE"/>
+                </a:solidFill>
+                <a:effectLst/>
+                <a:highlight>
+                  <a:srgbClr val="1E1E1E"/>
+                </a:highlight>
+                <a:latin typeface="Consolas" panose="020B0609020204030204" pitchFamily="49" charset="0"/>
+              </a:rPr>
+              <a:t>src</a:t>
+            </a:r>
+            <a:r>
+              <a:rPr lang="en-US" sz="1200" b="0" dirty="0">
+                <a:solidFill>
+                  <a:srgbClr val="D4D4D4"/>
+                </a:solidFill>
+                <a:effectLst/>
+                <a:highlight>
+                  <a:srgbClr val="1E1E1E"/>
+                </a:highlight>
+                <a:latin typeface="Consolas" panose="020B0609020204030204" pitchFamily="49" charset="0"/>
+              </a:rPr>
+              <a:t>=</a:t>
+            </a:r>
+            <a:r>
+              <a:rPr lang="en-US" sz="1200" b="0" dirty="0">
+                <a:solidFill>
+                  <a:srgbClr val="CE9178"/>
+                </a:solidFill>
+                <a:effectLst/>
+                <a:highlight>
+                  <a:srgbClr val="1E1E1E"/>
+                </a:highlight>
+                <a:latin typeface="Consolas" panose="020B0609020204030204" pitchFamily="49" charset="0"/>
+              </a:rPr>
+              <a:t>"static/</a:t>
+            </a:r>
+            <a:r>
+              <a:rPr lang="en-US" sz="1200" b="0" dirty="0" err="1">
+                <a:solidFill>
+                  <a:srgbClr val="CE9178"/>
+                </a:solidFill>
+                <a:effectLst/>
+                <a:highlight>
+                  <a:srgbClr val="1E1E1E"/>
+                </a:highlight>
+                <a:latin typeface="Consolas" panose="020B0609020204030204" pitchFamily="49" charset="0"/>
+              </a:rPr>
+              <a:t>js</a:t>
+            </a:r>
+            <a:r>
+              <a:rPr lang="en-US" sz="1200" b="0" dirty="0">
+                <a:solidFill>
+                  <a:srgbClr val="CE9178"/>
+                </a:solidFill>
+                <a:effectLst/>
+                <a:highlight>
+                  <a:srgbClr val="1E1E1E"/>
+                </a:highlight>
+                <a:latin typeface="Consolas" panose="020B0609020204030204" pitchFamily="49" charset="0"/>
+              </a:rPr>
+              <a:t>/choropleth.js"</a:t>
+            </a:r>
+            <a:r>
+              <a:rPr lang="en-US" sz="1200" b="0" dirty="0">
+                <a:solidFill>
+                  <a:srgbClr val="808080"/>
+                </a:solidFill>
+                <a:effectLst/>
+                <a:highlight>
+                  <a:srgbClr val="1E1E1E"/>
+                </a:highlight>
+                <a:latin typeface="Consolas" panose="020B0609020204030204" pitchFamily="49" charset="0"/>
+              </a:rPr>
+              <a:t>&gt;&lt;/</a:t>
+            </a:r>
+            <a:r>
+              <a:rPr lang="en-US" sz="1200" b="0" dirty="0">
+                <a:solidFill>
+                  <a:srgbClr val="569CD6"/>
+                </a:solidFill>
+                <a:effectLst/>
+                <a:highlight>
+                  <a:srgbClr val="1E1E1E"/>
+                </a:highlight>
+                <a:latin typeface="Consolas" panose="020B0609020204030204" pitchFamily="49" charset="0"/>
+              </a:rPr>
+              <a:t>script</a:t>
+            </a:r>
+            <a:r>
+              <a:rPr lang="en-US" sz="1200" b="0" dirty="0">
+                <a:solidFill>
+                  <a:srgbClr val="808080"/>
+                </a:solidFill>
+                <a:effectLst/>
+                <a:highlight>
+                  <a:srgbClr val="1E1E1E"/>
+                </a:highlight>
+                <a:latin typeface="Consolas" panose="020B0609020204030204" pitchFamily="49" charset="0"/>
+              </a:rPr>
+              <a:t>&gt;</a:t>
+            </a:r>
+            <a:endParaRPr lang="en-US" sz="1200" b="0" dirty="0">
+              <a:solidFill>
+                <a:srgbClr val="D4D4D4"/>
+              </a:solidFill>
+              <a:effectLst/>
+              <a:highlight>
+                <a:srgbClr val="1E1E1E"/>
+              </a:highlight>
+              <a:latin typeface="Consolas" panose="020B0609020204030204" pitchFamily="49" charset="0"/>
+            </a:endParaRPr>
+          </a:p>
+          <a:p>
+            <a:endParaRPr lang="en-US" sz="1200" b="0" dirty="0">
+              <a:solidFill>
+                <a:srgbClr val="D4D4D4"/>
+              </a:solidFill>
+              <a:effectLst/>
+              <a:highlight>
+                <a:srgbClr val="1E1E1E"/>
+              </a:highlight>
+              <a:latin typeface="Consolas" panose="020B0609020204030204" pitchFamily="49" charset="0"/>
+            </a:endParaRPr>
+          </a:p>
+        </p:txBody>
+      </p:sp>
+      <p:cxnSp>
+        <p:nvCxnSpPr>
+          <p:cNvPr id="10" name="Straight Arrow Connector 9">
+            <a:extLst>
+              <a:ext uri="{FF2B5EF4-FFF2-40B4-BE49-F238E27FC236}">
+                <a16:creationId xmlns:a16="http://schemas.microsoft.com/office/drawing/2014/main" id="{A57A47EE-C1B9-57B0-0FDC-E3D611309A21}"/>
+              </a:ext>
+            </a:extLst>
+          </p:cNvPr>
+          <p:cNvCxnSpPr>
+            <a:cxnSpLocks/>
+          </p:cNvCxnSpPr>
+          <p:nvPr/>
+        </p:nvCxnSpPr>
+        <p:spPr>
+          <a:xfrm>
+            <a:off x="3956673" y="3405042"/>
+            <a:ext cx="775855" cy="0"/>
+          </a:xfrm>
+          <a:prstGeom prst="straightConnector1">
+            <a:avLst/>
+          </a:prstGeom>
+          <a:ln w="57150">
+            <a:tailEnd type="triangle"/>
+          </a:ln>
+        </p:spPr>
+        <p:style>
+          <a:lnRef idx="2">
+            <a:schemeClr val="accent1"/>
+          </a:lnRef>
+          <a:fillRef idx="0">
+            <a:schemeClr val="accent1"/>
+          </a:fillRef>
+          <a:effectRef idx="1">
+            <a:schemeClr val="accent1"/>
+          </a:effectRef>
+          <a:fontRef idx="minor">
+            <a:schemeClr val="tx1"/>
+          </a:fontRef>
+        </p:style>
+      </p:cxnSp>
+      <p:sp>
+        <p:nvSpPr>
+          <p:cNvPr id="11" name="TextBox 10">
+            <a:extLst>
+              <a:ext uri="{FF2B5EF4-FFF2-40B4-BE49-F238E27FC236}">
+                <a16:creationId xmlns:a16="http://schemas.microsoft.com/office/drawing/2014/main" id="{CDA92900-1463-A123-44AB-BF16470B7F42}"/>
+              </a:ext>
+            </a:extLst>
+          </p:cNvPr>
+          <p:cNvSpPr txBox="1"/>
+          <p:nvPr/>
+        </p:nvSpPr>
+        <p:spPr>
+          <a:xfrm>
+            <a:off x="595652" y="5332150"/>
+            <a:ext cx="3135099" cy="369332"/>
+          </a:xfrm>
+          <a:prstGeom prst="rect">
+            <a:avLst/>
+          </a:prstGeom>
+          <a:noFill/>
+          <a:ln w="12700" cap="rnd">
+            <a:solidFill>
+              <a:schemeClr val="accent1"/>
+            </a:solidFill>
+          </a:ln>
+        </p:spPr>
+        <p:txBody>
+          <a:bodyPr wrap="square" rtlCol="0">
+            <a:spAutoFit/>
+          </a:bodyPr>
+          <a:lstStyle/>
+          <a:p>
+            <a:r>
+              <a:rPr lang="en-US" dirty="0"/>
+              <a:t>Graph Visuals </a:t>
+            </a:r>
+          </a:p>
+        </p:txBody>
+      </p:sp>
+      <p:sp>
+        <p:nvSpPr>
+          <p:cNvPr id="12" name="TextBox 11">
+            <a:extLst>
+              <a:ext uri="{FF2B5EF4-FFF2-40B4-BE49-F238E27FC236}">
+                <a16:creationId xmlns:a16="http://schemas.microsoft.com/office/drawing/2014/main" id="{FFCD9377-DD71-AE37-56AE-A0207C08BAB9}"/>
+              </a:ext>
+            </a:extLst>
+          </p:cNvPr>
+          <p:cNvSpPr txBox="1"/>
+          <p:nvPr/>
+        </p:nvSpPr>
+        <p:spPr>
+          <a:xfrm>
+            <a:off x="4919472" y="5239817"/>
+            <a:ext cx="6510528" cy="461665"/>
+          </a:xfrm>
+          <a:prstGeom prst="rect">
+            <a:avLst/>
+          </a:prstGeom>
+          <a:noFill/>
+          <a:ln w="12700" cap="rnd">
+            <a:solidFill>
+              <a:schemeClr val="accent1"/>
+            </a:solidFill>
+          </a:ln>
+        </p:spPr>
+        <p:txBody>
+          <a:bodyPr wrap="square" rtlCol="0">
+            <a:spAutoFit/>
+          </a:bodyPr>
+          <a:lstStyle>
+            <a:defPPr>
+              <a:defRPr lang="en-US"/>
+            </a:defPPr>
+            <a:lvl1pPr>
+              <a:defRPr/>
+            </a:lvl1pPr>
+          </a:lstStyle>
+          <a:p>
+            <a:r>
+              <a:rPr lang="en-US" sz="1200" b="0" dirty="0">
+                <a:solidFill>
+                  <a:srgbClr val="808080"/>
+                </a:solidFill>
+                <a:effectLst/>
+                <a:highlight>
+                  <a:srgbClr val="1E1E1E"/>
+                </a:highlight>
+                <a:latin typeface="Consolas" panose="020B0609020204030204" pitchFamily="49" charset="0"/>
+              </a:rPr>
+              <a:t>&lt;</a:t>
+            </a:r>
+            <a:r>
+              <a:rPr lang="en-US" sz="1200" b="0" dirty="0">
+                <a:solidFill>
+                  <a:srgbClr val="569CD6"/>
+                </a:solidFill>
+                <a:effectLst/>
+                <a:highlight>
+                  <a:srgbClr val="1E1E1E"/>
+                </a:highlight>
+                <a:latin typeface="Consolas" panose="020B0609020204030204" pitchFamily="49" charset="0"/>
+              </a:rPr>
+              <a:t>script</a:t>
+            </a:r>
+            <a:r>
+              <a:rPr lang="en-US" sz="1200" b="0" dirty="0">
+                <a:solidFill>
+                  <a:srgbClr val="D4D4D4"/>
+                </a:solidFill>
+                <a:effectLst/>
+                <a:highlight>
+                  <a:srgbClr val="1E1E1E"/>
+                </a:highlight>
+                <a:latin typeface="Consolas" panose="020B0609020204030204" pitchFamily="49" charset="0"/>
+              </a:rPr>
+              <a:t> </a:t>
+            </a:r>
+            <a:r>
+              <a:rPr lang="en-US" sz="1200" b="0" dirty="0" err="1">
+                <a:solidFill>
+                  <a:srgbClr val="9CDCFE"/>
+                </a:solidFill>
+                <a:effectLst/>
+                <a:highlight>
+                  <a:srgbClr val="1E1E1E"/>
+                </a:highlight>
+                <a:latin typeface="Consolas" panose="020B0609020204030204" pitchFamily="49" charset="0"/>
+              </a:rPr>
+              <a:t>src</a:t>
+            </a:r>
+            <a:r>
+              <a:rPr lang="en-US" sz="1200" b="0" dirty="0">
+                <a:solidFill>
+                  <a:srgbClr val="D4D4D4"/>
+                </a:solidFill>
+                <a:effectLst/>
+                <a:highlight>
+                  <a:srgbClr val="1E1E1E"/>
+                </a:highlight>
+                <a:latin typeface="Consolas" panose="020B0609020204030204" pitchFamily="49" charset="0"/>
+              </a:rPr>
+              <a:t>=</a:t>
+            </a:r>
+            <a:r>
+              <a:rPr lang="en-US" sz="1200" b="0" dirty="0">
+                <a:solidFill>
+                  <a:srgbClr val="CE9178"/>
+                </a:solidFill>
+                <a:effectLst/>
+                <a:highlight>
+                  <a:srgbClr val="1E1E1E"/>
+                </a:highlight>
+                <a:latin typeface="Consolas" panose="020B0609020204030204" pitchFamily="49" charset="0"/>
+              </a:rPr>
+              <a:t>"https://cdn.plot.ly/plotly-latest.min.js"</a:t>
+            </a:r>
+            <a:r>
+              <a:rPr lang="en-US" sz="1200" b="0" dirty="0">
+                <a:solidFill>
+                  <a:srgbClr val="808080"/>
+                </a:solidFill>
+                <a:effectLst/>
+                <a:highlight>
+                  <a:srgbClr val="1E1E1E"/>
+                </a:highlight>
+                <a:latin typeface="Consolas" panose="020B0609020204030204" pitchFamily="49" charset="0"/>
+              </a:rPr>
+              <a:t>&gt;&lt;/</a:t>
+            </a:r>
+            <a:r>
+              <a:rPr lang="en-US" sz="1200" b="0" dirty="0">
+                <a:solidFill>
+                  <a:srgbClr val="569CD6"/>
+                </a:solidFill>
+                <a:effectLst/>
+                <a:highlight>
+                  <a:srgbClr val="1E1E1E"/>
+                </a:highlight>
+                <a:latin typeface="Consolas" panose="020B0609020204030204" pitchFamily="49" charset="0"/>
+              </a:rPr>
+              <a:t>script</a:t>
+            </a:r>
+            <a:r>
+              <a:rPr lang="en-US" sz="1200" b="0" dirty="0">
+                <a:solidFill>
+                  <a:srgbClr val="808080"/>
+                </a:solidFill>
+                <a:effectLst/>
+                <a:highlight>
+                  <a:srgbClr val="1E1E1E"/>
+                </a:highlight>
+                <a:latin typeface="Consolas" panose="020B0609020204030204" pitchFamily="49" charset="0"/>
+              </a:rPr>
+              <a:t>&gt;</a:t>
+            </a:r>
+            <a:endParaRPr lang="en-US" sz="1200" b="0" dirty="0">
+              <a:solidFill>
+                <a:srgbClr val="D4D4D4"/>
+              </a:solidFill>
+              <a:effectLst/>
+              <a:highlight>
+                <a:srgbClr val="1E1E1E"/>
+              </a:highlight>
+              <a:latin typeface="Consolas" panose="020B0609020204030204" pitchFamily="49" charset="0"/>
+            </a:endParaRPr>
+          </a:p>
+          <a:p>
+            <a:endParaRPr lang="en-US" sz="1200" b="0" dirty="0">
+              <a:solidFill>
+                <a:srgbClr val="D4D4D4"/>
+              </a:solidFill>
+              <a:effectLst/>
+              <a:highlight>
+                <a:srgbClr val="1E1E1E"/>
+              </a:highlight>
+              <a:latin typeface="Consolas" panose="020B0609020204030204" pitchFamily="49" charset="0"/>
+            </a:endParaRPr>
+          </a:p>
+        </p:txBody>
+      </p:sp>
+      <p:cxnSp>
+        <p:nvCxnSpPr>
+          <p:cNvPr id="13" name="Straight Arrow Connector 12">
+            <a:extLst>
+              <a:ext uri="{FF2B5EF4-FFF2-40B4-BE49-F238E27FC236}">
+                <a16:creationId xmlns:a16="http://schemas.microsoft.com/office/drawing/2014/main" id="{63FD47B6-D1C2-E6B2-EA47-9DE456D35C52}"/>
+              </a:ext>
+            </a:extLst>
+          </p:cNvPr>
+          <p:cNvCxnSpPr>
+            <a:cxnSpLocks/>
+          </p:cNvCxnSpPr>
+          <p:nvPr/>
+        </p:nvCxnSpPr>
+        <p:spPr>
+          <a:xfrm>
+            <a:off x="4081368" y="5450687"/>
+            <a:ext cx="775855" cy="0"/>
+          </a:xfrm>
+          <a:prstGeom prst="straightConnector1">
+            <a:avLst/>
+          </a:prstGeom>
+          <a:ln w="57150">
+            <a:tailEnd type="triangle"/>
+          </a:ln>
+        </p:spPr>
+        <p:style>
+          <a:lnRef idx="2">
+            <a:schemeClr val="accent1"/>
+          </a:lnRef>
+          <a:fillRef idx="0">
+            <a:schemeClr val="accent1"/>
+          </a:fillRef>
+          <a:effectRef idx="1">
+            <a:schemeClr val="accent1"/>
+          </a:effectRef>
+          <a:fontRef idx="minor">
+            <a:schemeClr val="tx1"/>
+          </a:fontRef>
+        </p:style>
+      </p:cxnSp>
+    </p:spTree>
+    <p:extLst>
+      <p:ext uri="{BB962C8B-B14F-4D97-AF65-F5344CB8AC3E}">
+        <p14:creationId xmlns:p14="http://schemas.microsoft.com/office/powerpoint/2010/main" val="675222058"/>
+      </p:ext>
+    </p:extLst>
+  </p:cSld>
+  <p:clrMapOvr>
+    <a:masterClrMapping/>
+  </p:clrMapOvr>
+</p:sld>
+</file>
+
+<file path=ppt/slides/slide8.xml><?xml version="1.0" encoding="utf-8"?>
+<p:sld xmlns:a="http://schemas.openxmlformats.org/drawingml/2006/main" xmlns:r="http://schemas.openxmlformats.org/officeDocument/2006/relationships" xmlns:p="http://schemas.openxmlformats.org/presentationml/2006/main">
+  <p:cSld>
+    <p:spTree>
+      <p:nvGrpSpPr>
+        <p:cNvPr id="1" name=""/>
+        <p:cNvGrpSpPr/>
+        <p:nvPr/>
+      </p:nvGrpSpPr>
+      <p:grpSpPr>
+        <a:xfrm>
+          <a:off x="0" y="0"/>
+          <a:ext cx="0" cy="0"/>
+          <a:chOff x="0" y="0"/>
+          <a:chExt cx="0" cy="0"/>
+        </a:xfrm>
+      </p:grpSpPr>
+      <p:sp>
+        <p:nvSpPr>
+          <p:cNvPr id="2" name="Title 1">
+            <a:extLst>
+              <a:ext uri="{FF2B5EF4-FFF2-40B4-BE49-F238E27FC236}">
+                <a16:creationId xmlns:a16="http://schemas.microsoft.com/office/drawing/2014/main" id="{792CF614-8A26-89E2-AE07-1602A5BBCEFA}"/>
+              </a:ext>
+            </a:extLst>
+          </p:cNvPr>
+          <p:cNvSpPr>
+            <a:spLocks noGrp="1"/>
+          </p:cNvSpPr>
+          <p:nvPr>
+            <p:ph type="title"/>
+          </p:nvPr>
+        </p:nvSpPr>
+        <p:spPr/>
+        <p:txBody>
+          <a:bodyPr/>
+          <a:lstStyle/>
+          <a:p>
+            <a:pPr algn="ctr"/>
+            <a:r>
+              <a:rPr lang="en-US" dirty="0"/>
+              <a:t>Conclusion</a:t>
+            </a:r>
+          </a:p>
+        </p:txBody>
+      </p:sp>
+      <p:sp>
+        <p:nvSpPr>
+          <p:cNvPr id="3" name="Content Placeholder 2">
+            <a:extLst>
+              <a:ext uri="{FF2B5EF4-FFF2-40B4-BE49-F238E27FC236}">
+                <a16:creationId xmlns:a16="http://schemas.microsoft.com/office/drawing/2014/main" id="{45C7E082-7169-14B0-95F1-3B5E75C605D4}"/>
+              </a:ext>
+            </a:extLst>
+          </p:cNvPr>
+          <p:cNvSpPr>
+            <a:spLocks noGrp="1"/>
+          </p:cNvSpPr>
+          <p:nvPr>
+            <p:ph idx="1"/>
+          </p:nvPr>
+        </p:nvSpPr>
+        <p:spPr/>
+        <p:txBody>
+          <a:bodyPr>
+            <a:normAutofit/>
+          </a:bodyPr>
+          <a:lstStyle/>
+          <a:p>
+            <a:pPr marL="0" indent="0">
+              <a:buNone/>
+            </a:pPr>
+            <a:r>
+              <a:rPr lang="en-US" sz="1800" dirty="0"/>
+              <a:t>Summarize the visuals</a:t>
+            </a:r>
+          </a:p>
+          <a:p>
+            <a:r>
+              <a:rPr lang="en-US" sz="1800" dirty="0"/>
+              <a:t>World Density– not many players internationally join the American MLB.</a:t>
+            </a:r>
+          </a:p>
+          <a:p>
+            <a:r>
+              <a:rPr lang="en-US" sz="1800" dirty="0"/>
+              <a:t>States Density – Base on the visual we can tell that California has produce the most MLB players. </a:t>
+            </a:r>
+          </a:p>
+          <a:p>
+            <a:r>
+              <a:rPr lang="en-US" sz="1800" dirty="0"/>
+              <a:t>MLB players birth years – Most players born from 1960’s into late 1980’s contributed to the MLB.</a:t>
+            </a:r>
+          </a:p>
+          <a:p>
+            <a:endParaRPr lang="en-US" sz="1800" dirty="0"/>
+          </a:p>
+          <a:p>
+            <a:endParaRPr lang="en-US" sz="1800"/>
+          </a:p>
+          <a:p>
+            <a:endParaRPr lang="en-US" sz="1800" dirty="0"/>
+          </a:p>
+        </p:txBody>
+      </p:sp>
+      <p:pic>
+        <p:nvPicPr>
+          <p:cNvPr id="5" name="Picture 4" descr="A baseball bat and glove on a dirt field&#10;&#10;Description automatically generated">
+            <a:extLst>
+              <a:ext uri="{FF2B5EF4-FFF2-40B4-BE49-F238E27FC236}">
+                <a16:creationId xmlns:a16="http://schemas.microsoft.com/office/drawing/2014/main" id="{170D67A4-2436-81AE-9002-6E7534C3383F}"/>
+              </a:ext>
+            </a:extLst>
+          </p:cNvPr>
+          <p:cNvPicPr>
+            <a:picLocks noChangeAspect="1"/>
+          </p:cNvPicPr>
+          <p:nvPr/>
+        </p:nvPicPr>
+        <p:blipFill>
+          <a:blip r:embed="rId2">
+            <a:extLst>
+              <a:ext uri="{28A0092B-C50C-407E-A947-70E740481C1C}">
+                <a14:useLocalDpi xmlns:a14="http://schemas.microsoft.com/office/drawing/2010/main" val="0"/>
+              </a:ext>
+            </a:extLst>
+          </a:blip>
+          <a:stretch>
+            <a:fillRect/>
+          </a:stretch>
+        </p:blipFill>
+        <p:spPr>
+          <a:xfrm>
+            <a:off x="3473996" y="3653103"/>
+            <a:ext cx="3702659" cy="2184279"/>
+          </a:xfrm>
+          <a:prstGeom prst="rect">
+            <a:avLst/>
+          </a:prstGeom>
+        </p:spPr>
+      </p:pic>
+      <p:sp>
+        <p:nvSpPr>
+          <p:cNvPr id="4" name="TextBox 3">
+            <a:extLst>
+              <a:ext uri="{FF2B5EF4-FFF2-40B4-BE49-F238E27FC236}">
+                <a16:creationId xmlns:a16="http://schemas.microsoft.com/office/drawing/2014/main" id="{823740D6-244B-0A0C-4B9D-9D5EB7FDB863}"/>
+              </a:ext>
+            </a:extLst>
+          </p:cNvPr>
+          <p:cNvSpPr txBox="1"/>
+          <p:nvPr/>
+        </p:nvSpPr>
+        <p:spPr>
+          <a:xfrm>
+            <a:off x="73891" y="6308209"/>
+            <a:ext cx="12044218" cy="369332"/>
+          </a:xfrm>
+          <a:prstGeom prst="rect">
+            <a:avLst/>
+          </a:prstGeom>
+          <a:noFill/>
+          <a:ln w="12700" cap="rnd">
+            <a:solidFill>
+              <a:schemeClr val="accent1"/>
+            </a:solidFill>
+          </a:ln>
+        </p:spPr>
+        <p:txBody>
+          <a:bodyPr wrap="square" rtlCol="0">
+            <a:spAutoFit/>
+          </a:bodyPr>
+          <a:lstStyle>
+            <a:defPPr>
+              <a:defRPr lang="en-US"/>
+            </a:defPPr>
+            <a:lvl1pPr>
+              <a:defRPr/>
+            </a:lvl1pPr>
+          </a:lstStyle>
+          <a:p>
+            <a:r>
+              <a:rPr lang="en-US" dirty="0"/>
+              <a:t>Web Project Repositor : </a:t>
+            </a:r>
+            <a:r>
+              <a:rPr lang="en-US" i="1" dirty="0">
+                <a:solidFill>
+                  <a:schemeClr val="tx2">
+                    <a:lumMod val="90000"/>
+                    <a:lumOff val="10000"/>
+                  </a:schemeClr>
+                </a:solidFill>
+              </a:rPr>
+              <a:t>https://github.com/leeju09/Project-3-Baseball-</a:t>
+            </a:r>
+          </a:p>
+        </p:txBody>
+      </p:sp>
+    </p:spTree>
+    <p:extLst>
+      <p:ext uri="{BB962C8B-B14F-4D97-AF65-F5344CB8AC3E}">
         <p14:creationId xmlns:p14="http://schemas.microsoft.com/office/powerpoint/2010/main" val="3650296232"/>
+      </p:ext>
+    </p:extLst>
+  </p:cSld>
+  <p:clrMapOvr>
+    <a:masterClrMapping/>
+  </p:clrMapOvr>
+</p:sld>
+</file>
+
+<file path=ppt/slides/slide9.xml><?xml version="1.0" encoding="utf-8"?>
+<p:sld xmlns:a="http://schemas.openxmlformats.org/drawingml/2006/main" xmlns:r="http://schemas.openxmlformats.org/officeDocument/2006/relationships" xmlns:p="http://schemas.openxmlformats.org/presentationml/2006/main">
+  <p:cSld>
+    <p:spTree>
+      <p:nvGrpSpPr>
+        <p:cNvPr id="1" name=""/>
+        <p:cNvGrpSpPr/>
+        <p:nvPr/>
+      </p:nvGrpSpPr>
+      <p:grpSpPr>
+        <a:xfrm>
+          <a:off x="0" y="0"/>
+          <a:ext cx="0" cy="0"/>
+          <a:chOff x="0" y="0"/>
+          <a:chExt cx="0" cy="0"/>
+        </a:xfrm>
+      </p:grpSpPr>
+      <p:sp>
+        <p:nvSpPr>
+          <p:cNvPr id="2" name="Title 1">
+            <a:extLst>
+              <a:ext uri="{FF2B5EF4-FFF2-40B4-BE49-F238E27FC236}">
+                <a16:creationId xmlns:a16="http://schemas.microsoft.com/office/drawing/2014/main" id="{3EDC26B8-2F0A-193E-D0C0-63B585F2D516}"/>
+              </a:ext>
+            </a:extLst>
+          </p:cNvPr>
+          <p:cNvSpPr>
+            <a:spLocks noGrp="1"/>
+          </p:cNvSpPr>
+          <p:nvPr>
+            <p:ph type="title"/>
+          </p:nvPr>
+        </p:nvSpPr>
+        <p:spPr>
+          <a:xfrm>
+            <a:off x="838200" y="365125"/>
+            <a:ext cx="10515600" cy="1205057"/>
+          </a:xfrm>
+        </p:spPr>
+        <p:txBody>
+          <a:bodyPr/>
+          <a:lstStyle/>
+          <a:p>
+            <a:pPr algn="ctr"/>
+            <a:r>
+              <a:rPr lang="en-US" dirty="0"/>
+              <a:t>Q &amp; A</a:t>
+            </a:r>
+          </a:p>
+        </p:txBody>
+      </p:sp>
+    </p:spTree>
+    <p:extLst>
+      <p:ext uri="{BB962C8B-B14F-4D97-AF65-F5344CB8AC3E}">
+        <p14:creationId xmlns:p14="http://schemas.microsoft.com/office/powerpoint/2010/main" val="3347308563"/>
       </p:ext>
     </p:extLst>
   </p:cSld>

--- a/Presentation/Proect3_Group3.pptx
+++ b/Presentation/Proect3_Group3.pptx
@@ -9,11 +9,7 @@
     <p:sldId id="256" r:id="rId3"/>
     <p:sldId id="259" r:id="rId4"/>
     <p:sldId id="258" r:id="rId5"/>
-    <p:sldId id="261" r:id="rId6"/>
-    <p:sldId id="262" r:id="rId7"/>
-    <p:sldId id="263" r:id="rId8"/>
-    <p:sldId id="260" r:id="rId9"/>
-    <p:sldId id="264" r:id="rId10"/>
+    <p:sldId id="260" r:id="rId6"/>
   </p:sldIdLst>
   <p:sldSz cx="12192000" cy="6858000"/>
   <p:notesSz cx="6858000" cy="9144000"/>
@@ -131,84 +127,6 @@
 
 <file path=ppt/changesInfos/changesInfo1.xml><?xml version="1.0" encoding="utf-8"?>
 <pc:chgInfo xmlns:a="http://schemas.openxmlformats.org/drawingml/2006/main" xmlns:r="http://schemas.openxmlformats.org/officeDocument/2006/relationships" xmlns:ac="http://schemas.microsoft.com/office/drawing/2013/main/command" xmlns:pc="http://schemas.microsoft.com/office/powerpoint/2013/main/command">
-  <pc:docChgLst>
-    <pc:chgData name="Jim Pieper" userId="70ec17d751b5d6ef" providerId="LiveId" clId="{C39F6B6F-DF65-45AA-B91E-27C5D666BD64}"/>
-    <pc:docChg chg="modSld">
-      <pc:chgData name="Jim Pieper" userId="70ec17d751b5d6ef" providerId="LiveId" clId="{C39F6B6F-DF65-45AA-B91E-27C5D666BD64}" dt="2024-07-23T02:10:33.465" v="33" actId="20577"/>
-      <pc:docMkLst>
-        <pc:docMk/>
-      </pc:docMkLst>
-      <pc:sldChg chg="addSp modSp mod">
-        <pc:chgData name="Jim Pieper" userId="70ec17d751b5d6ef" providerId="LiveId" clId="{C39F6B6F-DF65-45AA-B91E-27C5D666BD64}" dt="2024-07-23T02:10:33.465" v="33" actId="20577"/>
-        <pc:sldMkLst>
-          <pc:docMk/>
-          <pc:sldMk cId="1528074873" sldId="257"/>
-        </pc:sldMkLst>
-        <pc:spChg chg="mod">
-          <ac:chgData name="Jim Pieper" userId="70ec17d751b5d6ef" providerId="LiveId" clId="{C39F6B6F-DF65-45AA-B91E-27C5D666BD64}" dt="2024-07-23T02:10:33.465" v="33" actId="20577"/>
-          <ac:spMkLst>
-            <pc:docMk/>
-            <pc:sldMk cId="1528074873" sldId="257"/>
-            <ac:spMk id="3" creationId="{C604EF24-9696-F68D-65A3-5E01DE11245F}"/>
-          </ac:spMkLst>
-        </pc:spChg>
-        <pc:spChg chg="mod">
-          <ac:chgData name="Jim Pieper" userId="70ec17d751b5d6ef" providerId="LiveId" clId="{C39F6B6F-DF65-45AA-B91E-27C5D666BD64}" dt="2024-07-23T02:06:25.431" v="5" actId="1076"/>
-          <ac:spMkLst>
-            <pc:docMk/>
-            <pc:sldMk cId="1528074873" sldId="257"/>
-            <ac:spMk id="5" creationId="{FD28AF83-D9E7-1048-AE8B-28A0B0876A75}"/>
-          </ac:spMkLst>
-        </pc:spChg>
-        <pc:picChg chg="add mod">
-          <ac:chgData name="Jim Pieper" userId="70ec17d751b5d6ef" providerId="LiveId" clId="{C39F6B6F-DF65-45AA-B91E-27C5D666BD64}" dt="2024-07-23T02:06:31.552" v="7" actId="1076"/>
-          <ac:picMkLst>
-            <pc:docMk/>
-            <pc:sldMk cId="1528074873" sldId="257"/>
-            <ac:picMk id="6" creationId="{9C52897D-B685-6DCC-5113-6DB2721238BF}"/>
-          </ac:picMkLst>
-        </pc:picChg>
-      </pc:sldChg>
-      <pc:sldChg chg="addSp modSp mod">
-        <pc:chgData name="Jim Pieper" userId="70ec17d751b5d6ef" providerId="LiveId" clId="{C39F6B6F-DF65-45AA-B91E-27C5D666BD64}" dt="2024-07-23T02:07:37.816" v="22" actId="1076"/>
-        <pc:sldMkLst>
-          <pc:docMk/>
-          <pc:sldMk cId="2678295895" sldId="259"/>
-        </pc:sldMkLst>
-        <pc:picChg chg="add mod">
-          <ac:chgData name="Jim Pieper" userId="70ec17d751b5d6ef" providerId="LiveId" clId="{C39F6B6F-DF65-45AA-B91E-27C5D666BD64}" dt="2024-07-23T02:07:07.543" v="13" actId="1076"/>
-          <ac:picMkLst>
-            <pc:docMk/>
-            <pc:sldMk cId="2678295895" sldId="259"/>
-            <ac:picMk id="9" creationId="{A7A76F33-0B10-F6D9-CA7D-76126C88BF40}"/>
-          </ac:picMkLst>
-        </pc:picChg>
-        <pc:picChg chg="add mod">
-          <ac:chgData name="Jim Pieper" userId="70ec17d751b5d6ef" providerId="LiveId" clId="{C39F6B6F-DF65-45AA-B91E-27C5D666BD64}" dt="2024-07-23T02:07:37.816" v="22" actId="1076"/>
-          <ac:picMkLst>
-            <pc:docMk/>
-            <pc:sldMk cId="2678295895" sldId="259"/>
-            <ac:picMk id="11" creationId="{CDC7E4A5-3252-7697-A384-35B0D1C04FAC}"/>
-          </ac:picMkLst>
-        </pc:picChg>
-      </pc:sldChg>
-      <pc:sldChg chg="addSp modSp mod">
-        <pc:chgData name="Jim Pieper" userId="70ec17d751b5d6ef" providerId="LiveId" clId="{C39F6B6F-DF65-45AA-B91E-27C5D666BD64}" dt="2024-07-23T02:09:53.863" v="28" actId="1076"/>
-        <pc:sldMkLst>
-          <pc:docMk/>
-          <pc:sldMk cId="3650296232" sldId="260"/>
-        </pc:sldMkLst>
-        <pc:picChg chg="add mod">
-          <ac:chgData name="Jim Pieper" userId="70ec17d751b5d6ef" providerId="LiveId" clId="{C39F6B6F-DF65-45AA-B91E-27C5D666BD64}" dt="2024-07-23T02:09:53.863" v="28" actId="1076"/>
-          <ac:picMkLst>
-            <pc:docMk/>
-            <pc:sldMk cId="3650296232" sldId="260"/>
-            <ac:picMk id="5" creationId="{170D67A4-2436-81AE-9002-6E7534C3383F}"/>
-          </ac:picMkLst>
-        </pc:picChg>
-      </pc:sldChg>
-    </pc:docChg>
-  </pc:docChgLst>
   <pc:docChgLst>
     <pc:chgData name="Julia Lee" userId="717c3f08ebd32c59" providerId="LiveId" clId="{C9DAFF7B-E82D-426E-BEF2-3502DB69F227}"/>
     <pc:docChg chg="undo custSel addSld modSld">
@@ -358,6 +276,84 @@
       </pc:sldChg>
     </pc:docChg>
   </pc:docChgLst>
+  <pc:docChgLst>
+    <pc:chgData name="Jim Pieper" userId="70ec17d751b5d6ef" providerId="LiveId" clId="{C39F6B6F-DF65-45AA-B91E-27C5D666BD64}"/>
+    <pc:docChg chg="modSld">
+      <pc:chgData name="Jim Pieper" userId="70ec17d751b5d6ef" providerId="LiveId" clId="{C39F6B6F-DF65-45AA-B91E-27C5D666BD64}" dt="2024-07-23T02:10:33.465" v="33" actId="20577"/>
+      <pc:docMkLst>
+        <pc:docMk/>
+      </pc:docMkLst>
+      <pc:sldChg chg="addSp modSp mod">
+        <pc:chgData name="Jim Pieper" userId="70ec17d751b5d6ef" providerId="LiveId" clId="{C39F6B6F-DF65-45AA-B91E-27C5D666BD64}" dt="2024-07-23T02:10:33.465" v="33" actId="20577"/>
+        <pc:sldMkLst>
+          <pc:docMk/>
+          <pc:sldMk cId="1528074873" sldId="257"/>
+        </pc:sldMkLst>
+        <pc:spChg chg="mod">
+          <ac:chgData name="Jim Pieper" userId="70ec17d751b5d6ef" providerId="LiveId" clId="{C39F6B6F-DF65-45AA-B91E-27C5D666BD64}" dt="2024-07-23T02:10:33.465" v="33" actId="20577"/>
+          <ac:spMkLst>
+            <pc:docMk/>
+            <pc:sldMk cId="1528074873" sldId="257"/>
+            <ac:spMk id="3" creationId="{C604EF24-9696-F68D-65A3-5E01DE11245F}"/>
+          </ac:spMkLst>
+        </pc:spChg>
+        <pc:spChg chg="mod">
+          <ac:chgData name="Jim Pieper" userId="70ec17d751b5d6ef" providerId="LiveId" clId="{C39F6B6F-DF65-45AA-B91E-27C5D666BD64}" dt="2024-07-23T02:06:25.431" v="5" actId="1076"/>
+          <ac:spMkLst>
+            <pc:docMk/>
+            <pc:sldMk cId="1528074873" sldId="257"/>
+            <ac:spMk id="5" creationId="{FD28AF83-D9E7-1048-AE8B-28A0B0876A75}"/>
+          </ac:spMkLst>
+        </pc:spChg>
+        <pc:picChg chg="add mod">
+          <ac:chgData name="Jim Pieper" userId="70ec17d751b5d6ef" providerId="LiveId" clId="{C39F6B6F-DF65-45AA-B91E-27C5D666BD64}" dt="2024-07-23T02:06:31.552" v="7" actId="1076"/>
+          <ac:picMkLst>
+            <pc:docMk/>
+            <pc:sldMk cId="1528074873" sldId="257"/>
+            <ac:picMk id="6" creationId="{9C52897D-B685-6DCC-5113-6DB2721238BF}"/>
+          </ac:picMkLst>
+        </pc:picChg>
+      </pc:sldChg>
+      <pc:sldChg chg="addSp modSp mod">
+        <pc:chgData name="Jim Pieper" userId="70ec17d751b5d6ef" providerId="LiveId" clId="{C39F6B6F-DF65-45AA-B91E-27C5D666BD64}" dt="2024-07-23T02:07:37.816" v="22" actId="1076"/>
+        <pc:sldMkLst>
+          <pc:docMk/>
+          <pc:sldMk cId="2678295895" sldId="259"/>
+        </pc:sldMkLst>
+        <pc:picChg chg="add mod">
+          <ac:chgData name="Jim Pieper" userId="70ec17d751b5d6ef" providerId="LiveId" clId="{C39F6B6F-DF65-45AA-B91E-27C5D666BD64}" dt="2024-07-23T02:07:07.543" v="13" actId="1076"/>
+          <ac:picMkLst>
+            <pc:docMk/>
+            <pc:sldMk cId="2678295895" sldId="259"/>
+            <ac:picMk id="9" creationId="{A7A76F33-0B10-F6D9-CA7D-76126C88BF40}"/>
+          </ac:picMkLst>
+        </pc:picChg>
+        <pc:picChg chg="add mod">
+          <ac:chgData name="Jim Pieper" userId="70ec17d751b5d6ef" providerId="LiveId" clId="{C39F6B6F-DF65-45AA-B91E-27C5D666BD64}" dt="2024-07-23T02:07:37.816" v="22" actId="1076"/>
+          <ac:picMkLst>
+            <pc:docMk/>
+            <pc:sldMk cId="2678295895" sldId="259"/>
+            <ac:picMk id="11" creationId="{CDC7E4A5-3252-7697-A384-35B0D1C04FAC}"/>
+          </ac:picMkLst>
+        </pc:picChg>
+      </pc:sldChg>
+      <pc:sldChg chg="addSp modSp mod">
+        <pc:chgData name="Jim Pieper" userId="70ec17d751b5d6ef" providerId="LiveId" clId="{C39F6B6F-DF65-45AA-B91E-27C5D666BD64}" dt="2024-07-23T02:09:53.863" v="28" actId="1076"/>
+        <pc:sldMkLst>
+          <pc:docMk/>
+          <pc:sldMk cId="3650296232" sldId="260"/>
+        </pc:sldMkLst>
+        <pc:picChg chg="add mod">
+          <ac:chgData name="Jim Pieper" userId="70ec17d751b5d6ef" providerId="LiveId" clId="{C39F6B6F-DF65-45AA-B91E-27C5D666BD64}" dt="2024-07-23T02:09:53.863" v="28" actId="1076"/>
+          <ac:picMkLst>
+            <pc:docMk/>
+            <pc:sldMk cId="3650296232" sldId="260"/>
+            <ac:picMk id="5" creationId="{170D67A4-2436-81AE-9002-6E7534C3383F}"/>
+          </ac:picMkLst>
+        </pc:picChg>
+      </pc:sldChg>
+    </pc:docChg>
+  </pc:docChgLst>
 </pc:chgInfo>
 </file>
 
@@ -508,7 +504,7 @@
           <a:p>
             <a:fld id="{A19DD7AC-7C8D-480B-B857-397721A82A82}" type="datetimeFigureOut">
               <a:rPr lang="en-US" smtClean="0"/>
-              <a:t>7/23/2024</a:t>
+              <a:t>7/22/2024</a:t>
             </a:fld>
             <a:endParaRPr lang="en-US"/>
           </a:p>
@@ -706,7 +702,7 @@
           <a:p>
             <a:fld id="{A19DD7AC-7C8D-480B-B857-397721A82A82}" type="datetimeFigureOut">
               <a:rPr lang="en-US" smtClean="0"/>
-              <a:t>7/23/2024</a:t>
+              <a:t>7/22/2024</a:t>
             </a:fld>
             <a:endParaRPr lang="en-US"/>
           </a:p>
@@ -914,7 +910,7 @@
           <a:p>
             <a:fld id="{A19DD7AC-7C8D-480B-B857-397721A82A82}" type="datetimeFigureOut">
               <a:rPr lang="en-US" smtClean="0"/>
-              <a:t>7/23/2024</a:t>
+              <a:t>7/22/2024</a:t>
             </a:fld>
             <a:endParaRPr lang="en-US"/>
           </a:p>
@@ -1112,7 +1108,7 @@
           <a:p>
             <a:fld id="{A19DD7AC-7C8D-480B-B857-397721A82A82}" type="datetimeFigureOut">
               <a:rPr lang="en-US" smtClean="0"/>
-              <a:t>7/23/2024</a:t>
+              <a:t>7/22/2024</a:t>
             </a:fld>
             <a:endParaRPr lang="en-US"/>
           </a:p>
@@ -1387,7 +1383,7 @@
           <a:p>
             <a:fld id="{A19DD7AC-7C8D-480B-B857-397721A82A82}" type="datetimeFigureOut">
               <a:rPr lang="en-US" smtClean="0"/>
-              <a:t>7/23/2024</a:t>
+              <a:t>7/22/2024</a:t>
             </a:fld>
             <a:endParaRPr lang="en-US"/>
           </a:p>
@@ -1652,7 +1648,7 @@
           <a:p>
             <a:fld id="{A19DD7AC-7C8D-480B-B857-397721A82A82}" type="datetimeFigureOut">
               <a:rPr lang="en-US" smtClean="0"/>
-              <a:t>7/23/2024</a:t>
+              <a:t>7/22/2024</a:t>
             </a:fld>
             <a:endParaRPr lang="en-US"/>
           </a:p>
@@ -2064,7 +2060,7 @@
           <a:p>
             <a:fld id="{A19DD7AC-7C8D-480B-B857-397721A82A82}" type="datetimeFigureOut">
               <a:rPr lang="en-US" smtClean="0"/>
-              <a:t>7/23/2024</a:t>
+              <a:t>7/22/2024</a:t>
             </a:fld>
             <a:endParaRPr lang="en-US"/>
           </a:p>
@@ -2205,7 +2201,7 @@
           <a:p>
             <a:fld id="{A19DD7AC-7C8D-480B-B857-397721A82A82}" type="datetimeFigureOut">
               <a:rPr lang="en-US" smtClean="0"/>
-              <a:t>7/23/2024</a:t>
+              <a:t>7/22/2024</a:t>
             </a:fld>
             <a:endParaRPr lang="en-US"/>
           </a:p>
@@ -2318,7 +2314,7 @@
           <a:p>
             <a:fld id="{A19DD7AC-7C8D-480B-B857-397721A82A82}" type="datetimeFigureOut">
               <a:rPr lang="en-US" smtClean="0"/>
-              <a:t>7/23/2024</a:t>
+              <a:t>7/22/2024</a:t>
             </a:fld>
             <a:endParaRPr lang="en-US"/>
           </a:p>
@@ -2629,7 +2625,7 @@
           <a:p>
             <a:fld id="{A19DD7AC-7C8D-480B-B857-397721A82A82}" type="datetimeFigureOut">
               <a:rPr lang="en-US" smtClean="0"/>
-              <a:t>7/23/2024</a:t>
+              <a:t>7/22/2024</a:t>
             </a:fld>
             <a:endParaRPr lang="en-US"/>
           </a:p>
@@ -2917,7 +2913,7 @@
           <a:p>
             <a:fld id="{A19DD7AC-7C8D-480B-B857-397721A82A82}" type="datetimeFigureOut">
               <a:rPr lang="en-US" smtClean="0"/>
-              <a:t>7/23/2024</a:t>
+              <a:t>7/22/2024</a:t>
             </a:fld>
             <a:endParaRPr lang="en-US"/>
           </a:p>
@@ -3158,7 +3154,7 @@
           <a:p>
             <a:fld id="{A19DD7AC-7C8D-480B-B857-397721A82A82}" type="datetimeFigureOut">
               <a:rPr lang="en-US" smtClean="0"/>
-              <a:t>7/23/2024</a:t>
+              <a:t>7/22/2024</a:t>
             </a:fld>
             <a:endParaRPr lang="en-US"/>
           </a:p>
@@ -4496,8 +4492,8 @@
         </p:nvSpPr>
         <p:spPr>
           <a:xfrm>
-            <a:off x="296441" y="424873"/>
-            <a:ext cx="11599118" cy="369332"/>
+            <a:off x="461818" y="424873"/>
+            <a:ext cx="5163128" cy="369332"/>
           </a:xfrm>
           <a:prstGeom prst="rect">
             <a:avLst/>
@@ -4510,302 +4506,13 @@
           </a:bodyPr>
           <a:lstStyle/>
           <a:p>
-            <a:pPr algn="ctr"/>
             <a:r>
               <a:rPr lang="en-US" dirty="0"/>
-              <a:t>Tools</a:t>
-            </a:r>
-          </a:p>
-        </p:txBody>
-      </p:sp>
-      <p:sp>
-        <p:nvSpPr>
-          <p:cNvPr id="3" name="TextBox 2">
-            <a:extLst>
-              <a:ext uri="{FF2B5EF4-FFF2-40B4-BE49-F238E27FC236}">
-                <a16:creationId xmlns:a16="http://schemas.microsoft.com/office/drawing/2014/main" id="{120DF477-C2E9-B295-5ECC-41B8021A039E}"/>
-              </a:ext>
-            </a:extLst>
-          </p:cNvPr>
-          <p:cNvSpPr txBox="1"/>
-          <p:nvPr/>
-        </p:nvSpPr>
-        <p:spPr>
-          <a:xfrm>
-            <a:off x="502920" y="1133856"/>
-            <a:ext cx="4123944" cy="369332"/>
-          </a:xfrm>
-          <a:prstGeom prst="rect">
-            <a:avLst/>
-          </a:prstGeom>
-          <a:noFill/>
-          <a:ln w="12700" cap="rnd">
-            <a:solidFill>
-              <a:schemeClr val="accent1"/>
-            </a:solidFill>
-          </a:ln>
-        </p:spPr>
-        <p:txBody>
-          <a:bodyPr wrap="square" rtlCol="0">
-            <a:spAutoFit/>
-          </a:bodyPr>
-          <a:lstStyle/>
-          <a:p>
-            <a:r>
-              <a:rPr lang="en-US" dirty="0"/>
-              <a:t>Project Path </a:t>
-            </a:r>
-          </a:p>
-        </p:txBody>
-      </p:sp>
-      <p:sp>
-        <p:nvSpPr>
-          <p:cNvPr id="4" name="TextBox 3">
-            <a:extLst>
-              <a:ext uri="{FF2B5EF4-FFF2-40B4-BE49-F238E27FC236}">
-                <a16:creationId xmlns:a16="http://schemas.microsoft.com/office/drawing/2014/main" id="{8C35EFD2-02F8-58E8-06A9-1519469FDB3C}"/>
-              </a:ext>
-            </a:extLst>
-          </p:cNvPr>
-          <p:cNvSpPr txBox="1"/>
-          <p:nvPr/>
-        </p:nvSpPr>
-        <p:spPr>
-          <a:xfrm>
-            <a:off x="6215611" y="1136257"/>
-            <a:ext cx="4517044" cy="369332"/>
-          </a:xfrm>
-          <a:prstGeom prst="rect">
-            <a:avLst/>
-          </a:prstGeom>
-          <a:noFill/>
-          <a:ln w="12700" cap="rnd">
-            <a:solidFill>
-              <a:schemeClr val="accent1"/>
-            </a:solidFill>
-          </a:ln>
-        </p:spPr>
-        <p:txBody>
-          <a:bodyPr wrap="square" rtlCol="0">
-            <a:spAutoFit/>
-          </a:bodyPr>
-          <a:lstStyle>
-            <a:defPPr>
-              <a:defRPr lang="en-US"/>
-            </a:defPPr>
-            <a:lvl1pPr>
-              <a:defRPr/>
-            </a:lvl1pPr>
-          </a:lstStyle>
-          <a:p>
-            <a:r>
-              <a:rPr lang="en-US" dirty="0"/>
-              <a:t>Data Visualization Track</a:t>
-            </a:r>
-          </a:p>
-        </p:txBody>
-      </p:sp>
-      <p:cxnSp>
-        <p:nvCxnSpPr>
-          <p:cNvPr id="6" name="Straight Arrow Connector 5">
-            <a:extLst>
-              <a:ext uri="{FF2B5EF4-FFF2-40B4-BE49-F238E27FC236}">
-                <a16:creationId xmlns:a16="http://schemas.microsoft.com/office/drawing/2014/main" id="{D93F80F7-C782-2423-07BA-B394C2B6452A}"/>
-              </a:ext>
-            </a:extLst>
-          </p:cNvPr>
-          <p:cNvCxnSpPr>
-            <a:cxnSpLocks/>
-          </p:cNvCxnSpPr>
-          <p:nvPr/>
-        </p:nvCxnSpPr>
-        <p:spPr>
-          <a:xfrm>
-            <a:off x="5181600" y="1318522"/>
-            <a:ext cx="775855" cy="0"/>
-          </a:xfrm>
-          <a:prstGeom prst="straightConnector1">
-            <a:avLst/>
-          </a:prstGeom>
-          <a:ln w="57150">
-            <a:tailEnd type="triangle"/>
-          </a:ln>
-        </p:spPr>
-        <p:style>
-          <a:lnRef idx="2">
-            <a:schemeClr val="accent1"/>
-          </a:lnRef>
-          <a:fillRef idx="0">
-            <a:schemeClr val="accent1"/>
-          </a:fillRef>
-          <a:effectRef idx="1">
-            <a:schemeClr val="accent1"/>
-          </a:effectRef>
-          <a:fontRef idx="minor">
-            <a:schemeClr val="tx1"/>
-          </a:fontRef>
-        </p:style>
-      </p:cxnSp>
-      <p:sp>
-        <p:nvSpPr>
-          <p:cNvPr id="8" name="TextBox 7">
-            <a:extLst>
-              <a:ext uri="{FF2B5EF4-FFF2-40B4-BE49-F238E27FC236}">
-                <a16:creationId xmlns:a16="http://schemas.microsoft.com/office/drawing/2014/main" id="{5D896ABA-F770-F96B-AE8E-E3618E6AD5E8}"/>
-              </a:ext>
-            </a:extLst>
-          </p:cNvPr>
-          <p:cNvSpPr txBox="1"/>
-          <p:nvPr/>
-        </p:nvSpPr>
-        <p:spPr>
-          <a:xfrm>
-            <a:off x="502920" y="2692645"/>
-            <a:ext cx="4123944" cy="369332"/>
-          </a:xfrm>
-          <a:prstGeom prst="rect">
-            <a:avLst/>
-          </a:prstGeom>
-          <a:noFill/>
-          <a:ln w="12700" cap="rnd">
-            <a:solidFill>
-              <a:schemeClr val="accent1"/>
-            </a:solidFill>
-          </a:ln>
-        </p:spPr>
-        <p:txBody>
-          <a:bodyPr wrap="square" rtlCol="0">
-            <a:spAutoFit/>
-          </a:bodyPr>
-          <a:lstStyle/>
-          <a:p>
-            <a:r>
-              <a:rPr lang="en-US" dirty="0"/>
-              <a:t>Tools </a:t>
-            </a:r>
-          </a:p>
-        </p:txBody>
-      </p:sp>
-      <p:sp>
-        <p:nvSpPr>
-          <p:cNvPr id="9" name="TextBox 8">
-            <a:extLst>
-              <a:ext uri="{FF2B5EF4-FFF2-40B4-BE49-F238E27FC236}">
-                <a16:creationId xmlns:a16="http://schemas.microsoft.com/office/drawing/2014/main" id="{6657CB0B-F0F9-1BAB-EE34-499D641C8B4D}"/>
-              </a:ext>
-            </a:extLst>
-          </p:cNvPr>
-          <p:cNvSpPr txBox="1"/>
-          <p:nvPr/>
-        </p:nvSpPr>
-        <p:spPr>
-          <a:xfrm>
-            <a:off x="6215610" y="2593446"/>
-            <a:ext cx="4517045" cy="1477328"/>
-          </a:xfrm>
-          <a:prstGeom prst="rect">
-            <a:avLst/>
-          </a:prstGeom>
-          <a:noFill/>
-          <a:ln w="12700" cap="rnd">
-            <a:solidFill>
-              <a:schemeClr val="accent1"/>
-            </a:solidFill>
-          </a:ln>
-        </p:spPr>
-        <p:txBody>
-          <a:bodyPr wrap="square" rtlCol="0">
-            <a:spAutoFit/>
-          </a:bodyPr>
-          <a:lstStyle>
-            <a:defPPr>
-              <a:defRPr lang="en-US"/>
-            </a:defPPr>
-            <a:lvl1pPr>
-              <a:defRPr/>
-            </a:lvl1pPr>
-          </a:lstStyle>
-          <a:p>
-            <a:r>
-              <a:rPr lang="en-US" dirty="0"/>
-              <a:t>Code Development  : Microsoft VS Code</a:t>
-            </a:r>
-          </a:p>
-          <a:p>
-            <a:r>
-              <a:rPr lang="en-US" dirty="0"/>
-              <a:t>Data Cleaning             : </a:t>
-            </a:r>
-            <a:r>
-              <a:rPr lang="en-US" dirty="0" err="1"/>
-              <a:t>Jupyter</a:t>
-            </a:r>
-            <a:r>
-              <a:rPr lang="en-US" dirty="0"/>
-              <a:t> Notebook</a:t>
-            </a:r>
-          </a:p>
-          <a:p>
-            <a:r>
-              <a:rPr lang="en-US" dirty="0"/>
-              <a:t>Data Storage                : MongoDB, Excel , CSV  </a:t>
-            </a:r>
-          </a:p>
-          <a:p>
-            <a:r>
-              <a:rPr lang="en-US" dirty="0"/>
-              <a:t>Documentation           : Microsoft Word</a:t>
-            </a:r>
-          </a:p>
-          <a:p>
-            <a:r>
-              <a:rPr lang="en-US" dirty="0"/>
-              <a:t>Project Collaboration : Git and GitHub</a:t>
-            </a:r>
-          </a:p>
-        </p:txBody>
-      </p:sp>
-      <p:cxnSp>
-        <p:nvCxnSpPr>
-          <p:cNvPr id="10" name="Straight Arrow Connector 9">
-            <a:extLst>
-              <a:ext uri="{FF2B5EF4-FFF2-40B4-BE49-F238E27FC236}">
-                <a16:creationId xmlns:a16="http://schemas.microsoft.com/office/drawing/2014/main" id="{FC1C362B-89CC-EF49-C79B-629A378EBBB6}"/>
-              </a:ext>
-            </a:extLst>
-          </p:cNvPr>
-          <p:cNvCxnSpPr>
-            <a:cxnSpLocks/>
-          </p:cNvCxnSpPr>
-          <p:nvPr/>
-        </p:nvCxnSpPr>
-        <p:spPr>
-          <a:xfrm>
-            <a:off x="5172363" y="2893705"/>
-            <a:ext cx="775855" cy="0"/>
-          </a:xfrm>
-          <a:prstGeom prst="straightConnector1">
-            <a:avLst/>
-          </a:prstGeom>
-          <a:ln w="57150">
-            <a:tailEnd type="triangle"/>
-          </a:ln>
-        </p:spPr>
-        <p:style>
-          <a:lnRef idx="2">
-            <a:schemeClr val="accent1"/>
-          </a:lnRef>
-          <a:fillRef idx="0">
-            <a:schemeClr val="accent1"/>
-          </a:fillRef>
-          <a:effectRef idx="1">
-            <a:schemeClr val="accent1"/>
-          </a:effectRef>
-          <a:fontRef idx="minor">
-            <a:schemeClr val="tx1"/>
-          </a:fontRef>
-        </p:style>
-      </p:cxnSp>
+              <a:t>Challenges  we face and techniques we used</a:t>
+            </a:r>
+          </a:p>
+        </p:txBody>
+      </p:sp>
     </p:spTree>
     <p:extLst>
       <p:ext uri="{BB962C8B-B14F-4D97-AF65-F5344CB8AC3E}">
@@ -4838,193 +4545,98 @@
       </p:grpSpPr>
       <p:sp>
         <p:nvSpPr>
-          <p:cNvPr id="2" name="TextBox 1">
-            <a:extLst>
-              <a:ext uri="{FF2B5EF4-FFF2-40B4-BE49-F238E27FC236}">
-                <a16:creationId xmlns:a16="http://schemas.microsoft.com/office/drawing/2014/main" id="{A0C598AD-C50B-FD11-8A37-9EBC8E8CAE59}"/>
-              </a:ext>
-            </a:extLst>
-          </p:cNvPr>
-          <p:cNvSpPr txBox="1"/>
-          <p:nvPr/>
-        </p:nvSpPr>
-        <p:spPr>
-          <a:xfrm>
-            <a:off x="296441" y="424873"/>
-            <a:ext cx="11599118" cy="369332"/>
-          </a:xfrm>
-          <a:prstGeom prst="rect">
-            <a:avLst/>
-          </a:prstGeom>
-          <a:noFill/>
-        </p:spPr>
-        <p:txBody>
-          <a:bodyPr wrap="square" rtlCol="0">
-            <a:spAutoFit/>
+          <p:cNvPr id="2" name="Title 1">
+            <a:extLst>
+              <a:ext uri="{FF2B5EF4-FFF2-40B4-BE49-F238E27FC236}">
+                <a16:creationId xmlns:a16="http://schemas.microsoft.com/office/drawing/2014/main" id="{792CF614-8A26-89E2-AE07-1602A5BBCEFA}"/>
+              </a:ext>
+            </a:extLst>
+          </p:cNvPr>
+          <p:cNvSpPr>
+            <a:spLocks noGrp="1"/>
+          </p:cNvSpPr>
+          <p:nvPr>
+            <p:ph type="title"/>
+          </p:nvPr>
+        </p:nvSpPr>
+        <p:spPr/>
+        <p:txBody>
+          <a:bodyPr/>
+          <a:lstStyle/>
+          <a:p>
+            <a:r>
+              <a:rPr lang="en-US" dirty="0"/>
+              <a:t>Conclusion</a:t>
+            </a:r>
+          </a:p>
+        </p:txBody>
+      </p:sp>
+      <p:sp>
+        <p:nvSpPr>
+          <p:cNvPr id="3" name="Content Placeholder 2">
+            <a:extLst>
+              <a:ext uri="{FF2B5EF4-FFF2-40B4-BE49-F238E27FC236}">
+                <a16:creationId xmlns:a16="http://schemas.microsoft.com/office/drawing/2014/main" id="{45C7E082-7169-14B0-95F1-3B5E75C605D4}"/>
+              </a:ext>
+            </a:extLst>
+          </p:cNvPr>
+          <p:cNvSpPr>
+            <a:spLocks noGrp="1"/>
+          </p:cNvSpPr>
+          <p:nvPr>
+            <p:ph idx="1"/>
+          </p:nvPr>
+        </p:nvSpPr>
+        <p:spPr/>
+        <p:txBody>
+          <a:bodyPr>
+            <a:normAutofit/>
           </a:bodyPr>
           <a:lstStyle/>
           <a:p>
-            <a:pPr algn="ctr"/>
-            <a:r>
-              <a:rPr lang="en-US" dirty="0"/>
-              <a:t>Challenges </a:t>
-            </a:r>
-          </a:p>
-        </p:txBody>
-      </p:sp>
-      <p:sp>
-        <p:nvSpPr>
-          <p:cNvPr id="11" name="TextBox 10">
-            <a:extLst>
-              <a:ext uri="{FF2B5EF4-FFF2-40B4-BE49-F238E27FC236}">
-                <a16:creationId xmlns:a16="http://schemas.microsoft.com/office/drawing/2014/main" id="{ED95BD74-ED7D-123A-73FF-3E4902F6FAF2}"/>
-              </a:ext>
-            </a:extLst>
-          </p:cNvPr>
-          <p:cNvSpPr txBox="1"/>
-          <p:nvPr/>
-        </p:nvSpPr>
-        <p:spPr>
-          <a:xfrm>
-            <a:off x="632229" y="940861"/>
-            <a:ext cx="3135099" cy="369332"/>
-          </a:xfrm>
-          <a:prstGeom prst="rect">
-            <a:avLst/>
-          </a:prstGeom>
-          <a:noFill/>
-          <a:ln w="12700" cap="rnd">
-            <a:solidFill>
-              <a:schemeClr val="accent1"/>
-            </a:solidFill>
-          </a:ln>
-        </p:spPr>
-        <p:txBody>
-          <a:bodyPr wrap="square" rtlCol="0">
-            <a:spAutoFit/>
-          </a:bodyPr>
-          <a:lstStyle/>
-          <a:p>
-            <a:r>
-              <a:rPr lang="en-US" dirty="0"/>
-              <a:t>Finding a Data source </a:t>
-            </a:r>
-          </a:p>
-        </p:txBody>
-      </p:sp>
-      <p:sp>
-        <p:nvSpPr>
-          <p:cNvPr id="12" name="TextBox 11">
-            <a:extLst>
-              <a:ext uri="{FF2B5EF4-FFF2-40B4-BE49-F238E27FC236}">
-                <a16:creationId xmlns:a16="http://schemas.microsoft.com/office/drawing/2014/main" id="{9F35E88E-BAA8-BBA1-A048-3031F1397AA7}"/>
-              </a:ext>
-            </a:extLst>
-          </p:cNvPr>
-          <p:cNvSpPr txBox="1"/>
-          <p:nvPr/>
-        </p:nvSpPr>
-        <p:spPr>
-          <a:xfrm>
-            <a:off x="4974336" y="922987"/>
-            <a:ext cx="6510528" cy="1107996"/>
-          </a:xfrm>
-          <a:prstGeom prst="rect">
-            <a:avLst/>
-          </a:prstGeom>
-          <a:noFill/>
-          <a:ln w="12700" cap="rnd">
-            <a:solidFill>
-              <a:schemeClr val="accent1"/>
-            </a:solidFill>
-          </a:ln>
-        </p:spPr>
-        <p:txBody>
-          <a:bodyPr wrap="square" rtlCol="0">
-            <a:spAutoFit/>
-          </a:bodyPr>
-          <a:lstStyle>
-            <a:defPPr>
-              <a:defRPr lang="en-US"/>
-            </a:defPPr>
-            <a:lvl1pPr>
-              <a:defRPr/>
-            </a:lvl1pPr>
-          </a:lstStyle>
-          <a:p>
-            <a:r>
-              <a:rPr lang="en-US" dirty="0"/>
-              <a:t>Web scraping :  </a:t>
-            </a:r>
-            <a:r>
-              <a:rPr lang="en-US" sz="1200" dirty="0"/>
-              <a:t>https://www.baseball-almanac.com/players/birthplace.php </a:t>
-            </a:r>
-          </a:p>
-          <a:p>
-            <a:endParaRPr lang="en-US" sz="1200" dirty="0"/>
-          </a:p>
-          <a:p>
-            <a:endParaRPr lang="en-US" sz="1200" dirty="0"/>
-          </a:p>
-          <a:p>
-            <a:endParaRPr lang="en-US" sz="1200" dirty="0"/>
-          </a:p>
-          <a:p>
-            <a:r>
-              <a:rPr lang="en-US" sz="1200" dirty="0"/>
-              <a:t> </a:t>
-            </a:r>
-          </a:p>
-        </p:txBody>
-      </p:sp>
-      <p:cxnSp>
-        <p:nvCxnSpPr>
-          <p:cNvPr id="13" name="Straight Arrow Connector 12">
-            <a:extLst>
-              <a:ext uri="{FF2B5EF4-FFF2-40B4-BE49-F238E27FC236}">
-                <a16:creationId xmlns:a16="http://schemas.microsoft.com/office/drawing/2014/main" id="{42B99BCF-9641-63AA-676B-B9151DB5FBF6}"/>
-              </a:ext>
-            </a:extLst>
-          </p:cNvPr>
-          <p:cNvCxnSpPr>
-            <a:cxnSpLocks/>
-          </p:cNvCxnSpPr>
-          <p:nvPr/>
-        </p:nvCxnSpPr>
-        <p:spPr>
-          <a:xfrm>
-            <a:off x="4039800" y="1141921"/>
-            <a:ext cx="775855" cy="0"/>
-          </a:xfrm>
-          <a:prstGeom prst="straightConnector1">
-            <a:avLst/>
-          </a:prstGeom>
-          <a:ln w="57150">
-            <a:tailEnd type="triangle"/>
-          </a:ln>
-        </p:spPr>
-        <p:style>
-          <a:lnRef idx="2">
-            <a:schemeClr val="accent1"/>
-          </a:lnRef>
-          <a:fillRef idx="0">
-            <a:schemeClr val="accent1"/>
-          </a:fillRef>
-          <a:effectRef idx="1">
-            <a:schemeClr val="accent1"/>
-          </a:effectRef>
-          <a:fontRef idx="minor">
-            <a:schemeClr val="tx1"/>
-          </a:fontRef>
-        </p:style>
-      </p:cxnSp>
+            <a:pPr marL="0" indent="0">
+              <a:buNone/>
+            </a:pPr>
+            <a:r>
+              <a:rPr lang="en-US" sz="1800" dirty="0"/>
+              <a:t>Summarize the visuals</a:t>
+            </a:r>
+          </a:p>
+          <a:p>
+            <a:r>
+              <a:rPr lang="en-US" sz="1800" dirty="0"/>
+              <a:t>World Density– not many players internationally join the American MLB.</a:t>
+            </a:r>
+          </a:p>
+          <a:p>
+            <a:r>
+              <a:rPr lang="en-US" sz="1800" dirty="0"/>
+              <a:t>States Density – Base on the visual we can tell that California has produce the most MLB players. </a:t>
+            </a:r>
+          </a:p>
+          <a:p>
+            <a:r>
+              <a:rPr lang="en-US" sz="1800" dirty="0"/>
+              <a:t>MLB players birth years – Most players born from 1960’s into late 1980’s contributed to the MLB.</a:t>
+            </a:r>
+          </a:p>
+          <a:p>
+            <a:endParaRPr lang="en-US" sz="1800" dirty="0"/>
+          </a:p>
+          <a:p>
+            <a:endParaRPr lang="en-US" sz="1800"/>
+          </a:p>
+          <a:p>
+            <a:endParaRPr lang="en-US" sz="1800" dirty="0"/>
+          </a:p>
+        </p:txBody>
+      </p:sp>
       <p:pic>
         <p:nvPicPr>
-          <p:cNvPr id="5" name="Picture 4">
-            <a:extLst>
-              <a:ext uri="{FF2B5EF4-FFF2-40B4-BE49-F238E27FC236}">
-                <a16:creationId xmlns:a16="http://schemas.microsoft.com/office/drawing/2014/main" id="{08B1A52B-C857-2D60-D1EC-967FE5C64252}"/>
+          <p:cNvPr id="5" name="Picture 4" descr="A baseball bat and glove on a dirt field&#10;&#10;Description automatically generated">
+            <a:extLst>
+              <a:ext uri="{FF2B5EF4-FFF2-40B4-BE49-F238E27FC236}">
+                <a16:creationId xmlns:a16="http://schemas.microsoft.com/office/drawing/2014/main" id="{170D67A4-2436-81AE-9002-6E7534C3383F}"/>
               </a:ext>
             </a:extLst>
           </p:cNvPr>
@@ -5034,616 +4646,21 @@
           <p:nvPr/>
         </p:nvPicPr>
         <p:blipFill>
-          <a:blip r:embed="rId2"/>
+          <a:blip r:embed="rId2">
+            <a:extLst>
+              <a:ext uri="{28A0092B-C50C-407E-A947-70E740481C1C}">
+                <a14:useLocalDpi xmlns:a14="http://schemas.microsoft.com/office/drawing/2010/main" val="0"/>
+              </a:ext>
+            </a:extLst>
+          </a:blip>
           <a:stretch>
             <a:fillRect/>
           </a:stretch>
         </p:blipFill>
         <p:spPr>
           <a:xfrm>
-            <a:off x="4974336" y="2159765"/>
-            <a:ext cx="6510528" cy="3399787"/>
-          </a:xfrm>
-          <a:prstGeom prst="rect">
-            <a:avLst/>
-          </a:prstGeom>
-        </p:spPr>
-      </p:pic>
-      <p:pic>
-        <p:nvPicPr>
-          <p:cNvPr id="7" name="Picture 6">
-            <a:extLst>
-              <a:ext uri="{FF2B5EF4-FFF2-40B4-BE49-F238E27FC236}">
-                <a16:creationId xmlns:a16="http://schemas.microsoft.com/office/drawing/2014/main" id="{B0F3C398-8F99-B7C6-01EC-48FF35B2211A}"/>
-              </a:ext>
-            </a:extLst>
-          </p:cNvPr>
-          <p:cNvPicPr>
-            <a:picLocks noChangeAspect="1"/>
-          </p:cNvPicPr>
-          <p:nvPr/>
-        </p:nvPicPr>
-        <p:blipFill>
-          <a:blip r:embed="rId3"/>
-          <a:stretch>
-            <a:fillRect/>
-          </a:stretch>
-        </p:blipFill>
-        <p:spPr>
-          <a:xfrm>
-            <a:off x="411479" y="2159764"/>
-            <a:ext cx="4168767" cy="3399786"/>
-          </a:xfrm>
-          <a:prstGeom prst="rect">
-            <a:avLst/>
-          </a:prstGeom>
-        </p:spPr>
-      </p:pic>
-      <p:sp>
-        <p:nvSpPr>
-          <p:cNvPr id="8" name="TextBox 7">
-            <a:extLst>
-              <a:ext uri="{FF2B5EF4-FFF2-40B4-BE49-F238E27FC236}">
-                <a16:creationId xmlns:a16="http://schemas.microsoft.com/office/drawing/2014/main" id="{A302C97E-8D62-7990-662E-39EEE1DBDFE8}"/>
-              </a:ext>
-            </a:extLst>
-          </p:cNvPr>
-          <p:cNvSpPr txBox="1"/>
-          <p:nvPr/>
-        </p:nvSpPr>
-        <p:spPr>
-          <a:xfrm>
-            <a:off x="748053" y="6348083"/>
-            <a:ext cx="3135099" cy="369332"/>
-          </a:xfrm>
-          <a:prstGeom prst="rect">
-            <a:avLst/>
-          </a:prstGeom>
-          <a:noFill/>
-          <a:ln w="12700" cap="rnd">
-            <a:solidFill>
-              <a:schemeClr val="accent1"/>
-            </a:solidFill>
-          </a:ln>
-        </p:spPr>
-        <p:txBody>
-          <a:bodyPr wrap="square" rtlCol="0">
-            <a:spAutoFit/>
-          </a:bodyPr>
-          <a:lstStyle/>
-          <a:p>
-            <a:r>
-              <a:rPr lang="en-US" dirty="0"/>
-              <a:t>Solution </a:t>
-            </a:r>
-          </a:p>
-        </p:txBody>
-      </p:sp>
-      <p:cxnSp>
-        <p:nvCxnSpPr>
-          <p:cNvPr id="9" name="Straight Arrow Connector 8">
-            <a:extLst>
-              <a:ext uri="{FF2B5EF4-FFF2-40B4-BE49-F238E27FC236}">
-                <a16:creationId xmlns:a16="http://schemas.microsoft.com/office/drawing/2014/main" id="{67C32159-C201-07C0-B992-D3868EB905F9}"/>
-              </a:ext>
-            </a:extLst>
-          </p:cNvPr>
-          <p:cNvCxnSpPr>
-            <a:cxnSpLocks/>
-          </p:cNvCxnSpPr>
-          <p:nvPr/>
-        </p:nvCxnSpPr>
-        <p:spPr>
-          <a:xfrm>
-            <a:off x="4057190" y="6506401"/>
-            <a:ext cx="775855" cy="0"/>
-          </a:xfrm>
-          <a:prstGeom prst="straightConnector1">
-            <a:avLst/>
-          </a:prstGeom>
-          <a:ln w="57150">
-            <a:tailEnd type="triangle"/>
-          </a:ln>
-        </p:spPr>
-        <p:style>
-          <a:lnRef idx="2">
-            <a:schemeClr val="accent1"/>
-          </a:lnRef>
-          <a:fillRef idx="0">
-            <a:schemeClr val="accent1"/>
-          </a:fillRef>
-          <a:effectRef idx="1">
-            <a:schemeClr val="accent1"/>
-          </a:effectRef>
-          <a:fontRef idx="minor">
-            <a:schemeClr val="tx1"/>
-          </a:fontRef>
-        </p:style>
-      </p:cxnSp>
-      <p:sp>
-        <p:nvSpPr>
-          <p:cNvPr id="10" name="TextBox 9">
-            <a:extLst>
-              <a:ext uri="{FF2B5EF4-FFF2-40B4-BE49-F238E27FC236}">
-                <a16:creationId xmlns:a16="http://schemas.microsoft.com/office/drawing/2014/main" id="{77441A59-FDEA-C7F8-B1D9-AD96E1D87DAC}"/>
-              </a:ext>
-            </a:extLst>
-          </p:cNvPr>
-          <p:cNvSpPr txBox="1"/>
-          <p:nvPr/>
-        </p:nvSpPr>
-        <p:spPr>
-          <a:xfrm>
-            <a:off x="765443" y="11712563"/>
-            <a:ext cx="3135099" cy="369332"/>
-          </a:xfrm>
-          <a:prstGeom prst="rect">
-            <a:avLst/>
-          </a:prstGeom>
-          <a:noFill/>
-          <a:ln w="12700" cap="rnd">
-            <a:solidFill>
-              <a:schemeClr val="accent1"/>
-            </a:solidFill>
-          </a:ln>
-        </p:spPr>
-        <p:txBody>
-          <a:bodyPr wrap="square" rtlCol="0">
-            <a:spAutoFit/>
-          </a:bodyPr>
-          <a:lstStyle/>
-          <a:p>
-            <a:r>
-              <a:rPr lang="en-US" dirty="0"/>
-              <a:t>Solution </a:t>
-            </a:r>
-          </a:p>
-        </p:txBody>
-      </p:sp>
-      <p:sp>
-        <p:nvSpPr>
-          <p:cNvPr id="14" name="TextBox 13">
-            <a:extLst>
-              <a:ext uri="{FF2B5EF4-FFF2-40B4-BE49-F238E27FC236}">
-                <a16:creationId xmlns:a16="http://schemas.microsoft.com/office/drawing/2014/main" id="{3798C23D-9DCA-7A54-5795-8C5D0686A6DE}"/>
-              </a:ext>
-            </a:extLst>
-          </p:cNvPr>
-          <p:cNvSpPr txBox="1"/>
-          <p:nvPr/>
-        </p:nvSpPr>
-        <p:spPr>
-          <a:xfrm>
-            <a:off x="5007083" y="6316524"/>
-            <a:ext cx="6753394" cy="276999"/>
-          </a:xfrm>
-          <a:prstGeom prst="rect">
-            <a:avLst/>
-          </a:prstGeom>
-          <a:noFill/>
-          <a:ln w="12700" cap="rnd">
-            <a:solidFill>
-              <a:schemeClr val="accent1"/>
-            </a:solidFill>
-          </a:ln>
-        </p:spPr>
-        <p:txBody>
-          <a:bodyPr wrap="square" rtlCol="0">
-            <a:spAutoFit/>
-          </a:bodyPr>
-          <a:lstStyle/>
-          <a:p>
-            <a:r>
-              <a:rPr lang="en-US" sz="1200" dirty="0"/>
-              <a:t> </a:t>
-            </a:r>
-            <a:r>
-              <a:rPr lang="en-US" sz="1200" dirty="0">
-                <a:hlinkClick r:id="rId4">
-                  <a:extLst>
-                    <a:ext uri="{A12FA001-AC4F-418D-AE19-62706E023703}">
-                      <ahyp:hlinkClr xmlns:ahyp="http://schemas.microsoft.com/office/drawing/2018/hyperlinkcolor" val="tx"/>
-                    </a:ext>
-                  </a:extLst>
-                </a:hlinkClick>
-              </a:rPr>
-              <a:t>https://www.kaggle.com/datasets/open-source-sports/baseball-databank</a:t>
-            </a:r>
-            <a:endParaRPr lang="en-US" sz="1200" dirty="0"/>
-          </a:p>
-        </p:txBody>
-      </p:sp>
-      <p:sp>
-        <p:nvSpPr>
-          <p:cNvPr id="15" name="TextBox 14">
-            <a:extLst>
-              <a:ext uri="{FF2B5EF4-FFF2-40B4-BE49-F238E27FC236}">
-                <a16:creationId xmlns:a16="http://schemas.microsoft.com/office/drawing/2014/main" id="{D3693E0E-463E-D1B6-A2FC-EAFCCA002D46}"/>
-              </a:ext>
-            </a:extLst>
-          </p:cNvPr>
-          <p:cNvSpPr txBox="1"/>
-          <p:nvPr/>
-        </p:nvSpPr>
-        <p:spPr>
-          <a:xfrm>
-            <a:off x="765443" y="5789352"/>
-            <a:ext cx="3135099" cy="369332"/>
-          </a:xfrm>
-          <a:prstGeom prst="rect">
-            <a:avLst/>
-          </a:prstGeom>
-          <a:noFill/>
-          <a:ln w="12700" cap="rnd">
-            <a:solidFill>
-              <a:schemeClr val="accent1"/>
-            </a:solidFill>
-          </a:ln>
-        </p:spPr>
-        <p:txBody>
-          <a:bodyPr wrap="square" rtlCol="0">
-            <a:spAutoFit/>
-          </a:bodyPr>
-          <a:lstStyle/>
-          <a:p>
-            <a:r>
-              <a:rPr lang="en-US" dirty="0"/>
-              <a:t>Problem Faced	 </a:t>
-            </a:r>
-          </a:p>
-        </p:txBody>
-      </p:sp>
-      <p:cxnSp>
-        <p:nvCxnSpPr>
-          <p:cNvPr id="16" name="Straight Arrow Connector 15">
-            <a:extLst>
-              <a:ext uri="{FF2B5EF4-FFF2-40B4-BE49-F238E27FC236}">
-                <a16:creationId xmlns:a16="http://schemas.microsoft.com/office/drawing/2014/main" id="{8A9EAAAE-6292-A7D3-030D-E2191B73C178}"/>
-              </a:ext>
-            </a:extLst>
-          </p:cNvPr>
-          <p:cNvCxnSpPr>
-            <a:cxnSpLocks/>
-          </p:cNvCxnSpPr>
-          <p:nvPr/>
-        </p:nvCxnSpPr>
-        <p:spPr>
-          <a:xfrm>
-            <a:off x="4074580" y="5947670"/>
-            <a:ext cx="775855" cy="0"/>
-          </a:xfrm>
-          <a:prstGeom prst="straightConnector1">
-            <a:avLst/>
-          </a:prstGeom>
-          <a:ln w="57150">
-            <a:tailEnd type="triangle"/>
-          </a:ln>
-        </p:spPr>
-        <p:style>
-          <a:lnRef idx="2">
-            <a:schemeClr val="accent1"/>
-          </a:lnRef>
-          <a:fillRef idx="0">
-            <a:schemeClr val="accent1"/>
-          </a:fillRef>
-          <a:effectRef idx="1">
-            <a:schemeClr val="accent1"/>
-          </a:effectRef>
-          <a:fontRef idx="minor">
-            <a:schemeClr val="tx1"/>
-          </a:fontRef>
-        </p:style>
-      </p:cxnSp>
-      <p:sp>
-        <p:nvSpPr>
-          <p:cNvPr id="17" name="TextBox 16">
-            <a:extLst>
-              <a:ext uri="{FF2B5EF4-FFF2-40B4-BE49-F238E27FC236}">
-                <a16:creationId xmlns:a16="http://schemas.microsoft.com/office/drawing/2014/main" id="{AD279E19-0473-AE74-3A39-424449676C34}"/>
-              </a:ext>
-            </a:extLst>
-          </p:cNvPr>
-          <p:cNvSpPr txBox="1"/>
-          <p:nvPr/>
-        </p:nvSpPr>
-        <p:spPr>
-          <a:xfrm>
-            <a:off x="5024473" y="5757793"/>
-            <a:ext cx="6753394" cy="276999"/>
-          </a:xfrm>
-          <a:prstGeom prst="rect">
-            <a:avLst/>
-          </a:prstGeom>
-          <a:noFill/>
-          <a:ln w="12700" cap="rnd">
-            <a:solidFill>
-              <a:schemeClr val="accent1"/>
-            </a:solidFill>
-          </a:ln>
-        </p:spPr>
-        <p:txBody>
-          <a:bodyPr wrap="square" rtlCol="0">
-            <a:spAutoFit/>
-          </a:bodyPr>
-          <a:lstStyle/>
-          <a:p>
-            <a:r>
-              <a:rPr lang="en-US" sz="1200" dirty="0"/>
-              <a:t>Web scraping is a time consume process and not suitable for  scraping a large data set. </a:t>
-            </a:r>
-          </a:p>
-        </p:txBody>
-      </p:sp>
-    </p:spTree>
-    <p:extLst>
-      <p:ext uri="{BB962C8B-B14F-4D97-AF65-F5344CB8AC3E}">
-        <p14:creationId xmlns:p14="http://schemas.microsoft.com/office/powerpoint/2010/main" val="3284061155"/>
-      </p:ext>
-    </p:extLst>
-  </p:cSld>
-  <p:clrMapOvr>
-    <a:masterClrMapping/>
-  </p:clrMapOvr>
-</p:sld>
-</file>
-
-<file path=ppt/slides/slide6.xml><?xml version="1.0" encoding="utf-8"?>
-<p:sld xmlns:a="http://schemas.openxmlformats.org/drawingml/2006/main" xmlns:r="http://schemas.openxmlformats.org/officeDocument/2006/relationships" xmlns:p="http://schemas.openxmlformats.org/presentationml/2006/main">
-  <p:cSld>
-    <p:spTree>
-      <p:nvGrpSpPr>
-        <p:cNvPr id="1" name=""/>
-        <p:cNvGrpSpPr/>
-        <p:nvPr/>
-      </p:nvGrpSpPr>
-      <p:grpSpPr>
-        <a:xfrm>
-          <a:off x="0" y="0"/>
-          <a:ext cx="0" cy="0"/>
-          <a:chOff x="0" y="0"/>
-          <a:chExt cx="0" cy="0"/>
-        </a:xfrm>
-      </p:grpSpPr>
-      <p:sp>
-        <p:nvSpPr>
-          <p:cNvPr id="2" name="TextBox 1">
-            <a:extLst>
-              <a:ext uri="{FF2B5EF4-FFF2-40B4-BE49-F238E27FC236}">
-                <a16:creationId xmlns:a16="http://schemas.microsoft.com/office/drawing/2014/main" id="{9C29D741-7B5A-EB24-563C-8D8256EF7BAB}"/>
-              </a:ext>
-            </a:extLst>
-          </p:cNvPr>
-          <p:cNvSpPr txBox="1"/>
-          <p:nvPr/>
-        </p:nvSpPr>
-        <p:spPr>
-          <a:xfrm>
-            <a:off x="296441" y="424873"/>
-            <a:ext cx="11599118" cy="369332"/>
-          </a:xfrm>
-          <a:prstGeom prst="rect">
-            <a:avLst/>
-          </a:prstGeom>
-          <a:noFill/>
-        </p:spPr>
-        <p:txBody>
-          <a:bodyPr wrap="square" rtlCol="0">
-            <a:spAutoFit/>
-          </a:bodyPr>
-          <a:lstStyle/>
-          <a:p>
-            <a:pPr algn="ctr"/>
-            <a:r>
-              <a:rPr lang="en-US" dirty="0"/>
-              <a:t>Data Cleaning Process</a:t>
-            </a:r>
-          </a:p>
-        </p:txBody>
-      </p:sp>
-      <p:pic>
-        <p:nvPicPr>
-          <p:cNvPr id="6" name="Picture 5">
-            <a:extLst>
-              <a:ext uri="{FF2B5EF4-FFF2-40B4-BE49-F238E27FC236}">
-                <a16:creationId xmlns:a16="http://schemas.microsoft.com/office/drawing/2014/main" id="{3D391283-3294-F11B-F5E5-765B6D24B80D}"/>
-              </a:ext>
-            </a:extLst>
-          </p:cNvPr>
-          <p:cNvPicPr>
-            <a:picLocks noChangeAspect="1"/>
-          </p:cNvPicPr>
-          <p:nvPr/>
-        </p:nvPicPr>
-        <p:blipFill>
-          <a:blip r:embed="rId2"/>
-          <a:stretch>
-            <a:fillRect/>
-          </a:stretch>
-        </p:blipFill>
-        <p:spPr>
-          <a:xfrm>
-            <a:off x="296441" y="861431"/>
-            <a:ext cx="3953427" cy="2867425"/>
-          </a:xfrm>
-          <a:prstGeom prst="rect">
-            <a:avLst/>
-          </a:prstGeom>
-        </p:spPr>
-      </p:pic>
-      <p:pic>
-        <p:nvPicPr>
-          <p:cNvPr id="8" name="Picture 7">
-            <a:extLst>
-              <a:ext uri="{FF2B5EF4-FFF2-40B4-BE49-F238E27FC236}">
-                <a16:creationId xmlns:a16="http://schemas.microsoft.com/office/drawing/2014/main" id="{6921A932-D631-C2FA-0049-D44603FF8F6E}"/>
-              </a:ext>
-            </a:extLst>
-          </p:cNvPr>
-          <p:cNvPicPr>
-            <a:picLocks noChangeAspect="1"/>
-          </p:cNvPicPr>
-          <p:nvPr/>
-        </p:nvPicPr>
-        <p:blipFill>
-          <a:blip r:embed="rId3"/>
-          <a:stretch>
-            <a:fillRect/>
-          </a:stretch>
-        </p:blipFill>
-        <p:spPr>
-          <a:xfrm>
-            <a:off x="4546309" y="873298"/>
-            <a:ext cx="7645691" cy="952633"/>
-          </a:xfrm>
-          <a:prstGeom prst="rect">
-            <a:avLst/>
-          </a:prstGeom>
-        </p:spPr>
-      </p:pic>
-      <p:pic>
-        <p:nvPicPr>
-          <p:cNvPr id="10" name="Picture 9">
-            <a:extLst>
-              <a:ext uri="{FF2B5EF4-FFF2-40B4-BE49-F238E27FC236}">
-                <a16:creationId xmlns:a16="http://schemas.microsoft.com/office/drawing/2014/main" id="{AF9505C7-A4F5-0ED9-2B2B-3907D040A9CA}"/>
-              </a:ext>
-            </a:extLst>
-          </p:cNvPr>
-          <p:cNvPicPr>
-            <a:picLocks noChangeAspect="1"/>
-          </p:cNvPicPr>
-          <p:nvPr/>
-        </p:nvPicPr>
-        <p:blipFill>
-          <a:blip r:embed="rId4"/>
-          <a:stretch>
-            <a:fillRect/>
-          </a:stretch>
-        </p:blipFill>
-        <p:spPr>
-          <a:xfrm>
-            <a:off x="4546309" y="2091443"/>
-            <a:ext cx="7645691" cy="809738"/>
-          </a:xfrm>
-          <a:prstGeom prst="rect">
-            <a:avLst/>
-          </a:prstGeom>
-        </p:spPr>
-      </p:pic>
-      <p:pic>
-        <p:nvPicPr>
-          <p:cNvPr id="14" name="Picture 13">
-            <a:extLst>
-              <a:ext uri="{FF2B5EF4-FFF2-40B4-BE49-F238E27FC236}">
-                <a16:creationId xmlns:a16="http://schemas.microsoft.com/office/drawing/2014/main" id="{E707A372-68DF-8C4E-5E3D-CF8E02E939FF}"/>
-              </a:ext>
-            </a:extLst>
-          </p:cNvPr>
-          <p:cNvPicPr>
-            <a:picLocks noChangeAspect="1"/>
-          </p:cNvPicPr>
-          <p:nvPr/>
-        </p:nvPicPr>
-        <p:blipFill>
-          <a:blip r:embed="rId5"/>
-          <a:stretch>
-            <a:fillRect/>
-          </a:stretch>
-        </p:blipFill>
-        <p:spPr>
-          <a:xfrm>
-            <a:off x="4612126" y="3015927"/>
-            <a:ext cx="7579873" cy="495369"/>
-          </a:xfrm>
-          <a:prstGeom prst="rect">
-            <a:avLst/>
-          </a:prstGeom>
-        </p:spPr>
-      </p:pic>
-      <p:pic>
-        <p:nvPicPr>
-          <p:cNvPr id="16" name="Picture 15">
-            <a:extLst>
-              <a:ext uri="{FF2B5EF4-FFF2-40B4-BE49-F238E27FC236}">
-                <a16:creationId xmlns:a16="http://schemas.microsoft.com/office/drawing/2014/main" id="{AF882C93-5E37-2863-CF27-AED69E1B8B25}"/>
-              </a:ext>
-            </a:extLst>
-          </p:cNvPr>
-          <p:cNvPicPr>
-            <a:picLocks noChangeAspect="1"/>
-          </p:cNvPicPr>
-          <p:nvPr/>
-        </p:nvPicPr>
-        <p:blipFill>
-          <a:blip r:embed="rId6"/>
-          <a:stretch>
-            <a:fillRect/>
-          </a:stretch>
-        </p:blipFill>
-        <p:spPr>
-          <a:xfrm>
-            <a:off x="4546309" y="3626042"/>
-            <a:ext cx="7645691" cy="914528"/>
-          </a:xfrm>
-          <a:prstGeom prst="rect">
-            <a:avLst/>
-          </a:prstGeom>
-        </p:spPr>
-      </p:pic>
-      <p:pic>
-        <p:nvPicPr>
-          <p:cNvPr id="18" name="Picture 17">
-            <a:extLst>
-              <a:ext uri="{FF2B5EF4-FFF2-40B4-BE49-F238E27FC236}">
-                <a16:creationId xmlns:a16="http://schemas.microsoft.com/office/drawing/2014/main" id="{2C1E6E08-3CC6-1663-D4C8-863DA8D1D945}"/>
-              </a:ext>
-            </a:extLst>
-          </p:cNvPr>
-          <p:cNvPicPr>
-            <a:picLocks noChangeAspect="1"/>
-          </p:cNvPicPr>
-          <p:nvPr/>
-        </p:nvPicPr>
-        <p:blipFill>
-          <a:blip r:embed="rId7"/>
-          <a:stretch>
-            <a:fillRect/>
-          </a:stretch>
-        </p:blipFill>
-        <p:spPr>
-          <a:xfrm>
-            <a:off x="4612127" y="4655316"/>
-            <a:ext cx="7579873" cy="1345671"/>
-          </a:xfrm>
-          <a:prstGeom prst="rect">
-            <a:avLst/>
-          </a:prstGeom>
-        </p:spPr>
-      </p:pic>
-      <p:pic>
-        <p:nvPicPr>
-          <p:cNvPr id="20" name="Picture 19">
-            <a:extLst>
-              <a:ext uri="{FF2B5EF4-FFF2-40B4-BE49-F238E27FC236}">
-                <a16:creationId xmlns:a16="http://schemas.microsoft.com/office/drawing/2014/main" id="{EA282769-AE40-9D8A-037F-B5063CE2B4A3}"/>
-              </a:ext>
-            </a:extLst>
-          </p:cNvPr>
-          <p:cNvPicPr>
-            <a:picLocks noChangeAspect="1"/>
-          </p:cNvPicPr>
-          <p:nvPr/>
-        </p:nvPicPr>
-        <p:blipFill>
-          <a:blip r:embed="rId8"/>
-          <a:stretch>
-            <a:fillRect/>
-          </a:stretch>
-        </p:blipFill>
-        <p:spPr>
-          <a:xfrm>
-            <a:off x="190063" y="4540570"/>
-            <a:ext cx="4208026" cy="1567686"/>
+            <a:off x="3473996" y="3653103"/>
+            <a:ext cx="4259658" cy="2839772"/>
           </a:xfrm>
           <a:prstGeom prst="rect">
             <a:avLst/>
@@ -5653,2247 +4670,7 @@
     </p:spTree>
     <p:extLst>
       <p:ext uri="{BB962C8B-B14F-4D97-AF65-F5344CB8AC3E}">
-        <p14:creationId xmlns:p14="http://schemas.microsoft.com/office/powerpoint/2010/main" val="3252920775"/>
-      </p:ext>
-    </p:extLst>
-  </p:cSld>
-  <p:clrMapOvr>
-    <a:masterClrMapping/>
-  </p:clrMapOvr>
-</p:sld>
-</file>
-
-<file path=ppt/slides/slide7.xml><?xml version="1.0" encoding="utf-8"?>
-<p:sld xmlns:a="http://schemas.openxmlformats.org/drawingml/2006/main" xmlns:r="http://schemas.openxmlformats.org/officeDocument/2006/relationships" xmlns:p="http://schemas.openxmlformats.org/presentationml/2006/main">
-  <p:cSld>
-    <p:spTree>
-      <p:nvGrpSpPr>
-        <p:cNvPr id="1" name=""/>
-        <p:cNvGrpSpPr/>
-        <p:nvPr/>
-      </p:nvGrpSpPr>
-      <p:grpSpPr>
-        <a:xfrm>
-          <a:off x="0" y="0"/>
-          <a:ext cx="0" cy="0"/>
-          <a:chOff x="0" y="0"/>
-          <a:chExt cx="0" cy="0"/>
-        </a:xfrm>
-      </p:grpSpPr>
-      <p:sp>
-        <p:nvSpPr>
-          <p:cNvPr id="2" name="TextBox 1">
-            <a:extLst>
-              <a:ext uri="{FF2B5EF4-FFF2-40B4-BE49-F238E27FC236}">
-                <a16:creationId xmlns:a16="http://schemas.microsoft.com/office/drawing/2014/main" id="{D5288738-3F57-1F81-3512-14FAC729726F}"/>
-              </a:ext>
-            </a:extLst>
-          </p:cNvPr>
-          <p:cNvSpPr txBox="1"/>
-          <p:nvPr/>
-        </p:nvSpPr>
-        <p:spPr>
-          <a:xfrm>
-            <a:off x="296441" y="207004"/>
-            <a:ext cx="11599118" cy="369332"/>
-          </a:xfrm>
-          <a:prstGeom prst="rect">
-            <a:avLst/>
-          </a:prstGeom>
-          <a:noFill/>
-        </p:spPr>
-        <p:txBody>
-          <a:bodyPr wrap="square" rtlCol="0">
-            <a:spAutoFit/>
-          </a:bodyPr>
-          <a:lstStyle/>
-          <a:p>
-            <a:pPr algn="ctr"/>
-            <a:r>
-              <a:rPr lang="en-US" dirty="0"/>
-              <a:t>External Libraries Used </a:t>
-            </a:r>
-          </a:p>
-        </p:txBody>
-      </p:sp>
-      <p:sp>
-        <p:nvSpPr>
-          <p:cNvPr id="3" name="TextBox 2">
-            <a:extLst>
-              <a:ext uri="{FF2B5EF4-FFF2-40B4-BE49-F238E27FC236}">
-                <a16:creationId xmlns:a16="http://schemas.microsoft.com/office/drawing/2014/main" id="{DC2A662C-0492-2251-93FC-13531B64A0D4}"/>
-              </a:ext>
-            </a:extLst>
-          </p:cNvPr>
-          <p:cNvSpPr txBox="1"/>
-          <p:nvPr/>
-        </p:nvSpPr>
-        <p:spPr>
-          <a:xfrm>
-            <a:off x="595653" y="931052"/>
-            <a:ext cx="3135099" cy="369332"/>
-          </a:xfrm>
-          <a:prstGeom prst="rect">
-            <a:avLst/>
-          </a:prstGeom>
-          <a:noFill/>
-          <a:ln w="12700" cap="rnd">
-            <a:solidFill>
-              <a:schemeClr val="accent1"/>
-            </a:solidFill>
-          </a:ln>
-        </p:spPr>
-        <p:txBody>
-          <a:bodyPr wrap="square" rtlCol="0">
-            <a:spAutoFit/>
-          </a:bodyPr>
-          <a:lstStyle/>
-          <a:p>
-            <a:r>
-              <a:rPr lang="en-US" dirty="0"/>
-              <a:t>Data Binding</a:t>
-            </a:r>
-          </a:p>
-        </p:txBody>
-      </p:sp>
-      <p:sp>
-        <p:nvSpPr>
-          <p:cNvPr id="4" name="TextBox 3">
-            <a:extLst>
-              <a:ext uri="{FF2B5EF4-FFF2-40B4-BE49-F238E27FC236}">
-                <a16:creationId xmlns:a16="http://schemas.microsoft.com/office/drawing/2014/main" id="{88B52936-37EF-7C93-5DFC-344D8144A6A9}"/>
-              </a:ext>
-            </a:extLst>
-          </p:cNvPr>
-          <p:cNvSpPr txBox="1"/>
-          <p:nvPr/>
-        </p:nvSpPr>
-        <p:spPr>
-          <a:xfrm>
-            <a:off x="4919472" y="792552"/>
-            <a:ext cx="6510528" cy="1200329"/>
-          </a:xfrm>
-          <a:prstGeom prst="rect">
-            <a:avLst/>
-          </a:prstGeom>
-          <a:noFill/>
-          <a:ln w="12700" cap="rnd">
-            <a:solidFill>
-              <a:schemeClr val="accent1"/>
-            </a:solidFill>
-          </a:ln>
-        </p:spPr>
-        <p:txBody>
-          <a:bodyPr wrap="square" rtlCol="0">
-            <a:spAutoFit/>
-          </a:bodyPr>
-          <a:lstStyle>
-            <a:defPPr>
-              <a:defRPr lang="en-US"/>
-            </a:defPPr>
-            <a:lvl1pPr>
-              <a:defRPr/>
-            </a:lvl1pPr>
-          </a:lstStyle>
-          <a:p>
-            <a:r>
-              <a:rPr lang="en-US" sz="1200" b="0" dirty="0">
-                <a:solidFill>
-                  <a:srgbClr val="9CDCFE"/>
-                </a:solidFill>
-                <a:effectLst/>
-                <a:highlight>
-                  <a:srgbClr val="1E1E1E"/>
-                </a:highlight>
-                <a:latin typeface="Consolas" panose="020B0609020204030204" pitchFamily="49" charset="0"/>
-              </a:rPr>
-              <a:t>d3</a:t>
-            </a:r>
-            <a:r>
-              <a:rPr lang="en-US" sz="1200" b="0" dirty="0">
-                <a:solidFill>
-                  <a:srgbClr val="D4D4D4"/>
-                </a:solidFill>
-                <a:effectLst/>
-                <a:highlight>
-                  <a:srgbClr val="1E1E1E"/>
-                </a:highlight>
-                <a:latin typeface="Consolas" panose="020B0609020204030204" pitchFamily="49" charset="0"/>
-              </a:rPr>
-              <a:t>.</a:t>
-            </a:r>
-            <a:r>
-              <a:rPr lang="en-US" sz="1200" b="0" dirty="0">
-                <a:solidFill>
-                  <a:srgbClr val="DCDCAA"/>
-                </a:solidFill>
-                <a:effectLst/>
-                <a:highlight>
-                  <a:srgbClr val="1E1E1E"/>
-                </a:highlight>
-                <a:latin typeface="Consolas" panose="020B0609020204030204" pitchFamily="49" charset="0"/>
-              </a:rPr>
-              <a:t>csv</a:t>
-            </a:r>
-            <a:r>
-              <a:rPr lang="en-US" sz="1200" b="0" dirty="0">
-                <a:solidFill>
-                  <a:srgbClr val="D4D4D4"/>
-                </a:solidFill>
-                <a:effectLst/>
-                <a:highlight>
-                  <a:srgbClr val="1E1E1E"/>
-                </a:highlight>
-                <a:latin typeface="Consolas" panose="020B0609020204030204" pitchFamily="49" charset="0"/>
-              </a:rPr>
-              <a:t>(</a:t>
-            </a:r>
-            <a:r>
-              <a:rPr lang="en-US" sz="1200" b="0" dirty="0">
-                <a:solidFill>
-                  <a:srgbClr val="CE9178"/>
-                </a:solidFill>
-                <a:effectLst/>
-                <a:highlight>
-                  <a:srgbClr val="1E1E1E"/>
-                </a:highlight>
-                <a:latin typeface="Consolas" panose="020B0609020204030204" pitchFamily="49" charset="0"/>
-              </a:rPr>
-              <a:t>"./Resources/Summary.csv"</a:t>
-            </a:r>
-            <a:r>
-              <a:rPr lang="en-US" sz="1200" b="0" dirty="0">
-                <a:solidFill>
-                  <a:srgbClr val="D4D4D4"/>
-                </a:solidFill>
-                <a:effectLst/>
-                <a:highlight>
-                  <a:srgbClr val="1E1E1E"/>
-                </a:highlight>
-                <a:latin typeface="Consolas" panose="020B0609020204030204" pitchFamily="49" charset="0"/>
-              </a:rPr>
-              <a:t>).</a:t>
-            </a:r>
-            <a:r>
-              <a:rPr lang="en-US" sz="1200" b="0" dirty="0">
-                <a:solidFill>
-                  <a:srgbClr val="DCDCAA"/>
-                </a:solidFill>
-                <a:effectLst/>
-                <a:highlight>
-                  <a:srgbClr val="1E1E1E"/>
-                </a:highlight>
-                <a:latin typeface="Consolas" panose="020B0609020204030204" pitchFamily="49" charset="0"/>
-              </a:rPr>
-              <a:t>then</a:t>
-            </a:r>
-            <a:r>
-              <a:rPr lang="en-US" sz="1200" b="0" dirty="0">
-                <a:solidFill>
-                  <a:srgbClr val="D4D4D4"/>
-                </a:solidFill>
-                <a:effectLst/>
-                <a:highlight>
-                  <a:srgbClr val="1E1E1E"/>
-                </a:highlight>
-                <a:latin typeface="Consolas" panose="020B0609020204030204" pitchFamily="49" charset="0"/>
-              </a:rPr>
-              <a:t>(</a:t>
-            </a:r>
-            <a:r>
-              <a:rPr lang="en-US" sz="1200" b="0" dirty="0">
-                <a:solidFill>
-                  <a:srgbClr val="569CD6"/>
-                </a:solidFill>
-                <a:effectLst/>
-                <a:highlight>
-                  <a:srgbClr val="1E1E1E"/>
-                </a:highlight>
-                <a:latin typeface="Consolas" panose="020B0609020204030204" pitchFamily="49" charset="0"/>
-              </a:rPr>
-              <a:t>function</a:t>
-            </a:r>
-            <a:r>
-              <a:rPr lang="en-US" sz="1200" b="0" dirty="0">
-                <a:solidFill>
-                  <a:srgbClr val="D4D4D4"/>
-                </a:solidFill>
-                <a:effectLst/>
-                <a:highlight>
-                  <a:srgbClr val="1E1E1E"/>
-                </a:highlight>
-                <a:latin typeface="Consolas" panose="020B0609020204030204" pitchFamily="49" charset="0"/>
-              </a:rPr>
-              <a:t>(</a:t>
-            </a:r>
-            <a:r>
-              <a:rPr lang="en-US" sz="1200" b="0" dirty="0">
-                <a:solidFill>
-                  <a:srgbClr val="9CDCFE"/>
-                </a:solidFill>
-                <a:effectLst/>
-                <a:highlight>
-                  <a:srgbClr val="1E1E1E"/>
-                </a:highlight>
-                <a:latin typeface="Consolas" panose="020B0609020204030204" pitchFamily="49" charset="0"/>
-              </a:rPr>
-              <a:t>data</a:t>
-            </a:r>
-            <a:r>
-              <a:rPr lang="en-US" sz="1200" b="0" dirty="0">
-                <a:solidFill>
-                  <a:srgbClr val="D4D4D4"/>
-                </a:solidFill>
-                <a:effectLst/>
-                <a:highlight>
-                  <a:srgbClr val="1E1E1E"/>
-                </a:highlight>
-                <a:latin typeface="Consolas" panose="020B0609020204030204" pitchFamily="49" charset="0"/>
-              </a:rPr>
-              <a:t>) { </a:t>
-            </a:r>
-          </a:p>
-          <a:p>
-            <a:endParaRPr lang="en-US" sz="1200" dirty="0">
-              <a:solidFill>
-                <a:srgbClr val="D4D4D4"/>
-              </a:solidFill>
-              <a:highlight>
-                <a:srgbClr val="1E1E1E"/>
-              </a:highlight>
-              <a:latin typeface="Consolas" panose="020B0609020204030204" pitchFamily="49" charset="0"/>
-            </a:endParaRPr>
-          </a:p>
-          <a:p>
-            <a:r>
-              <a:rPr lang="en-US" sz="1200" b="0" dirty="0">
-                <a:solidFill>
-                  <a:srgbClr val="D4D4D4"/>
-                </a:solidFill>
-                <a:effectLst/>
-                <a:highlight>
-                  <a:srgbClr val="1E1E1E"/>
-                </a:highlight>
-                <a:latin typeface="Consolas" panose="020B0609020204030204" pitchFamily="49" charset="0"/>
-              </a:rPr>
-              <a:t> </a:t>
-            </a:r>
-            <a:r>
-              <a:rPr lang="en-US" sz="1200" b="0" dirty="0">
-                <a:solidFill>
-                  <a:srgbClr val="6A9955"/>
-                </a:solidFill>
-                <a:effectLst/>
-                <a:highlight>
-                  <a:srgbClr val="1E1E1E"/>
-                </a:highlight>
-                <a:latin typeface="Consolas" panose="020B0609020204030204" pitchFamily="49" charset="0"/>
-              </a:rPr>
-              <a:t>&lt;!-- D3 library --&gt;</a:t>
-            </a:r>
-            <a:endParaRPr lang="en-US" sz="1200" b="0" dirty="0">
-              <a:solidFill>
-                <a:srgbClr val="D4D4D4"/>
-              </a:solidFill>
-              <a:effectLst/>
-              <a:highlight>
-                <a:srgbClr val="1E1E1E"/>
-              </a:highlight>
-              <a:latin typeface="Consolas" panose="020B0609020204030204" pitchFamily="49" charset="0"/>
-            </a:endParaRPr>
-          </a:p>
-          <a:p>
-            <a:r>
-              <a:rPr lang="en-US" sz="1200" b="0" dirty="0">
-                <a:solidFill>
-                  <a:srgbClr val="D4D4D4"/>
-                </a:solidFill>
-                <a:effectLst/>
-                <a:highlight>
-                  <a:srgbClr val="1E1E1E"/>
-                </a:highlight>
-                <a:latin typeface="Consolas" panose="020B0609020204030204" pitchFamily="49" charset="0"/>
-              </a:rPr>
-              <a:t>  </a:t>
-            </a:r>
-            <a:r>
-              <a:rPr lang="en-US" sz="1200" b="0" dirty="0">
-                <a:solidFill>
-                  <a:srgbClr val="808080"/>
-                </a:solidFill>
-                <a:effectLst/>
-                <a:highlight>
-                  <a:srgbClr val="1E1E1E"/>
-                </a:highlight>
-                <a:latin typeface="Consolas" panose="020B0609020204030204" pitchFamily="49" charset="0"/>
-              </a:rPr>
-              <a:t>&lt;</a:t>
-            </a:r>
-            <a:r>
-              <a:rPr lang="en-US" sz="1200" b="0" dirty="0">
-                <a:solidFill>
-                  <a:srgbClr val="569CD6"/>
-                </a:solidFill>
-                <a:effectLst/>
-                <a:highlight>
-                  <a:srgbClr val="1E1E1E"/>
-                </a:highlight>
-                <a:latin typeface="Consolas" panose="020B0609020204030204" pitchFamily="49" charset="0"/>
-              </a:rPr>
-              <a:t>script</a:t>
-            </a:r>
-            <a:r>
-              <a:rPr lang="en-US" sz="1200" b="0" dirty="0">
-                <a:solidFill>
-                  <a:srgbClr val="D4D4D4"/>
-                </a:solidFill>
-                <a:effectLst/>
-                <a:highlight>
-                  <a:srgbClr val="1E1E1E"/>
-                </a:highlight>
-                <a:latin typeface="Consolas" panose="020B0609020204030204" pitchFamily="49" charset="0"/>
-              </a:rPr>
-              <a:t> </a:t>
-            </a:r>
-            <a:r>
-              <a:rPr lang="en-US" sz="1200" b="0" dirty="0" err="1">
-                <a:solidFill>
-                  <a:srgbClr val="9CDCFE"/>
-                </a:solidFill>
-                <a:effectLst/>
-                <a:highlight>
-                  <a:srgbClr val="1E1E1E"/>
-                </a:highlight>
-                <a:latin typeface="Consolas" panose="020B0609020204030204" pitchFamily="49" charset="0"/>
-              </a:rPr>
-              <a:t>src</a:t>
-            </a:r>
-            <a:r>
-              <a:rPr lang="en-US" sz="1200" b="0" dirty="0">
-                <a:solidFill>
-                  <a:srgbClr val="D4D4D4"/>
-                </a:solidFill>
-                <a:effectLst/>
-                <a:highlight>
-                  <a:srgbClr val="1E1E1E"/>
-                </a:highlight>
-                <a:latin typeface="Consolas" panose="020B0609020204030204" pitchFamily="49" charset="0"/>
-              </a:rPr>
-              <a:t>=</a:t>
-            </a:r>
-            <a:r>
-              <a:rPr lang="en-US" sz="1200" b="0" dirty="0">
-                <a:solidFill>
-                  <a:srgbClr val="CE9178"/>
-                </a:solidFill>
-                <a:effectLst/>
-                <a:highlight>
-                  <a:srgbClr val="1E1E1E"/>
-                </a:highlight>
-                <a:latin typeface="Consolas" panose="020B0609020204030204" pitchFamily="49" charset="0"/>
-              </a:rPr>
-              <a:t>"https://d3js.org/d3.v7.min.js"</a:t>
-            </a:r>
-            <a:r>
-              <a:rPr lang="en-US" sz="1200" b="0" dirty="0">
-                <a:solidFill>
-                  <a:srgbClr val="808080"/>
-                </a:solidFill>
-                <a:effectLst/>
-                <a:highlight>
-                  <a:srgbClr val="1E1E1E"/>
-                </a:highlight>
-                <a:latin typeface="Consolas" panose="020B0609020204030204" pitchFamily="49" charset="0"/>
-              </a:rPr>
-              <a:t>&gt;&lt;/</a:t>
-            </a:r>
-            <a:r>
-              <a:rPr lang="en-US" sz="1200" b="0" dirty="0">
-                <a:solidFill>
-                  <a:srgbClr val="569CD6"/>
-                </a:solidFill>
-                <a:effectLst/>
-                <a:highlight>
-                  <a:srgbClr val="1E1E1E"/>
-                </a:highlight>
-                <a:latin typeface="Consolas" panose="020B0609020204030204" pitchFamily="49" charset="0"/>
-              </a:rPr>
-              <a:t>script</a:t>
-            </a:r>
-            <a:r>
-              <a:rPr lang="en-US" sz="1200" b="0" dirty="0">
-                <a:solidFill>
-                  <a:srgbClr val="808080"/>
-                </a:solidFill>
-                <a:effectLst/>
-                <a:highlight>
-                  <a:srgbClr val="1E1E1E"/>
-                </a:highlight>
-                <a:latin typeface="Consolas" panose="020B0609020204030204" pitchFamily="49" charset="0"/>
-              </a:rPr>
-              <a:t>&gt;</a:t>
-            </a:r>
-            <a:endParaRPr lang="en-US" sz="1200" b="0" dirty="0">
-              <a:solidFill>
-                <a:srgbClr val="D4D4D4"/>
-              </a:solidFill>
-              <a:effectLst/>
-              <a:highlight>
-                <a:srgbClr val="1E1E1E"/>
-              </a:highlight>
-              <a:latin typeface="Consolas" panose="020B0609020204030204" pitchFamily="49" charset="0"/>
-            </a:endParaRPr>
-          </a:p>
-          <a:p>
-            <a:endParaRPr lang="en-US" sz="1200" b="0" dirty="0">
-              <a:solidFill>
-                <a:srgbClr val="D4D4D4"/>
-              </a:solidFill>
-              <a:effectLst/>
-              <a:highlight>
-                <a:srgbClr val="1E1E1E"/>
-              </a:highlight>
-              <a:latin typeface="Consolas" panose="020B0609020204030204" pitchFamily="49" charset="0"/>
-            </a:endParaRPr>
-          </a:p>
-          <a:p>
-            <a:endParaRPr lang="en-US" sz="1200" b="0" dirty="0">
-              <a:solidFill>
-                <a:srgbClr val="D4D4D4"/>
-              </a:solidFill>
-              <a:effectLst/>
-              <a:highlight>
-                <a:srgbClr val="1E1E1E"/>
-              </a:highlight>
-              <a:latin typeface="Consolas" panose="020B0609020204030204" pitchFamily="49" charset="0"/>
-            </a:endParaRPr>
-          </a:p>
-        </p:txBody>
-      </p:sp>
-      <p:cxnSp>
-        <p:nvCxnSpPr>
-          <p:cNvPr id="5" name="Straight Arrow Connector 4">
-            <a:extLst>
-              <a:ext uri="{FF2B5EF4-FFF2-40B4-BE49-F238E27FC236}">
-                <a16:creationId xmlns:a16="http://schemas.microsoft.com/office/drawing/2014/main" id="{98C532DE-7C1D-547A-A8EF-0B1FDD1B8CCE}"/>
-              </a:ext>
-            </a:extLst>
-          </p:cNvPr>
-          <p:cNvCxnSpPr>
-            <a:cxnSpLocks/>
-          </p:cNvCxnSpPr>
-          <p:nvPr/>
-        </p:nvCxnSpPr>
-        <p:spPr>
-          <a:xfrm>
-            <a:off x="4039800" y="1141921"/>
-            <a:ext cx="775855" cy="0"/>
-          </a:xfrm>
-          <a:prstGeom prst="straightConnector1">
-            <a:avLst/>
-          </a:prstGeom>
-          <a:ln w="57150">
-            <a:tailEnd type="triangle"/>
-          </a:ln>
-        </p:spPr>
-        <p:style>
-          <a:lnRef idx="2">
-            <a:schemeClr val="accent1"/>
-          </a:lnRef>
-          <a:fillRef idx="0">
-            <a:schemeClr val="accent1"/>
-          </a:fillRef>
-          <a:effectRef idx="1">
-            <a:schemeClr val="accent1"/>
-          </a:effectRef>
-          <a:fontRef idx="minor">
-            <a:schemeClr val="tx1"/>
-          </a:fontRef>
-        </p:style>
-      </p:cxnSp>
-      <p:sp>
-        <p:nvSpPr>
-          <p:cNvPr id="8" name="TextBox 7">
-            <a:extLst>
-              <a:ext uri="{FF2B5EF4-FFF2-40B4-BE49-F238E27FC236}">
-                <a16:creationId xmlns:a16="http://schemas.microsoft.com/office/drawing/2014/main" id="{7A5DC2D1-0E45-354A-957C-A95CE65F9F6B}"/>
-              </a:ext>
-            </a:extLst>
-          </p:cNvPr>
-          <p:cNvSpPr txBox="1"/>
-          <p:nvPr/>
-        </p:nvSpPr>
-        <p:spPr>
-          <a:xfrm>
-            <a:off x="595652" y="3244334"/>
-            <a:ext cx="3135099" cy="369332"/>
-          </a:xfrm>
-          <a:prstGeom prst="rect">
-            <a:avLst/>
-          </a:prstGeom>
-          <a:noFill/>
-          <a:ln w="12700" cap="rnd">
-            <a:solidFill>
-              <a:schemeClr val="accent1"/>
-            </a:solidFill>
-          </a:ln>
-        </p:spPr>
-        <p:txBody>
-          <a:bodyPr wrap="square" rtlCol="0">
-            <a:spAutoFit/>
-          </a:bodyPr>
-          <a:lstStyle/>
-          <a:p>
-            <a:r>
-              <a:rPr lang="en-US" dirty="0"/>
-              <a:t>Map Visuals </a:t>
-            </a:r>
-          </a:p>
-        </p:txBody>
-      </p:sp>
-      <p:sp>
-        <p:nvSpPr>
-          <p:cNvPr id="9" name="TextBox 8">
-            <a:extLst>
-              <a:ext uri="{FF2B5EF4-FFF2-40B4-BE49-F238E27FC236}">
-                <a16:creationId xmlns:a16="http://schemas.microsoft.com/office/drawing/2014/main" id="{40AD61F9-3B82-93B7-F6A4-848FFCD490F5}"/>
-              </a:ext>
-            </a:extLst>
-          </p:cNvPr>
-          <p:cNvSpPr txBox="1"/>
-          <p:nvPr/>
-        </p:nvSpPr>
-        <p:spPr>
-          <a:xfrm>
-            <a:off x="4919472" y="2129728"/>
-            <a:ext cx="6510528" cy="2677656"/>
-          </a:xfrm>
-          <a:prstGeom prst="rect">
-            <a:avLst/>
-          </a:prstGeom>
-          <a:noFill/>
-          <a:ln w="12700" cap="rnd">
-            <a:solidFill>
-              <a:schemeClr val="accent1"/>
-            </a:solidFill>
-          </a:ln>
-        </p:spPr>
-        <p:txBody>
-          <a:bodyPr wrap="square" rtlCol="0">
-            <a:spAutoFit/>
-          </a:bodyPr>
-          <a:lstStyle>
-            <a:defPPr>
-              <a:defRPr lang="en-US"/>
-            </a:defPPr>
-            <a:lvl1pPr>
-              <a:defRPr/>
-            </a:lvl1pPr>
-          </a:lstStyle>
-          <a:p>
-            <a:r>
-              <a:rPr lang="en-US" sz="1200" b="0" dirty="0">
-                <a:solidFill>
-                  <a:srgbClr val="6A9955"/>
-                </a:solidFill>
-                <a:effectLst/>
-                <a:highlight>
-                  <a:srgbClr val="1E1E1E"/>
-                </a:highlight>
-                <a:latin typeface="Consolas" panose="020B0609020204030204" pitchFamily="49" charset="0"/>
-              </a:rPr>
-              <a:t>&lt;!-- Leaflet CSS --&gt;</a:t>
-            </a:r>
-            <a:endParaRPr lang="en-US" sz="1200" b="0" dirty="0">
-              <a:solidFill>
-                <a:srgbClr val="D4D4D4"/>
-              </a:solidFill>
-              <a:effectLst/>
-              <a:highlight>
-                <a:srgbClr val="1E1E1E"/>
-              </a:highlight>
-              <a:latin typeface="Consolas" panose="020B0609020204030204" pitchFamily="49" charset="0"/>
-            </a:endParaRPr>
-          </a:p>
-          <a:p>
-            <a:r>
-              <a:rPr lang="en-US" sz="1200" b="0" dirty="0">
-                <a:solidFill>
-                  <a:srgbClr val="D4D4D4"/>
-                </a:solidFill>
-                <a:effectLst/>
-                <a:highlight>
-                  <a:srgbClr val="1E1E1E"/>
-                </a:highlight>
-                <a:latin typeface="Consolas" panose="020B0609020204030204" pitchFamily="49" charset="0"/>
-              </a:rPr>
-              <a:t>  </a:t>
-            </a:r>
-            <a:r>
-              <a:rPr lang="en-US" sz="1200" b="0" dirty="0">
-                <a:solidFill>
-                  <a:srgbClr val="808080"/>
-                </a:solidFill>
-                <a:effectLst/>
-                <a:highlight>
-                  <a:srgbClr val="1E1E1E"/>
-                </a:highlight>
-                <a:latin typeface="Consolas" panose="020B0609020204030204" pitchFamily="49" charset="0"/>
-              </a:rPr>
-              <a:t>&lt;</a:t>
-            </a:r>
-            <a:r>
-              <a:rPr lang="en-US" sz="1200" b="0" dirty="0">
-                <a:solidFill>
-                  <a:srgbClr val="569CD6"/>
-                </a:solidFill>
-                <a:effectLst/>
-                <a:highlight>
-                  <a:srgbClr val="1E1E1E"/>
-                </a:highlight>
-                <a:latin typeface="Consolas" panose="020B0609020204030204" pitchFamily="49" charset="0"/>
-              </a:rPr>
-              <a:t>link</a:t>
-            </a:r>
-            <a:r>
-              <a:rPr lang="en-US" sz="1200" b="0" dirty="0">
-                <a:solidFill>
-                  <a:srgbClr val="D4D4D4"/>
-                </a:solidFill>
-                <a:effectLst/>
-                <a:highlight>
-                  <a:srgbClr val="1E1E1E"/>
-                </a:highlight>
-                <a:latin typeface="Consolas" panose="020B0609020204030204" pitchFamily="49" charset="0"/>
-              </a:rPr>
-              <a:t> </a:t>
-            </a:r>
-            <a:r>
-              <a:rPr lang="en-US" sz="1200" b="0" dirty="0" err="1">
-                <a:solidFill>
-                  <a:srgbClr val="9CDCFE"/>
-                </a:solidFill>
-                <a:effectLst/>
-                <a:highlight>
-                  <a:srgbClr val="1E1E1E"/>
-                </a:highlight>
-                <a:latin typeface="Consolas" panose="020B0609020204030204" pitchFamily="49" charset="0"/>
-              </a:rPr>
-              <a:t>rel</a:t>
-            </a:r>
-            <a:r>
-              <a:rPr lang="en-US" sz="1200" b="0" dirty="0">
-                <a:solidFill>
-                  <a:srgbClr val="D4D4D4"/>
-                </a:solidFill>
-                <a:effectLst/>
-                <a:highlight>
-                  <a:srgbClr val="1E1E1E"/>
-                </a:highlight>
-                <a:latin typeface="Consolas" panose="020B0609020204030204" pitchFamily="49" charset="0"/>
-              </a:rPr>
-              <a:t>=</a:t>
-            </a:r>
-            <a:r>
-              <a:rPr lang="en-US" sz="1200" b="0" dirty="0">
-                <a:solidFill>
-                  <a:srgbClr val="CE9178"/>
-                </a:solidFill>
-                <a:effectLst/>
-                <a:highlight>
-                  <a:srgbClr val="1E1E1E"/>
-                </a:highlight>
-                <a:latin typeface="Consolas" panose="020B0609020204030204" pitchFamily="49" charset="0"/>
-              </a:rPr>
-              <a:t>"stylesheet"</a:t>
-            </a:r>
-            <a:r>
-              <a:rPr lang="en-US" sz="1200" b="0" dirty="0">
-                <a:solidFill>
-                  <a:srgbClr val="D4D4D4"/>
-                </a:solidFill>
-                <a:effectLst/>
-                <a:highlight>
-                  <a:srgbClr val="1E1E1E"/>
-                </a:highlight>
-                <a:latin typeface="Consolas" panose="020B0609020204030204" pitchFamily="49" charset="0"/>
-              </a:rPr>
-              <a:t>  </a:t>
-            </a:r>
-            <a:r>
-              <a:rPr lang="en-US" sz="1200" b="0" dirty="0" err="1">
-                <a:solidFill>
-                  <a:srgbClr val="9CDCFE"/>
-                </a:solidFill>
-                <a:effectLst/>
-                <a:highlight>
-                  <a:srgbClr val="1E1E1E"/>
-                </a:highlight>
-                <a:latin typeface="Consolas" panose="020B0609020204030204" pitchFamily="49" charset="0"/>
-              </a:rPr>
-              <a:t>href</a:t>
-            </a:r>
-            <a:r>
-              <a:rPr lang="en-US" sz="1200" b="0" dirty="0">
-                <a:solidFill>
-                  <a:srgbClr val="D4D4D4"/>
-                </a:solidFill>
-                <a:effectLst/>
-                <a:highlight>
-                  <a:srgbClr val="1E1E1E"/>
-                </a:highlight>
-                <a:latin typeface="Consolas" panose="020B0609020204030204" pitchFamily="49" charset="0"/>
-              </a:rPr>
-              <a:t>=</a:t>
-            </a:r>
-            <a:r>
-              <a:rPr lang="en-US" sz="1200" b="0" dirty="0">
-                <a:solidFill>
-                  <a:srgbClr val="CE9178"/>
-                </a:solidFill>
-                <a:effectLst/>
-                <a:highlight>
-                  <a:srgbClr val="1E1E1E"/>
-                </a:highlight>
-                <a:latin typeface="Consolas" panose="020B0609020204030204" pitchFamily="49" charset="0"/>
-              </a:rPr>
-              <a:t>"https://unpkg.com/leaflet@1.9.4/</a:t>
-            </a:r>
-            <a:r>
-              <a:rPr lang="en-US" sz="1200" b="0" dirty="0" err="1">
-                <a:solidFill>
-                  <a:srgbClr val="CE9178"/>
-                </a:solidFill>
-                <a:effectLst/>
-                <a:highlight>
-                  <a:srgbClr val="1E1E1E"/>
-                </a:highlight>
-                <a:latin typeface="Consolas" panose="020B0609020204030204" pitchFamily="49" charset="0"/>
-              </a:rPr>
-              <a:t>dist</a:t>
-            </a:r>
-            <a:r>
-              <a:rPr lang="en-US" sz="1200" b="0" dirty="0">
-                <a:solidFill>
-                  <a:srgbClr val="CE9178"/>
-                </a:solidFill>
-                <a:effectLst/>
-                <a:highlight>
-                  <a:srgbClr val="1E1E1E"/>
-                </a:highlight>
-                <a:latin typeface="Consolas" panose="020B0609020204030204" pitchFamily="49" charset="0"/>
-              </a:rPr>
-              <a:t>/leaflet.css"</a:t>
-            </a:r>
-            <a:endParaRPr lang="en-US" sz="1200" b="0" dirty="0">
-              <a:solidFill>
-                <a:srgbClr val="D4D4D4"/>
-              </a:solidFill>
-              <a:effectLst/>
-              <a:highlight>
-                <a:srgbClr val="1E1E1E"/>
-              </a:highlight>
-              <a:latin typeface="Consolas" panose="020B0609020204030204" pitchFamily="49" charset="0"/>
-            </a:endParaRPr>
-          </a:p>
-          <a:p>
-            <a:r>
-              <a:rPr lang="en-US" sz="1200" b="0" dirty="0">
-                <a:solidFill>
-                  <a:srgbClr val="D4D4D4"/>
-                </a:solidFill>
-                <a:effectLst/>
-                <a:highlight>
-                  <a:srgbClr val="1E1E1E"/>
-                </a:highlight>
-                <a:latin typeface="Consolas" panose="020B0609020204030204" pitchFamily="49" charset="0"/>
-              </a:rPr>
-              <a:t>    </a:t>
-            </a:r>
-            <a:r>
-              <a:rPr lang="en-US" sz="1200" b="0" dirty="0">
-                <a:solidFill>
-                  <a:srgbClr val="9CDCFE"/>
-                </a:solidFill>
-                <a:effectLst/>
-                <a:highlight>
-                  <a:srgbClr val="1E1E1E"/>
-                </a:highlight>
-                <a:latin typeface="Consolas" panose="020B0609020204030204" pitchFamily="49" charset="0"/>
-              </a:rPr>
-              <a:t>integrity</a:t>
-            </a:r>
-            <a:r>
-              <a:rPr lang="en-US" sz="1200" b="0" dirty="0">
-                <a:solidFill>
-                  <a:srgbClr val="D4D4D4"/>
-                </a:solidFill>
-                <a:effectLst/>
-                <a:highlight>
-                  <a:srgbClr val="1E1E1E"/>
-                </a:highlight>
-                <a:latin typeface="Consolas" panose="020B0609020204030204" pitchFamily="49" charset="0"/>
-              </a:rPr>
-              <a:t>=</a:t>
-            </a:r>
-            <a:r>
-              <a:rPr lang="en-US" sz="1200" b="0" dirty="0">
-                <a:solidFill>
-                  <a:srgbClr val="CE9178"/>
-                </a:solidFill>
-                <a:effectLst/>
-                <a:highlight>
-                  <a:srgbClr val="1E1E1E"/>
-                </a:highlight>
-                <a:latin typeface="Consolas" panose="020B0609020204030204" pitchFamily="49" charset="0"/>
-              </a:rPr>
-              <a:t>"sha256-p4NxAoJBhIIN+hmNHrzRCf9tD/miZyoHS5obTRR9BMY="</a:t>
-            </a:r>
-            <a:endParaRPr lang="en-US" sz="1200" b="0" dirty="0">
-              <a:solidFill>
-                <a:srgbClr val="D4D4D4"/>
-              </a:solidFill>
-              <a:effectLst/>
-              <a:highlight>
-                <a:srgbClr val="1E1E1E"/>
-              </a:highlight>
-              <a:latin typeface="Consolas" panose="020B0609020204030204" pitchFamily="49" charset="0"/>
-            </a:endParaRPr>
-          </a:p>
-          <a:p>
-            <a:r>
-              <a:rPr lang="en-US" sz="1200" b="0" dirty="0">
-                <a:solidFill>
-                  <a:srgbClr val="D4D4D4"/>
-                </a:solidFill>
-                <a:effectLst/>
-                <a:highlight>
-                  <a:srgbClr val="1E1E1E"/>
-                </a:highlight>
-                <a:latin typeface="Consolas" panose="020B0609020204030204" pitchFamily="49" charset="0"/>
-              </a:rPr>
-              <a:t>    </a:t>
-            </a:r>
-            <a:r>
-              <a:rPr lang="en-US" sz="1200" b="0" dirty="0" err="1">
-                <a:solidFill>
-                  <a:srgbClr val="9CDCFE"/>
-                </a:solidFill>
-                <a:effectLst/>
-                <a:highlight>
-                  <a:srgbClr val="1E1E1E"/>
-                </a:highlight>
-                <a:latin typeface="Consolas" panose="020B0609020204030204" pitchFamily="49" charset="0"/>
-              </a:rPr>
-              <a:t>crossorigin</a:t>
-            </a:r>
-            <a:r>
-              <a:rPr lang="en-US" sz="1200" b="0" dirty="0">
-                <a:solidFill>
-                  <a:srgbClr val="D4D4D4"/>
-                </a:solidFill>
-                <a:effectLst/>
-                <a:highlight>
-                  <a:srgbClr val="1E1E1E"/>
-                </a:highlight>
-                <a:latin typeface="Consolas" panose="020B0609020204030204" pitchFamily="49" charset="0"/>
-              </a:rPr>
-              <a:t>=</a:t>
-            </a:r>
-            <a:r>
-              <a:rPr lang="en-US" sz="1200" b="0" dirty="0">
-                <a:solidFill>
-                  <a:srgbClr val="CE9178"/>
-                </a:solidFill>
-                <a:effectLst/>
-                <a:highlight>
-                  <a:srgbClr val="1E1E1E"/>
-                </a:highlight>
-                <a:latin typeface="Consolas" panose="020B0609020204030204" pitchFamily="49" charset="0"/>
-              </a:rPr>
-              <a:t>""</a:t>
-            </a:r>
-            <a:r>
-              <a:rPr lang="en-US" sz="1200" b="0" dirty="0">
-                <a:solidFill>
-                  <a:srgbClr val="D4D4D4"/>
-                </a:solidFill>
-                <a:effectLst/>
-                <a:highlight>
-                  <a:srgbClr val="1E1E1E"/>
-                </a:highlight>
-                <a:latin typeface="Consolas" panose="020B0609020204030204" pitchFamily="49" charset="0"/>
-              </a:rPr>
-              <a:t> </a:t>
-            </a:r>
-            <a:r>
-              <a:rPr lang="en-US" sz="1200" b="0" dirty="0">
-                <a:solidFill>
-                  <a:srgbClr val="808080"/>
-                </a:solidFill>
-                <a:effectLst/>
-                <a:highlight>
-                  <a:srgbClr val="1E1E1E"/>
-                </a:highlight>
-                <a:latin typeface="Consolas" panose="020B0609020204030204" pitchFamily="49" charset="0"/>
-              </a:rPr>
-              <a:t>/&gt;</a:t>
-            </a:r>
-            <a:endParaRPr lang="en-US" sz="1200" b="0" dirty="0">
-              <a:solidFill>
-                <a:srgbClr val="D4D4D4"/>
-              </a:solidFill>
-              <a:effectLst/>
-              <a:highlight>
-                <a:srgbClr val="1E1E1E"/>
-              </a:highlight>
-              <a:latin typeface="Consolas" panose="020B0609020204030204" pitchFamily="49" charset="0"/>
-            </a:endParaRPr>
-          </a:p>
-          <a:p>
-            <a:r>
-              <a:rPr lang="en-US" sz="1200" b="0" dirty="0">
-                <a:solidFill>
-                  <a:srgbClr val="D4D4D4"/>
-                </a:solidFill>
-                <a:effectLst/>
-                <a:highlight>
-                  <a:srgbClr val="1E1E1E"/>
-                </a:highlight>
-                <a:latin typeface="Consolas" panose="020B0609020204030204" pitchFamily="49" charset="0"/>
-              </a:rPr>
-              <a:t>  </a:t>
-            </a:r>
-          </a:p>
-          <a:p>
-            <a:r>
-              <a:rPr lang="en-US" sz="1200" b="0" dirty="0">
-                <a:solidFill>
-                  <a:srgbClr val="D4D4D4"/>
-                </a:solidFill>
-                <a:effectLst/>
-                <a:highlight>
-                  <a:srgbClr val="1E1E1E"/>
-                </a:highlight>
-                <a:latin typeface="Consolas" panose="020B0609020204030204" pitchFamily="49" charset="0"/>
-              </a:rPr>
-              <a:t>  </a:t>
-            </a:r>
-            <a:r>
-              <a:rPr lang="en-US" sz="1200" b="0" dirty="0">
-                <a:solidFill>
-                  <a:srgbClr val="6A9955"/>
-                </a:solidFill>
-                <a:effectLst/>
-                <a:highlight>
-                  <a:srgbClr val="1E1E1E"/>
-                </a:highlight>
-                <a:latin typeface="Consolas" panose="020B0609020204030204" pitchFamily="49" charset="0"/>
-              </a:rPr>
-              <a:t>&lt;!-- Leaflet JavaScript code --&gt;</a:t>
-            </a:r>
-            <a:endParaRPr lang="en-US" sz="1200" b="0" dirty="0">
-              <a:solidFill>
-                <a:srgbClr val="D4D4D4"/>
-              </a:solidFill>
-              <a:effectLst/>
-              <a:highlight>
-                <a:srgbClr val="1E1E1E"/>
-              </a:highlight>
-              <a:latin typeface="Consolas" panose="020B0609020204030204" pitchFamily="49" charset="0"/>
-            </a:endParaRPr>
-          </a:p>
-          <a:p>
-            <a:r>
-              <a:rPr lang="en-US" sz="1200" b="0" dirty="0">
-                <a:solidFill>
-                  <a:srgbClr val="D4D4D4"/>
-                </a:solidFill>
-                <a:effectLst/>
-                <a:highlight>
-                  <a:srgbClr val="1E1E1E"/>
-                </a:highlight>
-                <a:latin typeface="Consolas" panose="020B0609020204030204" pitchFamily="49" charset="0"/>
-              </a:rPr>
-              <a:t>  </a:t>
-            </a:r>
-            <a:r>
-              <a:rPr lang="en-US" sz="1200" b="0" dirty="0">
-                <a:solidFill>
-                  <a:srgbClr val="808080"/>
-                </a:solidFill>
-                <a:effectLst/>
-                <a:highlight>
-                  <a:srgbClr val="1E1E1E"/>
-                </a:highlight>
-                <a:latin typeface="Consolas" panose="020B0609020204030204" pitchFamily="49" charset="0"/>
-              </a:rPr>
-              <a:t>&lt;</a:t>
-            </a:r>
-            <a:r>
-              <a:rPr lang="en-US" sz="1200" b="0" dirty="0">
-                <a:solidFill>
-                  <a:srgbClr val="569CD6"/>
-                </a:solidFill>
-                <a:effectLst/>
-                <a:highlight>
-                  <a:srgbClr val="1E1E1E"/>
-                </a:highlight>
-                <a:latin typeface="Consolas" panose="020B0609020204030204" pitchFamily="49" charset="0"/>
-              </a:rPr>
-              <a:t>script</a:t>
-            </a:r>
-            <a:r>
-              <a:rPr lang="en-US" sz="1200" b="0" dirty="0">
-                <a:solidFill>
-                  <a:srgbClr val="D4D4D4"/>
-                </a:solidFill>
-                <a:effectLst/>
-                <a:highlight>
-                  <a:srgbClr val="1E1E1E"/>
-                </a:highlight>
-                <a:latin typeface="Consolas" panose="020B0609020204030204" pitchFamily="49" charset="0"/>
-              </a:rPr>
-              <a:t> </a:t>
-            </a:r>
-            <a:r>
-              <a:rPr lang="en-US" sz="1200" b="0" dirty="0" err="1">
-                <a:solidFill>
-                  <a:srgbClr val="9CDCFE"/>
-                </a:solidFill>
-                <a:effectLst/>
-                <a:highlight>
-                  <a:srgbClr val="1E1E1E"/>
-                </a:highlight>
-                <a:latin typeface="Consolas" panose="020B0609020204030204" pitchFamily="49" charset="0"/>
-              </a:rPr>
-              <a:t>src</a:t>
-            </a:r>
-            <a:r>
-              <a:rPr lang="en-US" sz="1200" b="0" dirty="0">
-                <a:solidFill>
-                  <a:srgbClr val="D4D4D4"/>
-                </a:solidFill>
-                <a:effectLst/>
-                <a:highlight>
-                  <a:srgbClr val="1E1E1E"/>
-                </a:highlight>
-                <a:latin typeface="Consolas" panose="020B0609020204030204" pitchFamily="49" charset="0"/>
-              </a:rPr>
-              <a:t>=</a:t>
-            </a:r>
-            <a:r>
-              <a:rPr lang="en-US" sz="1200" b="0" dirty="0">
-                <a:solidFill>
-                  <a:srgbClr val="CE9178"/>
-                </a:solidFill>
-                <a:effectLst/>
-                <a:highlight>
-                  <a:srgbClr val="1E1E1E"/>
-                </a:highlight>
-                <a:latin typeface="Consolas" panose="020B0609020204030204" pitchFamily="49" charset="0"/>
-              </a:rPr>
-              <a:t>"https://unpkg.com/leaflet@1.9.4/</a:t>
-            </a:r>
-            <a:r>
-              <a:rPr lang="en-US" sz="1200" b="0" dirty="0" err="1">
-                <a:solidFill>
-                  <a:srgbClr val="CE9178"/>
-                </a:solidFill>
-                <a:effectLst/>
-                <a:highlight>
-                  <a:srgbClr val="1E1E1E"/>
-                </a:highlight>
-                <a:latin typeface="Consolas" panose="020B0609020204030204" pitchFamily="49" charset="0"/>
-              </a:rPr>
-              <a:t>dist</a:t>
-            </a:r>
-            <a:r>
-              <a:rPr lang="en-US" sz="1200" b="0" dirty="0">
-                <a:solidFill>
-                  <a:srgbClr val="CE9178"/>
-                </a:solidFill>
-                <a:effectLst/>
-                <a:highlight>
-                  <a:srgbClr val="1E1E1E"/>
-                </a:highlight>
-                <a:latin typeface="Consolas" panose="020B0609020204030204" pitchFamily="49" charset="0"/>
-              </a:rPr>
-              <a:t>/leaflet.js"</a:t>
-            </a:r>
-            <a:endParaRPr lang="en-US" sz="1200" b="0" dirty="0">
-              <a:solidFill>
-                <a:srgbClr val="D4D4D4"/>
-              </a:solidFill>
-              <a:effectLst/>
-              <a:highlight>
-                <a:srgbClr val="1E1E1E"/>
-              </a:highlight>
-              <a:latin typeface="Consolas" panose="020B0609020204030204" pitchFamily="49" charset="0"/>
-            </a:endParaRPr>
-          </a:p>
-          <a:p>
-            <a:r>
-              <a:rPr lang="en-US" sz="1200" b="0" dirty="0">
-                <a:solidFill>
-                  <a:srgbClr val="D4D4D4"/>
-                </a:solidFill>
-                <a:effectLst/>
-                <a:highlight>
-                  <a:srgbClr val="1E1E1E"/>
-                </a:highlight>
-                <a:latin typeface="Consolas" panose="020B0609020204030204" pitchFamily="49" charset="0"/>
-              </a:rPr>
-              <a:t>    </a:t>
-            </a:r>
-            <a:r>
-              <a:rPr lang="en-US" sz="1200" b="0" dirty="0">
-                <a:solidFill>
-                  <a:srgbClr val="9CDCFE"/>
-                </a:solidFill>
-                <a:effectLst/>
-                <a:highlight>
-                  <a:srgbClr val="1E1E1E"/>
-                </a:highlight>
-                <a:latin typeface="Consolas" panose="020B0609020204030204" pitchFamily="49" charset="0"/>
-              </a:rPr>
-              <a:t>integrity</a:t>
-            </a:r>
-            <a:r>
-              <a:rPr lang="en-US" sz="1200" b="0" dirty="0">
-                <a:solidFill>
-                  <a:srgbClr val="D4D4D4"/>
-                </a:solidFill>
-                <a:effectLst/>
-                <a:highlight>
-                  <a:srgbClr val="1E1E1E"/>
-                </a:highlight>
-                <a:latin typeface="Consolas" panose="020B0609020204030204" pitchFamily="49" charset="0"/>
-              </a:rPr>
-              <a:t>=</a:t>
-            </a:r>
-            <a:r>
-              <a:rPr lang="en-US" sz="1200" b="0" dirty="0">
-                <a:solidFill>
-                  <a:srgbClr val="CE9178"/>
-                </a:solidFill>
-                <a:effectLst/>
-                <a:highlight>
-                  <a:srgbClr val="1E1E1E"/>
-                </a:highlight>
-                <a:latin typeface="Consolas" panose="020B0609020204030204" pitchFamily="49" charset="0"/>
-              </a:rPr>
-              <a:t>"sha256-20nQCchB9co0qIjJZRGuk2/Z9VM+kNiyxNV1lvTlZBo="</a:t>
-            </a:r>
-            <a:endParaRPr lang="en-US" sz="1200" b="0" dirty="0">
-              <a:solidFill>
-                <a:srgbClr val="D4D4D4"/>
-              </a:solidFill>
-              <a:effectLst/>
-              <a:highlight>
-                <a:srgbClr val="1E1E1E"/>
-              </a:highlight>
-              <a:latin typeface="Consolas" panose="020B0609020204030204" pitchFamily="49" charset="0"/>
-            </a:endParaRPr>
-          </a:p>
-          <a:p>
-            <a:r>
-              <a:rPr lang="en-US" sz="1200" b="0" dirty="0">
-                <a:solidFill>
-                  <a:srgbClr val="D4D4D4"/>
-                </a:solidFill>
-                <a:effectLst/>
-                <a:highlight>
-                  <a:srgbClr val="1E1E1E"/>
-                </a:highlight>
-                <a:latin typeface="Consolas" panose="020B0609020204030204" pitchFamily="49" charset="0"/>
-              </a:rPr>
-              <a:t>    </a:t>
-            </a:r>
-            <a:r>
-              <a:rPr lang="en-US" sz="1200" b="0" dirty="0" err="1">
-                <a:solidFill>
-                  <a:srgbClr val="9CDCFE"/>
-                </a:solidFill>
-                <a:effectLst/>
-                <a:highlight>
-                  <a:srgbClr val="1E1E1E"/>
-                </a:highlight>
-                <a:latin typeface="Consolas" panose="020B0609020204030204" pitchFamily="49" charset="0"/>
-              </a:rPr>
-              <a:t>crossorigin</a:t>
-            </a:r>
-            <a:r>
-              <a:rPr lang="en-US" sz="1200" b="0" dirty="0">
-                <a:solidFill>
-                  <a:srgbClr val="D4D4D4"/>
-                </a:solidFill>
-                <a:effectLst/>
-                <a:highlight>
-                  <a:srgbClr val="1E1E1E"/>
-                </a:highlight>
-                <a:latin typeface="Consolas" panose="020B0609020204030204" pitchFamily="49" charset="0"/>
-              </a:rPr>
-              <a:t>=</a:t>
-            </a:r>
-            <a:r>
-              <a:rPr lang="en-US" sz="1200" b="0" dirty="0">
-                <a:solidFill>
-                  <a:srgbClr val="CE9178"/>
-                </a:solidFill>
-                <a:effectLst/>
-                <a:highlight>
-                  <a:srgbClr val="1E1E1E"/>
-                </a:highlight>
-                <a:latin typeface="Consolas" panose="020B0609020204030204" pitchFamily="49" charset="0"/>
-              </a:rPr>
-              <a:t>""</a:t>
-            </a:r>
-            <a:r>
-              <a:rPr lang="en-US" sz="1200" b="0" dirty="0">
-                <a:solidFill>
-                  <a:srgbClr val="808080"/>
-                </a:solidFill>
-                <a:effectLst/>
-                <a:highlight>
-                  <a:srgbClr val="1E1E1E"/>
-                </a:highlight>
-                <a:latin typeface="Consolas" panose="020B0609020204030204" pitchFamily="49" charset="0"/>
-              </a:rPr>
-              <a:t>&gt;&lt;/</a:t>
-            </a:r>
-            <a:r>
-              <a:rPr lang="en-US" sz="1200" b="0" dirty="0">
-                <a:solidFill>
-                  <a:srgbClr val="569CD6"/>
-                </a:solidFill>
-                <a:effectLst/>
-                <a:highlight>
-                  <a:srgbClr val="1E1E1E"/>
-                </a:highlight>
-                <a:latin typeface="Consolas" panose="020B0609020204030204" pitchFamily="49" charset="0"/>
-              </a:rPr>
-              <a:t>script</a:t>
-            </a:r>
-            <a:r>
-              <a:rPr lang="en-US" sz="1200" b="0" dirty="0">
-                <a:solidFill>
-                  <a:srgbClr val="808080"/>
-                </a:solidFill>
-                <a:effectLst/>
-                <a:highlight>
-                  <a:srgbClr val="1E1E1E"/>
-                </a:highlight>
-                <a:latin typeface="Consolas" panose="020B0609020204030204" pitchFamily="49" charset="0"/>
-              </a:rPr>
-              <a:t>&gt;</a:t>
-            </a:r>
-            <a:endParaRPr lang="en-US" sz="1200" b="0" dirty="0">
-              <a:solidFill>
-                <a:srgbClr val="D4D4D4"/>
-              </a:solidFill>
-              <a:effectLst/>
-              <a:highlight>
-                <a:srgbClr val="1E1E1E"/>
-              </a:highlight>
-              <a:latin typeface="Consolas" panose="020B0609020204030204" pitchFamily="49" charset="0"/>
-            </a:endParaRPr>
-          </a:p>
-          <a:p>
-            <a:br>
-              <a:rPr lang="en-US" sz="1200" b="0" dirty="0">
-                <a:solidFill>
-                  <a:srgbClr val="D4D4D4"/>
-                </a:solidFill>
-                <a:effectLst/>
-                <a:highlight>
-                  <a:srgbClr val="1E1E1E"/>
-                </a:highlight>
-                <a:latin typeface="Consolas" panose="020B0609020204030204" pitchFamily="49" charset="0"/>
-              </a:rPr>
-            </a:br>
-            <a:r>
-              <a:rPr lang="en-US" sz="1200" b="0" dirty="0">
-                <a:solidFill>
-                  <a:srgbClr val="D4D4D4"/>
-                </a:solidFill>
-                <a:effectLst/>
-                <a:highlight>
-                  <a:srgbClr val="1E1E1E"/>
-                </a:highlight>
-                <a:latin typeface="Consolas" panose="020B0609020204030204" pitchFamily="49" charset="0"/>
-              </a:rPr>
-              <a:t>    </a:t>
-            </a:r>
-            <a:r>
-              <a:rPr lang="en-US" sz="1200" b="0" dirty="0">
-                <a:solidFill>
-                  <a:srgbClr val="6A9955"/>
-                </a:solidFill>
-                <a:effectLst/>
-                <a:highlight>
-                  <a:srgbClr val="1E1E1E"/>
-                </a:highlight>
-                <a:latin typeface="Consolas" panose="020B0609020204030204" pitchFamily="49" charset="0"/>
-              </a:rPr>
-              <a:t>&lt;!-- leaflet-choropleth JavaScript --&gt;</a:t>
-            </a:r>
-            <a:endParaRPr lang="en-US" sz="1200" b="0" dirty="0">
-              <a:solidFill>
-                <a:srgbClr val="D4D4D4"/>
-              </a:solidFill>
-              <a:effectLst/>
-              <a:highlight>
-                <a:srgbClr val="1E1E1E"/>
-              </a:highlight>
-              <a:latin typeface="Consolas" panose="020B0609020204030204" pitchFamily="49" charset="0"/>
-            </a:endParaRPr>
-          </a:p>
-          <a:p>
-            <a:r>
-              <a:rPr lang="en-US" sz="1200" b="0" dirty="0">
-                <a:solidFill>
-                  <a:srgbClr val="D4D4D4"/>
-                </a:solidFill>
-                <a:effectLst/>
-                <a:highlight>
-                  <a:srgbClr val="1E1E1E"/>
-                </a:highlight>
-                <a:latin typeface="Consolas" panose="020B0609020204030204" pitchFamily="49" charset="0"/>
-              </a:rPr>
-              <a:t>    </a:t>
-            </a:r>
-            <a:r>
-              <a:rPr lang="en-US" sz="1200" b="0" dirty="0">
-                <a:solidFill>
-                  <a:srgbClr val="808080"/>
-                </a:solidFill>
-                <a:effectLst/>
-                <a:highlight>
-                  <a:srgbClr val="1E1E1E"/>
-                </a:highlight>
-                <a:latin typeface="Consolas" panose="020B0609020204030204" pitchFamily="49" charset="0"/>
-              </a:rPr>
-              <a:t>&lt;</a:t>
-            </a:r>
-            <a:r>
-              <a:rPr lang="en-US" sz="1200" b="0" dirty="0">
-                <a:solidFill>
-                  <a:srgbClr val="569CD6"/>
-                </a:solidFill>
-                <a:effectLst/>
-                <a:highlight>
-                  <a:srgbClr val="1E1E1E"/>
-                </a:highlight>
-                <a:latin typeface="Consolas" panose="020B0609020204030204" pitchFamily="49" charset="0"/>
-              </a:rPr>
-              <a:t>script</a:t>
-            </a:r>
-            <a:r>
-              <a:rPr lang="en-US" sz="1200" b="0" dirty="0">
-                <a:solidFill>
-                  <a:srgbClr val="D4D4D4"/>
-                </a:solidFill>
-                <a:effectLst/>
-                <a:highlight>
-                  <a:srgbClr val="1E1E1E"/>
-                </a:highlight>
-                <a:latin typeface="Consolas" panose="020B0609020204030204" pitchFamily="49" charset="0"/>
-              </a:rPr>
-              <a:t> </a:t>
-            </a:r>
-            <a:r>
-              <a:rPr lang="en-US" sz="1200" b="0" dirty="0">
-                <a:solidFill>
-                  <a:srgbClr val="9CDCFE"/>
-                </a:solidFill>
-                <a:effectLst/>
-                <a:highlight>
-                  <a:srgbClr val="1E1E1E"/>
-                </a:highlight>
-                <a:latin typeface="Consolas" panose="020B0609020204030204" pitchFamily="49" charset="0"/>
-              </a:rPr>
-              <a:t>type</a:t>
-            </a:r>
-            <a:r>
-              <a:rPr lang="en-US" sz="1200" b="0" dirty="0">
-                <a:solidFill>
-                  <a:srgbClr val="D4D4D4"/>
-                </a:solidFill>
-                <a:effectLst/>
-                <a:highlight>
-                  <a:srgbClr val="1E1E1E"/>
-                </a:highlight>
-                <a:latin typeface="Consolas" panose="020B0609020204030204" pitchFamily="49" charset="0"/>
-              </a:rPr>
-              <a:t>=</a:t>
-            </a:r>
-            <a:r>
-              <a:rPr lang="en-US" sz="1200" b="0" dirty="0">
-                <a:solidFill>
-                  <a:srgbClr val="CE9178"/>
-                </a:solidFill>
-                <a:effectLst/>
-                <a:highlight>
-                  <a:srgbClr val="1E1E1E"/>
-                </a:highlight>
-                <a:latin typeface="Consolas" panose="020B0609020204030204" pitchFamily="49" charset="0"/>
-              </a:rPr>
-              <a:t>"text/</a:t>
-            </a:r>
-            <a:r>
-              <a:rPr lang="en-US" sz="1200" b="0" dirty="0" err="1">
-                <a:solidFill>
-                  <a:srgbClr val="CE9178"/>
-                </a:solidFill>
-                <a:effectLst/>
-                <a:highlight>
-                  <a:srgbClr val="1E1E1E"/>
-                </a:highlight>
-                <a:latin typeface="Consolas" panose="020B0609020204030204" pitchFamily="49" charset="0"/>
-              </a:rPr>
-              <a:t>javascript</a:t>
-            </a:r>
-            <a:r>
-              <a:rPr lang="en-US" sz="1200" b="0" dirty="0">
-                <a:solidFill>
-                  <a:srgbClr val="CE9178"/>
-                </a:solidFill>
-                <a:effectLst/>
-                <a:highlight>
-                  <a:srgbClr val="1E1E1E"/>
-                </a:highlight>
-                <a:latin typeface="Consolas" panose="020B0609020204030204" pitchFamily="49" charset="0"/>
-              </a:rPr>
-              <a:t>"</a:t>
-            </a:r>
-            <a:r>
-              <a:rPr lang="en-US" sz="1200" b="0" dirty="0">
-                <a:solidFill>
-                  <a:srgbClr val="D4D4D4"/>
-                </a:solidFill>
-                <a:effectLst/>
-                <a:highlight>
-                  <a:srgbClr val="1E1E1E"/>
-                </a:highlight>
-                <a:latin typeface="Consolas" panose="020B0609020204030204" pitchFamily="49" charset="0"/>
-              </a:rPr>
-              <a:t> </a:t>
-            </a:r>
-            <a:r>
-              <a:rPr lang="en-US" sz="1200" b="0" dirty="0" err="1">
-                <a:solidFill>
-                  <a:srgbClr val="9CDCFE"/>
-                </a:solidFill>
-                <a:effectLst/>
-                <a:highlight>
-                  <a:srgbClr val="1E1E1E"/>
-                </a:highlight>
-                <a:latin typeface="Consolas" panose="020B0609020204030204" pitchFamily="49" charset="0"/>
-              </a:rPr>
-              <a:t>src</a:t>
-            </a:r>
-            <a:r>
-              <a:rPr lang="en-US" sz="1200" b="0" dirty="0">
-                <a:solidFill>
-                  <a:srgbClr val="D4D4D4"/>
-                </a:solidFill>
-                <a:effectLst/>
-                <a:highlight>
-                  <a:srgbClr val="1E1E1E"/>
-                </a:highlight>
-                <a:latin typeface="Consolas" panose="020B0609020204030204" pitchFamily="49" charset="0"/>
-              </a:rPr>
-              <a:t>=</a:t>
-            </a:r>
-            <a:r>
-              <a:rPr lang="en-US" sz="1200" b="0" dirty="0">
-                <a:solidFill>
-                  <a:srgbClr val="CE9178"/>
-                </a:solidFill>
-                <a:effectLst/>
-                <a:highlight>
-                  <a:srgbClr val="1E1E1E"/>
-                </a:highlight>
-                <a:latin typeface="Consolas" panose="020B0609020204030204" pitchFamily="49" charset="0"/>
-              </a:rPr>
-              <a:t>"static/</a:t>
-            </a:r>
-            <a:r>
-              <a:rPr lang="en-US" sz="1200" b="0" dirty="0" err="1">
-                <a:solidFill>
-                  <a:srgbClr val="CE9178"/>
-                </a:solidFill>
-                <a:effectLst/>
-                <a:highlight>
-                  <a:srgbClr val="1E1E1E"/>
-                </a:highlight>
-                <a:latin typeface="Consolas" panose="020B0609020204030204" pitchFamily="49" charset="0"/>
-              </a:rPr>
-              <a:t>js</a:t>
-            </a:r>
-            <a:r>
-              <a:rPr lang="en-US" sz="1200" b="0" dirty="0">
-                <a:solidFill>
-                  <a:srgbClr val="CE9178"/>
-                </a:solidFill>
-                <a:effectLst/>
-                <a:highlight>
-                  <a:srgbClr val="1E1E1E"/>
-                </a:highlight>
-                <a:latin typeface="Consolas" panose="020B0609020204030204" pitchFamily="49" charset="0"/>
-              </a:rPr>
-              <a:t>/choropleth.js"</a:t>
-            </a:r>
-            <a:r>
-              <a:rPr lang="en-US" sz="1200" b="0" dirty="0">
-                <a:solidFill>
-                  <a:srgbClr val="808080"/>
-                </a:solidFill>
-                <a:effectLst/>
-                <a:highlight>
-                  <a:srgbClr val="1E1E1E"/>
-                </a:highlight>
-                <a:latin typeface="Consolas" panose="020B0609020204030204" pitchFamily="49" charset="0"/>
-              </a:rPr>
-              <a:t>&gt;&lt;/</a:t>
-            </a:r>
-            <a:r>
-              <a:rPr lang="en-US" sz="1200" b="0" dirty="0">
-                <a:solidFill>
-                  <a:srgbClr val="569CD6"/>
-                </a:solidFill>
-                <a:effectLst/>
-                <a:highlight>
-                  <a:srgbClr val="1E1E1E"/>
-                </a:highlight>
-                <a:latin typeface="Consolas" panose="020B0609020204030204" pitchFamily="49" charset="0"/>
-              </a:rPr>
-              <a:t>script</a:t>
-            </a:r>
-            <a:r>
-              <a:rPr lang="en-US" sz="1200" b="0" dirty="0">
-                <a:solidFill>
-                  <a:srgbClr val="808080"/>
-                </a:solidFill>
-                <a:effectLst/>
-                <a:highlight>
-                  <a:srgbClr val="1E1E1E"/>
-                </a:highlight>
-                <a:latin typeface="Consolas" panose="020B0609020204030204" pitchFamily="49" charset="0"/>
-              </a:rPr>
-              <a:t>&gt;</a:t>
-            </a:r>
-            <a:endParaRPr lang="en-US" sz="1200" b="0" dirty="0">
-              <a:solidFill>
-                <a:srgbClr val="D4D4D4"/>
-              </a:solidFill>
-              <a:effectLst/>
-              <a:highlight>
-                <a:srgbClr val="1E1E1E"/>
-              </a:highlight>
-              <a:latin typeface="Consolas" panose="020B0609020204030204" pitchFamily="49" charset="0"/>
-            </a:endParaRPr>
-          </a:p>
-          <a:p>
-            <a:endParaRPr lang="en-US" sz="1200" b="0" dirty="0">
-              <a:solidFill>
-                <a:srgbClr val="D4D4D4"/>
-              </a:solidFill>
-              <a:effectLst/>
-              <a:highlight>
-                <a:srgbClr val="1E1E1E"/>
-              </a:highlight>
-              <a:latin typeface="Consolas" panose="020B0609020204030204" pitchFamily="49" charset="0"/>
-            </a:endParaRPr>
-          </a:p>
-        </p:txBody>
-      </p:sp>
-      <p:cxnSp>
-        <p:nvCxnSpPr>
-          <p:cNvPr id="10" name="Straight Arrow Connector 9">
-            <a:extLst>
-              <a:ext uri="{FF2B5EF4-FFF2-40B4-BE49-F238E27FC236}">
-                <a16:creationId xmlns:a16="http://schemas.microsoft.com/office/drawing/2014/main" id="{A57A47EE-C1B9-57B0-0FDC-E3D611309A21}"/>
-              </a:ext>
-            </a:extLst>
-          </p:cNvPr>
-          <p:cNvCxnSpPr>
-            <a:cxnSpLocks/>
-          </p:cNvCxnSpPr>
-          <p:nvPr/>
-        </p:nvCxnSpPr>
-        <p:spPr>
-          <a:xfrm>
-            <a:off x="3956673" y="3405042"/>
-            <a:ext cx="775855" cy="0"/>
-          </a:xfrm>
-          <a:prstGeom prst="straightConnector1">
-            <a:avLst/>
-          </a:prstGeom>
-          <a:ln w="57150">
-            <a:tailEnd type="triangle"/>
-          </a:ln>
-        </p:spPr>
-        <p:style>
-          <a:lnRef idx="2">
-            <a:schemeClr val="accent1"/>
-          </a:lnRef>
-          <a:fillRef idx="0">
-            <a:schemeClr val="accent1"/>
-          </a:fillRef>
-          <a:effectRef idx="1">
-            <a:schemeClr val="accent1"/>
-          </a:effectRef>
-          <a:fontRef idx="minor">
-            <a:schemeClr val="tx1"/>
-          </a:fontRef>
-        </p:style>
-      </p:cxnSp>
-      <p:sp>
-        <p:nvSpPr>
-          <p:cNvPr id="11" name="TextBox 10">
-            <a:extLst>
-              <a:ext uri="{FF2B5EF4-FFF2-40B4-BE49-F238E27FC236}">
-                <a16:creationId xmlns:a16="http://schemas.microsoft.com/office/drawing/2014/main" id="{CDA92900-1463-A123-44AB-BF16470B7F42}"/>
-              </a:ext>
-            </a:extLst>
-          </p:cNvPr>
-          <p:cNvSpPr txBox="1"/>
-          <p:nvPr/>
-        </p:nvSpPr>
-        <p:spPr>
-          <a:xfrm>
-            <a:off x="595652" y="5332150"/>
-            <a:ext cx="3135099" cy="369332"/>
-          </a:xfrm>
-          <a:prstGeom prst="rect">
-            <a:avLst/>
-          </a:prstGeom>
-          <a:noFill/>
-          <a:ln w="12700" cap="rnd">
-            <a:solidFill>
-              <a:schemeClr val="accent1"/>
-            </a:solidFill>
-          </a:ln>
-        </p:spPr>
-        <p:txBody>
-          <a:bodyPr wrap="square" rtlCol="0">
-            <a:spAutoFit/>
-          </a:bodyPr>
-          <a:lstStyle/>
-          <a:p>
-            <a:r>
-              <a:rPr lang="en-US" dirty="0"/>
-              <a:t>Graph Visuals </a:t>
-            </a:r>
-          </a:p>
-        </p:txBody>
-      </p:sp>
-      <p:sp>
-        <p:nvSpPr>
-          <p:cNvPr id="12" name="TextBox 11">
-            <a:extLst>
-              <a:ext uri="{FF2B5EF4-FFF2-40B4-BE49-F238E27FC236}">
-                <a16:creationId xmlns:a16="http://schemas.microsoft.com/office/drawing/2014/main" id="{FFCD9377-DD71-AE37-56AE-A0207C08BAB9}"/>
-              </a:ext>
-            </a:extLst>
-          </p:cNvPr>
-          <p:cNvSpPr txBox="1"/>
-          <p:nvPr/>
-        </p:nvSpPr>
-        <p:spPr>
-          <a:xfrm>
-            <a:off x="4919472" y="5239817"/>
-            <a:ext cx="6510528" cy="461665"/>
-          </a:xfrm>
-          <a:prstGeom prst="rect">
-            <a:avLst/>
-          </a:prstGeom>
-          <a:noFill/>
-          <a:ln w="12700" cap="rnd">
-            <a:solidFill>
-              <a:schemeClr val="accent1"/>
-            </a:solidFill>
-          </a:ln>
-        </p:spPr>
-        <p:txBody>
-          <a:bodyPr wrap="square" rtlCol="0">
-            <a:spAutoFit/>
-          </a:bodyPr>
-          <a:lstStyle>
-            <a:defPPr>
-              <a:defRPr lang="en-US"/>
-            </a:defPPr>
-            <a:lvl1pPr>
-              <a:defRPr/>
-            </a:lvl1pPr>
-          </a:lstStyle>
-          <a:p>
-            <a:r>
-              <a:rPr lang="en-US" sz="1200" b="0" dirty="0">
-                <a:solidFill>
-                  <a:srgbClr val="808080"/>
-                </a:solidFill>
-                <a:effectLst/>
-                <a:highlight>
-                  <a:srgbClr val="1E1E1E"/>
-                </a:highlight>
-                <a:latin typeface="Consolas" panose="020B0609020204030204" pitchFamily="49" charset="0"/>
-              </a:rPr>
-              <a:t>&lt;</a:t>
-            </a:r>
-            <a:r>
-              <a:rPr lang="en-US" sz="1200" b="0" dirty="0">
-                <a:solidFill>
-                  <a:srgbClr val="569CD6"/>
-                </a:solidFill>
-                <a:effectLst/>
-                <a:highlight>
-                  <a:srgbClr val="1E1E1E"/>
-                </a:highlight>
-                <a:latin typeface="Consolas" panose="020B0609020204030204" pitchFamily="49" charset="0"/>
-              </a:rPr>
-              <a:t>script</a:t>
-            </a:r>
-            <a:r>
-              <a:rPr lang="en-US" sz="1200" b="0" dirty="0">
-                <a:solidFill>
-                  <a:srgbClr val="D4D4D4"/>
-                </a:solidFill>
-                <a:effectLst/>
-                <a:highlight>
-                  <a:srgbClr val="1E1E1E"/>
-                </a:highlight>
-                <a:latin typeface="Consolas" panose="020B0609020204030204" pitchFamily="49" charset="0"/>
-              </a:rPr>
-              <a:t> </a:t>
-            </a:r>
-            <a:r>
-              <a:rPr lang="en-US" sz="1200" b="0" dirty="0" err="1">
-                <a:solidFill>
-                  <a:srgbClr val="9CDCFE"/>
-                </a:solidFill>
-                <a:effectLst/>
-                <a:highlight>
-                  <a:srgbClr val="1E1E1E"/>
-                </a:highlight>
-                <a:latin typeface="Consolas" panose="020B0609020204030204" pitchFamily="49" charset="0"/>
-              </a:rPr>
-              <a:t>src</a:t>
-            </a:r>
-            <a:r>
-              <a:rPr lang="en-US" sz="1200" b="0" dirty="0">
-                <a:solidFill>
-                  <a:srgbClr val="D4D4D4"/>
-                </a:solidFill>
-                <a:effectLst/>
-                <a:highlight>
-                  <a:srgbClr val="1E1E1E"/>
-                </a:highlight>
-                <a:latin typeface="Consolas" panose="020B0609020204030204" pitchFamily="49" charset="0"/>
-              </a:rPr>
-              <a:t>=</a:t>
-            </a:r>
-            <a:r>
-              <a:rPr lang="en-US" sz="1200" b="0" dirty="0">
-                <a:solidFill>
-                  <a:srgbClr val="CE9178"/>
-                </a:solidFill>
-                <a:effectLst/>
-                <a:highlight>
-                  <a:srgbClr val="1E1E1E"/>
-                </a:highlight>
-                <a:latin typeface="Consolas" panose="020B0609020204030204" pitchFamily="49" charset="0"/>
-              </a:rPr>
-              <a:t>"https://cdn.plot.ly/plotly-latest.min.js"</a:t>
-            </a:r>
-            <a:r>
-              <a:rPr lang="en-US" sz="1200" b="0" dirty="0">
-                <a:solidFill>
-                  <a:srgbClr val="808080"/>
-                </a:solidFill>
-                <a:effectLst/>
-                <a:highlight>
-                  <a:srgbClr val="1E1E1E"/>
-                </a:highlight>
-                <a:latin typeface="Consolas" panose="020B0609020204030204" pitchFamily="49" charset="0"/>
-              </a:rPr>
-              <a:t>&gt;&lt;/</a:t>
-            </a:r>
-            <a:r>
-              <a:rPr lang="en-US" sz="1200" b="0" dirty="0">
-                <a:solidFill>
-                  <a:srgbClr val="569CD6"/>
-                </a:solidFill>
-                <a:effectLst/>
-                <a:highlight>
-                  <a:srgbClr val="1E1E1E"/>
-                </a:highlight>
-                <a:latin typeface="Consolas" panose="020B0609020204030204" pitchFamily="49" charset="0"/>
-              </a:rPr>
-              <a:t>script</a:t>
-            </a:r>
-            <a:r>
-              <a:rPr lang="en-US" sz="1200" b="0" dirty="0">
-                <a:solidFill>
-                  <a:srgbClr val="808080"/>
-                </a:solidFill>
-                <a:effectLst/>
-                <a:highlight>
-                  <a:srgbClr val="1E1E1E"/>
-                </a:highlight>
-                <a:latin typeface="Consolas" panose="020B0609020204030204" pitchFamily="49" charset="0"/>
-              </a:rPr>
-              <a:t>&gt;</a:t>
-            </a:r>
-            <a:endParaRPr lang="en-US" sz="1200" b="0" dirty="0">
-              <a:solidFill>
-                <a:srgbClr val="D4D4D4"/>
-              </a:solidFill>
-              <a:effectLst/>
-              <a:highlight>
-                <a:srgbClr val="1E1E1E"/>
-              </a:highlight>
-              <a:latin typeface="Consolas" panose="020B0609020204030204" pitchFamily="49" charset="0"/>
-            </a:endParaRPr>
-          </a:p>
-          <a:p>
-            <a:endParaRPr lang="en-US" sz="1200" b="0" dirty="0">
-              <a:solidFill>
-                <a:srgbClr val="D4D4D4"/>
-              </a:solidFill>
-              <a:effectLst/>
-              <a:highlight>
-                <a:srgbClr val="1E1E1E"/>
-              </a:highlight>
-              <a:latin typeface="Consolas" panose="020B0609020204030204" pitchFamily="49" charset="0"/>
-            </a:endParaRPr>
-          </a:p>
-        </p:txBody>
-      </p:sp>
-      <p:cxnSp>
-        <p:nvCxnSpPr>
-          <p:cNvPr id="13" name="Straight Arrow Connector 12">
-            <a:extLst>
-              <a:ext uri="{FF2B5EF4-FFF2-40B4-BE49-F238E27FC236}">
-                <a16:creationId xmlns:a16="http://schemas.microsoft.com/office/drawing/2014/main" id="{63FD47B6-D1C2-E6B2-EA47-9DE456D35C52}"/>
-              </a:ext>
-            </a:extLst>
-          </p:cNvPr>
-          <p:cNvCxnSpPr>
-            <a:cxnSpLocks/>
-          </p:cNvCxnSpPr>
-          <p:nvPr/>
-        </p:nvCxnSpPr>
-        <p:spPr>
-          <a:xfrm>
-            <a:off x="4081368" y="5450687"/>
-            <a:ext cx="775855" cy="0"/>
-          </a:xfrm>
-          <a:prstGeom prst="straightConnector1">
-            <a:avLst/>
-          </a:prstGeom>
-          <a:ln w="57150">
-            <a:tailEnd type="triangle"/>
-          </a:ln>
-        </p:spPr>
-        <p:style>
-          <a:lnRef idx="2">
-            <a:schemeClr val="accent1"/>
-          </a:lnRef>
-          <a:fillRef idx="0">
-            <a:schemeClr val="accent1"/>
-          </a:fillRef>
-          <a:effectRef idx="1">
-            <a:schemeClr val="accent1"/>
-          </a:effectRef>
-          <a:fontRef idx="minor">
-            <a:schemeClr val="tx1"/>
-          </a:fontRef>
-        </p:style>
-      </p:cxnSp>
-    </p:spTree>
-    <p:extLst>
-      <p:ext uri="{BB962C8B-B14F-4D97-AF65-F5344CB8AC3E}">
-        <p14:creationId xmlns:p14="http://schemas.microsoft.com/office/powerpoint/2010/main" val="675222058"/>
-      </p:ext>
-    </p:extLst>
-  </p:cSld>
-  <p:clrMapOvr>
-    <a:masterClrMapping/>
-  </p:clrMapOvr>
-</p:sld>
-</file>
-
-<file path=ppt/slides/slide8.xml><?xml version="1.0" encoding="utf-8"?>
-<p:sld xmlns:a="http://schemas.openxmlformats.org/drawingml/2006/main" xmlns:r="http://schemas.openxmlformats.org/officeDocument/2006/relationships" xmlns:p="http://schemas.openxmlformats.org/presentationml/2006/main">
-  <p:cSld>
-    <p:spTree>
-      <p:nvGrpSpPr>
-        <p:cNvPr id="1" name=""/>
-        <p:cNvGrpSpPr/>
-        <p:nvPr/>
-      </p:nvGrpSpPr>
-      <p:grpSpPr>
-        <a:xfrm>
-          <a:off x="0" y="0"/>
-          <a:ext cx="0" cy="0"/>
-          <a:chOff x="0" y="0"/>
-          <a:chExt cx="0" cy="0"/>
-        </a:xfrm>
-      </p:grpSpPr>
-      <p:sp>
-        <p:nvSpPr>
-          <p:cNvPr id="2" name="Title 1">
-            <a:extLst>
-              <a:ext uri="{FF2B5EF4-FFF2-40B4-BE49-F238E27FC236}">
-                <a16:creationId xmlns:a16="http://schemas.microsoft.com/office/drawing/2014/main" id="{792CF614-8A26-89E2-AE07-1602A5BBCEFA}"/>
-              </a:ext>
-            </a:extLst>
-          </p:cNvPr>
-          <p:cNvSpPr>
-            <a:spLocks noGrp="1"/>
-          </p:cNvSpPr>
-          <p:nvPr>
-            <p:ph type="title"/>
-          </p:nvPr>
-        </p:nvSpPr>
-        <p:spPr/>
-        <p:txBody>
-          <a:bodyPr/>
-          <a:lstStyle/>
-          <a:p>
-            <a:pPr algn="ctr"/>
-            <a:r>
-              <a:rPr lang="en-US" dirty="0"/>
-              <a:t>Conclusion</a:t>
-            </a:r>
-          </a:p>
-        </p:txBody>
-      </p:sp>
-      <p:sp>
-        <p:nvSpPr>
-          <p:cNvPr id="3" name="Content Placeholder 2">
-            <a:extLst>
-              <a:ext uri="{FF2B5EF4-FFF2-40B4-BE49-F238E27FC236}">
-                <a16:creationId xmlns:a16="http://schemas.microsoft.com/office/drawing/2014/main" id="{45C7E082-7169-14B0-95F1-3B5E75C605D4}"/>
-              </a:ext>
-            </a:extLst>
-          </p:cNvPr>
-          <p:cNvSpPr>
-            <a:spLocks noGrp="1"/>
-          </p:cNvSpPr>
-          <p:nvPr>
-            <p:ph idx="1"/>
-          </p:nvPr>
-        </p:nvSpPr>
-        <p:spPr/>
-        <p:txBody>
-          <a:bodyPr>
-            <a:normAutofit/>
-          </a:bodyPr>
-          <a:lstStyle/>
-          <a:p>
-            <a:pPr marL="0" indent="0">
-              <a:buNone/>
-            </a:pPr>
-            <a:r>
-              <a:rPr lang="en-US" sz="1800" dirty="0"/>
-              <a:t>Summarize the visuals</a:t>
-            </a:r>
-          </a:p>
-          <a:p>
-            <a:r>
-              <a:rPr lang="en-US" sz="1800" dirty="0"/>
-              <a:t>World Density– not many players internationally join the American MLB.</a:t>
-            </a:r>
-          </a:p>
-          <a:p>
-            <a:r>
-              <a:rPr lang="en-US" sz="1800" dirty="0"/>
-              <a:t>States Density – Base on the visual we can tell that California has produce the most MLB players. </a:t>
-            </a:r>
-          </a:p>
-          <a:p>
-            <a:r>
-              <a:rPr lang="en-US" sz="1800" dirty="0"/>
-              <a:t>MLB players birth years – Most players born from 1960’s into late 1980’s contributed to the MLB.</a:t>
-            </a:r>
-          </a:p>
-          <a:p>
-            <a:endParaRPr lang="en-US" sz="1800" dirty="0"/>
-          </a:p>
-          <a:p>
-            <a:endParaRPr lang="en-US" sz="1800"/>
-          </a:p>
-          <a:p>
-            <a:endParaRPr lang="en-US" sz="1800" dirty="0"/>
-          </a:p>
-        </p:txBody>
-      </p:sp>
-      <p:pic>
-        <p:nvPicPr>
-          <p:cNvPr id="5" name="Picture 4" descr="A baseball bat and glove on a dirt field&#10;&#10;Description automatically generated">
-            <a:extLst>
-              <a:ext uri="{FF2B5EF4-FFF2-40B4-BE49-F238E27FC236}">
-                <a16:creationId xmlns:a16="http://schemas.microsoft.com/office/drawing/2014/main" id="{170D67A4-2436-81AE-9002-6E7534C3383F}"/>
-              </a:ext>
-            </a:extLst>
-          </p:cNvPr>
-          <p:cNvPicPr>
-            <a:picLocks noChangeAspect="1"/>
-          </p:cNvPicPr>
-          <p:nvPr/>
-        </p:nvPicPr>
-        <p:blipFill>
-          <a:blip r:embed="rId2">
-            <a:extLst>
-              <a:ext uri="{28A0092B-C50C-407E-A947-70E740481C1C}">
-                <a14:useLocalDpi xmlns:a14="http://schemas.microsoft.com/office/drawing/2010/main" val="0"/>
-              </a:ext>
-            </a:extLst>
-          </a:blip>
-          <a:stretch>
-            <a:fillRect/>
-          </a:stretch>
-        </p:blipFill>
-        <p:spPr>
-          <a:xfrm>
-            <a:off x="3473996" y="3653103"/>
-            <a:ext cx="3702659" cy="2184279"/>
-          </a:xfrm>
-          <a:prstGeom prst="rect">
-            <a:avLst/>
-          </a:prstGeom>
-        </p:spPr>
-      </p:pic>
-      <p:sp>
-        <p:nvSpPr>
-          <p:cNvPr id="4" name="TextBox 3">
-            <a:extLst>
-              <a:ext uri="{FF2B5EF4-FFF2-40B4-BE49-F238E27FC236}">
-                <a16:creationId xmlns:a16="http://schemas.microsoft.com/office/drawing/2014/main" id="{823740D6-244B-0A0C-4B9D-9D5EB7FDB863}"/>
-              </a:ext>
-            </a:extLst>
-          </p:cNvPr>
-          <p:cNvSpPr txBox="1"/>
-          <p:nvPr/>
-        </p:nvSpPr>
-        <p:spPr>
-          <a:xfrm>
-            <a:off x="73891" y="6308209"/>
-            <a:ext cx="12044218" cy="369332"/>
-          </a:xfrm>
-          <a:prstGeom prst="rect">
-            <a:avLst/>
-          </a:prstGeom>
-          <a:noFill/>
-          <a:ln w="12700" cap="rnd">
-            <a:solidFill>
-              <a:schemeClr val="accent1"/>
-            </a:solidFill>
-          </a:ln>
-        </p:spPr>
-        <p:txBody>
-          <a:bodyPr wrap="square" rtlCol="0">
-            <a:spAutoFit/>
-          </a:bodyPr>
-          <a:lstStyle>
-            <a:defPPr>
-              <a:defRPr lang="en-US"/>
-            </a:defPPr>
-            <a:lvl1pPr>
-              <a:defRPr/>
-            </a:lvl1pPr>
-          </a:lstStyle>
-          <a:p>
-            <a:r>
-              <a:rPr lang="en-US" dirty="0"/>
-              <a:t>Web Project Repositor : </a:t>
-            </a:r>
-            <a:r>
-              <a:rPr lang="en-US" i="1" dirty="0">
-                <a:solidFill>
-                  <a:schemeClr val="tx2">
-                    <a:lumMod val="90000"/>
-                    <a:lumOff val="10000"/>
-                  </a:schemeClr>
-                </a:solidFill>
-              </a:rPr>
-              <a:t>https://github.com/leeju09/Project-3-Baseball-</a:t>
-            </a:r>
-          </a:p>
-        </p:txBody>
-      </p:sp>
-    </p:spTree>
-    <p:extLst>
-      <p:ext uri="{BB962C8B-B14F-4D97-AF65-F5344CB8AC3E}">
         <p14:creationId xmlns:p14="http://schemas.microsoft.com/office/powerpoint/2010/main" val="3650296232"/>
-      </p:ext>
-    </p:extLst>
-  </p:cSld>
-  <p:clrMapOvr>
-    <a:masterClrMapping/>
-  </p:clrMapOvr>
-</p:sld>
-</file>
-
-<file path=ppt/slides/slide9.xml><?xml version="1.0" encoding="utf-8"?>
-<p:sld xmlns:a="http://schemas.openxmlformats.org/drawingml/2006/main" xmlns:r="http://schemas.openxmlformats.org/officeDocument/2006/relationships" xmlns:p="http://schemas.openxmlformats.org/presentationml/2006/main">
-  <p:cSld>
-    <p:spTree>
-      <p:nvGrpSpPr>
-        <p:cNvPr id="1" name=""/>
-        <p:cNvGrpSpPr/>
-        <p:nvPr/>
-      </p:nvGrpSpPr>
-      <p:grpSpPr>
-        <a:xfrm>
-          <a:off x="0" y="0"/>
-          <a:ext cx="0" cy="0"/>
-          <a:chOff x="0" y="0"/>
-          <a:chExt cx="0" cy="0"/>
-        </a:xfrm>
-      </p:grpSpPr>
-      <p:sp>
-        <p:nvSpPr>
-          <p:cNvPr id="2" name="Title 1">
-            <a:extLst>
-              <a:ext uri="{FF2B5EF4-FFF2-40B4-BE49-F238E27FC236}">
-                <a16:creationId xmlns:a16="http://schemas.microsoft.com/office/drawing/2014/main" id="{3EDC26B8-2F0A-193E-D0C0-63B585F2D516}"/>
-              </a:ext>
-            </a:extLst>
-          </p:cNvPr>
-          <p:cNvSpPr>
-            <a:spLocks noGrp="1"/>
-          </p:cNvSpPr>
-          <p:nvPr>
-            <p:ph type="title"/>
-          </p:nvPr>
-        </p:nvSpPr>
-        <p:spPr>
-          <a:xfrm>
-            <a:off x="838200" y="365125"/>
-            <a:ext cx="10515600" cy="1205057"/>
-          </a:xfrm>
-        </p:spPr>
-        <p:txBody>
-          <a:bodyPr/>
-          <a:lstStyle/>
-          <a:p>
-            <a:pPr algn="ctr"/>
-            <a:r>
-              <a:rPr lang="en-US" dirty="0"/>
-              <a:t>Q &amp; A</a:t>
-            </a:r>
-          </a:p>
-        </p:txBody>
-      </p:sp>
-    </p:spTree>
-    <p:extLst>
-      <p:ext uri="{BB962C8B-B14F-4D97-AF65-F5344CB8AC3E}">
-        <p14:creationId xmlns:p14="http://schemas.microsoft.com/office/powerpoint/2010/main" val="3347308563"/>
       </p:ext>
     </p:extLst>
   </p:cSld>

--- a/Presentation/Proect3_Group3.pptx
+++ b/Presentation/Proect3_Group3.pptx
@@ -4,12 +4,19 @@
   <p:sldMasterIdLst>
     <p:sldMasterId id="2147483648" r:id="rId1"/>
   </p:sldMasterIdLst>
+  <p:notesMasterIdLst>
+    <p:notesMasterId r:id="rId11"/>
+  </p:notesMasterIdLst>
   <p:sldIdLst>
     <p:sldId id="257" r:id="rId2"/>
     <p:sldId id="256" r:id="rId3"/>
     <p:sldId id="259" r:id="rId4"/>
     <p:sldId id="258" r:id="rId5"/>
-    <p:sldId id="260" r:id="rId6"/>
+    <p:sldId id="261" r:id="rId6"/>
+    <p:sldId id="262" r:id="rId7"/>
+    <p:sldId id="263" r:id="rId8"/>
+    <p:sldId id="260" r:id="rId9"/>
+    <p:sldId id="264" r:id="rId10"/>
   </p:sldIdLst>
   <p:sldSz cx="12192000" cy="6858000"/>
   <p:notesSz cx="6858000" cy="9144000"/>
@@ -127,6 +134,84 @@
 
 <file path=ppt/changesInfos/changesInfo1.xml><?xml version="1.0" encoding="utf-8"?>
 <pc:chgInfo xmlns:a="http://schemas.openxmlformats.org/drawingml/2006/main" xmlns:r="http://schemas.openxmlformats.org/officeDocument/2006/relationships" xmlns:ac="http://schemas.microsoft.com/office/drawing/2013/main/command" xmlns:pc="http://schemas.microsoft.com/office/powerpoint/2013/main/command">
+  <pc:docChgLst>
+    <pc:chgData name="Jim Pieper" userId="70ec17d751b5d6ef" providerId="LiveId" clId="{C39F6B6F-DF65-45AA-B91E-27C5D666BD64}"/>
+    <pc:docChg chg="modSld">
+      <pc:chgData name="Jim Pieper" userId="70ec17d751b5d6ef" providerId="LiveId" clId="{C39F6B6F-DF65-45AA-B91E-27C5D666BD64}" dt="2024-07-23T02:10:33.465" v="33" actId="20577"/>
+      <pc:docMkLst>
+        <pc:docMk/>
+      </pc:docMkLst>
+      <pc:sldChg chg="addSp modSp mod">
+        <pc:chgData name="Jim Pieper" userId="70ec17d751b5d6ef" providerId="LiveId" clId="{C39F6B6F-DF65-45AA-B91E-27C5D666BD64}" dt="2024-07-23T02:10:33.465" v="33" actId="20577"/>
+        <pc:sldMkLst>
+          <pc:docMk/>
+          <pc:sldMk cId="1528074873" sldId="257"/>
+        </pc:sldMkLst>
+        <pc:spChg chg="mod">
+          <ac:chgData name="Jim Pieper" userId="70ec17d751b5d6ef" providerId="LiveId" clId="{C39F6B6F-DF65-45AA-B91E-27C5D666BD64}" dt="2024-07-23T02:10:33.465" v="33" actId="20577"/>
+          <ac:spMkLst>
+            <pc:docMk/>
+            <pc:sldMk cId="1528074873" sldId="257"/>
+            <ac:spMk id="3" creationId="{C604EF24-9696-F68D-65A3-5E01DE11245F}"/>
+          </ac:spMkLst>
+        </pc:spChg>
+        <pc:spChg chg="mod">
+          <ac:chgData name="Jim Pieper" userId="70ec17d751b5d6ef" providerId="LiveId" clId="{C39F6B6F-DF65-45AA-B91E-27C5D666BD64}" dt="2024-07-23T02:06:25.431" v="5" actId="1076"/>
+          <ac:spMkLst>
+            <pc:docMk/>
+            <pc:sldMk cId="1528074873" sldId="257"/>
+            <ac:spMk id="5" creationId="{FD28AF83-D9E7-1048-AE8B-28A0B0876A75}"/>
+          </ac:spMkLst>
+        </pc:spChg>
+        <pc:picChg chg="add mod">
+          <ac:chgData name="Jim Pieper" userId="70ec17d751b5d6ef" providerId="LiveId" clId="{C39F6B6F-DF65-45AA-B91E-27C5D666BD64}" dt="2024-07-23T02:06:31.552" v="7" actId="1076"/>
+          <ac:picMkLst>
+            <pc:docMk/>
+            <pc:sldMk cId="1528074873" sldId="257"/>
+            <ac:picMk id="6" creationId="{9C52897D-B685-6DCC-5113-6DB2721238BF}"/>
+          </ac:picMkLst>
+        </pc:picChg>
+      </pc:sldChg>
+      <pc:sldChg chg="addSp modSp mod">
+        <pc:chgData name="Jim Pieper" userId="70ec17d751b5d6ef" providerId="LiveId" clId="{C39F6B6F-DF65-45AA-B91E-27C5D666BD64}" dt="2024-07-23T02:07:37.816" v="22" actId="1076"/>
+        <pc:sldMkLst>
+          <pc:docMk/>
+          <pc:sldMk cId="2678295895" sldId="259"/>
+        </pc:sldMkLst>
+        <pc:picChg chg="add mod">
+          <ac:chgData name="Jim Pieper" userId="70ec17d751b5d6ef" providerId="LiveId" clId="{C39F6B6F-DF65-45AA-B91E-27C5D666BD64}" dt="2024-07-23T02:07:07.543" v="13" actId="1076"/>
+          <ac:picMkLst>
+            <pc:docMk/>
+            <pc:sldMk cId="2678295895" sldId="259"/>
+            <ac:picMk id="9" creationId="{A7A76F33-0B10-F6D9-CA7D-76126C88BF40}"/>
+          </ac:picMkLst>
+        </pc:picChg>
+        <pc:picChg chg="add mod">
+          <ac:chgData name="Jim Pieper" userId="70ec17d751b5d6ef" providerId="LiveId" clId="{C39F6B6F-DF65-45AA-B91E-27C5D666BD64}" dt="2024-07-23T02:07:37.816" v="22" actId="1076"/>
+          <ac:picMkLst>
+            <pc:docMk/>
+            <pc:sldMk cId="2678295895" sldId="259"/>
+            <ac:picMk id="11" creationId="{CDC7E4A5-3252-7697-A384-35B0D1C04FAC}"/>
+          </ac:picMkLst>
+        </pc:picChg>
+      </pc:sldChg>
+      <pc:sldChg chg="addSp modSp mod">
+        <pc:chgData name="Jim Pieper" userId="70ec17d751b5d6ef" providerId="LiveId" clId="{C39F6B6F-DF65-45AA-B91E-27C5D666BD64}" dt="2024-07-23T02:09:53.863" v="28" actId="1076"/>
+        <pc:sldMkLst>
+          <pc:docMk/>
+          <pc:sldMk cId="3650296232" sldId="260"/>
+        </pc:sldMkLst>
+        <pc:picChg chg="add mod">
+          <ac:chgData name="Jim Pieper" userId="70ec17d751b5d6ef" providerId="LiveId" clId="{C39F6B6F-DF65-45AA-B91E-27C5D666BD64}" dt="2024-07-23T02:09:53.863" v="28" actId="1076"/>
+          <ac:picMkLst>
+            <pc:docMk/>
+            <pc:sldMk cId="3650296232" sldId="260"/>
+            <ac:picMk id="5" creationId="{170D67A4-2436-81AE-9002-6E7534C3383F}"/>
+          </ac:picMkLst>
+        </pc:picChg>
+      </pc:sldChg>
+    </pc:docChg>
+  </pc:docChgLst>
   <pc:docChgLst>
     <pc:chgData name="Julia Lee" userId="717c3f08ebd32c59" providerId="LiveId" clId="{C9DAFF7B-E82D-426E-BEF2-3502DB69F227}"/>
     <pc:docChg chg="undo custSel addSld modSld">
@@ -276,85 +361,440 @@
       </pc:sldChg>
     </pc:docChg>
   </pc:docChgLst>
-  <pc:docChgLst>
-    <pc:chgData name="Jim Pieper" userId="70ec17d751b5d6ef" providerId="LiveId" clId="{C39F6B6F-DF65-45AA-B91E-27C5D666BD64}"/>
-    <pc:docChg chg="modSld">
-      <pc:chgData name="Jim Pieper" userId="70ec17d751b5d6ef" providerId="LiveId" clId="{C39F6B6F-DF65-45AA-B91E-27C5D666BD64}" dt="2024-07-23T02:10:33.465" v="33" actId="20577"/>
-      <pc:docMkLst>
-        <pc:docMk/>
-      </pc:docMkLst>
-      <pc:sldChg chg="addSp modSp mod">
-        <pc:chgData name="Jim Pieper" userId="70ec17d751b5d6ef" providerId="LiveId" clId="{C39F6B6F-DF65-45AA-B91E-27C5D666BD64}" dt="2024-07-23T02:10:33.465" v="33" actId="20577"/>
-        <pc:sldMkLst>
-          <pc:docMk/>
-          <pc:sldMk cId="1528074873" sldId="257"/>
-        </pc:sldMkLst>
-        <pc:spChg chg="mod">
-          <ac:chgData name="Jim Pieper" userId="70ec17d751b5d6ef" providerId="LiveId" clId="{C39F6B6F-DF65-45AA-B91E-27C5D666BD64}" dt="2024-07-23T02:10:33.465" v="33" actId="20577"/>
-          <ac:spMkLst>
-            <pc:docMk/>
-            <pc:sldMk cId="1528074873" sldId="257"/>
-            <ac:spMk id="3" creationId="{C604EF24-9696-F68D-65A3-5E01DE11245F}"/>
-          </ac:spMkLst>
-        </pc:spChg>
-        <pc:spChg chg="mod">
-          <ac:chgData name="Jim Pieper" userId="70ec17d751b5d6ef" providerId="LiveId" clId="{C39F6B6F-DF65-45AA-B91E-27C5D666BD64}" dt="2024-07-23T02:06:25.431" v="5" actId="1076"/>
-          <ac:spMkLst>
-            <pc:docMk/>
-            <pc:sldMk cId="1528074873" sldId="257"/>
-            <ac:spMk id="5" creationId="{FD28AF83-D9E7-1048-AE8B-28A0B0876A75}"/>
-          </ac:spMkLst>
-        </pc:spChg>
-        <pc:picChg chg="add mod">
-          <ac:chgData name="Jim Pieper" userId="70ec17d751b5d6ef" providerId="LiveId" clId="{C39F6B6F-DF65-45AA-B91E-27C5D666BD64}" dt="2024-07-23T02:06:31.552" v="7" actId="1076"/>
-          <ac:picMkLst>
-            <pc:docMk/>
-            <pc:sldMk cId="1528074873" sldId="257"/>
-            <ac:picMk id="6" creationId="{9C52897D-B685-6DCC-5113-6DB2721238BF}"/>
-          </ac:picMkLst>
-        </pc:picChg>
-      </pc:sldChg>
-      <pc:sldChg chg="addSp modSp mod">
-        <pc:chgData name="Jim Pieper" userId="70ec17d751b5d6ef" providerId="LiveId" clId="{C39F6B6F-DF65-45AA-B91E-27C5D666BD64}" dt="2024-07-23T02:07:37.816" v="22" actId="1076"/>
-        <pc:sldMkLst>
-          <pc:docMk/>
-          <pc:sldMk cId="2678295895" sldId="259"/>
-        </pc:sldMkLst>
-        <pc:picChg chg="add mod">
-          <ac:chgData name="Jim Pieper" userId="70ec17d751b5d6ef" providerId="LiveId" clId="{C39F6B6F-DF65-45AA-B91E-27C5D666BD64}" dt="2024-07-23T02:07:07.543" v="13" actId="1076"/>
-          <ac:picMkLst>
-            <pc:docMk/>
-            <pc:sldMk cId="2678295895" sldId="259"/>
-            <ac:picMk id="9" creationId="{A7A76F33-0B10-F6D9-CA7D-76126C88BF40}"/>
-          </ac:picMkLst>
-        </pc:picChg>
-        <pc:picChg chg="add mod">
-          <ac:chgData name="Jim Pieper" userId="70ec17d751b5d6ef" providerId="LiveId" clId="{C39F6B6F-DF65-45AA-B91E-27C5D666BD64}" dt="2024-07-23T02:07:37.816" v="22" actId="1076"/>
-          <ac:picMkLst>
-            <pc:docMk/>
-            <pc:sldMk cId="2678295895" sldId="259"/>
-            <ac:picMk id="11" creationId="{CDC7E4A5-3252-7697-A384-35B0D1C04FAC}"/>
-          </ac:picMkLst>
-        </pc:picChg>
-      </pc:sldChg>
-      <pc:sldChg chg="addSp modSp mod">
-        <pc:chgData name="Jim Pieper" userId="70ec17d751b5d6ef" providerId="LiveId" clId="{C39F6B6F-DF65-45AA-B91E-27C5D666BD64}" dt="2024-07-23T02:09:53.863" v="28" actId="1076"/>
-        <pc:sldMkLst>
-          <pc:docMk/>
-          <pc:sldMk cId="3650296232" sldId="260"/>
-        </pc:sldMkLst>
-        <pc:picChg chg="add mod">
-          <ac:chgData name="Jim Pieper" userId="70ec17d751b5d6ef" providerId="LiveId" clId="{C39F6B6F-DF65-45AA-B91E-27C5D666BD64}" dt="2024-07-23T02:09:53.863" v="28" actId="1076"/>
-          <ac:picMkLst>
-            <pc:docMk/>
-            <pc:sldMk cId="3650296232" sldId="260"/>
-            <ac:picMk id="5" creationId="{170D67A4-2436-81AE-9002-6E7534C3383F}"/>
-          </ac:picMkLst>
-        </pc:picChg>
-      </pc:sldChg>
-    </pc:docChg>
-  </pc:docChgLst>
 </pc:chgInfo>
+</file>
+
+<file path=ppt/notesMasters/notesMaster1.xml><?xml version="1.0" encoding="utf-8"?>
+<p:notesMaster xmlns:a="http://schemas.openxmlformats.org/drawingml/2006/main" xmlns:r="http://schemas.openxmlformats.org/officeDocument/2006/relationships" xmlns:p="http://schemas.openxmlformats.org/presentationml/2006/main">
+  <p:cSld>
+    <p:bg>
+      <p:bgRef idx="1001">
+        <a:schemeClr val="bg1"/>
+      </p:bgRef>
+    </p:bg>
+    <p:spTree>
+      <p:nvGrpSpPr>
+        <p:cNvPr id="1" name=""/>
+        <p:cNvGrpSpPr/>
+        <p:nvPr/>
+      </p:nvGrpSpPr>
+      <p:grpSpPr>
+        <a:xfrm>
+          <a:off x="0" y="0"/>
+          <a:ext cx="0" cy="0"/>
+          <a:chOff x="0" y="0"/>
+          <a:chExt cx="0" cy="0"/>
+        </a:xfrm>
+      </p:grpSpPr>
+      <p:sp>
+        <p:nvSpPr>
+          <p:cNvPr id="2" name="Header Placeholder 1"/>
+          <p:cNvSpPr>
+            <a:spLocks noGrp="1"/>
+          </p:cNvSpPr>
+          <p:nvPr>
+            <p:ph type="hdr" sz="quarter"/>
+          </p:nvPr>
+        </p:nvSpPr>
+        <p:spPr>
+          <a:xfrm>
+            <a:off x="0" y="0"/>
+            <a:ext cx="2971800" cy="458788"/>
+          </a:xfrm>
+          <a:prstGeom prst="rect">
+            <a:avLst/>
+          </a:prstGeom>
+        </p:spPr>
+        <p:txBody>
+          <a:bodyPr vert="horz" lIns="91440" tIns="45720" rIns="91440" bIns="45720" rtlCol="0"/>
+          <a:lstStyle>
+            <a:lvl1pPr algn="l">
+              <a:defRPr sz="1200"/>
+            </a:lvl1pPr>
+          </a:lstStyle>
+          <a:p>
+            <a:endParaRPr lang="en-US"/>
+          </a:p>
+        </p:txBody>
+      </p:sp>
+      <p:sp>
+        <p:nvSpPr>
+          <p:cNvPr id="3" name="Date Placeholder 2"/>
+          <p:cNvSpPr>
+            <a:spLocks noGrp="1"/>
+          </p:cNvSpPr>
+          <p:nvPr>
+            <p:ph type="dt" idx="1"/>
+          </p:nvPr>
+        </p:nvSpPr>
+        <p:spPr>
+          <a:xfrm>
+            <a:off x="3884613" y="0"/>
+            <a:ext cx="2971800" cy="458788"/>
+          </a:xfrm>
+          <a:prstGeom prst="rect">
+            <a:avLst/>
+          </a:prstGeom>
+        </p:spPr>
+        <p:txBody>
+          <a:bodyPr vert="horz" lIns="91440" tIns="45720" rIns="91440" bIns="45720" rtlCol="0"/>
+          <a:lstStyle>
+            <a:lvl1pPr algn="r">
+              <a:defRPr sz="1200"/>
+            </a:lvl1pPr>
+          </a:lstStyle>
+          <a:p>
+            <a:fld id="{8E661CA2-9F87-4C13-B53A-3276AB8094FA}" type="datetimeFigureOut">
+              <a:rPr lang="en-US" smtClean="0"/>
+              <a:t>7/23/2024</a:t>
+            </a:fld>
+            <a:endParaRPr lang="en-US"/>
+          </a:p>
+        </p:txBody>
+      </p:sp>
+      <p:sp>
+        <p:nvSpPr>
+          <p:cNvPr id="4" name="Slide Image Placeholder 3"/>
+          <p:cNvSpPr>
+            <a:spLocks noGrp="1" noRot="1" noChangeAspect="1"/>
+          </p:cNvSpPr>
+          <p:nvPr>
+            <p:ph type="sldImg" idx="2"/>
+          </p:nvPr>
+        </p:nvSpPr>
+        <p:spPr>
+          <a:xfrm>
+            <a:off x="685800" y="1143000"/>
+            <a:ext cx="5486400" cy="3086100"/>
+          </a:xfrm>
+          <a:prstGeom prst="rect">
+            <a:avLst/>
+          </a:prstGeom>
+          <a:noFill/>
+          <a:ln w="12700">
+            <a:solidFill>
+              <a:prstClr val="black"/>
+            </a:solidFill>
+          </a:ln>
+        </p:spPr>
+        <p:txBody>
+          <a:bodyPr vert="horz" lIns="91440" tIns="45720" rIns="91440" bIns="45720" rtlCol="0" anchor="ctr"/>
+          <a:lstStyle/>
+          <a:p>
+            <a:endParaRPr lang="en-US"/>
+          </a:p>
+        </p:txBody>
+      </p:sp>
+      <p:sp>
+        <p:nvSpPr>
+          <p:cNvPr id="5" name="Notes Placeholder 4"/>
+          <p:cNvSpPr>
+            <a:spLocks noGrp="1"/>
+          </p:cNvSpPr>
+          <p:nvPr>
+            <p:ph type="body" sz="quarter" idx="3"/>
+          </p:nvPr>
+        </p:nvSpPr>
+        <p:spPr>
+          <a:xfrm>
+            <a:off x="685800" y="4400550"/>
+            <a:ext cx="5486400" cy="3600450"/>
+          </a:xfrm>
+          <a:prstGeom prst="rect">
+            <a:avLst/>
+          </a:prstGeom>
+        </p:spPr>
+        <p:txBody>
+          <a:bodyPr vert="horz" lIns="91440" tIns="45720" rIns="91440" bIns="45720" rtlCol="0"/>
+          <a:lstStyle/>
+          <a:p>
+            <a:pPr lvl="0"/>
+            <a:r>
+              <a:rPr lang="en-US"/>
+              <a:t>Click to edit Master text styles</a:t>
+            </a:r>
+          </a:p>
+          <a:p>
+            <a:pPr lvl="1"/>
+            <a:r>
+              <a:rPr lang="en-US"/>
+              <a:t>Second level</a:t>
+            </a:r>
+          </a:p>
+          <a:p>
+            <a:pPr lvl="2"/>
+            <a:r>
+              <a:rPr lang="en-US"/>
+              <a:t>Third level</a:t>
+            </a:r>
+          </a:p>
+          <a:p>
+            <a:pPr lvl="3"/>
+            <a:r>
+              <a:rPr lang="en-US"/>
+              <a:t>Fourth level</a:t>
+            </a:r>
+          </a:p>
+          <a:p>
+            <a:pPr lvl="4"/>
+            <a:r>
+              <a:rPr lang="en-US"/>
+              <a:t>Fifth level</a:t>
+            </a:r>
+          </a:p>
+        </p:txBody>
+      </p:sp>
+      <p:sp>
+        <p:nvSpPr>
+          <p:cNvPr id="6" name="Footer Placeholder 5"/>
+          <p:cNvSpPr>
+            <a:spLocks noGrp="1"/>
+          </p:cNvSpPr>
+          <p:nvPr>
+            <p:ph type="ftr" sz="quarter" idx="4"/>
+          </p:nvPr>
+        </p:nvSpPr>
+        <p:spPr>
+          <a:xfrm>
+            <a:off x="0" y="8685213"/>
+            <a:ext cx="2971800" cy="458787"/>
+          </a:xfrm>
+          <a:prstGeom prst="rect">
+            <a:avLst/>
+          </a:prstGeom>
+        </p:spPr>
+        <p:txBody>
+          <a:bodyPr vert="horz" lIns="91440" tIns="45720" rIns="91440" bIns="45720" rtlCol="0" anchor="b"/>
+          <a:lstStyle>
+            <a:lvl1pPr algn="l">
+              <a:defRPr sz="1200"/>
+            </a:lvl1pPr>
+          </a:lstStyle>
+          <a:p>
+            <a:endParaRPr lang="en-US"/>
+          </a:p>
+        </p:txBody>
+      </p:sp>
+      <p:sp>
+        <p:nvSpPr>
+          <p:cNvPr id="7" name="Slide Number Placeholder 6"/>
+          <p:cNvSpPr>
+            <a:spLocks noGrp="1"/>
+          </p:cNvSpPr>
+          <p:nvPr>
+            <p:ph type="sldNum" sz="quarter" idx="5"/>
+          </p:nvPr>
+        </p:nvSpPr>
+        <p:spPr>
+          <a:xfrm>
+            <a:off x="3884613" y="8685213"/>
+            <a:ext cx="2971800" cy="458787"/>
+          </a:xfrm>
+          <a:prstGeom prst="rect">
+            <a:avLst/>
+          </a:prstGeom>
+        </p:spPr>
+        <p:txBody>
+          <a:bodyPr vert="horz" lIns="91440" tIns="45720" rIns="91440" bIns="45720" rtlCol="0" anchor="b"/>
+          <a:lstStyle>
+            <a:lvl1pPr algn="r">
+              <a:defRPr sz="1200"/>
+            </a:lvl1pPr>
+          </a:lstStyle>
+          <a:p>
+            <a:fld id="{05EA7D58-6674-43B9-AC98-EEDE94588D0A}" type="slidenum">
+              <a:rPr lang="en-US" smtClean="0"/>
+              <a:t>‹#›</a:t>
+            </a:fld>
+            <a:endParaRPr lang="en-US"/>
+          </a:p>
+        </p:txBody>
+      </p:sp>
+    </p:spTree>
+    <p:extLst>
+      <p:ext uri="{BB962C8B-B14F-4D97-AF65-F5344CB8AC3E}">
+        <p14:creationId xmlns:p14="http://schemas.microsoft.com/office/powerpoint/2010/main" val="3030394086"/>
+      </p:ext>
+    </p:extLst>
+  </p:cSld>
+  <p:clrMap bg1="lt1" tx1="dk1" bg2="lt2" tx2="dk2" accent1="accent1" accent2="accent2" accent3="accent3" accent4="accent4" accent5="accent5" accent6="accent6" hlink="hlink" folHlink="folHlink"/>
+  <p:notesStyle>
+    <a:lvl1pPr marL="0" algn="l" defTabSz="914400" rtl="0" eaLnBrk="1" latinLnBrk="0" hangingPunct="1">
+      <a:defRPr sz="1200" kern="1200">
+        <a:solidFill>
+          <a:schemeClr val="tx1"/>
+        </a:solidFill>
+        <a:latin typeface="+mn-lt"/>
+        <a:ea typeface="+mn-ea"/>
+        <a:cs typeface="+mn-cs"/>
+      </a:defRPr>
+    </a:lvl1pPr>
+    <a:lvl2pPr marL="457200" algn="l" defTabSz="914400" rtl="0" eaLnBrk="1" latinLnBrk="0" hangingPunct="1">
+      <a:defRPr sz="1200" kern="1200">
+        <a:solidFill>
+          <a:schemeClr val="tx1"/>
+        </a:solidFill>
+        <a:latin typeface="+mn-lt"/>
+        <a:ea typeface="+mn-ea"/>
+        <a:cs typeface="+mn-cs"/>
+      </a:defRPr>
+    </a:lvl2pPr>
+    <a:lvl3pPr marL="914400" algn="l" defTabSz="914400" rtl="0" eaLnBrk="1" latinLnBrk="0" hangingPunct="1">
+      <a:defRPr sz="1200" kern="1200">
+        <a:solidFill>
+          <a:schemeClr val="tx1"/>
+        </a:solidFill>
+        <a:latin typeface="+mn-lt"/>
+        <a:ea typeface="+mn-ea"/>
+        <a:cs typeface="+mn-cs"/>
+      </a:defRPr>
+    </a:lvl3pPr>
+    <a:lvl4pPr marL="1371600" algn="l" defTabSz="914400" rtl="0" eaLnBrk="1" latinLnBrk="0" hangingPunct="1">
+      <a:defRPr sz="1200" kern="1200">
+        <a:solidFill>
+          <a:schemeClr val="tx1"/>
+        </a:solidFill>
+        <a:latin typeface="+mn-lt"/>
+        <a:ea typeface="+mn-ea"/>
+        <a:cs typeface="+mn-cs"/>
+      </a:defRPr>
+    </a:lvl4pPr>
+    <a:lvl5pPr marL="1828800" algn="l" defTabSz="914400" rtl="0" eaLnBrk="1" latinLnBrk="0" hangingPunct="1">
+      <a:defRPr sz="1200" kern="1200">
+        <a:solidFill>
+          <a:schemeClr val="tx1"/>
+        </a:solidFill>
+        <a:latin typeface="+mn-lt"/>
+        <a:ea typeface="+mn-ea"/>
+        <a:cs typeface="+mn-cs"/>
+      </a:defRPr>
+    </a:lvl5pPr>
+    <a:lvl6pPr marL="2286000" algn="l" defTabSz="914400" rtl="0" eaLnBrk="1" latinLnBrk="0" hangingPunct="1">
+      <a:defRPr sz="1200" kern="1200">
+        <a:solidFill>
+          <a:schemeClr val="tx1"/>
+        </a:solidFill>
+        <a:latin typeface="+mn-lt"/>
+        <a:ea typeface="+mn-ea"/>
+        <a:cs typeface="+mn-cs"/>
+      </a:defRPr>
+    </a:lvl6pPr>
+    <a:lvl7pPr marL="2743200" algn="l" defTabSz="914400" rtl="0" eaLnBrk="1" latinLnBrk="0" hangingPunct="1">
+      <a:defRPr sz="1200" kern="1200">
+        <a:solidFill>
+          <a:schemeClr val="tx1"/>
+        </a:solidFill>
+        <a:latin typeface="+mn-lt"/>
+        <a:ea typeface="+mn-ea"/>
+        <a:cs typeface="+mn-cs"/>
+      </a:defRPr>
+    </a:lvl7pPr>
+    <a:lvl8pPr marL="3200400" algn="l" defTabSz="914400" rtl="0" eaLnBrk="1" latinLnBrk="0" hangingPunct="1">
+      <a:defRPr sz="1200" kern="1200">
+        <a:solidFill>
+          <a:schemeClr val="tx1"/>
+        </a:solidFill>
+        <a:latin typeface="+mn-lt"/>
+        <a:ea typeface="+mn-ea"/>
+        <a:cs typeface="+mn-cs"/>
+      </a:defRPr>
+    </a:lvl8pPr>
+    <a:lvl9pPr marL="3657600" algn="l" defTabSz="914400" rtl="0" eaLnBrk="1" latinLnBrk="0" hangingPunct="1">
+      <a:defRPr sz="1200" kern="1200">
+        <a:solidFill>
+          <a:schemeClr val="tx1"/>
+        </a:solidFill>
+        <a:latin typeface="+mn-lt"/>
+        <a:ea typeface="+mn-ea"/>
+        <a:cs typeface="+mn-cs"/>
+      </a:defRPr>
+    </a:lvl9pPr>
+  </p:notesStyle>
+</p:notesMaster>
+</file>
+
+<file path=ppt/notesSlides/notesSlide1.xml><?xml version="1.0" encoding="utf-8"?>
+<p:notes xmlns:a="http://schemas.openxmlformats.org/drawingml/2006/main" xmlns:r="http://schemas.openxmlformats.org/officeDocument/2006/relationships" xmlns:p="http://schemas.openxmlformats.org/presentationml/2006/main">
+  <p:cSld>
+    <p:spTree>
+      <p:nvGrpSpPr>
+        <p:cNvPr id="1" name=""/>
+        <p:cNvGrpSpPr/>
+        <p:nvPr/>
+      </p:nvGrpSpPr>
+      <p:grpSpPr>
+        <a:xfrm>
+          <a:off x="0" y="0"/>
+          <a:ext cx="0" cy="0"/>
+          <a:chOff x="0" y="0"/>
+          <a:chExt cx="0" cy="0"/>
+        </a:xfrm>
+      </p:grpSpPr>
+      <p:sp>
+        <p:nvSpPr>
+          <p:cNvPr id="2" name="Slide Image Placeholder 1"/>
+          <p:cNvSpPr>
+            <a:spLocks noGrp="1" noRot="1" noChangeAspect="1"/>
+          </p:cNvSpPr>
+          <p:nvPr>
+            <p:ph type="sldImg"/>
+          </p:nvPr>
+        </p:nvSpPr>
+        <p:spPr/>
+      </p:sp>
+      <p:sp>
+        <p:nvSpPr>
+          <p:cNvPr id="3" name="Notes Placeholder 2"/>
+          <p:cNvSpPr>
+            <a:spLocks noGrp="1"/>
+          </p:cNvSpPr>
+          <p:nvPr>
+            <p:ph type="body" idx="1"/>
+          </p:nvPr>
+        </p:nvSpPr>
+        <p:spPr/>
+        <p:txBody>
+          <a:bodyPr/>
+          <a:lstStyle/>
+          <a:p>
+            <a:endParaRPr lang="en-US" dirty="0"/>
+          </a:p>
+        </p:txBody>
+      </p:sp>
+      <p:sp>
+        <p:nvSpPr>
+          <p:cNvPr id="4" name="Slide Number Placeholder 3"/>
+          <p:cNvSpPr>
+            <a:spLocks noGrp="1"/>
+          </p:cNvSpPr>
+          <p:nvPr>
+            <p:ph type="sldNum" sz="quarter" idx="5"/>
+          </p:nvPr>
+        </p:nvSpPr>
+        <p:spPr/>
+        <p:txBody>
+          <a:bodyPr/>
+          <a:lstStyle/>
+          <a:p>
+            <a:fld id="{05EA7D58-6674-43B9-AC98-EEDE94588D0A}" type="slidenum">
+              <a:rPr lang="en-US" smtClean="0"/>
+              <a:t>4</a:t>
+            </a:fld>
+            <a:endParaRPr lang="en-US"/>
+          </a:p>
+        </p:txBody>
+      </p:sp>
+    </p:spTree>
+    <p:extLst>
+      <p:ext uri="{BB962C8B-B14F-4D97-AF65-F5344CB8AC3E}">
+        <p14:creationId xmlns:p14="http://schemas.microsoft.com/office/powerpoint/2010/main" val="830411230"/>
+      </p:ext>
+    </p:extLst>
+  </p:cSld>
+  <p:clrMapOvr>
+    <a:masterClrMapping/>
+  </p:clrMapOvr>
+</p:notes>
 </file>
 
 <file path=ppt/slideLayouts/slideLayout1.xml><?xml version="1.0" encoding="utf-8"?>
@@ -504,7 +944,7 @@
           <a:p>
             <a:fld id="{A19DD7AC-7C8D-480B-B857-397721A82A82}" type="datetimeFigureOut">
               <a:rPr lang="en-US" smtClean="0"/>
-              <a:t>7/22/2024</a:t>
+              <a:t>7/23/2024</a:t>
             </a:fld>
             <a:endParaRPr lang="en-US"/>
           </a:p>
@@ -702,7 +1142,7 @@
           <a:p>
             <a:fld id="{A19DD7AC-7C8D-480B-B857-397721A82A82}" type="datetimeFigureOut">
               <a:rPr lang="en-US" smtClean="0"/>
-              <a:t>7/22/2024</a:t>
+              <a:t>7/23/2024</a:t>
             </a:fld>
             <a:endParaRPr lang="en-US"/>
           </a:p>
@@ -910,7 +1350,7 @@
           <a:p>
             <a:fld id="{A19DD7AC-7C8D-480B-B857-397721A82A82}" type="datetimeFigureOut">
               <a:rPr lang="en-US" smtClean="0"/>
-              <a:t>7/22/2024</a:t>
+              <a:t>7/23/2024</a:t>
             </a:fld>
             <a:endParaRPr lang="en-US"/>
           </a:p>
@@ -1108,7 +1548,7 @@
           <a:p>
             <a:fld id="{A19DD7AC-7C8D-480B-B857-397721A82A82}" type="datetimeFigureOut">
               <a:rPr lang="en-US" smtClean="0"/>
-              <a:t>7/22/2024</a:t>
+              <a:t>7/23/2024</a:t>
             </a:fld>
             <a:endParaRPr lang="en-US"/>
           </a:p>
@@ -1383,7 +1823,7 @@
           <a:p>
             <a:fld id="{A19DD7AC-7C8D-480B-B857-397721A82A82}" type="datetimeFigureOut">
               <a:rPr lang="en-US" smtClean="0"/>
-              <a:t>7/22/2024</a:t>
+              <a:t>7/23/2024</a:t>
             </a:fld>
             <a:endParaRPr lang="en-US"/>
           </a:p>
@@ -1648,7 +2088,7 @@
           <a:p>
             <a:fld id="{A19DD7AC-7C8D-480B-B857-397721A82A82}" type="datetimeFigureOut">
               <a:rPr lang="en-US" smtClean="0"/>
-              <a:t>7/22/2024</a:t>
+              <a:t>7/23/2024</a:t>
             </a:fld>
             <a:endParaRPr lang="en-US"/>
           </a:p>
@@ -2060,7 +2500,7 @@
           <a:p>
             <a:fld id="{A19DD7AC-7C8D-480B-B857-397721A82A82}" type="datetimeFigureOut">
               <a:rPr lang="en-US" smtClean="0"/>
-              <a:t>7/22/2024</a:t>
+              <a:t>7/23/2024</a:t>
             </a:fld>
             <a:endParaRPr lang="en-US"/>
           </a:p>
@@ -2201,7 +2641,7 @@
           <a:p>
             <a:fld id="{A19DD7AC-7C8D-480B-B857-397721A82A82}" type="datetimeFigureOut">
               <a:rPr lang="en-US" smtClean="0"/>
-              <a:t>7/22/2024</a:t>
+              <a:t>7/23/2024</a:t>
             </a:fld>
             <a:endParaRPr lang="en-US"/>
           </a:p>
@@ -2314,7 +2754,7 @@
           <a:p>
             <a:fld id="{A19DD7AC-7C8D-480B-B857-397721A82A82}" type="datetimeFigureOut">
               <a:rPr lang="en-US" smtClean="0"/>
-              <a:t>7/22/2024</a:t>
+              <a:t>7/23/2024</a:t>
             </a:fld>
             <a:endParaRPr lang="en-US"/>
           </a:p>
@@ -2625,7 +3065,7 @@
           <a:p>
             <a:fld id="{A19DD7AC-7C8D-480B-B857-397721A82A82}" type="datetimeFigureOut">
               <a:rPr lang="en-US" smtClean="0"/>
-              <a:t>7/22/2024</a:t>
+              <a:t>7/23/2024</a:t>
             </a:fld>
             <a:endParaRPr lang="en-US"/>
           </a:p>
@@ -2913,7 +3353,7 @@
           <a:p>
             <a:fld id="{A19DD7AC-7C8D-480B-B857-397721A82A82}" type="datetimeFigureOut">
               <a:rPr lang="en-US" smtClean="0"/>
-              <a:t>7/22/2024</a:t>
+              <a:t>7/23/2024</a:t>
             </a:fld>
             <a:endParaRPr lang="en-US"/>
           </a:p>
@@ -3154,7 +3594,7 @@
           <a:p>
             <a:fld id="{A19DD7AC-7C8D-480B-B857-397721A82A82}" type="datetimeFigureOut">
               <a:rPr lang="en-US" smtClean="0"/>
-              <a:t>7/22/2024</a:t>
+              <a:t>7/23/2024</a:t>
             </a:fld>
             <a:endParaRPr lang="en-US"/>
           </a:p>
@@ -4492,8 +4932,8 @@
         </p:nvSpPr>
         <p:spPr>
           <a:xfrm>
-            <a:off x="461818" y="424873"/>
-            <a:ext cx="5163128" cy="369332"/>
+            <a:off x="296441" y="424873"/>
+            <a:ext cx="11599118" cy="369332"/>
           </a:xfrm>
           <a:prstGeom prst="rect">
             <a:avLst/>
@@ -4506,13 +4946,302 @@
           </a:bodyPr>
           <a:lstStyle/>
           <a:p>
+            <a:pPr algn="ctr"/>
             <a:r>
               <a:rPr lang="en-US" dirty="0"/>
-              <a:t>Challenges  we face and techniques we used</a:t>
-            </a:r>
-          </a:p>
-        </p:txBody>
-      </p:sp>
+              <a:t>Tools</a:t>
+            </a:r>
+          </a:p>
+        </p:txBody>
+      </p:sp>
+      <p:sp>
+        <p:nvSpPr>
+          <p:cNvPr id="3" name="TextBox 2">
+            <a:extLst>
+              <a:ext uri="{FF2B5EF4-FFF2-40B4-BE49-F238E27FC236}">
+                <a16:creationId xmlns:a16="http://schemas.microsoft.com/office/drawing/2014/main" id="{120DF477-C2E9-B295-5ECC-41B8021A039E}"/>
+              </a:ext>
+            </a:extLst>
+          </p:cNvPr>
+          <p:cNvSpPr txBox="1"/>
+          <p:nvPr/>
+        </p:nvSpPr>
+        <p:spPr>
+          <a:xfrm>
+            <a:off x="502920" y="1133856"/>
+            <a:ext cx="4123944" cy="369332"/>
+          </a:xfrm>
+          <a:prstGeom prst="rect">
+            <a:avLst/>
+          </a:prstGeom>
+          <a:noFill/>
+          <a:ln w="12700" cap="rnd">
+            <a:solidFill>
+              <a:schemeClr val="accent1"/>
+            </a:solidFill>
+          </a:ln>
+        </p:spPr>
+        <p:txBody>
+          <a:bodyPr wrap="square" rtlCol="0">
+            <a:spAutoFit/>
+          </a:bodyPr>
+          <a:lstStyle/>
+          <a:p>
+            <a:r>
+              <a:rPr lang="en-US" dirty="0"/>
+              <a:t>Project Path </a:t>
+            </a:r>
+          </a:p>
+        </p:txBody>
+      </p:sp>
+      <p:sp>
+        <p:nvSpPr>
+          <p:cNvPr id="4" name="TextBox 3">
+            <a:extLst>
+              <a:ext uri="{FF2B5EF4-FFF2-40B4-BE49-F238E27FC236}">
+                <a16:creationId xmlns:a16="http://schemas.microsoft.com/office/drawing/2014/main" id="{8C35EFD2-02F8-58E8-06A9-1519469FDB3C}"/>
+              </a:ext>
+            </a:extLst>
+          </p:cNvPr>
+          <p:cNvSpPr txBox="1"/>
+          <p:nvPr/>
+        </p:nvSpPr>
+        <p:spPr>
+          <a:xfrm>
+            <a:off x="6215611" y="1136257"/>
+            <a:ext cx="4517044" cy="369332"/>
+          </a:xfrm>
+          <a:prstGeom prst="rect">
+            <a:avLst/>
+          </a:prstGeom>
+          <a:noFill/>
+          <a:ln w="12700" cap="rnd">
+            <a:solidFill>
+              <a:schemeClr val="accent1"/>
+            </a:solidFill>
+          </a:ln>
+        </p:spPr>
+        <p:txBody>
+          <a:bodyPr wrap="square" rtlCol="0">
+            <a:spAutoFit/>
+          </a:bodyPr>
+          <a:lstStyle>
+            <a:defPPr>
+              <a:defRPr lang="en-US"/>
+            </a:defPPr>
+            <a:lvl1pPr>
+              <a:defRPr/>
+            </a:lvl1pPr>
+          </a:lstStyle>
+          <a:p>
+            <a:r>
+              <a:rPr lang="en-US" dirty="0"/>
+              <a:t>Data Visualization Track</a:t>
+            </a:r>
+          </a:p>
+        </p:txBody>
+      </p:sp>
+      <p:cxnSp>
+        <p:nvCxnSpPr>
+          <p:cNvPr id="6" name="Straight Arrow Connector 5">
+            <a:extLst>
+              <a:ext uri="{FF2B5EF4-FFF2-40B4-BE49-F238E27FC236}">
+                <a16:creationId xmlns:a16="http://schemas.microsoft.com/office/drawing/2014/main" id="{D93F80F7-C782-2423-07BA-B394C2B6452A}"/>
+              </a:ext>
+            </a:extLst>
+          </p:cNvPr>
+          <p:cNvCxnSpPr>
+            <a:cxnSpLocks/>
+          </p:cNvCxnSpPr>
+          <p:nvPr/>
+        </p:nvCxnSpPr>
+        <p:spPr>
+          <a:xfrm>
+            <a:off x="5181600" y="1318522"/>
+            <a:ext cx="775855" cy="0"/>
+          </a:xfrm>
+          <a:prstGeom prst="straightConnector1">
+            <a:avLst/>
+          </a:prstGeom>
+          <a:ln w="57150">
+            <a:tailEnd type="triangle"/>
+          </a:ln>
+        </p:spPr>
+        <p:style>
+          <a:lnRef idx="2">
+            <a:schemeClr val="accent1"/>
+          </a:lnRef>
+          <a:fillRef idx="0">
+            <a:schemeClr val="accent1"/>
+          </a:fillRef>
+          <a:effectRef idx="1">
+            <a:schemeClr val="accent1"/>
+          </a:effectRef>
+          <a:fontRef idx="minor">
+            <a:schemeClr val="tx1"/>
+          </a:fontRef>
+        </p:style>
+      </p:cxnSp>
+      <p:sp>
+        <p:nvSpPr>
+          <p:cNvPr id="8" name="TextBox 7">
+            <a:extLst>
+              <a:ext uri="{FF2B5EF4-FFF2-40B4-BE49-F238E27FC236}">
+                <a16:creationId xmlns:a16="http://schemas.microsoft.com/office/drawing/2014/main" id="{5D896ABA-F770-F96B-AE8E-E3618E6AD5E8}"/>
+              </a:ext>
+            </a:extLst>
+          </p:cNvPr>
+          <p:cNvSpPr txBox="1"/>
+          <p:nvPr/>
+        </p:nvSpPr>
+        <p:spPr>
+          <a:xfrm>
+            <a:off x="502920" y="2692645"/>
+            <a:ext cx="4123944" cy="369332"/>
+          </a:xfrm>
+          <a:prstGeom prst="rect">
+            <a:avLst/>
+          </a:prstGeom>
+          <a:noFill/>
+          <a:ln w="12700" cap="rnd">
+            <a:solidFill>
+              <a:schemeClr val="accent1"/>
+            </a:solidFill>
+          </a:ln>
+        </p:spPr>
+        <p:txBody>
+          <a:bodyPr wrap="square" rtlCol="0">
+            <a:spAutoFit/>
+          </a:bodyPr>
+          <a:lstStyle/>
+          <a:p>
+            <a:r>
+              <a:rPr lang="en-US" dirty="0"/>
+              <a:t>Tools </a:t>
+            </a:r>
+          </a:p>
+        </p:txBody>
+      </p:sp>
+      <p:sp>
+        <p:nvSpPr>
+          <p:cNvPr id="9" name="TextBox 8">
+            <a:extLst>
+              <a:ext uri="{FF2B5EF4-FFF2-40B4-BE49-F238E27FC236}">
+                <a16:creationId xmlns:a16="http://schemas.microsoft.com/office/drawing/2014/main" id="{6657CB0B-F0F9-1BAB-EE34-499D641C8B4D}"/>
+              </a:ext>
+            </a:extLst>
+          </p:cNvPr>
+          <p:cNvSpPr txBox="1"/>
+          <p:nvPr/>
+        </p:nvSpPr>
+        <p:spPr>
+          <a:xfrm>
+            <a:off x="6215610" y="2593446"/>
+            <a:ext cx="4517045" cy="1477328"/>
+          </a:xfrm>
+          <a:prstGeom prst="rect">
+            <a:avLst/>
+          </a:prstGeom>
+          <a:noFill/>
+          <a:ln w="12700" cap="rnd">
+            <a:solidFill>
+              <a:schemeClr val="accent1"/>
+            </a:solidFill>
+          </a:ln>
+        </p:spPr>
+        <p:txBody>
+          <a:bodyPr wrap="square" rtlCol="0">
+            <a:spAutoFit/>
+          </a:bodyPr>
+          <a:lstStyle>
+            <a:defPPr>
+              <a:defRPr lang="en-US"/>
+            </a:defPPr>
+            <a:lvl1pPr>
+              <a:defRPr/>
+            </a:lvl1pPr>
+          </a:lstStyle>
+          <a:p>
+            <a:r>
+              <a:rPr lang="en-US" dirty="0"/>
+              <a:t>Code Development  : Microsoft VS Code</a:t>
+            </a:r>
+          </a:p>
+          <a:p>
+            <a:r>
+              <a:rPr lang="en-US" dirty="0"/>
+              <a:t>Data Cleaning             : </a:t>
+            </a:r>
+            <a:r>
+              <a:rPr lang="en-US" dirty="0" err="1"/>
+              <a:t>Jupyter</a:t>
+            </a:r>
+            <a:r>
+              <a:rPr lang="en-US" dirty="0"/>
+              <a:t> Notebook</a:t>
+            </a:r>
+          </a:p>
+          <a:p>
+            <a:r>
+              <a:rPr lang="en-US" dirty="0"/>
+              <a:t>Data Storage                : MongoDB, Excel , CSV  </a:t>
+            </a:r>
+          </a:p>
+          <a:p>
+            <a:r>
+              <a:rPr lang="en-US" dirty="0"/>
+              <a:t>Documentation           : Microsoft Word</a:t>
+            </a:r>
+          </a:p>
+          <a:p>
+            <a:r>
+              <a:rPr lang="en-US" dirty="0"/>
+              <a:t>Project Collaboration : Git and GitHub</a:t>
+            </a:r>
+          </a:p>
+        </p:txBody>
+      </p:sp>
+      <p:cxnSp>
+        <p:nvCxnSpPr>
+          <p:cNvPr id="10" name="Straight Arrow Connector 9">
+            <a:extLst>
+              <a:ext uri="{FF2B5EF4-FFF2-40B4-BE49-F238E27FC236}">
+                <a16:creationId xmlns:a16="http://schemas.microsoft.com/office/drawing/2014/main" id="{FC1C362B-89CC-EF49-C79B-629A378EBBB6}"/>
+              </a:ext>
+            </a:extLst>
+          </p:cNvPr>
+          <p:cNvCxnSpPr>
+            <a:cxnSpLocks/>
+          </p:cNvCxnSpPr>
+          <p:nvPr/>
+        </p:nvCxnSpPr>
+        <p:spPr>
+          <a:xfrm>
+            <a:off x="5172363" y="2893705"/>
+            <a:ext cx="775855" cy="0"/>
+          </a:xfrm>
+          <a:prstGeom prst="straightConnector1">
+            <a:avLst/>
+          </a:prstGeom>
+          <a:ln w="57150">
+            <a:tailEnd type="triangle"/>
+          </a:ln>
+        </p:spPr>
+        <p:style>
+          <a:lnRef idx="2">
+            <a:schemeClr val="accent1"/>
+          </a:lnRef>
+          <a:fillRef idx="0">
+            <a:schemeClr val="accent1"/>
+          </a:fillRef>
+          <a:effectRef idx="1">
+            <a:schemeClr val="accent1"/>
+          </a:effectRef>
+          <a:fontRef idx="minor">
+            <a:schemeClr val="tx1"/>
+          </a:fontRef>
+        </p:style>
+      </p:cxnSp>
     </p:spTree>
     <p:extLst>
       <p:ext uri="{BB962C8B-B14F-4D97-AF65-F5344CB8AC3E}">
@@ -4545,6 +5274,3412 @@
       </p:grpSpPr>
       <p:sp>
         <p:nvSpPr>
+          <p:cNvPr id="2" name="TextBox 1">
+            <a:extLst>
+              <a:ext uri="{FF2B5EF4-FFF2-40B4-BE49-F238E27FC236}">
+                <a16:creationId xmlns:a16="http://schemas.microsoft.com/office/drawing/2014/main" id="{A0C598AD-C50B-FD11-8A37-9EBC8E8CAE59}"/>
+              </a:ext>
+            </a:extLst>
+          </p:cNvPr>
+          <p:cNvSpPr txBox="1"/>
+          <p:nvPr/>
+        </p:nvSpPr>
+        <p:spPr>
+          <a:xfrm>
+            <a:off x="296441" y="424873"/>
+            <a:ext cx="11599118" cy="369332"/>
+          </a:xfrm>
+          <a:prstGeom prst="rect">
+            <a:avLst/>
+          </a:prstGeom>
+          <a:noFill/>
+        </p:spPr>
+        <p:txBody>
+          <a:bodyPr wrap="square" rtlCol="0">
+            <a:spAutoFit/>
+          </a:bodyPr>
+          <a:lstStyle/>
+          <a:p>
+            <a:pPr algn="ctr"/>
+            <a:r>
+              <a:rPr lang="en-US" dirty="0"/>
+              <a:t>Challenges </a:t>
+            </a:r>
+          </a:p>
+        </p:txBody>
+      </p:sp>
+      <p:sp>
+        <p:nvSpPr>
+          <p:cNvPr id="11" name="TextBox 10">
+            <a:extLst>
+              <a:ext uri="{FF2B5EF4-FFF2-40B4-BE49-F238E27FC236}">
+                <a16:creationId xmlns:a16="http://schemas.microsoft.com/office/drawing/2014/main" id="{ED95BD74-ED7D-123A-73FF-3E4902F6FAF2}"/>
+              </a:ext>
+            </a:extLst>
+          </p:cNvPr>
+          <p:cNvSpPr txBox="1"/>
+          <p:nvPr/>
+        </p:nvSpPr>
+        <p:spPr>
+          <a:xfrm>
+            <a:off x="632229" y="940861"/>
+            <a:ext cx="3135099" cy="369332"/>
+          </a:xfrm>
+          <a:prstGeom prst="rect">
+            <a:avLst/>
+          </a:prstGeom>
+          <a:noFill/>
+          <a:ln w="12700" cap="rnd">
+            <a:solidFill>
+              <a:schemeClr val="accent1"/>
+            </a:solidFill>
+          </a:ln>
+        </p:spPr>
+        <p:txBody>
+          <a:bodyPr wrap="square" rtlCol="0">
+            <a:spAutoFit/>
+          </a:bodyPr>
+          <a:lstStyle/>
+          <a:p>
+            <a:r>
+              <a:rPr lang="en-US" dirty="0"/>
+              <a:t>Finding a Data source </a:t>
+            </a:r>
+          </a:p>
+        </p:txBody>
+      </p:sp>
+      <p:sp>
+        <p:nvSpPr>
+          <p:cNvPr id="12" name="TextBox 11">
+            <a:extLst>
+              <a:ext uri="{FF2B5EF4-FFF2-40B4-BE49-F238E27FC236}">
+                <a16:creationId xmlns:a16="http://schemas.microsoft.com/office/drawing/2014/main" id="{9F35E88E-BAA8-BBA1-A048-3031F1397AA7}"/>
+              </a:ext>
+            </a:extLst>
+          </p:cNvPr>
+          <p:cNvSpPr txBox="1"/>
+          <p:nvPr/>
+        </p:nvSpPr>
+        <p:spPr>
+          <a:xfrm>
+            <a:off x="4974336" y="922987"/>
+            <a:ext cx="6510528" cy="1107996"/>
+          </a:xfrm>
+          <a:prstGeom prst="rect">
+            <a:avLst/>
+          </a:prstGeom>
+          <a:noFill/>
+          <a:ln w="12700" cap="rnd">
+            <a:solidFill>
+              <a:schemeClr val="accent1"/>
+            </a:solidFill>
+          </a:ln>
+        </p:spPr>
+        <p:txBody>
+          <a:bodyPr wrap="square" rtlCol="0">
+            <a:spAutoFit/>
+          </a:bodyPr>
+          <a:lstStyle>
+            <a:defPPr>
+              <a:defRPr lang="en-US"/>
+            </a:defPPr>
+            <a:lvl1pPr>
+              <a:defRPr/>
+            </a:lvl1pPr>
+          </a:lstStyle>
+          <a:p>
+            <a:r>
+              <a:rPr lang="en-US" dirty="0"/>
+              <a:t>Web scraping :  </a:t>
+            </a:r>
+            <a:r>
+              <a:rPr lang="en-US" sz="1200" dirty="0"/>
+              <a:t>https://www.baseball-almanac.com/players/birthplace.php </a:t>
+            </a:r>
+          </a:p>
+          <a:p>
+            <a:endParaRPr lang="en-US" sz="1200" dirty="0"/>
+          </a:p>
+          <a:p>
+            <a:endParaRPr lang="en-US" sz="1200" dirty="0"/>
+          </a:p>
+          <a:p>
+            <a:endParaRPr lang="en-US" sz="1200" dirty="0"/>
+          </a:p>
+          <a:p>
+            <a:r>
+              <a:rPr lang="en-US" sz="1200" dirty="0"/>
+              <a:t> </a:t>
+            </a:r>
+          </a:p>
+        </p:txBody>
+      </p:sp>
+      <p:cxnSp>
+        <p:nvCxnSpPr>
+          <p:cNvPr id="13" name="Straight Arrow Connector 12">
+            <a:extLst>
+              <a:ext uri="{FF2B5EF4-FFF2-40B4-BE49-F238E27FC236}">
+                <a16:creationId xmlns:a16="http://schemas.microsoft.com/office/drawing/2014/main" id="{42B99BCF-9641-63AA-676B-B9151DB5FBF6}"/>
+              </a:ext>
+            </a:extLst>
+          </p:cNvPr>
+          <p:cNvCxnSpPr>
+            <a:cxnSpLocks/>
+          </p:cNvCxnSpPr>
+          <p:nvPr/>
+        </p:nvCxnSpPr>
+        <p:spPr>
+          <a:xfrm>
+            <a:off x="4039800" y="1141921"/>
+            <a:ext cx="775855" cy="0"/>
+          </a:xfrm>
+          <a:prstGeom prst="straightConnector1">
+            <a:avLst/>
+          </a:prstGeom>
+          <a:ln w="57150">
+            <a:tailEnd type="triangle"/>
+          </a:ln>
+        </p:spPr>
+        <p:style>
+          <a:lnRef idx="2">
+            <a:schemeClr val="accent1"/>
+          </a:lnRef>
+          <a:fillRef idx="0">
+            <a:schemeClr val="accent1"/>
+          </a:fillRef>
+          <a:effectRef idx="1">
+            <a:schemeClr val="accent1"/>
+          </a:effectRef>
+          <a:fontRef idx="minor">
+            <a:schemeClr val="tx1"/>
+          </a:fontRef>
+        </p:style>
+      </p:cxnSp>
+      <p:pic>
+        <p:nvPicPr>
+          <p:cNvPr id="5" name="Picture 4">
+            <a:extLst>
+              <a:ext uri="{FF2B5EF4-FFF2-40B4-BE49-F238E27FC236}">
+                <a16:creationId xmlns:a16="http://schemas.microsoft.com/office/drawing/2014/main" id="{08B1A52B-C857-2D60-D1EC-967FE5C64252}"/>
+              </a:ext>
+            </a:extLst>
+          </p:cNvPr>
+          <p:cNvPicPr>
+            <a:picLocks noChangeAspect="1"/>
+          </p:cNvPicPr>
+          <p:nvPr/>
+        </p:nvPicPr>
+        <p:blipFill>
+          <a:blip r:embed="rId2"/>
+          <a:stretch>
+            <a:fillRect/>
+          </a:stretch>
+        </p:blipFill>
+        <p:spPr>
+          <a:xfrm>
+            <a:off x="4974336" y="2159765"/>
+            <a:ext cx="6510528" cy="3399787"/>
+          </a:xfrm>
+          <a:prstGeom prst="rect">
+            <a:avLst/>
+          </a:prstGeom>
+        </p:spPr>
+      </p:pic>
+      <p:pic>
+        <p:nvPicPr>
+          <p:cNvPr id="7" name="Picture 6">
+            <a:extLst>
+              <a:ext uri="{FF2B5EF4-FFF2-40B4-BE49-F238E27FC236}">
+                <a16:creationId xmlns:a16="http://schemas.microsoft.com/office/drawing/2014/main" id="{B0F3C398-8F99-B7C6-01EC-48FF35B2211A}"/>
+              </a:ext>
+            </a:extLst>
+          </p:cNvPr>
+          <p:cNvPicPr>
+            <a:picLocks noChangeAspect="1"/>
+          </p:cNvPicPr>
+          <p:nvPr/>
+        </p:nvPicPr>
+        <p:blipFill>
+          <a:blip r:embed="rId3"/>
+          <a:stretch>
+            <a:fillRect/>
+          </a:stretch>
+        </p:blipFill>
+        <p:spPr>
+          <a:xfrm>
+            <a:off x="411479" y="2159764"/>
+            <a:ext cx="4168767" cy="3399786"/>
+          </a:xfrm>
+          <a:prstGeom prst="rect">
+            <a:avLst/>
+          </a:prstGeom>
+        </p:spPr>
+      </p:pic>
+      <p:sp>
+        <p:nvSpPr>
+          <p:cNvPr id="8" name="TextBox 7">
+            <a:extLst>
+              <a:ext uri="{FF2B5EF4-FFF2-40B4-BE49-F238E27FC236}">
+                <a16:creationId xmlns:a16="http://schemas.microsoft.com/office/drawing/2014/main" id="{A302C97E-8D62-7990-662E-39EEE1DBDFE8}"/>
+              </a:ext>
+            </a:extLst>
+          </p:cNvPr>
+          <p:cNvSpPr txBox="1"/>
+          <p:nvPr/>
+        </p:nvSpPr>
+        <p:spPr>
+          <a:xfrm>
+            <a:off x="748053" y="6348083"/>
+            <a:ext cx="3135099" cy="369332"/>
+          </a:xfrm>
+          <a:prstGeom prst="rect">
+            <a:avLst/>
+          </a:prstGeom>
+          <a:noFill/>
+          <a:ln w="12700" cap="rnd">
+            <a:solidFill>
+              <a:schemeClr val="accent1"/>
+            </a:solidFill>
+          </a:ln>
+        </p:spPr>
+        <p:txBody>
+          <a:bodyPr wrap="square" rtlCol="0">
+            <a:spAutoFit/>
+          </a:bodyPr>
+          <a:lstStyle/>
+          <a:p>
+            <a:r>
+              <a:rPr lang="en-US" dirty="0"/>
+              <a:t>Solution </a:t>
+            </a:r>
+          </a:p>
+        </p:txBody>
+      </p:sp>
+      <p:cxnSp>
+        <p:nvCxnSpPr>
+          <p:cNvPr id="9" name="Straight Arrow Connector 8">
+            <a:extLst>
+              <a:ext uri="{FF2B5EF4-FFF2-40B4-BE49-F238E27FC236}">
+                <a16:creationId xmlns:a16="http://schemas.microsoft.com/office/drawing/2014/main" id="{67C32159-C201-07C0-B992-D3868EB905F9}"/>
+              </a:ext>
+            </a:extLst>
+          </p:cNvPr>
+          <p:cNvCxnSpPr>
+            <a:cxnSpLocks/>
+          </p:cNvCxnSpPr>
+          <p:nvPr/>
+        </p:nvCxnSpPr>
+        <p:spPr>
+          <a:xfrm>
+            <a:off x="4057190" y="6506401"/>
+            <a:ext cx="775855" cy="0"/>
+          </a:xfrm>
+          <a:prstGeom prst="straightConnector1">
+            <a:avLst/>
+          </a:prstGeom>
+          <a:ln w="57150">
+            <a:tailEnd type="triangle"/>
+          </a:ln>
+        </p:spPr>
+        <p:style>
+          <a:lnRef idx="2">
+            <a:schemeClr val="accent1"/>
+          </a:lnRef>
+          <a:fillRef idx="0">
+            <a:schemeClr val="accent1"/>
+          </a:fillRef>
+          <a:effectRef idx="1">
+            <a:schemeClr val="accent1"/>
+          </a:effectRef>
+          <a:fontRef idx="minor">
+            <a:schemeClr val="tx1"/>
+          </a:fontRef>
+        </p:style>
+      </p:cxnSp>
+      <p:sp>
+        <p:nvSpPr>
+          <p:cNvPr id="10" name="TextBox 9">
+            <a:extLst>
+              <a:ext uri="{FF2B5EF4-FFF2-40B4-BE49-F238E27FC236}">
+                <a16:creationId xmlns:a16="http://schemas.microsoft.com/office/drawing/2014/main" id="{77441A59-FDEA-C7F8-B1D9-AD96E1D87DAC}"/>
+              </a:ext>
+            </a:extLst>
+          </p:cNvPr>
+          <p:cNvSpPr txBox="1"/>
+          <p:nvPr/>
+        </p:nvSpPr>
+        <p:spPr>
+          <a:xfrm>
+            <a:off x="765443" y="11712563"/>
+            <a:ext cx="3135099" cy="369332"/>
+          </a:xfrm>
+          <a:prstGeom prst="rect">
+            <a:avLst/>
+          </a:prstGeom>
+          <a:noFill/>
+          <a:ln w="12700" cap="rnd">
+            <a:solidFill>
+              <a:schemeClr val="accent1"/>
+            </a:solidFill>
+          </a:ln>
+        </p:spPr>
+        <p:txBody>
+          <a:bodyPr wrap="square" rtlCol="0">
+            <a:spAutoFit/>
+          </a:bodyPr>
+          <a:lstStyle/>
+          <a:p>
+            <a:r>
+              <a:rPr lang="en-US" dirty="0"/>
+              <a:t>Solution </a:t>
+            </a:r>
+          </a:p>
+        </p:txBody>
+      </p:sp>
+      <p:sp>
+        <p:nvSpPr>
+          <p:cNvPr id="14" name="TextBox 13">
+            <a:extLst>
+              <a:ext uri="{FF2B5EF4-FFF2-40B4-BE49-F238E27FC236}">
+                <a16:creationId xmlns:a16="http://schemas.microsoft.com/office/drawing/2014/main" id="{3798C23D-9DCA-7A54-5795-8C5D0686A6DE}"/>
+              </a:ext>
+            </a:extLst>
+          </p:cNvPr>
+          <p:cNvSpPr txBox="1"/>
+          <p:nvPr/>
+        </p:nvSpPr>
+        <p:spPr>
+          <a:xfrm>
+            <a:off x="5007083" y="6316524"/>
+            <a:ext cx="6753394" cy="276999"/>
+          </a:xfrm>
+          <a:prstGeom prst="rect">
+            <a:avLst/>
+          </a:prstGeom>
+          <a:noFill/>
+          <a:ln w="12700" cap="rnd">
+            <a:solidFill>
+              <a:schemeClr val="accent1"/>
+            </a:solidFill>
+          </a:ln>
+        </p:spPr>
+        <p:txBody>
+          <a:bodyPr wrap="square" rtlCol="0">
+            <a:spAutoFit/>
+          </a:bodyPr>
+          <a:lstStyle/>
+          <a:p>
+            <a:r>
+              <a:rPr lang="en-US" sz="1200" dirty="0"/>
+              <a:t> </a:t>
+            </a:r>
+            <a:r>
+              <a:rPr lang="en-US" sz="1200" dirty="0">
+                <a:hlinkClick r:id="rId4">
+                  <a:extLst>
+                    <a:ext uri="{A12FA001-AC4F-418D-AE19-62706E023703}">
+                      <ahyp:hlinkClr xmlns:ahyp="http://schemas.microsoft.com/office/drawing/2018/hyperlinkcolor" val="tx"/>
+                    </a:ext>
+                  </a:extLst>
+                </a:hlinkClick>
+              </a:rPr>
+              <a:t>https://www.kaggle.com/datasets/open-source-sports/baseball-databank</a:t>
+            </a:r>
+            <a:endParaRPr lang="en-US" sz="1200" dirty="0"/>
+          </a:p>
+        </p:txBody>
+      </p:sp>
+      <p:sp>
+        <p:nvSpPr>
+          <p:cNvPr id="15" name="TextBox 14">
+            <a:extLst>
+              <a:ext uri="{FF2B5EF4-FFF2-40B4-BE49-F238E27FC236}">
+                <a16:creationId xmlns:a16="http://schemas.microsoft.com/office/drawing/2014/main" id="{D3693E0E-463E-D1B6-A2FC-EAFCCA002D46}"/>
+              </a:ext>
+            </a:extLst>
+          </p:cNvPr>
+          <p:cNvSpPr txBox="1"/>
+          <p:nvPr/>
+        </p:nvSpPr>
+        <p:spPr>
+          <a:xfrm>
+            <a:off x="765443" y="5789352"/>
+            <a:ext cx="3135099" cy="369332"/>
+          </a:xfrm>
+          <a:prstGeom prst="rect">
+            <a:avLst/>
+          </a:prstGeom>
+          <a:noFill/>
+          <a:ln w="12700" cap="rnd">
+            <a:solidFill>
+              <a:schemeClr val="accent1"/>
+            </a:solidFill>
+          </a:ln>
+        </p:spPr>
+        <p:txBody>
+          <a:bodyPr wrap="square" rtlCol="0">
+            <a:spAutoFit/>
+          </a:bodyPr>
+          <a:lstStyle/>
+          <a:p>
+            <a:r>
+              <a:rPr lang="en-US" dirty="0"/>
+              <a:t>Problem Faced	 </a:t>
+            </a:r>
+          </a:p>
+        </p:txBody>
+      </p:sp>
+      <p:cxnSp>
+        <p:nvCxnSpPr>
+          <p:cNvPr id="16" name="Straight Arrow Connector 15">
+            <a:extLst>
+              <a:ext uri="{FF2B5EF4-FFF2-40B4-BE49-F238E27FC236}">
+                <a16:creationId xmlns:a16="http://schemas.microsoft.com/office/drawing/2014/main" id="{8A9EAAAE-6292-A7D3-030D-E2191B73C178}"/>
+              </a:ext>
+            </a:extLst>
+          </p:cNvPr>
+          <p:cNvCxnSpPr>
+            <a:cxnSpLocks/>
+          </p:cNvCxnSpPr>
+          <p:nvPr/>
+        </p:nvCxnSpPr>
+        <p:spPr>
+          <a:xfrm>
+            <a:off x="4074580" y="5947670"/>
+            <a:ext cx="775855" cy="0"/>
+          </a:xfrm>
+          <a:prstGeom prst="straightConnector1">
+            <a:avLst/>
+          </a:prstGeom>
+          <a:ln w="57150">
+            <a:tailEnd type="triangle"/>
+          </a:ln>
+        </p:spPr>
+        <p:style>
+          <a:lnRef idx="2">
+            <a:schemeClr val="accent1"/>
+          </a:lnRef>
+          <a:fillRef idx="0">
+            <a:schemeClr val="accent1"/>
+          </a:fillRef>
+          <a:effectRef idx="1">
+            <a:schemeClr val="accent1"/>
+          </a:effectRef>
+          <a:fontRef idx="minor">
+            <a:schemeClr val="tx1"/>
+          </a:fontRef>
+        </p:style>
+      </p:cxnSp>
+      <p:sp>
+        <p:nvSpPr>
+          <p:cNvPr id="17" name="TextBox 16">
+            <a:extLst>
+              <a:ext uri="{FF2B5EF4-FFF2-40B4-BE49-F238E27FC236}">
+                <a16:creationId xmlns:a16="http://schemas.microsoft.com/office/drawing/2014/main" id="{AD279E19-0473-AE74-3A39-424449676C34}"/>
+              </a:ext>
+            </a:extLst>
+          </p:cNvPr>
+          <p:cNvSpPr txBox="1"/>
+          <p:nvPr/>
+        </p:nvSpPr>
+        <p:spPr>
+          <a:xfrm>
+            <a:off x="5024473" y="5757793"/>
+            <a:ext cx="6753394" cy="276999"/>
+          </a:xfrm>
+          <a:prstGeom prst="rect">
+            <a:avLst/>
+          </a:prstGeom>
+          <a:noFill/>
+          <a:ln w="12700" cap="rnd">
+            <a:solidFill>
+              <a:schemeClr val="accent1"/>
+            </a:solidFill>
+          </a:ln>
+        </p:spPr>
+        <p:txBody>
+          <a:bodyPr wrap="square" rtlCol="0">
+            <a:spAutoFit/>
+          </a:bodyPr>
+          <a:lstStyle/>
+          <a:p>
+            <a:r>
+              <a:rPr lang="en-US" sz="1200" dirty="0"/>
+              <a:t>Web scraping is a time consume process and not suitable for  scraping a large data set. </a:t>
+            </a:r>
+          </a:p>
+        </p:txBody>
+      </p:sp>
+    </p:spTree>
+    <p:extLst>
+      <p:ext uri="{BB962C8B-B14F-4D97-AF65-F5344CB8AC3E}">
+        <p14:creationId xmlns:p14="http://schemas.microsoft.com/office/powerpoint/2010/main" val="3284061155"/>
+      </p:ext>
+    </p:extLst>
+  </p:cSld>
+  <p:clrMapOvr>
+    <a:masterClrMapping/>
+  </p:clrMapOvr>
+</p:sld>
+</file>
+
+<file path=ppt/slides/slide6.xml><?xml version="1.0" encoding="utf-8"?>
+<p:sld xmlns:a="http://schemas.openxmlformats.org/drawingml/2006/main" xmlns:r="http://schemas.openxmlformats.org/officeDocument/2006/relationships" xmlns:p="http://schemas.openxmlformats.org/presentationml/2006/main">
+  <p:cSld>
+    <p:spTree>
+      <p:nvGrpSpPr>
+        <p:cNvPr id="1" name=""/>
+        <p:cNvGrpSpPr/>
+        <p:nvPr/>
+      </p:nvGrpSpPr>
+      <p:grpSpPr>
+        <a:xfrm>
+          <a:off x="0" y="0"/>
+          <a:ext cx="0" cy="0"/>
+          <a:chOff x="0" y="0"/>
+          <a:chExt cx="0" cy="0"/>
+        </a:xfrm>
+      </p:grpSpPr>
+      <p:sp>
+        <p:nvSpPr>
+          <p:cNvPr id="2" name="TextBox 1">
+            <a:extLst>
+              <a:ext uri="{FF2B5EF4-FFF2-40B4-BE49-F238E27FC236}">
+                <a16:creationId xmlns:a16="http://schemas.microsoft.com/office/drawing/2014/main" id="{9C29D741-7B5A-EB24-563C-8D8256EF7BAB}"/>
+              </a:ext>
+            </a:extLst>
+          </p:cNvPr>
+          <p:cNvSpPr txBox="1"/>
+          <p:nvPr/>
+        </p:nvSpPr>
+        <p:spPr>
+          <a:xfrm>
+            <a:off x="296441" y="424873"/>
+            <a:ext cx="11599118" cy="369332"/>
+          </a:xfrm>
+          <a:prstGeom prst="rect">
+            <a:avLst/>
+          </a:prstGeom>
+          <a:noFill/>
+        </p:spPr>
+        <p:txBody>
+          <a:bodyPr wrap="square" rtlCol="0">
+            <a:spAutoFit/>
+          </a:bodyPr>
+          <a:lstStyle/>
+          <a:p>
+            <a:pPr algn="ctr"/>
+            <a:r>
+              <a:rPr lang="en-US" dirty="0"/>
+              <a:t>Data Cleaning Process</a:t>
+            </a:r>
+          </a:p>
+        </p:txBody>
+      </p:sp>
+      <p:pic>
+        <p:nvPicPr>
+          <p:cNvPr id="6" name="Picture 5">
+            <a:extLst>
+              <a:ext uri="{FF2B5EF4-FFF2-40B4-BE49-F238E27FC236}">
+                <a16:creationId xmlns:a16="http://schemas.microsoft.com/office/drawing/2014/main" id="{3D391283-3294-F11B-F5E5-765B6D24B80D}"/>
+              </a:ext>
+            </a:extLst>
+          </p:cNvPr>
+          <p:cNvPicPr>
+            <a:picLocks noChangeAspect="1"/>
+          </p:cNvPicPr>
+          <p:nvPr/>
+        </p:nvPicPr>
+        <p:blipFill>
+          <a:blip r:embed="rId2"/>
+          <a:stretch>
+            <a:fillRect/>
+          </a:stretch>
+        </p:blipFill>
+        <p:spPr>
+          <a:xfrm>
+            <a:off x="296441" y="861431"/>
+            <a:ext cx="3953427" cy="2867425"/>
+          </a:xfrm>
+          <a:prstGeom prst="rect">
+            <a:avLst/>
+          </a:prstGeom>
+        </p:spPr>
+      </p:pic>
+      <p:pic>
+        <p:nvPicPr>
+          <p:cNvPr id="8" name="Picture 7">
+            <a:extLst>
+              <a:ext uri="{FF2B5EF4-FFF2-40B4-BE49-F238E27FC236}">
+                <a16:creationId xmlns:a16="http://schemas.microsoft.com/office/drawing/2014/main" id="{6921A932-D631-C2FA-0049-D44603FF8F6E}"/>
+              </a:ext>
+            </a:extLst>
+          </p:cNvPr>
+          <p:cNvPicPr>
+            <a:picLocks noChangeAspect="1"/>
+          </p:cNvPicPr>
+          <p:nvPr/>
+        </p:nvPicPr>
+        <p:blipFill>
+          <a:blip r:embed="rId3"/>
+          <a:stretch>
+            <a:fillRect/>
+          </a:stretch>
+        </p:blipFill>
+        <p:spPr>
+          <a:xfrm>
+            <a:off x="4546309" y="873298"/>
+            <a:ext cx="7645691" cy="952633"/>
+          </a:xfrm>
+          <a:prstGeom prst="rect">
+            <a:avLst/>
+          </a:prstGeom>
+        </p:spPr>
+      </p:pic>
+      <p:pic>
+        <p:nvPicPr>
+          <p:cNvPr id="10" name="Picture 9">
+            <a:extLst>
+              <a:ext uri="{FF2B5EF4-FFF2-40B4-BE49-F238E27FC236}">
+                <a16:creationId xmlns:a16="http://schemas.microsoft.com/office/drawing/2014/main" id="{AF9505C7-A4F5-0ED9-2B2B-3907D040A9CA}"/>
+              </a:ext>
+            </a:extLst>
+          </p:cNvPr>
+          <p:cNvPicPr>
+            <a:picLocks noChangeAspect="1"/>
+          </p:cNvPicPr>
+          <p:nvPr/>
+        </p:nvPicPr>
+        <p:blipFill>
+          <a:blip r:embed="rId4"/>
+          <a:stretch>
+            <a:fillRect/>
+          </a:stretch>
+        </p:blipFill>
+        <p:spPr>
+          <a:xfrm>
+            <a:off x="4546309" y="2091443"/>
+            <a:ext cx="7645691" cy="809738"/>
+          </a:xfrm>
+          <a:prstGeom prst="rect">
+            <a:avLst/>
+          </a:prstGeom>
+        </p:spPr>
+      </p:pic>
+      <p:pic>
+        <p:nvPicPr>
+          <p:cNvPr id="14" name="Picture 13">
+            <a:extLst>
+              <a:ext uri="{FF2B5EF4-FFF2-40B4-BE49-F238E27FC236}">
+                <a16:creationId xmlns:a16="http://schemas.microsoft.com/office/drawing/2014/main" id="{E707A372-68DF-8C4E-5E3D-CF8E02E939FF}"/>
+              </a:ext>
+            </a:extLst>
+          </p:cNvPr>
+          <p:cNvPicPr>
+            <a:picLocks noChangeAspect="1"/>
+          </p:cNvPicPr>
+          <p:nvPr/>
+        </p:nvPicPr>
+        <p:blipFill>
+          <a:blip r:embed="rId5"/>
+          <a:stretch>
+            <a:fillRect/>
+          </a:stretch>
+        </p:blipFill>
+        <p:spPr>
+          <a:xfrm>
+            <a:off x="4612126" y="3015927"/>
+            <a:ext cx="7579873" cy="495369"/>
+          </a:xfrm>
+          <a:prstGeom prst="rect">
+            <a:avLst/>
+          </a:prstGeom>
+        </p:spPr>
+      </p:pic>
+      <p:pic>
+        <p:nvPicPr>
+          <p:cNvPr id="16" name="Picture 15">
+            <a:extLst>
+              <a:ext uri="{FF2B5EF4-FFF2-40B4-BE49-F238E27FC236}">
+                <a16:creationId xmlns:a16="http://schemas.microsoft.com/office/drawing/2014/main" id="{AF882C93-5E37-2863-CF27-AED69E1B8B25}"/>
+              </a:ext>
+            </a:extLst>
+          </p:cNvPr>
+          <p:cNvPicPr>
+            <a:picLocks noChangeAspect="1"/>
+          </p:cNvPicPr>
+          <p:nvPr/>
+        </p:nvPicPr>
+        <p:blipFill>
+          <a:blip r:embed="rId6"/>
+          <a:stretch>
+            <a:fillRect/>
+          </a:stretch>
+        </p:blipFill>
+        <p:spPr>
+          <a:xfrm>
+            <a:off x="4546309" y="3626042"/>
+            <a:ext cx="7645691" cy="914528"/>
+          </a:xfrm>
+          <a:prstGeom prst="rect">
+            <a:avLst/>
+          </a:prstGeom>
+        </p:spPr>
+      </p:pic>
+      <p:pic>
+        <p:nvPicPr>
+          <p:cNvPr id="18" name="Picture 17">
+            <a:extLst>
+              <a:ext uri="{FF2B5EF4-FFF2-40B4-BE49-F238E27FC236}">
+                <a16:creationId xmlns:a16="http://schemas.microsoft.com/office/drawing/2014/main" id="{2C1E6E08-3CC6-1663-D4C8-863DA8D1D945}"/>
+              </a:ext>
+            </a:extLst>
+          </p:cNvPr>
+          <p:cNvPicPr>
+            <a:picLocks noChangeAspect="1"/>
+          </p:cNvPicPr>
+          <p:nvPr/>
+        </p:nvPicPr>
+        <p:blipFill>
+          <a:blip r:embed="rId7"/>
+          <a:stretch>
+            <a:fillRect/>
+          </a:stretch>
+        </p:blipFill>
+        <p:spPr>
+          <a:xfrm>
+            <a:off x="4612127" y="4655316"/>
+            <a:ext cx="7579873" cy="1345671"/>
+          </a:xfrm>
+          <a:prstGeom prst="rect">
+            <a:avLst/>
+          </a:prstGeom>
+        </p:spPr>
+      </p:pic>
+      <p:pic>
+        <p:nvPicPr>
+          <p:cNvPr id="20" name="Picture 19">
+            <a:extLst>
+              <a:ext uri="{FF2B5EF4-FFF2-40B4-BE49-F238E27FC236}">
+                <a16:creationId xmlns:a16="http://schemas.microsoft.com/office/drawing/2014/main" id="{EA282769-AE40-9D8A-037F-B5063CE2B4A3}"/>
+              </a:ext>
+            </a:extLst>
+          </p:cNvPr>
+          <p:cNvPicPr>
+            <a:picLocks noChangeAspect="1"/>
+          </p:cNvPicPr>
+          <p:nvPr/>
+        </p:nvPicPr>
+        <p:blipFill>
+          <a:blip r:embed="rId8"/>
+          <a:stretch>
+            <a:fillRect/>
+          </a:stretch>
+        </p:blipFill>
+        <p:spPr>
+          <a:xfrm>
+            <a:off x="190063" y="4540570"/>
+            <a:ext cx="4208026" cy="1567686"/>
+          </a:xfrm>
+          <a:prstGeom prst="rect">
+            <a:avLst/>
+          </a:prstGeom>
+        </p:spPr>
+      </p:pic>
+    </p:spTree>
+    <p:extLst>
+      <p:ext uri="{BB962C8B-B14F-4D97-AF65-F5344CB8AC3E}">
+        <p14:creationId xmlns:p14="http://schemas.microsoft.com/office/powerpoint/2010/main" val="3252920775"/>
+      </p:ext>
+    </p:extLst>
+  </p:cSld>
+  <p:clrMapOvr>
+    <a:masterClrMapping/>
+  </p:clrMapOvr>
+</p:sld>
+</file>
+
+<file path=ppt/slides/slide7.xml><?xml version="1.0" encoding="utf-8"?>
+<p:sld xmlns:a="http://schemas.openxmlformats.org/drawingml/2006/main" xmlns:r="http://schemas.openxmlformats.org/officeDocument/2006/relationships" xmlns:p="http://schemas.openxmlformats.org/presentationml/2006/main">
+  <p:cSld>
+    <p:spTree>
+      <p:nvGrpSpPr>
+        <p:cNvPr id="1" name=""/>
+        <p:cNvGrpSpPr/>
+        <p:nvPr/>
+      </p:nvGrpSpPr>
+      <p:grpSpPr>
+        <a:xfrm>
+          <a:off x="0" y="0"/>
+          <a:ext cx="0" cy="0"/>
+          <a:chOff x="0" y="0"/>
+          <a:chExt cx="0" cy="0"/>
+        </a:xfrm>
+      </p:grpSpPr>
+      <p:sp>
+        <p:nvSpPr>
+          <p:cNvPr id="2" name="TextBox 1">
+            <a:extLst>
+              <a:ext uri="{FF2B5EF4-FFF2-40B4-BE49-F238E27FC236}">
+                <a16:creationId xmlns:a16="http://schemas.microsoft.com/office/drawing/2014/main" id="{D5288738-3F57-1F81-3512-14FAC729726F}"/>
+              </a:ext>
+            </a:extLst>
+          </p:cNvPr>
+          <p:cNvSpPr txBox="1"/>
+          <p:nvPr/>
+        </p:nvSpPr>
+        <p:spPr>
+          <a:xfrm>
+            <a:off x="296441" y="207004"/>
+            <a:ext cx="11599118" cy="369332"/>
+          </a:xfrm>
+          <a:prstGeom prst="rect">
+            <a:avLst/>
+          </a:prstGeom>
+          <a:noFill/>
+        </p:spPr>
+        <p:txBody>
+          <a:bodyPr wrap="square" rtlCol="0">
+            <a:spAutoFit/>
+          </a:bodyPr>
+          <a:lstStyle/>
+          <a:p>
+            <a:pPr algn="ctr"/>
+            <a:r>
+              <a:rPr lang="en-US" dirty="0"/>
+              <a:t>External Libraries Used </a:t>
+            </a:r>
+          </a:p>
+        </p:txBody>
+      </p:sp>
+      <p:sp>
+        <p:nvSpPr>
+          <p:cNvPr id="3" name="TextBox 2">
+            <a:extLst>
+              <a:ext uri="{FF2B5EF4-FFF2-40B4-BE49-F238E27FC236}">
+                <a16:creationId xmlns:a16="http://schemas.microsoft.com/office/drawing/2014/main" id="{DC2A662C-0492-2251-93FC-13531B64A0D4}"/>
+              </a:ext>
+            </a:extLst>
+          </p:cNvPr>
+          <p:cNvSpPr txBox="1"/>
+          <p:nvPr/>
+        </p:nvSpPr>
+        <p:spPr>
+          <a:xfrm>
+            <a:off x="595653" y="931052"/>
+            <a:ext cx="3135099" cy="369332"/>
+          </a:xfrm>
+          <a:prstGeom prst="rect">
+            <a:avLst/>
+          </a:prstGeom>
+          <a:noFill/>
+          <a:ln w="12700" cap="rnd">
+            <a:solidFill>
+              <a:schemeClr val="accent1"/>
+            </a:solidFill>
+          </a:ln>
+        </p:spPr>
+        <p:txBody>
+          <a:bodyPr wrap="square" rtlCol="0">
+            <a:spAutoFit/>
+          </a:bodyPr>
+          <a:lstStyle/>
+          <a:p>
+            <a:r>
+              <a:rPr lang="en-US" dirty="0"/>
+              <a:t>Data Binding</a:t>
+            </a:r>
+          </a:p>
+        </p:txBody>
+      </p:sp>
+      <p:sp>
+        <p:nvSpPr>
+          <p:cNvPr id="4" name="TextBox 3">
+            <a:extLst>
+              <a:ext uri="{FF2B5EF4-FFF2-40B4-BE49-F238E27FC236}">
+                <a16:creationId xmlns:a16="http://schemas.microsoft.com/office/drawing/2014/main" id="{88B52936-37EF-7C93-5DFC-344D8144A6A9}"/>
+              </a:ext>
+            </a:extLst>
+          </p:cNvPr>
+          <p:cNvSpPr txBox="1"/>
+          <p:nvPr/>
+        </p:nvSpPr>
+        <p:spPr>
+          <a:xfrm>
+            <a:off x="4919472" y="792552"/>
+            <a:ext cx="6510528" cy="1015663"/>
+          </a:xfrm>
+          <a:prstGeom prst="rect">
+            <a:avLst/>
+          </a:prstGeom>
+          <a:noFill/>
+          <a:ln w="12700" cap="rnd">
+            <a:solidFill>
+              <a:schemeClr val="accent1"/>
+            </a:solidFill>
+          </a:ln>
+        </p:spPr>
+        <p:txBody>
+          <a:bodyPr wrap="square" rtlCol="0">
+            <a:spAutoFit/>
+          </a:bodyPr>
+          <a:lstStyle>
+            <a:defPPr>
+              <a:defRPr lang="en-US"/>
+            </a:defPPr>
+            <a:lvl1pPr>
+              <a:defRPr/>
+            </a:lvl1pPr>
+          </a:lstStyle>
+          <a:p>
+            <a:r>
+              <a:rPr lang="en-US" sz="1200" b="0" dirty="0">
+                <a:solidFill>
+                  <a:srgbClr val="9CDCFE"/>
+                </a:solidFill>
+                <a:effectLst/>
+                <a:highlight>
+                  <a:srgbClr val="1E1E1E"/>
+                </a:highlight>
+                <a:latin typeface="Consolas" panose="020B0609020204030204" pitchFamily="49" charset="0"/>
+              </a:rPr>
+              <a:t>d3</a:t>
+            </a:r>
+            <a:r>
+              <a:rPr lang="en-US" sz="1200" b="0" dirty="0">
+                <a:solidFill>
+                  <a:srgbClr val="D4D4D4"/>
+                </a:solidFill>
+                <a:effectLst/>
+                <a:highlight>
+                  <a:srgbClr val="1E1E1E"/>
+                </a:highlight>
+                <a:latin typeface="Consolas" panose="020B0609020204030204" pitchFamily="49" charset="0"/>
+              </a:rPr>
+              <a:t>.</a:t>
+            </a:r>
+            <a:r>
+              <a:rPr lang="en-US" sz="1200" b="0" dirty="0">
+                <a:solidFill>
+                  <a:srgbClr val="DCDCAA"/>
+                </a:solidFill>
+                <a:effectLst/>
+                <a:highlight>
+                  <a:srgbClr val="1E1E1E"/>
+                </a:highlight>
+                <a:latin typeface="Consolas" panose="020B0609020204030204" pitchFamily="49" charset="0"/>
+              </a:rPr>
+              <a:t>csv</a:t>
+            </a:r>
+            <a:r>
+              <a:rPr lang="en-US" sz="1200" b="0" dirty="0">
+                <a:solidFill>
+                  <a:srgbClr val="D4D4D4"/>
+                </a:solidFill>
+                <a:effectLst/>
+                <a:highlight>
+                  <a:srgbClr val="1E1E1E"/>
+                </a:highlight>
+                <a:latin typeface="Consolas" panose="020B0609020204030204" pitchFamily="49" charset="0"/>
+              </a:rPr>
+              <a:t>(</a:t>
+            </a:r>
+            <a:r>
+              <a:rPr lang="en-US" sz="1200" b="0" dirty="0">
+                <a:solidFill>
+                  <a:srgbClr val="CE9178"/>
+                </a:solidFill>
+                <a:effectLst/>
+                <a:highlight>
+                  <a:srgbClr val="1E1E1E"/>
+                </a:highlight>
+                <a:latin typeface="Consolas" panose="020B0609020204030204" pitchFamily="49" charset="0"/>
+              </a:rPr>
+              <a:t>"./Resources/Summary.csv"</a:t>
+            </a:r>
+            <a:r>
+              <a:rPr lang="en-US" sz="1200" b="0" dirty="0">
+                <a:solidFill>
+                  <a:srgbClr val="D4D4D4"/>
+                </a:solidFill>
+                <a:effectLst/>
+                <a:highlight>
+                  <a:srgbClr val="1E1E1E"/>
+                </a:highlight>
+                <a:latin typeface="Consolas" panose="020B0609020204030204" pitchFamily="49" charset="0"/>
+              </a:rPr>
+              <a:t>).</a:t>
+            </a:r>
+            <a:r>
+              <a:rPr lang="en-US" sz="1200" b="0" dirty="0">
+                <a:solidFill>
+                  <a:srgbClr val="DCDCAA"/>
+                </a:solidFill>
+                <a:effectLst/>
+                <a:highlight>
+                  <a:srgbClr val="1E1E1E"/>
+                </a:highlight>
+                <a:latin typeface="Consolas" panose="020B0609020204030204" pitchFamily="49" charset="0"/>
+              </a:rPr>
+              <a:t>then</a:t>
+            </a:r>
+            <a:r>
+              <a:rPr lang="en-US" sz="1200" b="0" dirty="0">
+                <a:solidFill>
+                  <a:srgbClr val="D4D4D4"/>
+                </a:solidFill>
+                <a:effectLst/>
+                <a:highlight>
+                  <a:srgbClr val="1E1E1E"/>
+                </a:highlight>
+                <a:latin typeface="Consolas" panose="020B0609020204030204" pitchFamily="49" charset="0"/>
+              </a:rPr>
+              <a:t>(</a:t>
+            </a:r>
+            <a:r>
+              <a:rPr lang="en-US" sz="1200" b="0" dirty="0">
+                <a:solidFill>
+                  <a:srgbClr val="569CD6"/>
+                </a:solidFill>
+                <a:effectLst/>
+                <a:highlight>
+                  <a:srgbClr val="1E1E1E"/>
+                </a:highlight>
+                <a:latin typeface="Consolas" panose="020B0609020204030204" pitchFamily="49" charset="0"/>
+              </a:rPr>
+              <a:t>function</a:t>
+            </a:r>
+            <a:r>
+              <a:rPr lang="en-US" sz="1200" b="0" dirty="0">
+                <a:solidFill>
+                  <a:srgbClr val="D4D4D4"/>
+                </a:solidFill>
+                <a:effectLst/>
+                <a:highlight>
+                  <a:srgbClr val="1E1E1E"/>
+                </a:highlight>
+                <a:latin typeface="Consolas" panose="020B0609020204030204" pitchFamily="49" charset="0"/>
+              </a:rPr>
+              <a:t>(</a:t>
+            </a:r>
+            <a:r>
+              <a:rPr lang="en-US" sz="1200" b="0" dirty="0">
+                <a:solidFill>
+                  <a:srgbClr val="9CDCFE"/>
+                </a:solidFill>
+                <a:effectLst/>
+                <a:highlight>
+                  <a:srgbClr val="1E1E1E"/>
+                </a:highlight>
+                <a:latin typeface="Consolas" panose="020B0609020204030204" pitchFamily="49" charset="0"/>
+              </a:rPr>
+              <a:t>data</a:t>
+            </a:r>
+            <a:r>
+              <a:rPr lang="en-US" sz="1200" b="0" dirty="0">
+                <a:solidFill>
+                  <a:srgbClr val="D4D4D4"/>
+                </a:solidFill>
+                <a:effectLst/>
+                <a:highlight>
+                  <a:srgbClr val="1E1E1E"/>
+                </a:highlight>
+                <a:latin typeface="Consolas" panose="020B0609020204030204" pitchFamily="49" charset="0"/>
+              </a:rPr>
+              <a:t>) { </a:t>
+            </a:r>
+          </a:p>
+          <a:p>
+            <a:endParaRPr lang="en-US" sz="1200" dirty="0">
+              <a:solidFill>
+                <a:srgbClr val="D4D4D4"/>
+              </a:solidFill>
+              <a:highlight>
+                <a:srgbClr val="1E1E1E"/>
+              </a:highlight>
+              <a:latin typeface="Consolas" panose="020B0609020204030204" pitchFamily="49" charset="0"/>
+            </a:endParaRPr>
+          </a:p>
+          <a:p>
+            <a:r>
+              <a:rPr lang="en-US" sz="1200" b="0" dirty="0">
+                <a:solidFill>
+                  <a:srgbClr val="D4D4D4"/>
+                </a:solidFill>
+                <a:effectLst/>
+                <a:highlight>
+                  <a:srgbClr val="1E1E1E"/>
+                </a:highlight>
+                <a:latin typeface="Consolas" panose="020B0609020204030204" pitchFamily="49" charset="0"/>
+              </a:rPr>
+              <a:t> </a:t>
+            </a:r>
+            <a:r>
+              <a:rPr lang="en-US" sz="1200" b="0" dirty="0">
+                <a:solidFill>
+                  <a:srgbClr val="6A9955"/>
+                </a:solidFill>
+                <a:effectLst/>
+                <a:highlight>
+                  <a:srgbClr val="1E1E1E"/>
+                </a:highlight>
+                <a:latin typeface="Consolas" panose="020B0609020204030204" pitchFamily="49" charset="0"/>
+              </a:rPr>
+              <a:t>&lt;!-- D3 library --&gt;</a:t>
+            </a:r>
+            <a:endParaRPr lang="en-US" sz="1200" b="0" dirty="0">
+              <a:solidFill>
+                <a:srgbClr val="D4D4D4"/>
+              </a:solidFill>
+              <a:effectLst/>
+              <a:highlight>
+                <a:srgbClr val="1E1E1E"/>
+              </a:highlight>
+              <a:latin typeface="Consolas" panose="020B0609020204030204" pitchFamily="49" charset="0"/>
+            </a:endParaRPr>
+          </a:p>
+          <a:p>
+            <a:r>
+              <a:rPr lang="en-US" sz="1200" b="0" dirty="0">
+                <a:solidFill>
+                  <a:srgbClr val="D4D4D4"/>
+                </a:solidFill>
+                <a:effectLst/>
+                <a:highlight>
+                  <a:srgbClr val="1E1E1E"/>
+                </a:highlight>
+                <a:latin typeface="Consolas" panose="020B0609020204030204" pitchFamily="49" charset="0"/>
+              </a:rPr>
+              <a:t>  </a:t>
+            </a:r>
+            <a:r>
+              <a:rPr lang="en-US" sz="1200" b="0" dirty="0">
+                <a:solidFill>
+                  <a:srgbClr val="808080"/>
+                </a:solidFill>
+                <a:effectLst/>
+                <a:highlight>
+                  <a:srgbClr val="1E1E1E"/>
+                </a:highlight>
+                <a:latin typeface="Consolas" panose="020B0609020204030204" pitchFamily="49" charset="0"/>
+              </a:rPr>
+              <a:t>&lt;</a:t>
+            </a:r>
+            <a:r>
+              <a:rPr lang="en-US" sz="1200" b="0" dirty="0">
+                <a:solidFill>
+                  <a:srgbClr val="569CD6"/>
+                </a:solidFill>
+                <a:effectLst/>
+                <a:highlight>
+                  <a:srgbClr val="1E1E1E"/>
+                </a:highlight>
+                <a:latin typeface="Consolas" panose="020B0609020204030204" pitchFamily="49" charset="0"/>
+              </a:rPr>
+              <a:t>script</a:t>
+            </a:r>
+            <a:r>
+              <a:rPr lang="en-US" sz="1200" b="0" dirty="0">
+                <a:solidFill>
+                  <a:srgbClr val="D4D4D4"/>
+                </a:solidFill>
+                <a:effectLst/>
+                <a:highlight>
+                  <a:srgbClr val="1E1E1E"/>
+                </a:highlight>
+                <a:latin typeface="Consolas" panose="020B0609020204030204" pitchFamily="49" charset="0"/>
+              </a:rPr>
+              <a:t> </a:t>
+            </a:r>
+            <a:r>
+              <a:rPr lang="en-US" sz="1200" b="0" dirty="0" err="1">
+                <a:solidFill>
+                  <a:srgbClr val="9CDCFE"/>
+                </a:solidFill>
+                <a:effectLst/>
+                <a:highlight>
+                  <a:srgbClr val="1E1E1E"/>
+                </a:highlight>
+                <a:latin typeface="Consolas" panose="020B0609020204030204" pitchFamily="49" charset="0"/>
+              </a:rPr>
+              <a:t>src</a:t>
+            </a:r>
+            <a:r>
+              <a:rPr lang="en-US" sz="1200" b="0" dirty="0">
+                <a:solidFill>
+                  <a:srgbClr val="D4D4D4"/>
+                </a:solidFill>
+                <a:effectLst/>
+                <a:highlight>
+                  <a:srgbClr val="1E1E1E"/>
+                </a:highlight>
+                <a:latin typeface="Consolas" panose="020B0609020204030204" pitchFamily="49" charset="0"/>
+              </a:rPr>
+              <a:t>=</a:t>
+            </a:r>
+            <a:r>
+              <a:rPr lang="en-US" sz="1200" b="0" dirty="0">
+                <a:solidFill>
+                  <a:srgbClr val="CE9178"/>
+                </a:solidFill>
+                <a:effectLst/>
+                <a:highlight>
+                  <a:srgbClr val="1E1E1E"/>
+                </a:highlight>
+                <a:latin typeface="Consolas" panose="020B0609020204030204" pitchFamily="49" charset="0"/>
+              </a:rPr>
+              <a:t>"https://d3js.org/d3.v7.min.js"</a:t>
+            </a:r>
+            <a:r>
+              <a:rPr lang="en-US" sz="1200" b="0" dirty="0">
+                <a:solidFill>
+                  <a:srgbClr val="808080"/>
+                </a:solidFill>
+                <a:effectLst/>
+                <a:highlight>
+                  <a:srgbClr val="1E1E1E"/>
+                </a:highlight>
+                <a:latin typeface="Consolas" panose="020B0609020204030204" pitchFamily="49" charset="0"/>
+              </a:rPr>
+              <a:t>&gt;&lt;/</a:t>
+            </a:r>
+            <a:r>
+              <a:rPr lang="en-US" sz="1200" b="0" dirty="0">
+                <a:solidFill>
+                  <a:srgbClr val="569CD6"/>
+                </a:solidFill>
+                <a:effectLst/>
+                <a:highlight>
+                  <a:srgbClr val="1E1E1E"/>
+                </a:highlight>
+                <a:latin typeface="Consolas" panose="020B0609020204030204" pitchFamily="49" charset="0"/>
+              </a:rPr>
+              <a:t>script</a:t>
+            </a:r>
+            <a:r>
+              <a:rPr lang="en-US" sz="1200" b="0" dirty="0">
+                <a:solidFill>
+                  <a:srgbClr val="808080"/>
+                </a:solidFill>
+                <a:effectLst/>
+                <a:highlight>
+                  <a:srgbClr val="1E1E1E"/>
+                </a:highlight>
+                <a:latin typeface="Consolas" panose="020B0609020204030204" pitchFamily="49" charset="0"/>
+              </a:rPr>
+              <a:t>&gt;</a:t>
+            </a:r>
+            <a:endParaRPr lang="en-US" sz="1200" b="0" dirty="0">
+              <a:solidFill>
+                <a:srgbClr val="D4D4D4"/>
+              </a:solidFill>
+              <a:effectLst/>
+              <a:highlight>
+                <a:srgbClr val="1E1E1E"/>
+              </a:highlight>
+              <a:latin typeface="Consolas" panose="020B0609020204030204" pitchFamily="49" charset="0"/>
+            </a:endParaRPr>
+          </a:p>
+          <a:p>
+            <a:endParaRPr lang="en-US" sz="1200" b="0" dirty="0">
+              <a:solidFill>
+                <a:srgbClr val="D4D4D4"/>
+              </a:solidFill>
+              <a:effectLst/>
+              <a:highlight>
+                <a:srgbClr val="1E1E1E"/>
+              </a:highlight>
+              <a:latin typeface="Consolas" panose="020B0609020204030204" pitchFamily="49" charset="0"/>
+            </a:endParaRPr>
+          </a:p>
+        </p:txBody>
+      </p:sp>
+      <p:cxnSp>
+        <p:nvCxnSpPr>
+          <p:cNvPr id="5" name="Straight Arrow Connector 4">
+            <a:extLst>
+              <a:ext uri="{FF2B5EF4-FFF2-40B4-BE49-F238E27FC236}">
+                <a16:creationId xmlns:a16="http://schemas.microsoft.com/office/drawing/2014/main" id="{98C532DE-7C1D-547A-A8EF-0B1FDD1B8CCE}"/>
+              </a:ext>
+            </a:extLst>
+          </p:cNvPr>
+          <p:cNvCxnSpPr>
+            <a:cxnSpLocks/>
+          </p:cNvCxnSpPr>
+          <p:nvPr/>
+        </p:nvCxnSpPr>
+        <p:spPr>
+          <a:xfrm>
+            <a:off x="4039800" y="1141921"/>
+            <a:ext cx="775855" cy="0"/>
+          </a:xfrm>
+          <a:prstGeom prst="straightConnector1">
+            <a:avLst/>
+          </a:prstGeom>
+          <a:ln w="57150">
+            <a:tailEnd type="triangle"/>
+          </a:ln>
+        </p:spPr>
+        <p:style>
+          <a:lnRef idx="2">
+            <a:schemeClr val="accent1"/>
+          </a:lnRef>
+          <a:fillRef idx="0">
+            <a:schemeClr val="accent1"/>
+          </a:fillRef>
+          <a:effectRef idx="1">
+            <a:schemeClr val="accent1"/>
+          </a:effectRef>
+          <a:fontRef idx="minor">
+            <a:schemeClr val="tx1"/>
+          </a:fontRef>
+        </p:style>
+      </p:cxnSp>
+      <p:sp>
+        <p:nvSpPr>
+          <p:cNvPr id="8" name="TextBox 7">
+            <a:extLst>
+              <a:ext uri="{FF2B5EF4-FFF2-40B4-BE49-F238E27FC236}">
+                <a16:creationId xmlns:a16="http://schemas.microsoft.com/office/drawing/2014/main" id="{7A5DC2D1-0E45-354A-957C-A95CE65F9F6B}"/>
+              </a:ext>
+            </a:extLst>
+          </p:cNvPr>
+          <p:cNvSpPr txBox="1"/>
+          <p:nvPr/>
+        </p:nvSpPr>
+        <p:spPr>
+          <a:xfrm>
+            <a:off x="633521" y="3059668"/>
+            <a:ext cx="3135099" cy="369332"/>
+          </a:xfrm>
+          <a:prstGeom prst="rect">
+            <a:avLst/>
+          </a:prstGeom>
+          <a:noFill/>
+          <a:ln w="12700" cap="rnd">
+            <a:solidFill>
+              <a:schemeClr val="accent1"/>
+            </a:solidFill>
+          </a:ln>
+        </p:spPr>
+        <p:txBody>
+          <a:bodyPr wrap="square" rtlCol="0">
+            <a:spAutoFit/>
+          </a:bodyPr>
+          <a:lstStyle/>
+          <a:p>
+            <a:r>
+              <a:rPr lang="en-US" dirty="0"/>
+              <a:t>Map Visuals </a:t>
+            </a:r>
+          </a:p>
+        </p:txBody>
+      </p:sp>
+      <p:sp>
+        <p:nvSpPr>
+          <p:cNvPr id="9" name="TextBox 8">
+            <a:extLst>
+              <a:ext uri="{FF2B5EF4-FFF2-40B4-BE49-F238E27FC236}">
+                <a16:creationId xmlns:a16="http://schemas.microsoft.com/office/drawing/2014/main" id="{40AD61F9-3B82-93B7-F6A4-848FFCD490F5}"/>
+              </a:ext>
+            </a:extLst>
+          </p:cNvPr>
+          <p:cNvSpPr txBox="1"/>
+          <p:nvPr/>
+        </p:nvSpPr>
+        <p:spPr>
+          <a:xfrm>
+            <a:off x="4920581" y="1913246"/>
+            <a:ext cx="6510528" cy="2677656"/>
+          </a:xfrm>
+          <a:prstGeom prst="rect">
+            <a:avLst/>
+          </a:prstGeom>
+          <a:noFill/>
+          <a:ln w="12700" cap="rnd">
+            <a:solidFill>
+              <a:schemeClr val="accent1"/>
+            </a:solidFill>
+          </a:ln>
+        </p:spPr>
+        <p:txBody>
+          <a:bodyPr wrap="square" rtlCol="0">
+            <a:spAutoFit/>
+          </a:bodyPr>
+          <a:lstStyle>
+            <a:defPPr>
+              <a:defRPr lang="en-US"/>
+            </a:defPPr>
+            <a:lvl1pPr>
+              <a:defRPr/>
+            </a:lvl1pPr>
+          </a:lstStyle>
+          <a:p>
+            <a:r>
+              <a:rPr lang="en-US" sz="1200" b="0" dirty="0">
+                <a:solidFill>
+                  <a:srgbClr val="6A9955"/>
+                </a:solidFill>
+                <a:effectLst/>
+                <a:highlight>
+                  <a:srgbClr val="1E1E1E"/>
+                </a:highlight>
+                <a:latin typeface="Consolas" panose="020B0609020204030204" pitchFamily="49" charset="0"/>
+              </a:rPr>
+              <a:t>&lt;!-- Leaflet CSS --&gt;</a:t>
+            </a:r>
+            <a:endParaRPr lang="en-US" sz="1200" b="0" dirty="0">
+              <a:solidFill>
+                <a:srgbClr val="D4D4D4"/>
+              </a:solidFill>
+              <a:effectLst/>
+              <a:highlight>
+                <a:srgbClr val="1E1E1E"/>
+              </a:highlight>
+              <a:latin typeface="Consolas" panose="020B0609020204030204" pitchFamily="49" charset="0"/>
+            </a:endParaRPr>
+          </a:p>
+          <a:p>
+            <a:r>
+              <a:rPr lang="en-US" sz="1200" b="0" dirty="0">
+                <a:solidFill>
+                  <a:srgbClr val="D4D4D4"/>
+                </a:solidFill>
+                <a:effectLst/>
+                <a:highlight>
+                  <a:srgbClr val="1E1E1E"/>
+                </a:highlight>
+                <a:latin typeface="Consolas" panose="020B0609020204030204" pitchFamily="49" charset="0"/>
+              </a:rPr>
+              <a:t>  </a:t>
+            </a:r>
+            <a:r>
+              <a:rPr lang="en-US" sz="1200" b="0" dirty="0">
+                <a:solidFill>
+                  <a:srgbClr val="808080"/>
+                </a:solidFill>
+                <a:effectLst/>
+                <a:highlight>
+                  <a:srgbClr val="1E1E1E"/>
+                </a:highlight>
+                <a:latin typeface="Consolas" panose="020B0609020204030204" pitchFamily="49" charset="0"/>
+              </a:rPr>
+              <a:t>&lt;</a:t>
+            </a:r>
+            <a:r>
+              <a:rPr lang="en-US" sz="1200" b="0" dirty="0">
+                <a:solidFill>
+                  <a:srgbClr val="569CD6"/>
+                </a:solidFill>
+                <a:effectLst/>
+                <a:highlight>
+                  <a:srgbClr val="1E1E1E"/>
+                </a:highlight>
+                <a:latin typeface="Consolas" panose="020B0609020204030204" pitchFamily="49" charset="0"/>
+              </a:rPr>
+              <a:t>link</a:t>
+            </a:r>
+            <a:r>
+              <a:rPr lang="en-US" sz="1200" b="0" dirty="0">
+                <a:solidFill>
+                  <a:srgbClr val="D4D4D4"/>
+                </a:solidFill>
+                <a:effectLst/>
+                <a:highlight>
+                  <a:srgbClr val="1E1E1E"/>
+                </a:highlight>
+                <a:latin typeface="Consolas" panose="020B0609020204030204" pitchFamily="49" charset="0"/>
+              </a:rPr>
+              <a:t> </a:t>
+            </a:r>
+            <a:r>
+              <a:rPr lang="en-US" sz="1200" b="0" dirty="0" err="1">
+                <a:solidFill>
+                  <a:srgbClr val="9CDCFE"/>
+                </a:solidFill>
+                <a:effectLst/>
+                <a:highlight>
+                  <a:srgbClr val="1E1E1E"/>
+                </a:highlight>
+                <a:latin typeface="Consolas" panose="020B0609020204030204" pitchFamily="49" charset="0"/>
+              </a:rPr>
+              <a:t>rel</a:t>
+            </a:r>
+            <a:r>
+              <a:rPr lang="en-US" sz="1200" b="0" dirty="0">
+                <a:solidFill>
+                  <a:srgbClr val="D4D4D4"/>
+                </a:solidFill>
+                <a:effectLst/>
+                <a:highlight>
+                  <a:srgbClr val="1E1E1E"/>
+                </a:highlight>
+                <a:latin typeface="Consolas" panose="020B0609020204030204" pitchFamily="49" charset="0"/>
+              </a:rPr>
+              <a:t>=</a:t>
+            </a:r>
+            <a:r>
+              <a:rPr lang="en-US" sz="1200" b="0" dirty="0">
+                <a:solidFill>
+                  <a:srgbClr val="CE9178"/>
+                </a:solidFill>
+                <a:effectLst/>
+                <a:highlight>
+                  <a:srgbClr val="1E1E1E"/>
+                </a:highlight>
+                <a:latin typeface="Consolas" panose="020B0609020204030204" pitchFamily="49" charset="0"/>
+              </a:rPr>
+              <a:t>"stylesheet"</a:t>
+            </a:r>
+            <a:r>
+              <a:rPr lang="en-US" sz="1200" b="0" dirty="0">
+                <a:solidFill>
+                  <a:srgbClr val="D4D4D4"/>
+                </a:solidFill>
+                <a:effectLst/>
+                <a:highlight>
+                  <a:srgbClr val="1E1E1E"/>
+                </a:highlight>
+                <a:latin typeface="Consolas" panose="020B0609020204030204" pitchFamily="49" charset="0"/>
+              </a:rPr>
+              <a:t>  </a:t>
+            </a:r>
+            <a:r>
+              <a:rPr lang="en-US" sz="1200" b="0" dirty="0" err="1">
+                <a:solidFill>
+                  <a:srgbClr val="9CDCFE"/>
+                </a:solidFill>
+                <a:effectLst/>
+                <a:highlight>
+                  <a:srgbClr val="1E1E1E"/>
+                </a:highlight>
+                <a:latin typeface="Consolas" panose="020B0609020204030204" pitchFamily="49" charset="0"/>
+              </a:rPr>
+              <a:t>href</a:t>
+            </a:r>
+            <a:r>
+              <a:rPr lang="en-US" sz="1200" b="0" dirty="0">
+                <a:solidFill>
+                  <a:srgbClr val="D4D4D4"/>
+                </a:solidFill>
+                <a:effectLst/>
+                <a:highlight>
+                  <a:srgbClr val="1E1E1E"/>
+                </a:highlight>
+                <a:latin typeface="Consolas" panose="020B0609020204030204" pitchFamily="49" charset="0"/>
+              </a:rPr>
+              <a:t>=</a:t>
+            </a:r>
+            <a:r>
+              <a:rPr lang="en-US" sz="1200" b="0" dirty="0">
+                <a:solidFill>
+                  <a:srgbClr val="CE9178"/>
+                </a:solidFill>
+                <a:effectLst/>
+                <a:highlight>
+                  <a:srgbClr val="1E1E1E"/>
+                </a:highlight>
+                <a:latin typeface="Consolas" panose="020B0609020204030204" pitchFamily="49" charset="0"/>
+              </a:rPr>
+              <a:t>"https://unpkg.com/leaflet@1.9.4/</a:t>
+            </a:r>
+            <a:r>
+              <a:rPr lang="en-US" sz="1200" b="0" dirty="0" err="1">
+                <a:solidFill>
+                  <a:srgbClr val="CE9178"/>
+                </a:solidFill>
+                <a:effectLst/>
+                <a:highlight>
+                  <a:srgbClr val="1E1E1E"/>
+                </a:highlight>
+                <a:latin typeface="Consolas" panose="020B0609020204030204" pitchFamily="49" charset="0"/>
+              </a:rPr>
+              <a:t>dist</a:t>
+            </a:r>
+            <a:r>
+              <a:rPr lang="en-US" sz="1200" b="0" dirty="0">
+                <a:solidFill>
+                  <a:srgbClr val="CE9178"/>
+                </a:solidFill>
+                <a:effectLst/>
+                <a:highlight>
+                  <a:srgbClr val="1E1E1E"/>
+                </a:highlight>
+                <a:latin typeface="Consolas" panose="020B0609020204030204" pitchFamily="49" charset="0"/>
+              </a:rPr>
+              <a:t>/leaflet.css"</a:t>
+            </a:r>
+            <a:endParaRPr lang="en-US" sz="1200" b="0" dirty="0">
+              <a:solidFill>
+                <a:srgbClr val="D4D4D4"/>
+              </a:solidFill>
+              <a:effectLst/>
+              <a:highlight>
+                <a:srgbClr val="1E1E1E"/>
+              </a:highlight>
+              <a:latin typeface="Consolas" panose="020B0609020204030204" pitchFamily="49" charset="0"/>
+            </a:endParaRPr>
+          </a:p>
+          <a:p>
+            <a:r>
+              <a:rPr lang="en-US" sz="1200" b="0" dirty="0">
+                <a:solidFill>
+                  <a:srgbClr val="D4D4D4"/>
+                </a:solidFill>
+                <a:effectLst/>
+                <a:highlight>
+                  <a:srgbClr val="1E1E1E"/>
+                </a:highlight>
+                <a:latin typeface="Consolas" panose="020B0609020204030204" pitchFamily="49" charset="0"/>
+              </a:rPr>
+              <a:t>    </a:t>
+            </a:r>
+            <a:r>
+              <a:rPr lang="en-US" sz="1200" b="0" dirty="0">
+                <a:solidFill>
+                  <a:srgbClr val="9CDCFE"/>
+                </a:solidFill>
+                <a:effectLst/>
+                <a:highlight>
+                  <a:srgbClr val="1E1E1E"/>
+                </a:highlight>
+                <a:latin typeface="Consolas" panose="020B0609020204030204" pitchFamily="49" charset="0"/>
+              </a:rPr>
+              <a:t>integrity</a:t>
+            </a:r>
+            <a:r>
+              <a:rPr lang="en-US" sz="1200" b="0" dirty="0">
+                <a:solidFill>
+                  <a:srgbClr val="D4D4D4"/>
+                </a:solidFill>
+                <a:effectLst/>
+                <a:highlight>
+                  <a:srgbClr val="1E1E1E"/>
+                </a:highlight>
+                <a:latin typeface="Consolas" panose="020B0609020204030204" pitchFamily="49" charset="0"/>
+              </a:rPr>
+              <a:t>=</a:t>
+            </a:r>
+            <a:r>
+              <a:rPr lang="en-US" sz="1200" b="0" dirty="0">
+                <a:solidFill>
+                  <a:srgbClr val="CE9178"/>
+                </a:solidFill>
+                <a:effectLst/>
+                <a:highlight>
+                  <a:srgbClr val="1E1E1E"/>
+                </a:highlight>
+                <a:latin typeface="Consolas" panose="020B0609020204030204" pitchFamily="49" charset="0"/>
+              </a:rPr>
+              <a:t>"sha256-p4NxAoJBhIIN+hmNHrzRCf9tD/miZyoHS5obTRR9BMY="</a:t>
+            </a:r>
+            <a:endParaRPr lang="en-US" sz="1200" b="0" dirty="0">
+              <a:solidFill>
+                <a:srgbClr val="D4D4D4"/>
+              </a:solidFill>
+              <a:effectLst/>
+              <a:highlight>
+                <a:srgbClr val="1E1E1E"/>
+              </a:highlight>
+              <a:latin typeface="Consolas" panose="020B0609020204030204" pitchFamily="49" charset="0"/>
+            </a:endParaRPr>
+          </a:p>
+          <a:p>
+            <a:r>
+              <a:rPr lang="en-US" sz="1200" b="0" dirty="0">
+                <a:solidFill>
+                  <a:srgbClr val="D4D4D4"/>
+                </a:solidFill>
+                <a:effectLst/>
+                <a:highlight>
+                  <a:srgbClr val="1E1E1E"/>
+                </a:highlight>
+                <a:latin typeface="Consolas" panose="020B0609020204030204" pitchFamily="49" charset="0"/>
+              </a:rPr>
+              <a:t>    </a:t>
+            </a:r>
+            <a:r>
+              <a:rPr lang="en-US" sz="1200" b="0" dirty="0" err="1">
+                <a:solidFill>
+                  <a:srgbClr val="9CDCFE"/>
+                </a:solidFill>
+                <a:effectLst/>
+                <a:highlight>
+                  <a:srgbClr val="1E1E1E"/>
+                </a:highlight>
+                <a:latin typeface="Consolas" panose="020B0609020204030204" pitchFamily="49" charset="0"/>
+              </a:rPr>
+              <a:t>crossorigin</a:t>
+            </a:r>
+            <a:r>
+              <a:rPr lang="en-US" sz="1200" b="0" dirty="0">
+                <a:solidFill>
+                  <a:srgbClr val="D4D4D4"/>
+                </a:solidFill>
+                <a:effectLst/>
+                <a:highlight>
+                  <a:srgbClr val="1E1E1E"/>
+                </a:highlight>
+                <a:latin typeface="Consolas" panose="020B0609020204030204" pitchFamily="49" charset="0"/>
+              </a:rPr>
+              <a:t>=</a:t>
+            </a:r>
+            <a:r>
+              <a:rPr lang="en-US" sz="1200" b="0" dirty="0">
+                <a:solidFill>
+                  <a:srgbClr val="CE9178"/>
+                </a:solidFill>
+                <a:effectLst/>
+                <a:highlight>
+                  <a:srgbClr val="1E1E1E"/>
+                </a:highlight>
+                <a:latin typeface="Consolas" panose="020B0609020204030204" pitchFamily="49" charset="0"/>
+              </a:rPr>
+              <a:t>""</a:t>
+            </a:r>
+            <a:r>
+              <a:rPr lang="en-US" sz="1200" b="0" dirty="0">
+                <a:solidFill>
+                  <a:srgbClr val="D4D4D4"/>
+                </a:solidFill>
+                <a:effectLst/>
+                <a:highlight>
+                  <a:srgbClr val="1E1E1E"/>
+                </a:highlight>
+                <a:latin typeface="Consolas" panose="020B0609020204030204" pitchFamily="49" charset="0"/>
+              </a:rPr>
+              <a:t> </a:t>
+            </a:r>
+            <a:r>
+              <a:rPr lang="en-US" sz="1200" b="0" dirty="0">
+                <a:solidFill>
+                  <a:srgbClr val="808080"/>
+                </a:solidFill>
+                <a:effectLst/>
+                <a:highlight>
+                  <a:srgbClr val="1E1E1E"/>
+                </a:highlight>
+                <a:latin typeface="Consolas" panose="020B0609020204030204" pitchFamily="49" charset="0"/>
+              </a:rPr>
+              <a:t>/&gt;</a:t>
+            </a:r>
+            <a:endParaRPr lang="en-US" sz="1200" b="0" dirty="0">
+              <a:solidFill>
+                <a:srgbClr val="D4D4D4"/>
+              </a:solidFill>
+              <a:effectLst/>
+              <a:highlight>
+                <a:srgbClr val="1E1E1E"/>
+              </a:highlight>
+              <a:latin typeface="Consolas" panose="020B0609020204030204" pitchFamily="49" charset="0"/>
+            </a:endParaRPr>
+          </a:p>
+          <a:p>
+            <a:r>
+              <a:rPr lang="en-US" sz="1200" b="0" dirty="0">
+                <a:solidFill>
+                  <a:srgbClr val="D4D4D4"/>
+                </a:solidFill>
+                <a:effectLst/>
+                <a:highlight>
+                  <a:srgbClr val="1E1E1E"/>
+                </a:highlight>
+                <a:latin typeface="Consolas" panose="020B0609020204030204" pitchFamily="49" charset="0"/>
+              </a:rPr>
+              <a:t>  </a:t>
+            </a:r>
+          </a:p>
+          <a:p>
+            <a:r>
+              <a:rPr lang="en-US" sz="1200" b="0" dirty="0">
+                <a:solidFill>
+                  <a:srgbClr val="D4D4D4"/>
+                </a:solidFill>
+                <a:effectLst/>
+                <a:highlight>
+                  <a:srgbClr val="1E1E1E"/>
+                </a:highlight>
+                <a:latin typeface="Consolas" panose="020B0609020204030204" pitchFamily="49" charset="0"/>
+              </a:rPr>
+              <a:t>  </a:t>
+            </a:r>
+            <a:r>
+              <a:rPr lang="en-US" sz="1200" b="0" dirty="0">
+                <a:solidFill>
+                  <a:srgbClr val="6A9955"/>
+                </a:solidFill>
+                <a:effectLst/>
+                <a:highlight>
+                  <a:srgbClr val="1E1E1E"/>
+                </a:highlight>
+                <a:latin typeface="Consolas" panose="020B0609020204030204" pitchFamily="49" charset="0"/>
+              </a:rPr>
+              <a:t>&lt;!-- Leaflet JavaScript code --&gt;</a:t>
+            </a:r>
+            <a:endParaRPr lang="en-US" sz="1200" b="0" dirty="0">
+              <a:solidFill>
+                <a:srgbClr val="D4D4D4"/>
+              </a:solidFill>
+              <a:effectLst/>
+              <a:highlight>
+                <a:srgbClr val="1E1E1E"/>
+              </a:highlight>
+              <a:latin typeface="Consolas" panose="020B0609020204030204" pitchFamily="49" charset="0"/>
+            </a:endParaRPr>
+          </a:p>
+          <a:p>
+            <a:r>
+              <a:rPr lang="en-US" sz="1200" b="0" dirty="0">
+                <a:solidFill>
+                  <a:srgbClr val="D4D4D4"/>
+                </a:solidFill>
+                <a:effectLst/>
+                <a:highlight>
+                  <a:srgbClr val="1E1E1E"/>
+                </a:highlight>
+                <a:latin typeface="Consolas" panose="020B0609020204030204" pitchFamily="49" charset="0"/>
+              </a:rPr>
+              <a:t>  </a:t>
+            </a:r>
+            <a:r>
+              <a:rPr lang="en-US" sz="1200" b="0" dirty="0">
+                <a:solidFill>
+                  <a:srgbClr val="808080"/>
+                </a:solidFill>
+                <a:effectLst/>
+                <a:highlight>
+                  <a:srgbClr val="1E1E1E"/>
+                </a:highlight>
+                <a:latin typeface="Consolas" panose="020B0609020204030204" pitchFamily="49" charset="0"/>
+              </a:rPr>
+              <a:t>&lt;</a:t>
+            </a:r>
+            <a:r>
+              <a:rPr lang="en-US" sz="1200" b="0" dirty="0">
+                <a:solidFill>
+                  <a:srgbClr val="569CD6"/>
+                </a:solidFill>
+                <a:effectLst/>
+                <a:highlight>
+                  <a:srgbClr val="1E1E1E"/>
+                </a:highlight>
+                <a:latin typeface="Consolas" panose="020B0609020204030204" pitchFamily="49" charset="0"/>
+              </a:rPr>
+              <a:t>script</a:t>
+            </a:r>
+            <a:r>
+              <a:rPr lang="en-US" sz="1200" b="0" dirty="0">
+                <a:solidFill>
+                  <a:srgbClr val="D4D4D4"/>
+                </a:solidFill>
+                <a:effectLst/>
+                <a:highlight>
+                  <a:srgbClr val="1E1E1E"/>
+                </a:highlight>
+                <a:latin typeface="Consolas" panose="020B0609020204030204" pitchFamily="49" charset="0"/>
+              </a:rPr>
+              <a:t> </a:t>
+            </a:r>
+            <a:r>
+              <a:rPr lang="en-US" sz="1200" b="0" dirty="0" err="1">
+                <a:solidFill>
+                  <a:srgbClr val="9CDCFE"/>
+                </a:solidFill>
+                <a:effectLst/>
+                <a:highlight>
+                  <a:srgbClr val="1E1E1E"/>
+                </a:highlight>
+                <a:latin typeface="Consolas" panose="020B0609020204030204" pitchFamily="49" charset="0"/>
+              </a:rPr>
+              <a:t>src</a:t>
+            </a:r>
+            <a:r>
+              <a:rPr lang="en-US" sz="1200" b="0" dirty="0">
+                <a:solidFill>
+                  <a:srgbClr val="D4D4D4"/>
+                </a:solidFill>
+                <a:effectLst/>
+                <a:highlight>
+                  <a:srgbClr val="1E1E1E"/>
+                </a:highlight>
+                <a:latin typeface="Consolas" panose="020B0609020204030204" pitchFamily="49" charset="0"/>
+              </a:rPr>
+              <a:t>=</a:t>
+            </a:r>
+            <a:r>
+              <a:rPr lang="en-US" sz="1200" b="0" dirty="0">
+                <a:solidFill>
+                  <a:srgbClr val="CE9178"/>
+                </a:solidFill>
+                <a:effectLst/>
+                <a:highlight>
+                  <a:srgbClr val="1E1E1E"/>
+                </a:highlight>
+                <a:latin typeface="Consolas" panose="020B0609020204030204" pitchFamily="49" charset="0"/>
+              </a:rPr>
+              <a:t>"https://unpkg.com/leaflet@1.9.4/</a:t>
+            </a:r>
+            <a:r>
+              <a:rPr lang="en-US" sz="1200" b="0" dirty="0" err="1">
+                <a:solidFill>
+                  <a:srgbClr val="CE9178"/>
+                </a:solidFill>
+                <a:effectLst/>
+                <a:highlight>
+                  <a:srgbClr val="1E1E1E"/>
+                </a:highlight>
+                <a:latin typeface="Consolas" panose="020B0609020204030204" pitchFamily="49" charset="0"/>
+              </a:rPr>
+              <a:t>dist</a:t>
+            </a:r>
+            <a:r>
+              <a:rPr lang="en-US" sz="1200" b="0" dirty="0">
+                <a:solidFill>
+                  <a:srgbClr val="CE9178"/>
+                </a:solidFill>
+                <a:effectLst/>
+                <a:highlight>
+                  <a:srgbClr val="1E1E1E"/>
+                </a:highlight>
+                <a:latin typeface="Consolas" panose="020B0609020204030204" pitchFamily="49" charset="0"/>
+              </a:rPr>
+              <a:t>/leaflet.js"</a:t>
+            </a:r>
+            <a:endParaRPr lang="en-US" sz="1200" b="0" dirty="0">
+              <a:solidFill>
+                <a:srgbClr val="D4D4D4"/>
+              </a:solidFill>
+              <a:effectLst/>
+              <a:highlight>
+                <a:srgbClr val="1E1E1E"/>
+              </a:highlight>
+              <a:latin typeface="Consolas" panose="020B0609020204030204" pitchFamily="49" charset="0"/>
+            </a:endParaRPr>
+          </a:p>
+          <a:p>
+            <a:r>
+              <a:rPr lang="en-US" sz="1200" b="0" dirty="0">
+                <a:solidFill>
+                  <a:srgbClr val="D4D4D4"/>
+                </a:solidFill>
+                <a:effectLst/>
+                <a:highlight>
+                  <a:srgbClr val="1E1E1E"/>
+                </a:highlight>
+                <a:latin typeface="Consolas" panose="020B0609020204030204" pitchFamily="49" charset="0"/>
+              </a:rPr>
+              <a:t>    </a:t>
+            </a:r>
+            <a:r>
+              <a:rPr lang="en-US" sz="1200" b="0" dirty="0">
+                <a:solidFill>
+                  <a:srgbClr val="9CDCFE"/>
+                </a:solidFill>
+                <a:effectLst/>
+                <a:highlight>
+                  <a:srgbClr val="1E1E1E"/>
+                </a:highlight>
+                <a:latin typeface="Consolas" panose="020B0609020204030204" pitchFamily="49" charset="0"/>
+              </a:rPr>
+              <a:t>integrity</a:t>
+            </a:r>
+            <a:r>
+              <a:rPr lang="en-US" sz="1200" b="0" dirty="0">
+                <a:solidFill>
+                  <a:srgbClr val="D4D4D4"/>
+                </a:solidFill>
+                <a:effectLst/>
+                <a:highlight>
+                  <a:srgbClr val="1E1E1E"/>
+                </a:highlight>
+                <a:latin typeface="Consolas" panose="020B0609020204030204" pitchFamily="49" charset="0"/>
+              </a:rPr>
+              <a:t>=</a:t>
+            </a:r>
+            <a:r>
+              <a:rPr lang="en-US" sz="1200" b="0" dirty="0">
+                <a:solidFill>
+                  <a:srgbClr val="CE9178"/>
+                </a:solidFill>
+                <a:effectLst/>
+                <a:highlight>
+                  <a:srgbClr val="1E1E1E"/>
+                </a:highlight>
+                <a:latin typeface="Consolas" panose="020B0609020204030204" pitchFamily="49" charset="0"/>
+              </a:rPr>
+              <a:t>"sha256-20nQCchB9co0qIjJZRGuk2/Z9VM+kNiyxNV1lvTlZBo="</a:t>
+            </a:r>
+            <a:endParaRPr lang="en-US" sz="1200" b="0" dirty="0">
+              <a:solidFill>
+                <a:srgbClr val="D4D4D4"/>
+              </a:solidFill>
+              <a:effectLst/>
+              <a:highlight>
+                <a:srgbClr val="1E1E1E"/>
+              </a:highlight>
+              <a:latin typeface="Consolas" panose="020B0609020204030204" pitchFamily="49" charset="0"/>
+            </a:endParaRPr>
+          </a:p>
+          <a:p>
+            <a:r>
+              <a:rPr lang="en-US" sz="1200" b="0" dirty="0">
+                <a:solidFill>
+                  <a:srgbClr val="D4D4D4"/>
+                </a:solidFill>
+                <a:effectLst/>
+                <a:highlight>
+                  <a:srgbClr val="1E1E1E"/>
+                </a:highlight>
+                <a:latin typeface="Consolas" panose="020B0609020204030204" pitchFamily="49" charset="0"/>
+              </a:rPr>
+              <a:t>    </a:t>
+            </a:r>
+            <a:r>
+              <a:rPr lang="en-US" sz="1200" b="0" dirty="0" err="1">
+                <a:solidFill>
+                  <a:srgbClr val="9CDCFE"/>
+                </a:solidFill>
+                <a:effectLst/>
+                <a:highlight>
+                  <a:srgbClr val="1E1E1E"/>
+                </a:highlight>
+                <a:latin typeface="Consolas" panose="020B0609020204030204" pitchFamily="49" charset="0"/>
+              </a:rPr>
+              <a:t>crossorigin</a:t>
+            </a:r>
+            <a:r>
+              <a:rPr lang="en-US" sz="1200" b="0" dirty="0">
+                <a:solidFill>
+                  <a:srgbClr val="D4D4D4"/>
+                </a:solidFill>
+                <a:effectLst/>
+                <a:highlight>
+                  <a:srgbClr val="1E1E1E"/>
+                </a:highlight>
+                <a:latin typeface="Consolas" panose="020B0609020204030204" pitchFamily="49" charset="0"/>
+              </a:rPr>
+              <a:t>=</a:t>
+            </a:r>
+            <a:r>
+              <a:rPr lang="en-US" sz="1200" b="0" dirty="0">
+                <a:solidFill>
+                  <a:srgbClr val="CE9178"/>
+                </a:solidFill>
+                <a:effectLst/>
+                <a:highlight>
+                  <a:srgbClr val="1E1E1E"/>
+                </a:highlight>
+                <a:latin typeface="Consolas" panose="020B0609020204030204" pitchFamily="49" charset="0"/>
+              </a:rPr>
+              <a:t>""</a:t>
+            </a:r>
+            <a:r>
+              <a:rPr lang="en-US" sz="1200" b="0" dirty="0">
+                <a:solidFill>
+                  <a:srgbClr val="808080"/>
+                </a:solidFill>
+                <a:effectLst/>
+                <a:highlight>
+                  <a:srgbClr val="1E1E1E"/>
+                </a:highlight>
+                <a:latin typeface="Consolas" panose="020B0609020204030204" pitchFamily="49" charset="0"/>
+              </a:rPr>
+              <a:t>&gt;&lt;/</a:t>
+            </a:r>
+            <a:r>
+              <a:rPr lang="en-US" sz="1200" b="0" dirty="0">
+                <a:solidFill>
+                  <a:srgbClr val="569CD6"/>
+                </a:solidFill>
+                <a:effectLst/>
+                <a:highlight>
+                  <a:srgbClr val="1E1E1E"/>
+                </a:highlight>
+                <a:latin typeface="Consolas" panose="020B0609020204030204" pitchFamily="49" charset="0"/>
+              </a:rPr>
+              <a:t>script</a:t>
+            </a:r>
+            <a:r>
+              <a:rPr lang="en-US" sz="1200" b="0" dirty="0">
+                <a:solidFill>
+                  <a:srgbClr val="808080"/>
+                </a:solidFill>
+                <a:effectLst/>
+                <a:highlight>
+                  <a:srgbClr val="1E1E1E"/>
+                </a:highlight>
+                <a:latin typeface="Consolas" panose="020B0609020204030204" pitchFamily="49" charset="0"/>
+              </a:rPr>
+              <a:t>&gt;</a:t>
+            </a:r>
+            <a:endParaRPr lang="en-US" sz="1200" b="0" dirty="0">
+              <a:solidFill>
+                <a:srgbClr val="D4D4D4"/>
+              </a:solidFill>
+              <a:effectLst/>
+              <a:highlight>
+                <a:srgbClr val="1E1E1E"/>
+              </a:highlight>
+              <a:latin typeface="Consolas" panose="020B0609020204030204" pitchFamily="49" charset="0"/>
+            </a:endParaRPr>
+          </a:p>
+          <a:p>
+            <a:br>
+              <a:rPr lang="en-US" sz="1200" b="0" dirty="0">
+                <a:solidFill>
+                  <a:srgbClr val="D4D4D4"/>
+                </a:solidFill>
+                <a:effectLst/>
+                <a:highlight>
+                  <a:srgbClr val="1E1E1E"/>
+                </a:highlight>
+                <a:latin typeface="Consolas" panose="020B0609020204030204" pitchFamily="49" charset="0"/>
+              </a:rPr>
+            </a:br>
+            <a:r>
+              <a:rPr lang="en-US" sz="1200" b="0" dirty="0">
+                <a:solidFill>
+                  <a:srgbClr val="D4D4D4"/>
+                </a:solidFill>
+                <a:effectLst/>
+                <a:highlight>
+                  <a:srgbClr val="1E1E1E"/>
+                </a:highlight>
+                <a:latin typeface="Consolas" panose="020B0609020204030204" pitchFamily="49" charset="0"/>
+              </a:rPr>
+              <a:t>    </a:t>
+            </a:r>
+            <a:r>
+              <a:rPr lang="en-US" sz="1200" b="0" dirty="0">
+                <a:solidFill>
+                  <a:srgbClr val="6A9955"/>
+                </a:solidFill>
+                <a:effectLst/>
+                <a:highlight>
+                  <a:srgbClr val="1E1E1E"/>
+                </a:highlight>
+                <a:latin typeface="Consolas" panose="020B0609020204030204" pitchFamily="49" charset="0"/>
+              </a:rPr>
+              <a:t>&lt;!-- leaflet-choropleth JavaScript --&gt;</a:t>
+            </a:r>
+            <a:endParaRPr lang="en-US" sz="1200" b="0" dirty="0">
+              <a:solidFill>
+                <a:srgbClr val="D4D4D4"/>
+              </a:solidFill>
+              <a:effectLst/>
+              <a:highlight>
+                <a:srgbClr val="1E1E1E"/>
+              </a:highlight>
+              <a:latin typeface="Consolas" panose="020B0609020204030204" pitchFamily="49" charset="0"/>
+            </a:endParaRPr>
+          </a:p>
+          <a:p>
+            <a:r>
+              <a:rPr lang="en-US" sz="1200" b="0" dirty="0">
+                <a:solidFill>
+                  <a:srgbClr val="D4D4D4"/>
+                </a:solidFill>
+                <a:effectLst/>
+                <a:highlight>
+                  <a:srgbClr val="1E1E1E"/>
+                </a:highlight>
+                <a:latin typeface="Consolas" panose="020B0609020204030204" pitchFamily="49" charset="0"/>
+              </a:rPr>
+              <a:t>    </a:t>
+            </a:r>
+            <a:r>
+              <a:rPr lang="en-US" sz="1200" b="0" dirty="0">
+                <a:solidFill>
+                  <a:srgbClr val="808080"/>
+                </a:solidFill>
+                <a:effectLst/>
+                <a:highlight>
+                  <a:srgbClr val="1E1E1E"/>
+                </a:highlight>
+                <a:latin typeface="Consolas" panose="020B0609020204030204" pitchFamily="49" charset="0"/>
+              </a:rPr>
+              <a:t>&lt;</a:t>
+            </a:r>
+            <a:r>
+              <a:rPr lang="en-US" sz="1200" b="0" dirty="0">
+                <a:solidFill>
+                  <a:srgbClr val="569CD6"/>
+                </a:solidFill>
+                <a:effectLst/>
+                <a:highlight>
+                  <a:srgbClr val="1E1E1E"/>
+                </a:highlight>
+                <a:latin typeface="Consolas" panose="020B0609020204030204" pitchFamily="49" charset="0"/>
+              </a:rPr>
+              <a:t>script</a:t>
+            </a:r>
+            <a:r>
+              <a:rPr lang="en-US" sz="1200" b="0" dirty="0">
+                <a:solidFill>
+                  <a:srgbClr val="D4D4D4"/>
+                </a:solidFill>
+                <a:effectLst/>
+                <a:highlight>
+                  <a:srgbClr val="1E1E1E"/>
+                </a:highlight>
+                <a:latin typeface="Consolas" panose="020B0609020204030204" pitchFamily="49" charset="0"/>
+              </a:rPr>
+              <a:t> </a:t>
+            </a:r>
+            <a:r>
+              <a:rPr lang="en-US" sz="1200" b="0" dirty="0">
+                <a:solidFill>
+                  <a:srgbClr val="9CDCFE"/>
+                </a:solidFill>
+                <a:effectLst/>
+                <a:highlight>
+                  <a:srgbClr val="1E1E1E"/>
+                </a:highlight>
+                <a:latin typeface="Consolas" panose="020B0609020204030204" pitchFamily="49" charset="0"/>
+              </a:rPr>
+              <a:t>type</a:t>
+            </a:r>
+            <a:r>
+              <a:rPr lang="en-US" sz="1200" b="0" dirty="0">
+                <a:solidFill>
+                  <a:srgbClr val="D4D4D4"/>
+                </a:solidFill>
+                <a:effectLst/>
+                <a:highlight>
+                  <a:srgbClr val="1E1E1E"/>
+                </a:highlight>
+                <a:latin typeface="Consolas" panose="020B0609020204030204" pitchFamily="49" charset="0"/>
+              </a:rPr>
+              <a:t>=</a:t>
+            </a:r>
+            <a:r>
+              <a:rPr lang="en-US" sz="1200" b="0" dirty="0">
+                <a:solidFill>
+                  <a:srgbClr val="CE9178"/>
+                </a:solidFill>
+                <a:effectLst/>
+                <a:highlight>
+                  <a:srgbClr val="1E1E1E"/>
+                </a:highlight>
+                <a:latin typeface="Consolas" panose="020B0609020204030204" pitchFamily="49" charset="0"/>
+              </a:rPr>
+              <a:t>"text/</a:t>
+            </a:r>
+            <a:r>
+              <a:rPr lang="en-US" sz="1200" b="0" dirty="0" err="1">
+                <a:solidFill>
+                  <a:srgbClr val="CE9178"/>
+                </a:solidFill>
+                <a:effectLst/>
+                <a:highlight>
+                  <a:srgbClr val="1E1E1E"/>
+                </a:highlight>
+                <a:latin typeface="Consolas" panose="020B0609020204030204" pitchFamily="49" charset="0"/>
+              </a:rPr>
+              <a:t>javascript</a:t>
+            </a:r>
+            <a:r>
+              <a:rPr lang="en-US" sz="1200" b="0" dirty="0">
+                <a:solidFill>
+                  <a:srgbClr val="CE9178"/>
+                </a:solidFill>
+                <a:effectLst/>
+                <a:highlight>
+                  <a:srgbClr val="1E1E1E"/>
+                </a:highlight>
+                <a:latin typeface="Consolas" panose="020B0609020204030204" pitchFamily="49" charset="0"/>
+              </a:rPr>
+              <a:t>"</a:t>
+            </a:r>
+            <a:r>
+              <a:rPr lang="en-US" sz="1200" b="0" dirty="0">
+                <a:solidFill>
+                  <a:srgbClr val="D4D4D4"/>
+                </a:solidFill>
+                <a:effectLst/>
+                <a:highlight>
+                  <a:srgbClr val="1E1E1E"/>
+                </a:highlight>
+                <a:latin typeface="Consolas" panose="020B0609020204030204" pitchFamily="49" charset="0"/>
+              </a:rPr>
+              <a:t> </a:t>
+            </a:r>
+            <a:r>
+              <a:rPr lang="en-US" sz="1200" b="0" dirty="0" err="1">
+                <a:solidFill>
+                  <a:srgbClr val="9CDCFE"/>
+                </a:solidFill>
+                <a:effectLst/>
+                <a:highlight>
+                  <a:srgbClr val="1E1E1E"/>
+                </a:highlight>
+                <a:latin typeface="Consolas" panose="020B0609020204030204" pitchFamily="49" charset="0"/>
+              </a:rPr>
+              <a:t>src</a:t>
+            </a:r>
+            <a:r>
+              <a:rPr lang="en-US" sz="1200" b="0" dirty="0">
+                <a:solidFill>
+                  <a:srgbClr val="D4D4D4"/>
+                </a:solidFill>
+                <a:effectLst/>
+                <a:highlight>
+                  <a:srgbClr val="1E1E1E"/>
+                </a:highlight>
+                <a:latin typeface="Consolas" panose="020B0609020204030204" pitchFamily="49" charset="0"/>
+              </a:rPr>
+              <a:t>=</a:t>
+            </a:r>
+            <a:r>
+              <a:rPr lang="en-US" sz="1200" b="0" dirty="0">
+                <a:solidFill>
+                  <a:srgbClr val="CE9178"/>
+                </a:solidFill>
+                <a:effectLst/>
+                <a:highlight>
+                  <a:srgbClr val="1E1E1E"/>
+                </a:highlight>
+                <a:latin typeface="Consolas" panose="020B0609020204030204" pitchFamily="49" charset="0"/>
+              </a:rPr>
+              <a:t>"static/</a:t>
+            </a:r>
+            <a:r>
+              <a:rPr lang="en-US" sz="1200" b="0" dirty="0" err="1">
+                <a:solidFill>
+                  <a:srgbClr val="CE9178"/>
+                </a:solidFill>
+                <a:effectLst/>
+                <a:highlight>
+                  <a:srgbClr val="1E1E1E"/>
+                </a:highlight>
+                <a:latin typeface="Consolas" panose="020B0609020204030204" pitchFamily="49" charset="0"/>
+              </a:rPr>
+              <a:t>js</a:t>
+            </a:r>
+            <a:r>
+              <a:rPr lang="en-US" sz="1200" b="0" dirty="0">
+                <a:solidFill>
+                  <a:srgbClr val="CE9178"/>
+                </a:solidFill>
+                <a:effectLst/>
+                <a:highlight>
+                  <a:srgbClr val="1E1E1E"/>
+                </a:highlight>
+                <a:latin typeface="Consolas" panose="020B0609020204030204" pitchFamily="49" charset="0"/>
+              </a:rPr>
+              <a:t>/choropleth.js"</a:t>
+            </a:r>
+            <a:r>
+              <a:rPr lang="en-US" sz="1200" b="0" dirty="0">
+                <a:solidFill>
+                  <a:srgbClr val="808080"/>
+                </a:solidFill>
+                <a:effectLst/>
+                <a:highlight>
+                  <a:srgbClr val="1E1E1E"/>
+                </a:highlight>
+                <a:latin typeface="Consolas" panose="020B0609020204030204" pitchFamily="49" charset="0"/>
+              </a:rPr>
+              <a:t>&gt;&lt;/</a:t>
+            </a:r>
+            <a:r>
+              <a:rPr lang="en-US" sz="1200" b="0" dirty="0">
+                <a:solidFill>
+                  <a:srgbClr val="569CD6"/>
+                </a:solidFill>
+                <a:effectLst/>
+                <a:highlight>
+                  <a:srgbClr val="1E1E1E"/>
+                </a:highlight>
+                <a:latin typeface="Consolas" panose="020B0609020204030204" pitchFamily="49" charset="0"/>
+              </a:rPr>
+              <a:t>script</a:t>
+            </a:r>
+            <a:r>
+              <a:rPr lang="en-US" sz="1200" b="0" dirty="0">
+                <a:solidFill>
+                  <a:srgbClr val="808080"/>
+                </a:solidFill>
+                <a:effectLst/>
+                <a:highlight>
+                  <a:srgbClr val="1E1E1E"/>
+                </a:highlight>
+                <a:latin typeface="Consolas" panose="020B0609020204030204" pitchFamily="49" charset="0"/>
+              </a:rPr>
+              <a:t>&gt;</a:t>
+            </a:r>
+            <a:endParaRPr lang="en-US" sz="1200" b="0" dirty="0">
+              <a:solidFill>
+                <a:srgbClr val="D4D4D4"/>
+              </a:solidFill>
+              <a:effectLst/>
+              <a:highlight>
+                <a:srgbClr val="1E1E1E"/>
+              </a:highlight>
+              <a:latin typeface="Consolas" panose="020B0609020204030204" pitchFamily="49" charset="0"/>
+            </a:endParaRPr>
+          </a:p>
+          <a:p>
+            <a:endParaRPr lang="en-US" sz="1200" b="0" dirty="0">
+              <a:solidFill>
+                <a:srgbClr val="D4D4D4"/>
+              </a:solidFill>
+              <a:effectLst/>
+              <a:highlight>
+                <a:srgbClr val="1E1E1E"/>
+              </a:highlight>
+              <a:latin typeface="Consolas" panose="020B0609020204030204" pitchFamily="49" charset="0"/>
+            </a:endParaRPr>
+          </a:p>
+        </p:txBody>
+      </p:sp>
+      <p:cxnSp>
+        <p:nvCxnSpPr>
+          <p:cNvPr id="10" name="Straight Arrow Connector 9">
+            <a:extLst>
+              <a:ext uri="{FF2B5EF4-FFF2-40B4-BE49-F238E27FC236}">
+                <a16:creationId xmlns:a16="http://schemas.microsoft.com/office/drawing/2014/main" id="{A57A47EE-C1B9-57B0-0FDC-E3D611309A21}"/>
+              </a:ext>
+            </a:extLst>
+          </p:cNvPr>
+          <p:cNvCxnSpPr>
+            <a:cxnSpLocks/>
+          </p:cNvCxnSpPr>
+          <p:nvPr/>
+        </p:nvCxnSpPr>
+        <p:spPr>
+          <a:xfrm>
+            <a:off x="3956673" y="3244334"/>
+            <a:ext cx="775855" cy="0"/>
+          </a:xfrm>
+          <a:prstGeom prst="straightConnector1">
+            <a:avLst/>
+          </a:prstGeom>
+          <a:ln w="57150">
+            <a:tailEnd type="triangle"/>
+          </a:ln>
+        </p:spPr>
+        <p:style>
+          <a:lnRef idx="2">
+            <a:schemeClr val="accent1"/>
+          </a:lnRef>
+          <a:fillRef idx="0">
+            <a:schemeClr val="accent1"/>
+          </a:fillRef>
+          <a:effectRef idx="1">
+            <a:schemeClr val="accent1"/>
+          </a:effectRef>
+          <a:fontRef idx="minor">
+            <a:schemeClr val="tx1"/>
+          </a:fontRef>
+        </p:style>
+      </p:cxnSp>
+      <p:sp>
+        <p:nvSpPr>
+          <p:cNvPr id="11" name="TextBox 10">
+            <a:extLst>
+              <a:ext uri="{FF2B5EF4-FFF2-40B4-BE49-F238E27FC236}">
+                <a16:creationId xmlns:a16="http://schemas.microsoft.com/office/drawing/2014/main" id="{CDA92900-1463-A123-44AB-BF16470B7F42}"/>
+              </a:ext>
+            </a:extLst>
+          </p:cNvPr>
+          <p:cNvSpPr txBox="1"/>
+          <p:nvPr/>
+        </p:nvSpPr>
+        <p:spPr>
+          <a:xfrm>
+            <a:off x="595652" y="4637206"/>
+            <a:ext cx="3135099" cy="369332"/>
+          </a:xfrm>
+          <a:prstGeom prst="rect">
+            <a:avLst/>
+          </a:prstGeom>
+          <a:noFill/>
+          <a:ln w="12700" cap="rnd">
+            <a:solidFill>
+              <a:schemeClr val="accent1"/>
+            </a:solidFill>
+          </a:ln>
+        </p:spPr>
+        <p:txBody>
+          <a:bodyPr wrap="square" rtlCol="0">
+            <a:spAutoFit/>
+          </a:bodyPr>
+          <a:lstStyle/>
+          <a:p>
+            <a:r>
+              <a:rPr lang="en-US" dirty="0"/>
+              <a:t>Graph Visuals </a:t>
+            </a:r>
+          </a:p>
+        </p:txBody>
+      </p:sp>
+      <p:sp>
+        <p:nvSpPr>
+          <p:cNvPr id="12" name="TextBox 11">
+            <a:extLst>
+              <a:ext uri="{FF2B5EF4-FFF2-40B4-BE49-F238E27FC236}">
+                <a16:creationId xmlns:a16="http://schemas.microsoft.com/office/drawing/2014/main" id="{FFCD9377-DD71-AE37-56AE-A0207C08BAB9}"/>
+              </a:ext>
+            </a:extLst>
+          </p:cNvPr>
+          <p:cNvSpPr txBox="1"/>
+          <p:nvPr/>
+        </p:nvSpPr>
+        <p:spPr>
+          <a:xfrm>
+            <a:off x="4919472" y="4775705"/>
+            <a:ext cx="6510528" cy="461665"/>
+          </a:xfrm>
+          <a:prstGeom prst="rect">
+            <a:avLst/>
+          </a:prstGeom>
+          <a:noFill/>
+          <a:ln w="12700" cap="rnd">
+            <a:solidFill>
+              <a:schemeClr val="accent1"/>
+            </a:solidFill>
+          </a:ln>
+        </p:spPr>
+        <p:txBody>
+          <a:bodyPr wrap="square" rtlCol="0">
+            <a:spAutoFit/>
+          </a:bodyPr>
+          <a:lstStyle>
+            <a:defPPr>
+              <a:defRPr lang="en-US"/>
+            </a:defPPr>
+            <a:lvl1pPr>
+              <a:defRPr/>
+            </a:lvl1pPr>
+          </a:lstStyle>
+          <a:p>
+            <a:r>
+              <a:rPr lang="en-US" sz="1200" b="0" dirty="0">
+                <a:solidFill>
+                  <a:srgbClr val="808080"/>
+                </a:solidFill>
+                <a:effectLst/>
+                <a:highlight>
+                  <a:srgbClr val="1E1E1E"/>
+                </a:highlight>
+                <a:latin typeface="Consolas" panose="020B0609020204030204" pitchFamily="49" charset="0"/>
+              </a:rPr>
+              <a:t>&lt;</a:t>
+            </a:r>
+            <a:r>
+              <a:rPr lang="en-US" sz="1200" b="0" dirty="0">
+                <a:solidFill>
+                  <a:srgbClr val="569CD6"/>
+                </a:solidFill>
+                <a:effectLst/>
+                <a:highlight>
+                  <a:srgbClr val="1E1E1E"/>
+                </a:highlight>
+                <a:latin typeface="Consolas" panose="020B0609020204030204" pitchFamily="49" charset="0"/>
+              </a:rPr>
+              <a:t>script</a:t>
+            </a:r>
+            <a:r>
+              <a:rPr lang="en-US" sz="1200" b="0" dirty="0">
+                <a:solidFill>
+                  <a:srgbClr val="D4D4D4"/>
+                </a:solidFill>
+                <a:effectLst/>
+                <a:highlight>
+                  <a:srgbClr val="1E1E1E"/>
+                </a:highlight>
+                <a:latin typeface="Consolas" panose="020B0609020204030204" pitchFamily="49" charset="0"/>
+              </a:rPr>
+              <a:t> </a:t>
+            </a:r>
+            <a:r>
+              <a:rPr lang="en-US" sz="1200" b="0" dirty="0" err="1">
+                <a:solidFill>
+                  <a:srgbClr val="9CDCFE"/>
+                </a:solidFill>
+                <a:effectLst/>
+                <a:highlight>
+                  <a:srgbClr val="1E1E1E"/>
+                </a:highlight>
+                <a:latin typeface="Consolas" panose="020B0609020204030204" pitchFamily="49" charset="0"/>
+              </a:rPr>
+              <a:t>src</a:t>
+            </a:r>
+            <a:r>
+              <a:rPr lang="en-US" sz="1200" b="0" dirty="0">
+                <a:solidFill>
+                  <a:srgbClr val="D4D4D4"/>
+                </a:solidFill>
+                <a:effectLst/>
+                <a:highlight>
+                  <a:srgbClr val="1E1E1E"/>
+                </a:highlight>
+                <a:latin typeface="Consolas" panose="020B0609020204030204" pitchFamily="49" charset="0"/>
+              </a:rPr>
+              <a:t>=</a:t>
+            </a:r>
+            <a:r>
+              <a:rPr lang="en-US" sz="1200" b="0" dirty="0">
+                <a:solidFill>
+                  <a:srgbClr val="CE9178"/>
+                </a:solidFill>
+                <a:effectLst/>
+                <a:highlight>
+                  <a:srgbClr val="1E1E1E"/>
+                </a:highlight>
+                <a:latin typeface="Consolas" panose="020B0609020204030204" pitchFamily="49" charset="0"/>
+              </a:rPr>
+              <a:t>"https://cdn.plot.ly/plotly-latest.min.js"</a:t>
+            </a:r>
+            <a:r>
+              <a:rPr lang="en-US" sz="1200" b="0" dirty="0">
+                <a:solidFill>
+                  <a:srgbClr val="808080"/>
+                </a:solidFill>
+                <a:effectLst/>
+                <a:highlight>
+                  <a:srgbClr val="1E1E1E"/>
+                </a:highlight>
+                <a:latin typeface="Consolas" panose="020B0609020204030204" pitchFamily="49" charset="0"/>
+              </a:rPr>
+              <a:t>&gt;&lt;/</a:t>
+            </a:r>
+            <a:r>
+              <a:rPr lang="en-US" sz="1200" b="0" dirty="0">
+                <a:solidFill>
+                  <a:srgbClr val="569CD6"/>
+                </a:solidFill>
+                <a:effectLst/>
+                <a:highlight>
+                  <a:srgbClr val="1E1E1E"/>
+                </a:highlight>
+                <a:latin typeface="Consolas" panose="020B0609020204030204" pitchFamily="49" charset="0"/>
+              </a:rPr>
+              <a:t>script</a:t>
+            </a:r>
+            <a:r>
+              <a:rPr lang="en-US" sz="1200" b="0" dirty="0">
+                <a:solidFill>
+                  <a:srgbClr val="808080"/>
+                </a:solidFill>
+                <a:effectLst/>
+                <a:highlight>
+                  <a:srgbClr val="1E1E1E"/>
+                </a:highlight>
+                <a:latin typeface="Consolas" panose="020B0609020204030204" pitchFamily="49" charset="0"/>
+              </a:rPr>
+              <a:t>&gt;</a:t>
+            </a:r>
+            <a:endParaRPr lang="en-US" sz="1200" b="0" dirty="0">
+              <a:solidFill>
+                <a:srgbClr val="D4D4D4"/>
+              </a:solidFill>
+              <a:effectLst/>
+              <a:highlight>
+                <a:srgbClr val="1E1E1E"/>
+              </a:highlight>
+              <a:latin typeface="Consolas" panose="020B0609020204030204" pitchFamily="49" charset="0"/>
+            </a:endParaRPr>
+          </a:p>
+          <a:p>
+            <a:endParaRPr lang="en-US" sz="1200" b="0" dirty="0">
+              <a:solidFill>
+                <a:srgbClr val="D4D4D4"/>
+              </a:solidFill>
+              <a:effectLst/>
+              <a:highlight>
+                <a:srgbClr val="1E1E1E"/>
+              </a:highlight>
+              <a:latin typeface="Consolas" panose="020B0609020204030204" pitchFamily="49" charset="0"/>
+            </a:endParaRPr>
+          </a:p>
+        </p:txBody>
+      </p:sp>
+      <p:cxnSp>
+        <p:nvCxnSpPr>
+          <p:cNvPr id="13" name="Straight Arrow Connector 12">
+            <a:extLst>
+              <a:ext uri="{FF2B5EF4-FFF2-40B4-BE49-F238E27FC236}">
+                <a16:creationId xmlns:a16="http://schemas.microsoft.com/office/drawing/2014/main" id="{63FD47B6-D1C2-E6B2-EA47-9DE456D35C52}"/>
+              </a:ext>
+            </a:extLst>
+          </p:cNvPr>
+          <p:cNvCxnSpPr>
+            <a:cxnSpLocks/>
+          </p:cNvCxnSpPr>
+          <p:nvPr/>
+        </p:nvCxnSpPr>
+        <p:spPr>
+          <a:xfrm>
+            <a:off x="4035648" y="4801463"/>
+            <a:ext cx="775855" cy="0"/>
+          </a:xfrm>
+          <a:prstGeom prst="straightConnector1">
+            <a:avLst/>
+          </a:prstGeom>
+          <a:ln w="57150">
+            <a:tailEnd type="triangle"/>
+          </a:ln>
+        </p:spPr>
+        <p:style>
+          <a:lnRef idx="2">
+            <a:schemeClr val="accent1"/>
+          </a:lnRef>
+          <a:fillRef idx="0">
+            <a:schemeClr val="accent1"/>
+          </a:fillRef>
+          <a:effectRef idx="1">
+            <a:schemeClr val="accent1"/>
+          </a:effectRef>
+          <a:fontRef idx="minor">
+            <a:schemeClr val="tx1"/>
+          </a:fontRef>
+        </p:style>
+      </p:cxnSp>
+      <p:sp>
+        <p:nvSpPr>
+          <p:cNvPr id="6" name="TextBox 5">
+            <a:extLst>
+              <a:ext uri="{FF2B5EF4-FFF2-40B4-BE49-F238E27FC236}">
+                <a16:creationId xmlns:a16="http://schemas.microsoft.com/office/drawing/2014/main" id="{2B4BA0CC-F80F-449F-F08C-A8E9987E46D2}"/>
+              </a:ext>
+            </a:extLst>
+          </p:cNvPr>
+          <p:cNvSpPr txBox="1"/>
+          <p:nvPr/>
+        </p:nvSpPr>
+        <p:spPr>
+          <a:xfrm>
+            <a:off x="595652" y="5727666"/>
+            <a:ext cx="3135099" cy="369332"/>
+          </a:xfrm>
+          <a:prstGeom prst="rect">
+            <a:avLst/>
+          </a:prstGeom>
+          <a:noFill/>
+          <a:ln w="12700" cap="rnd">
+            <a:solidFill>
+              <a:schemeClr val="accent1"/>
+            </a:solidFill>
+          </a:ln>
+        </p:spPr>
+        <p:txBody>
+          <a:bodyPr wrap="square" rtlCol="0">
+            <a:spAutoFit/>
+          </a:bodyPr>
+          <a:lstStyle/>
+          <a:p>
+            <a:r>
+              <a:rPr lang="en-US" dirty="0"/>
+              <a:t>HTML formatting </a:t>
+            </a:r>
+          </a:p>
+        </p:txBody>
+      </p:sp>
+      <p:sp>
+        <p:nvSpPr>
+          <p:cNvPr id="7" name="TextBox 6">
+            <a:extLst>
+              <a:ext uri="{FF2B5EF4-FFF2-40B4-BE49-F238E27FC236}">
+                <a16:creationId xmlns:a16="http://schemas.microsoft.com/office/drawing/2014/main" id="{6EF6942E-39BE-568E-6634-1C63CD4DA6CC}"/>
+              </a:ext>
+            </a:extLst>
+          </p:cNvPr>
+          <p:cNvSpPr txBox="1"/>
+          <p:nvPr/>
+        </p:nvSpPr>
+        <p:spPr>
+          <a:xfrm>
+            <a:off x="4919472" y="5422173"/>
+            <a:ext cx="6510528" cy="1754326"/>
+          </a:xfrm>
+          <a:prstGeom prst="rect">
+            <a:avLst/>
+          </a:prstGeom>
+          <a:noFill/>
+          <a:ln w="12700" cap="rnd">
+            <a:solidFill>
+              <a:schemeClr val="accent1"/>
+            </a:solidFill>
+          </a:ln>
+        </p:spPr>
+        <p:txBody>
+          <a:bodyPr wrap="square" rtlCol="0">
+            <a:spAutoFit/>
+          </a:bodyPr>
+          <a:lstStyle>
+            <a:defPPr>
+              <a:defRPr lang="en-US"/>
+            </a:defPPr>
+            <a:lvl1pPr>
+              <a:defRPr/>
+            </a:lvl1pPr>
+          </a:lstStyle>
+          <a:p>
+            <a:r>
+              <a:rPr lang="en-US" sz="1200" b="0" dirty="0">
+                <a:solidFill>
+                  <a:srgbClr val="6A9955"/>
+                </a:solidFill>
+                <a:effectLst/>
+                <a:highlight>
+                  <a:srgbClr val="1E1E1E"/>
+                </a:highlight>
+                <a:latin typeface="Consolas" panose="020B0609020204030204" pitchFamily="49" charset="0"/>
+              </a:rPr>
+              <a:t>&lt;!-- Link to Bootstrap CSS --&gt;</a:t>
+            </a:r>
+            <a:endParaRPr lang="en-US" sz="1200" b="0" dirty="0">
+              <a:solidFill>
+                <a:srgbClr val="D4D4D4"/>
+              </a:solidFill>
+              <a:effectLst/>
+              <a:highlight>
+                <a:srgbClr val="1E1E1E"/>
+              </a:highlight>
+              <a:latin typeface="Consolas" panose="020B0609020204030204" pitchFamily="49" charset="0"/>
+            </a:endParaRPr>
+          </a:p>
+          <a:p>
+            <a:r>
+              <a:rPr lang="en-US" sz="1200" b="0" dirty="0">
+                <a:solidFill>
+                  <a:srgbClr val="D4D4D4"/>
+                </a:solidFill>
+                <a:effectLst/>
+                <a:highlight>
+                  <a:srgbClr val="1E1E1E"/>
+                </a:highlight>
+                <a:latin typeface="Consolas" panose="020B0609020204030204" pitchFamily="49" charset="0"/>
+              </a:rPr>
+              <a:t>  </a:t>
+            </a:r>
+            <a:r>
+              <a:rPr lang="en-US" sz="1200" b="0" dirty="0">
+                <a:solidFill>
+                  <a:srgbClr val="808080"/>
+                </a:solidFill>
+                <a:effectLst/>
+                <a:highlight>
+                  <a:srgbClr val="1E1E1E"/>
+                </a:highlight>
+                <a:latin typeface="Consolas" panose="020B0609020204030204" pitchFamily="49" charset="0"/>
+              </a:rPr>
+              <a:t>&lt;</a:t>
+            </a:r>
+            <a:r>
+              <a:rPr lang="en-US" sz="1200" b="0" dirty="0">
+                <a:solidFill>
+                  <a:srgbClr val="569CD6"/>
+                </a:solidFill>
+                <a:effectLst/>
+                <a:highlight>
+                  <a:srgbClr val="1E1E1E"/>
+                </a:highlight>
+                <a:latin typeface="Consolas" panose="020B0609020204030204" pitchFamily="49" charset="0"/>
+              </a:rPr>
+              <a:t>link</a:t>
+            </a:r>
+            <a:r>
+              <a:rPr lang="en-US" sz="1200" b="0" dirty="0">
+                <a:solidFill>
+                  <a:srgbClr val="D4D4D4"/>
+                </a:solidFill>
+                <a:effectLst/>
+                <a:highlight>
+                  <a:srgbClr val="1E1E1E"/>
+                </a:highlight>
+                <a:latin typeface="Consolas" panose="020B0609020204030204" pitchFamily="49" charset="0"/>
+              </a:rPr>
+              <a:t> </a:t>
+            </a:r>
+            <a:r>
+              <a:rPr lang="en-US" sz="1200" b="0" dirty="0" err="1">
+                <a:solidFill>
+                  <a:srgbClr val="9CDCFE"/>
+                </a:solidFill>
+                <a:effectLst/>
+                <a:highlight>
+                  <a:srgbClr val="1E1E1E"/>
+                </a:highlight>
+                <a:latin typeface="Consolas" panose="020B0609020204030204" pitchFamily="49" charset="0"/>
+              </a:rPr>
+              <a:t>href</a:t>
+            </a:r>
+            <a:r>
+              <a:rPr lang="en-US" sz="1200" b="0" dirty="0">
+                <a:solidFill>
+                  <a:srgbClr val="D4D4D4"/>
+                </a:solidFill>
+                <a:effectLst/>
+                <a:highlight>
+                  <a:srgbClr val="1E1E1E"/>
+                </a:highlight>
+                <a:latin typeface="Consolas" panose="020B0609020204030204" pitchFamily="49" charset="0"/>
+              </a:rPr>
+              <a:t>=</a:t>
+            </a:r>
+            <a:r>
+              <a:rPr lang="en-US" sz="1200" b="0" dirty="0">
+                <a:solidFill>
+                  <a:srgbClr val="CE9178"/>
+                </a:solidFill>
+                <a:effectLst/>
+                <a:highlight>
+                  <a:srgbClr val="1E1E1E"/>
+                </a:highlight>
+                <a:latin typeface="Consolas" panose="020B0609020204030204" pitchFamily="49" charset="0"/>
+              </a:rPr>
+              <a:t>"https://cdn.jsdelivr.net/</a:t>
+            </a:r>
+            <a:r>
+              <a:rPr lang="en-US" sz="1200" b="0" dirty="0" err="1">
+                <a:solidFill>
+                  <a:srgbClr val="CE9178"/>
+                </a:solidFill>
+                <a:effectLst/>
+                <a:highlight>
+                  <a:srgbClr val="1E1E1E"/>
+                </a:highlight>
+                <a:latin typeface="Consolas" panose="020B0609020204030204" pitchFamily="49" charset="0"/>
+              </a:rPr>
+              <a:t>npm</a:t>
+            </a:r>
+            <a:r>
+              <a:rPr lang="en-US" sz="1200" b="0" dirty="0">
+                <a:solidFill>
+                  <a:srgbClr val="CE9178"/>
+                </a:solidFill>
+                <a:effectLst/>
+                <a:highlight>
+                  <a:srgbClr val="1E1E1E"/>
+                </a:highlight>
+                <a:latin typeface="Consolas" panose="020B0609020204030204" pitchFamily="49" charset="0"/>
+              </a:rPr>
+              <a:t>/bootstrap@5.3.2/</a:t>
+            </a:r>
+            <a:r>
+              <a:rPr lang="en-US" sz="1200" b="0" dirty="0" err="1">
+                <a:solidFill>
+                  <a:srgbClr val="CE9178"/>
+                </a:solidFill>
+                <a:effectLst/>
+                <a:highlight>
+                  <a:srgbClr val="1E1E1E"/>
+                </a:highlight>
+                <a:latin typeface="Consolas" panose="020B0609020204030204" pitchFamily="49" charset="0"/>
+              </a:rPr>
+              <a:t>dist</a:t>
+            </a:r>
+            <a:r>
+              <a:rPr lang="en-US" sz="1200" b="0" dirty="0">
+                <a:solidFill>
+                  <a:srgbClr val="CE9178"/>
+                </a:solidFill>
+                <a:effectLst/>
+                <a:highlight>
+                  <a:srgbClr val="1E1E1E"/>
+                </a:highlight>
+                <a:latin typeface="Consolas" panose="020B0609020204030204" pitchFamily="49" charset="0"/>
+              </a:rPr>
+              <a:t>/</a:t>
+            </a:r>
+            <a:r>
+              <a:rPr lang="en-US" sz="1200" b="0" dirty="0" err="1">
+                <a:solidFill>
+                  <a:srgbClr val="CE9178"/>
+                </a:solidFill>
+                <a:effectLst/>
+                <a:highlight>
+                  <a:srgbClr val="1E1E1E"/>
+                </a:highlight>
+                <a:latin typeface="Consolas" panose="020B0609020204030204" pitchFamily="49" charset="0"/>
+              </a:rPr>
+              <a:t>css</a:t>
+            </a:r>
+            <a:r>
+              <a:rPr lang="en-US" sz="1200" b="0" dirty="0">
+                <a:solidFill>
+                  <a:srgbClr val="CE9178"/>
+                </a:solidFill>
+                <a:effectLst/>
+                <a:highlight>
+                  <a:srgbClr val="1E1E1E"/>
+                </a:highlight>
+                <a:latin typeface="Consolas" panose="020B0609020204030204" pitchFamily="49" charset="0"/>
+              </a:rPr>
+              <a:t>/bootstrap.min.css"</a:t>
+            </a:r>
+            <a:r>
+              <a:rPr lang="en-US" sz="1200" b="0" dirty="0">
+                <a:solidFill>
+                  <a:srgbClr val="D4D4D4"/>
+                </a:solidFill>
+                <a:effectLst/>
+                <a:highlight>
+                  <a:srgbClr val="1E1E1E"/>
+                </a:highlight>
+                <a:latin typeface="Consolas" panose="020B0609020204030204" pitchFamily="49" charset="0"/>
+              </a:rPr>
+              <a:t> </a:t>
+            </a:r>
+            <a:r>
+              <a:rPr lang="en-US" sz="1200" b="0" dirty="0" err="1">
+                <a:solidFill>
+                  <a:srgbClr val="9CDCFE"/>
+                </a:solidFill>
+                <a:effectLst/>
+                <a:highlight>
+                  <a:srgbClr val="1E1E1E"/>
+                </a:highlight>
+                <a:latin typeface="Consolas" panose="020B0609020204030204" pitchFamily="49" charset="0"/>
+              </a:rPr>
+              <a:t>rel</a:t>
+            </a:r>
+            <a:r>
+              <a:rPr lang="en-US" sz="1200" b="0" dirty="0">
+                <a:solidFill>
+                  <a:srgbClr val="D4D4D4"/>
+                </a:solidFill>
+                <a:effectLst/>
+                <a:highlight>
+                  <a:srgbClr val="1E1E1E"/>
+                </a:highlight>
+                <a:latin typeface="Consolas" panose="020B0609020204030204" pitchFamily="49" charset="0"/>
+              </a:rPr>
+              <a:t>=</a:t>
+            </a:r>
+            <a:r>
+              <a:rPr lang="en-US" sz="1200" b="0" dirty="0">
+                <a:solidFill>
+                  <a:srgbClr val="CE9178"/>
+                </a:solidFill>
+                <a:effectLst/>
+                <a:highlight>
+                  <a:srgbClr val="1E1E1E"/>
+                </a:highlight>
+                <a:latin typeface="Consolas" panose="020B0609020204030204" pitchFamily="49" charset="0"/>
+              </a:rPr>
+              <a:t>"stylesheet"</a:t>
+            </a:r>
+            <a:r>
+              <a:rPr lang="en-US" sz="1200" b="0" dirty="0">
+                <a:solidFill>
+                  <a:srgbClr val="808080"/>
+                </a:solidFill>
+                <a:effectLst/>
+                <a:highlight>
+                  <a:srgbClr val="1E1E1E"/>
+                </a:highlight>
+                <a:latin typeface="Consolas" panose="020B0609020204030204" pitchFamily="49" charset="0"/>
+              </a:rPr>
+              <a:t>&gt;</a:t>
+            </a:r>
+            <a:endParaRPr lang="en-US" sz="1200" b="0" dirty="0">
+              <a:solidFill>
+                <a:srgbClr val="D4D4D4"/>
+              </a:solidFill>
+              <a:effectLst/>
+              <a:highlight>
+                <a:srgbClr val="1E1E1E"/>
+              </a:highlight>
+              <a:latin typeface="Consolas" panose="020B0609020204030204" pitchFamily="49" charset="0"/>
+            </a:endParaRPr>
+          </a:p>
+          <a:p>
+            <a:r>
+              <a:rPr lang="en-US" sz="1200" b="0" dirty="0">
+                <a:solidFill>
+                  <a:srgbClr val="D4D4D4"/>
+                </a:solidFill>
+                <a:effectLst/>
+                <a:highlight>
+                  <a:srgbClr val="1E1E1E"/>
+                </a:highlight>
+                <a:latin typeface="Consolas" panose="020B0609020204030204" pitchFamily="49" charset="0"/>
+              </a:rPr>
+              <a:t>  </a:t>
+            </a:r>
+            <a:r>
+              <a:rPr lang="en-US" sz="1200" b="0" dirty="0">
+                <a:solidFill>
+                  <a:srgbClr val="808080"/>
+                </a:solidFill>
+                <a:effectLst/>
+                <a:highlight>
+                  <a:srgbClr val="1E1E1E"/>
+                </a:highlight>
+                <a:latin typeface="Consolas" panose="020B0609020204030204" pitchFamily="49" charset="0"/>
+              </a:rPr>
+              <a:t>&lt;</a:t>
+            </a:r>
+            <a:r>
+              <a:rPr lang="en-US" sz="1200" b="0" dirty="0">
+                <a:solidFill>
+                  <a:srgbClr val="569CD6"/>
+                </a:solidFill>
+                <a:effectLst/>
+                <a:highlight>
+                  <a:srgbClr val="1E1E1E"/>
+                </a:highlight>
+                <a:latin typeface="Consolas" panose="020B0609020204030204" pitchFamily="49" charset="0"/>
+              </a:rPr>
+              <a:t>link</a:t>
+            </a:r>
+            <a:r>
+              <a:rPr lang="en-US" sz="1200" b="0" dirty="0">
+                <a:solidFill>
+                  <a:srgbClr val="D4D4D4"/>
+                </a:solidFill>
+                <a:effectLst/>
+                <a:highlight>
+                  <a:srgbClr val="1E1E1E"/>
+                </a:highlight>
+                <a:latin typeface="Consolas" panose="020B0609020204030204" pitchFamily="49" charset="0"/>
+              </a:rPr>
+              <a:t> </a:t>
+            </a:r>
+            <a:r>
+              <a:rPr lang="en-US" sz="1200" b="0" dirty="0" err="1">
+                <a:solidFill>
+                  <a:srgbClr val="9CDCFE"/>
+                </a:solidFill>
+                <a:effectLst/>
+                <a:highlight>
+                  <a:srgbClr val="1E1E1E"/>
+                </a:highlight>
+                <a:latin typeface="Consolas" panose="020B0609020204030204" pitchFamily="49" charset="0"/>
+              </a:rPr>
+              <a:t>href</a:t>
+            </a:r>
+            <a:r>
+              <a:rPr lang="en-US" sz="1200" b="0" dirty="0">
+                <a:solidFill>
+                  <a:srgbClr val="D4D4D4"/>
+                </a:solidFill>
+                <a:effectLst/>
+                <a:highlight>
+                  <a:srgbClr val="1E1E1E"/>
+                </a:highlight>
+                <a:latin typeface="Consolas" panose="020B0609020204030204" pitchFamily="49" charset="0"/>
+              </a:rPr>
+              <a:t>=</a:t>
+            </a:r>
+            <a:r>
+              <a:rPr lang="en-US" sz="1200" b="0" dirty="0">
+                <a:solidFill>
+                  <a:srgbClr val="CE9178"/>
+                </a:solidFill>
+                <a:effectLst/>
+                <a:highlight>
+                  <a:srgbClr val="1E1E1E"/>
+                </a:highlight>
+                <a:latin typeface="Consolas" panose="020B0609020204030204" pitchFamily="49" charset="0"/>
+              </a:rPr>
+              <a:t>"https://stackpath.bootstrapcdn.com/bootstrap/4.5.2/</a:t>
+            </a:r>
+            <a:r>
+              <a:rPr lang="en-US" sz="1200" b="0" dirty="0" err="1">
+                <a:solidFill>
+                  <a:srgbClr val="CE9178"/>
+                </a:solidFill>
+                <a:effectLst/>
+                <a:highlight>
+                  <a:srgbClr val="1E1E1E"/>
+                </a:highlight>
+                <a:latin typeface="Consolas" panose="020B0609020204030204" pitchFamily="49" charset="0"/>
+              </a:rPr>
+              <a:t>css</a:t>
+            </a:r>
+            <a:r>
+              <a:rPr lang="en-US" sz="1200" b="0" dirty="0">
+                <a:solidFill>
+                  <a:srgbClr val="CE9178"/>
+                </a:solidFill>
+                <a:effectLst/>
+                <a:highlight>
+                  <a:srgbClr val="1E1E1E"/>
+                </a:highlight>
+                <a:latin typeface="Consolas" panose="020B0609020204030204" pitchFamily="49" charset="0"/>
+              </a:rPr>
+              <a:t>/bootstrap.min.css"</a:t>
+            </a:r>
+            <a:r>
+              <a:rPr lang="en-US" sz="1200" b="0" dirty="0">
+                <a:solidFill>
+                  <a:srgbClr val="D4D4D4"/>
+                </a:solidFill>
+                <a:effectLst/>
+                <a:highlight>
+                  <a:srgbClr val="1E1E1E"/>
+                </a:highlight>
+                <a:latin typeface="Consolas" panose="020B0609020204030204" pitchFamily="49" charset="0"/>
+              </a:rPr>
+              <a:t> </a:t>
+            </a:r>
+            <a:r>
+              <a:rPr lang="en-US" sz="1200" b="0" dirty="0" err="1">
+                <a:solidFill>
+                  <a:srgbClr val="9CDCFE"/>
+                </a:solidFill>
+                <a:effectLst/>
+                <a:highlight>
+                  <a:srgbClr val="1E1E1E"/>
+                </a:highlight>
+                <a:latin typeface="Consolas" panose="020B0609020204030204" pitchFamily="49" charset="0"/>
+              </a:rPr>
+              <a:t>rel</a:t>
+            </a:r>
+            <a:r>
+              <a:rPr lang="en-US" sz="1200" b="0" dirty="0">
+                <a:solidFill>
+                  <a:srgbClr val="D4D4D4"/>
+                </a:solidFill>
+                <a:effectLst/>
+                <a:highlight>
+                  <a:srgbClr val="1E1E1E"/>
+                </a:highlight>
+                <a:latin typeface="Consolas" panose="020B0609020204030204" pitchFamily="49" charset="0"/>
+              </a:rPr>
+              <a:t>=</a:t>
+            </a:r>
+            <a:r>
+              <a:rPr lang="en-US" sz="1200" b="0" dirty="0">
+                <a:solidFill>
+                  <a:srgbClr val="CE9178"/>
+                </a:solidFill>
+                <a:effectLst/>
+                <a:highlight>
+                  <a:srgbClr val="1E1E1E"/>
+                </a:highlight>
+                <a:latin typeface="Consolas" panose="020B0609020204030204" pitchFamily="49" charset="0"/>
+              </a:rPr>
+              <a:t>"stylesheet"</a:t>
+            </a:r>
+            <a:r>
+              <a:rPr lang="en-US" sz="1200" b="0" dirty="0">
+                <a:solidFill>
+                  <a:srgbClr val="808080"/>
+                </a:solidFill>
+                <a:effectLst/>
+                <a:highlight>
+                  <a:srgbClr val="1E1E1E"/>
+                </a:highlight>
+                <a:latin typeface="Consolas" panose="020B0609020204030204" pitchFamily="49" charset="0"/>
+              </a:rPr>
+              <a:t>&gt;</a:t>
+            </a:r>
+            <a:endParaRPr lang="en-US" sz="1200" b="0" dirty="0">
+              <a:solidFill>
+                <a:srgbClr val="D4D4D4"/>
+              </a:solidFill>
+              <a:effectLst/>
+              <a:highlight>
+                <a:srgbClr val="1E1E1E"/>
+              </a:highlight>
+              <a:latin typeface="Consolas" panose="020B0609020204030204" pitchFamily="49" charset="0"/>
+            </a:endParaRPr>
+          </a:p>
+          <a:p>
+            <a:endParaRPr lang="en-US" sz="1200" b="0" dirty="0">
+              <a:solidFill>
+                <a:srgbClr val="D4D4D4"/>
+              </a:solidFill>
+              <a:effectLst/>
+              <a:highlight>
+                <a:srgbClr val="1E1E1E"/>
+              </a:highlight>
+              <a:latin typeface="Consolas" panose="020B0609020204030204" pitchFamily="49" charset="0"/>
+            </a:endParaRPr>
+          </a:p>
+          <a:p>
+            <a:endParaRPr lang="en-US" sz="1200" b="0" dirty="0">
+              <a:solidFill>
+                <a:srgbClr val="D4D4D4"/>
+              </a:solidFill>
+              <a:effectLst/>
+              <a:highlight>
+                <a:srgbClr val="1E1E1E"/>
+              </a:highlight>
+              <a:latin typeface="Consolas" panose="020B0609020204030204" pitchFamily="49" charset="0"/>
+            </a:endParaRPr>
+          </a:p>
+        </p:txBody>
+      </p:sp>
+      <p:cxnSp>
+        <p:nvCxnSpPr>
+          <p:cNvPr id="14" name="Straight Arrow Connector 13">
+            <a:extLst>
+              <a:ext uri="{FF2B5EF4-FFF2-40B4-BE49-F238E27FC236}">
+                <a16:creationId xmlns:a16="http://schemas.microsoft.com/office/drawing/2014/main" id="{E71A8E73-60AF-C95F-3AAC-B039B2FAD648}"/>
+              </a:ext>
+            </a:extLst>
+          </p:cNvPr>
+          <p:cNvCxnSpPr>
+            <a:cxnSpLocks/>
+          </p:cNvCxnSpPr>
+          <p:nvPr/>
+        </p:nvCxnSpPr>
+        <p:spPr>
+          <a:xfrm>
+            <a:off x="4035648" y="5905688"/>
+            <a:ext cx="775855" cy="0"/>
+          </a:xfrm>
+          <a:prstGeom prst="straightConnector1">
+            <a:avLst/>
+          </a:prstGeom>
+          <a:ln w="57150">
+            <a:tailEnd type="triangle"/>
+          </a:ln>
+        </p:spPr>
+        <p:style>
+          <a:lnRef idx="2">
+            <a:schemeClr val="accent1"/>
+          </a:lnRef>
+          <a:fillRef idx="0">
+            <a:schemeClr val="accent1"/>
+          </a:fillRef>
+          <a:effectRef idx="1">
+            <a:schemeClr val="accent1"/>
+          </a:effectRef>
+          <a:fontRef idx="minor">
+            <a:schemeClr val="tx1"/>
+          </a:fontRef>
+        </p:style>
+      </p:cxnSp>
+    </p:spTree>
+    <p:extLst>
+      <p:ext uri="{BB962C8B-B14F-4D97-AF65-F5344CB8AC3E}">
+        <p14:creationId xmlns:p14="http://schemas.microsoft.com/office/powerpoint/2010/main" val="675222058"/>
+      </p:ext>
+    </p:extLst>
+  </p:cSld>
+  <p:clrMapOvr>
+    <a:masterClrMapping/>
+  </p:clrMapOvr>
+</p:sld>
+</file>
+
+<file path=ppt/slides/slide8.xml><?xml version="1.0" encoding="utf-8"?>
+<p:sld xmlns:a="http://schemas.openxmlformats.org/drawingml/2006/main" xmlns:r="http://schemas.openxmlformats.org/officeDocument/2006/relationships" xmlns:p="http://schemas.openxmlformats.org/presentationml/2006/main">
+  <p:cSld>
+    <p:spTree>
+      <p:nvGrpSpPr>
+        <p:cNvPr id="1" name=""/>
+        <p:cNvGrpSpPr/>
+        <p:nvPr/>
+      </p:nvGrpSpPr>
+      <p:grpSpPr>
+        <a:xfrm>
+          <a:off x="0" y="0"/>
+          <a:ext cx="0" cy="0"/>
+          <a:chOff x="0" y="0"/>
+          <a:chExt cx="0" cy="0"/>
+        </a:xfrm>
+      </p:grpSpPr>
+      <p:sp>
+        <p:nvSpPr>
           <p:cNvPr id="2" name="Title 1">
             <a:extLst>
               <a:ext uri="{FF2B5EF4-FFF2-40B4-BE49-F238E27FC236}">
@@ -4564,6 +8699,7 @@
           <a:bodyPr/>
           <a:lstStyle/>
           <a:p>
+            <a:pPr algn="ctr"/>
             <a:r>
               <a:rPr lang="en-US" dirty="0"/>
               <a:t>Conclusion</a:t>
@@ -4660,7 +8796,7 @@
         <p:spPr>
           <a:xfrm>
             <a:off x="3473996" y="3653103"/>
-            <a:ext cx="4259658" cy="2839772"/>
+            <a:ext cx="3702659" cy="2184279"/>
           </a:xfrm>
           <a:prstGeom prst="rect">
             <a:avLst/>
@@ -4671,6 +8807,128 @@
     <p:extLst>
       <p:ext uri="{BB962C8B-B14F-4D97-AF65-F5344CB8AC3E}">
         <p14:creationId xmlns:p14="http://schemas.microsoft.com/office/powerpoint/2010/main" val="3650296232"/>
+      </p:ext>
+    </p:extLst>
+  </p:cSld>
+  <p:clrMapOvr>
+    <a:masterClrMapping/>
+  </p:clrMapOvr>
+</p:sld>
+</file>
+
+<file path=ppt/slides/slide9.xml><?xml version="1.0" encoding="utf-8"?>
+<p:sld xmlns:a="http://schemas.openxmlformats.org/drawingml/2006/main" xmlns:r="http://schemas.openxmlformats.org/officeDocument/2006/relationships" xmlns:p="http://schemas.openxmlformats.org/presentationml/2006/main">
+  <p:cSld>
+    <p:spTree>
+      <p:nvGrpSpPr>
+        <p:cNvPr id="1" name=""/>
+        <p:cNvGrpSpPr/>
+        <p:nvPr/>
+      </p:nvGrpSpPr>
+      <p:grpSpPr>
+        <a:xfrm>
+          <a:off x="0" y="0"/>
+          <a:ext cx="0" cy="0"/>
+          <a:chOff x="0" y="0"/>
+          <a:chExt cx="0" cy="0"/>
+        </a:xfrm>
+      </p:grpSpPr>
+      <p:sp>
+        <p:nvSpPr>
+          <p:cNvPr id="2" name="Title 1">
+            <a:extLst>
+              <a:ext uri="{FF2B5EF4-FFF2-40B4-BE49-F238E27FC236}">
+                <a16:creationId xmlns:a16="http://schemas.microsoft.com/office/drawing/2014/main" id="{3EDC26B8-2F0A-193E-D0C0-63B585F2D516}"/>
+              </a:ext>
+            </a:extLst>
+          </p:cNvPr>
+          <p:cNvSpPr>
+            <a:spLocks noGrp="1"/>
+          </p:cNvSpPr>
+          <p:nvPr>
+            <p:ph type="title"/>
+          </p:nvPr>
+        </p:nvSpPr>
+        <p:spPr>
+          <a:xfrm>
+            <a:off x="838200" y="365125"/>
+            <a:ext cx="10515600" cy="1205057"/>
+          </a:xfrm>
+        </p:spPr>
+        <p:txBody>
+          <a:bodyPr/>
+          <a:lstStyle/>
+          <a:p>
+            <a:pPr algn="ctr"/>
+            <a:r>
+              <a:rPr lang="en-US" dirty="0"/>
+              <a:t>Q &amp; A</a:t>
+            </a:r>
+          </a:p>
+        </p:txBody>
+      </p:sp>
+      <p:sp>
+        <p:nvSpPr>
+          <p:cNvPr id="4" name="TextBox 3">
+            <a:extLst>
+              <a:ext uri="{FF2B5EF4-FFF2-40B4-BE49-F238E27FC236}">
+                <a16:creationId xmlns:a16="http://schemas.microsoft.com/office/drawing/2014/main" id="{823740D6-244B-0A0C-4B9D-9D5EB7FDB863}"/>
+              </a:ext>
+            </a:extLst>
+          </p:cNvPr>
+          <p:cNvSpPr txBox="1"/>
+          <p:nvPr/>
+        </p:nvSpPr>
+        <p:spPr>
+          <a:xfrm>
+            <a:off x="73891" y="6308209"/>
+            <a:ext cx="12044218" cy="369332"/>
+          </a:xfrm>
+          <a:prstGeom prst="rect">
+            <a:avLst/>
+          </a:prstGeom>
+          <a:noFill/>
+          <a:ln w="12700" cap="rnd">
+            <a:solidFill>
+              <a:schemeClr val="accent1"/>
+            </a:solidFill>
+          </a:ln>
+        </p:spPr>
+        <p:txBody>
+          <a:bodyPr wrap="square" rtlCol="0">
+            <a:spAutoFit/>
+          </a:bodyPr>
+          <a:lstStyle>
+            <a:defPPr>
+              <a:defRPr lang="en-US"/>
+            </a:defPPr>
+            <a:lvl1pPr>
+              <a:defRPr/>
+            </a:lvl1pPr>
+          </a:lstStyle>
+          <a:p>
+            <a:r>
+              <a:rPr lang="en-US" dirty="0"/>
+              <a:t>Web Project Repository : </a:t>
+            </a:r>
+            <a:r>
+              <a:rPr lang="en-US" i="1" dirty="0">
+                <a:solidFill>
+                  <a:schemeClr val="tx2">
+                    <a:lumMod val="90000"/>
+                    <a:lumOff val="10000"/>
+                  </a:schemeClr>
+                </a:solidFill>
+              </a:rPr>
+              <a:t>https://github.com/leeju09/Project-3-Baseball-</a:t>
+            </a:r>
+          </a:p>
+        </p:txBody>
+      </p:sp>
+    </p:spTree>
+    <p:extLst>
+      <p:ext uri="{BB962C8B-B14F-4D97-AF65-F5344CB8AC3E}">
+        <p14:creationId xmlns:p14="http://schemas.microsoft.com/office/powerpoint/2010/main" val="3347308563"/>
       </p:ext>
     </p:extLst>
   </p:cSld>
@@ -4993,4 +9251,319 @@
     </a:ext>
   </a:extLst>
 </a:theme>
+</file>
+
+<file path=ppt/theme/theme2.xml><?xml version="1.0" encoding="utf-8"?>
+<a:theme xmlns:a="http://schemas.openxmlformats.org/drawingml/2006/main" name="Office Theme">
+  <a:themeElements>
+    <a:clrScheme name="Office">
+      <a:dk1>
+        <a:sysClr val="windowText" lastClr="000000"/>
+      </a:dk1>
+      <a:lt1>
+        <a:sysClr val="window" lastClr="FFFFFF"/>
+      </a:lt1>
+      <a:dk2>
+        <a:srgbClr val="0E2841"/>
+      </a:dk2>
+      <a:lt2>
+        <a:srgbClr val="E8E8E8"/>
+      </a:lt2>
+      <a:accent1>
+        <a:srgbClr val="156082"/>
+      </a:accent1>
+      <a:accent2>
+        <a:srgbClr val="E97132"/>
+      </a:accent2>
+      <a:accent3>
+        <a:srgbClr val="196B24"/>
+      </a:accent3>
+      <a:accent4>
+        <a:srgbClr val="0F9ED5"/>
+      </a:accent4>
+      <a:accent5>
+        <a:srgbClr val="A02B93"/>
+      </a:accent5>
+      <a:accent6>
+        <a:srgbClr val="4EA72E"/>
+      </a:accent6>
+      <a:hlink>
+        <a:srgbClr val="467886"/>
+      </a:hlink>
+      <a:folHlink>
+        <a:srgbClr val="96607D"/>
+      </a:folHlink>
+    </a:clrScheme>
+    <a:fontScheme name="Office">
+      <a:majorFont>
+        <a:latin typeface="Aptos Display" panose="02110004020202020204"/>
+        <a:ea typeface=""/>
+        <a:cs typeface=""/>
+        <a:font script="Jpan" typeface="游ゴシック Light"/>
+        <a:font script="Hang" typeface="맑은 고딕"/>
+        <a:font script="Hans" typeface="等线 Light"/>
+        <a:font script="Hant" typeface="新細明體"/>
+        <a:font script="Arab" typeface="Times New Roman"/>
+        <a:font script="Hebr" typeface="Times New Roman"/>
+        <a:font script="Thai" typeface="Angsana New"/>
+        <a:font script="Ethi" typeface="Nyala"/>
+        <a:font script="Beng" typeface="Vrinda"/>
+        <a:font script="Gujr" typeface="Shruti"/>
+        <a:font script="Khmr" typeface="MoolBoran"/>
+        <a:font script="Knda" typeface="Tunga"/>
+        <a:font script="Guru" typeface="Raavi"/>
+        <a:font script="Cans" typeface="Euphemia"/>
+        <a:font script="Cher" typeface="Plantagenet Cherokee"/>
+        <a:font script="Yiii" typeface="Microsoft Yi Baiti"/>
+        <a:font script="Tibt" typeface="Microsoft Himalaya"/>
+        <a:font script="Thaa" typeface="MV Boli"/>
+        <a:font script="Deva" typeface="Mangal"/>
+        <a:font script="Telu" typeface="Gautami"/>
+        <a:font script="Taml" typeface="Latha"/>
+        <a:font script="Syrc" typeface="Estrangelo Edessa"/>
+        <a:font script="Orya" typeface="Kalinga"/>
+        <a:font script="Mlym" typeface="Kartika"/>
+        <a:font script="Laoo" typeface="DokChampa"/>
+        <a:font script="Sinh" typeface="Iskoola Pota"/>
+        <a:font script="Mong" typeface="Mongolian Baiti"/>
+        <a:font script="Viet" typeface="Times New Roman"/>
+        <a:font script="Uigh" typeface="Microsoft Uighur"/>
+        <a:font script="Geor" typeface="Sylfaen"/>
+        <a:font script="Armn" typeface="Arial"/>
+        <a:font script="Bugi" typeface="Leelawadee UI"/>
+        <a:font script="Bopo" typeface="Microsoft JhengHei"/>
+        <a:font script="Java" typeface="Javanese Text"/>
+        <a:font script="Lisu" typeface="Segoe UI"/>
+        <a:font script="Mymr" typeface="Myanmar Text"/>
+        <a:font script="Nkoo" typeface="Ebrima"/>
+        <a:font script="Olck" typeface="Nirmala UI"/>
+        <a:font script="Osma" typeface="Ebrima"/>
+        <a:font script="Phag" typeface="Phagspa"/>
+        <a:font script="Syrn" typeface="Estrangelo Edessa"/>
+        <a:font script="Syrj" typeface="Estrangelo Edessa"/>
+        <a:font script="Syre" typeface="Estrangelo Edessa"/>
+        <a:font script="Sora" typeface="Nirmala UI"/>
+        <a:font script="Tale" typeface="Microsoft Tai Le"/>
+        <a:font script="Talu" typeface="Microsoft New Tai Lue"/>
+        <a:font script="Tfng" typeface="Ebrima"/>
+      </a:majorFont>
+      <a:minorFont>
+        <a:latin typeface="Aptos" panose="02110004020202020204"/>
+        <a:ea typeface=""/>
+        <a:cs typeface=""/>
+        <a:font script="Jpan" typeface="游ゴシック"/>
+        <a:font script="Hang" typeface="맑은 고딕"/>
+        <a:font script="Hans" typeface="等线"/>
+        <a:font script="Hant" typeface="新細明體"/>
+        <a:font script="Arab" typeface="Arial"/>
+        <a:font script="Hebr" typeface="Arial"/>
+        <a:font script="Thai" typeface="Cordia New"/>
+        <a:font script="Ethi" typeface="Nyala"/>
+        <a:font script="Beng" typeface="Vrinda"/>
+        <a:font script="Gujr" typeface="Shruti"/>
+        <a:font script="Khmr" typeface="DaunPenh"/>
+        <a:font script="Knda" typeface="Tunga"/>
+        <a:font script="Guru" typeface="Raavi"/>
+        <a:font script="Cans" typeface="Euphemia"/>
+        <a:font script="Cher" typeface="Plantagenet Cherokee"/>
+        <a:font script="Yiii" typeface="Microsoft Yi Baiti"/>
+        <a:font script="Tibt" typeface="Microsoft Himalaya"/>
+        <a:font script="Thaa" typeface="MV Boli"/>
+        <a:font script="Deva" typeface="Mangal"/>
+        <a:font script="Telu" typeface="Gautami"/>
+        <a:font script="Taml" typeface="Latha"/>
+        <a:font script="Syrc" typeface="Estrangelo Edessa"/>
+        <a:font script="Orya" typeface="Kalinga"/>
+        <a:font script="Mlym" typeface="Kartika"/>
+        <a:font script="Laoo" typeface="DokChampa"/>
+        <a:font script="Sinh" typeface="Iskoola Pota"/>
+        <a:font script="Mong" typeface="Mongolian Baiti"/>
+        <a:font script="Viet" typeface="Arial"/>
+        <a:font script="Uigh" typeface="Microsoft Uighur"/>
+        <a:font script="Geor" typeface="Sylfaen"/>
+        <a:font script="Armn" typeface="Arial"/>
+        <a:font script="Bugi" typeface="Leelawadee UI"/>
+        <a:font script="Bopo" typeface="Microsoft JhengHei"/>
+        <a:font script="Java" typeface="Javanese Text"/>
+        <a:font script="Lisu" typeface="Segoe UI"/>
+        <a:font script="Mymr" typeface="Myanmar Text"/>
+        <a:font script="Nkoo" typeface="Ebrima"/>
+        <a:font script="Olck" typeface="Nirmala UI"/>
+        <a:font script="Osma" typeface="Ebrima"/>
+        <a:font script="Phag" typeface="Phagspa"/>
+        <a:font script="Syrn" typeface="Estrangelo Edessa"/>
+        <a:font script="Syrj" typeface="Estrangelo Edessa"/>
+        <a:font script="Syre" typeface="Estrangelo Edessa"/>
+        <a:font script="Sora" typeface="Nirmala UI"/>
+        <a:font script="Tale" typeface="Microsoft Tai Le"/>
+        <a:font script="Talu" typeface="Microsoft New Tai Lue"/>
+        <a:font script="Tfng" typeface="Ebrima"/>
+      </a:minorFont>
+    </a:fontScheme>
+    <a:fmtScheme name="Office">
+      <a:fillStyleLst>
+        <a:solidFill>
+          <a:schemeClr val="phClr"/>
+        </a:solidFill>
+        <a:gradFill rotWithShape="1">
+          <a:gsLst>
+            <a:gs pos="0">
+              <a:schemeClr val="phClr">
+                <a:lumMod val="110000"/>
+                <a:satMod val="105000"/>
+                <a:tint val="67000"/>
+              </a:schemeClr>
+            </a:gs>
+            <a:gs pos="50000">
+              <a:schemeClr val="phClr">
+                <a:lumMod val="105000"/>
+                <a:satMod val="103000"/>
+                <a:tint val="73000"/>
+              </a:schemeClr>
+            </a:gs>
+            <a:gs pos="100000">
+              <a:schemeClr val="phClr">
+                <a:lumMod val="105000"/>
+                <a:satMod val="109000"/>
+                <a:tint val="81000"/>
+              </a:schemeClr>
+            </a:gs>
+          </a:gsLst>
+          <a:lin ang="5400000" scaled="0"/>
+        </a:gradFill>
+        <a:gradFill rotWithShape="1">
+          <a:gsLst>
+            <a:gs pos="0">
+              <a:schemeClr val="phClr">
+                <a:satMod val="103000"/>
+                <a:lumMod val="102000"/>
+                <a:tint val="94000"/>
+              </a:schemeClr>
+            </a:gs>
+            <a:gs pos="50000">
+              <a:schemeClr val="phClr">
+                <a:satMod val="110000"/>
+                <a:lumMod val="100000"/>
+                <a:shade val="100000"/>
+              </a:schemeClr>
+            </a:gs>
+            <a:gs pos="100000">
+              <a:schemeClr val="phClr">
+                <a:lumMod val="99000"/>
+                <a:satMod val="120000"/>
+                <a:shade val="78000"/>
+              </a:schemeClr>
+            </a:gs>
+          </a:gsLst>
+          <a:lin ang="5400000" scaled="0"/>
+        </a:gradFill>
+      </a:fillStyleLst>
+      <a:lnStyleLst>
+        <a:ln w="12700" cap="flat" cmpd="sng" algn="ctr">
+          <a:solidFill>
+            <a:schemeClr val="phClr"/>
+          </a:solidFill>
+          <a:prstDash val="solid"/>
+          <a:miter lim="800000"/>
+        </a:ln>
+        <a:ln w="19050" cap="flat" cmpd="sng" algn="ctr">
+          <a:solidFill>
+            <a:schemeClr val="phClr"/>
+          </a:solidFill>
+          <a:prstDash val="solid"/>
+          <a:miter lim="800000"/>
+        </a:ln>
+        <a:ln w="25400" cap="flat" cmpd="sng" algn="ctr">
+          <a:solidFill>
+            <a:schemeClr val="phClr"/>
+          </a:solidFill>
+          <a:prstDash val="solid"/>
+          <a:miter lim="800000"/>
+        </a:ln>
+      </a:lnStyleLst>
+      <a:effectStyleLst>
+        <a:effectStyle>
+          <a:effectLst/>
+        </a:effectStyle>
+        <a:effectStyle>
+          <a:effectLst/>
+        </a:effectStyle>
+        <a:effectStyle>
+          <a:effectLst>
+            <a:outerShdw blurRad="57150" dist="19050" dir="5400000" algn="ctr" rotWithShape="0">
+              <a:srgbClr val="000000">
+                <a:alpha val="63000"/>
+              </a:srgbClr>
+            </a:outerShdw>
+          </a:effectLst>
+        </a:effectStyle>
+      </a:effectStyleLst>
+      <a:bgFillStyleLst>
+        <a:solidFill>
+          <a:schemeClr val="phClr"/>
+        </a:solidFill>
+        <a:solidFill>
+          <a:schemeClr val="phClr">
+            <a:tint val="95000"/>
+            <a:satMod val="170000"/>
+          </a:schemeClr>
+        </a:solidFill>
+        <a:gradFill rotWithShape="1">
+          <a:gsLst>
+            <a:gs pos="0">
+              <a:schemeClr val="phClr">
+                <a:tint val="93000"/>
+                <a:satMod val="150000"/>
+                <a:shade val="98000"/>
+                <a:lumMod val="102000"/>
+              </a:schemeClr>
+            </a:gs>
+            <a:gs pos="50000">
+              <a:schemeClr val="phClr">
+                <a:tint val="98000"/>
+                <a:satMod val="130000"/>
+                <a:shade val="90000"/>
+                <a:lumMod val="103000"/>
+              </a:schemeClr>
+            </a:gs>
+            <a:gs pos="100000">
+              <a:schemeClr val="phClr">
+                <a:shade val="63000"/>
+                <a:satMod val="120000"/>
+              </a:schemeClr>
+            </a:gs>
+          </a:gsLst>
+          <a:lin ang="5400000" scaled="0"/>
+        </a:gradFill>
+      </a:bgFillStyleLst>
+    </a:fmtScheme>
+  </a:themeElements>
+  <a:objectDefaults>
+    <a:lnDef>
+      <a:spPr/>
+      <a:bodyPr/>
+      <a:lstStyle/>
+      <a:style>
+        <a:lnRef idx="2">
+          <a:schemeClr val="accent1"/>
+        </a:lnRef>
+        <a:fillRef idx="0">
+          <a:schemeClr val="accent1"/>
+        </a:fillRef>
+        <a:effectRef idx="1">
+          <a:schemeClr val="accent1"/>
+        </a:effectRef>
+        <a:fontRef idx="minor">
+          <a:schemeClr val="tx1"/>
+        </a:fontRef>
+      </a:style>
+    </a:lnDef>
+  </a:objectDefaults>
+  <a:extraClrSchemeLst/>
+  <a:extLst>
+    <a:ext uri="{05A4C25C-085E-4340-85A3-A5531E510DB2}">
+      <thm15:themeFamily xmlns:thm15="http://schemas.microsoft.com/office/thememl/2012/main" name="Office Theme" id="{2E142A2C-CD16-42D6-873A-C26D2A0506FA}" vid="{1BDDFF52-6CD6-40A5-AB3C-68EB2F1E4D0A}"/>
+    </a:ext>
+  </a:extLst>
+</a:theme>
 </file>
--- a/Presentation/Proect3_Group3.pptx
+++ b/Presentation/Proect3_Group3.pptx
@@ -4969,7 +4969,7 @@
         <p:spPr>
           <a:xfrm>
             <a:off x="502920" y="1133856"/>
-            <a:ext cx="4123944" cy="369332"/>
+            <a:ext cx="2048256" cy="369332"/>
           </a:xfrm>
           <a:prstGeom prst="rect">
             <a:avLst/>
@@ -5008,8 +5008,8 @@
         </p:nvSpPr>
         <p:spPr>
           <a:xfrm>
-            <a:off x="6215611" y="1136257"/>
-            <a:ext cx="4517044" cy="369332"/>
+            <a:off x="4011906" y="1136257"/>
+            <a:ext cx="6503694" cy="369332"/>
           </a:xfrm>
           <a:prstGeom prst="rect">
             <a:avLst/>
@@ -5057,7 +5057,7 @@
         </p:nvCxnSpPr>
         <p:spPr>
           <a:xfrm>
-            <a:off x="5181600" y="1318522"/>
+            <a:off x="2977896" y="1318522"/>
             <a:ext cx="775855" cy="0"/>
           </a:xfrm>
           <a:prstGeom prst="straightConnector1">
@@ -5097,7 +5097,7 @@
         <p:spPr>
           <a:xfrm>
             <a:off x="502920" y="2692645"/>
-            <a:ext cx="4123944" cy="369332"/>
+            <a:ext cx="2048256" cy="369332"/>
           </a:xfrm>
           <a:prstGeom prst="rect">
             <a:avLst/>
@@ -5136,8 +5136,8 @@
         </p:nvSpPr>
         <p:spPr>
           <a:xfrm>
-            <a:off x="6215610" y="2593446"/>
-            <a:ext cx="4517045" cy="1477328"/>
+            <a:off x="4011906" y="2593446"/>
+            <a:ext cx="6823734" cy="2031325"/>
           </a:xfrm>
           <a:prstGeom prst="rect">
             <a:avLst/>
@@ -5164,13 +5164,25 @@
           <a:p>
             <a:r>
               <a:rPr lang="en-US" dirty="0"/>
-              <a:t>Code Development  : Microsoft VS Code</a:t>
+              <a:t>Programing Language	: JavaScript</a:t>
             </a:r>
           </a:p>
           <a:p>
             <a:r>
               <a:rPr lang="en-US" dirty="0"/>
-              <a:t>Data Cleaning             : </a:t>
+              <a:t>Web Elements		: HTML</a:t>
+            </a:r>
+          </a:p>
+          <a:p>
+            <a:r>
+              <a:rPr lang="en-US" dirty="0"/>
+              <a:t>Code IDE		: Microsoft VS Code</a:t>
+            </a:r>
+          </a:p>
+          <a:p>
+            <a:r>
+              <a:rPr lang="en-US" dirty="0"/>
+              <a:t>Data Cleaning		: </a:t>
             </a:r>
             <a:r>
               <a:rPr lang="en-US" dirty="0" err="1"/>
@@ -5184,19 +5196,23 @@
           <a:p>
             <a:r>
               <a:rPr lang="en-US" dirty="0"/>
-              <a:t>Data Storage                : MongoDB, Excel , CSV  </a:t>
+              <a:t>Data Storage		: MongoDB, Excel , CSV  </a:t>
             </a:r>
           </a:p>
           <a:p>
             <a:r>
               <a:rPr lang="en-US" dirty="0"/>
-              <a:t>Documentation           : Microsoft Word</a:t>
-            </a:r>
-          </a:p>
-          <a:p>
+              <a:t>Documentation		: Microsoft Word</a:t>
+            </a:r>
+          </a:p>
+          <a:p>
+            <a:r>
+              <a:rPr lang="en-US"/>
+              <a:t>Project Collaboration	: </a:t>
+            </a:r>
             <a:r>
               <a:rPr lang="en-US" dirty="0"/>
-              <a:t>Project Collaboration : Git and GitHub</a:t>
+              <a:t>Git and GitHub</a:t>
             </a:r>
           </a:p>
         </p:txBody>
@@ -5217,7 +5233,7 @@
         </p:nvCxnSpPr>
         <p:spPr>
           <a:xfrm>
-            <a:off x="5172363" y="2893705"/>
+            <a:off x="2968659" y="2893705"/>
             <a:ext cx="775855" cy="0"/>
           </a:xfrm>
           <a:prstGeom prst="straightConnector1">
